--- a/docs/Синтетическая Презентация.pptx
+++ b/docs/Синтетическая Презентация.pptx
@@ -5,7 +5,7 @@
     <p:sldMasterId id="2147483648" r:id="rId1"/>
   </p:sldMasterIdLst>
   <p:notesMasterIdLst>
-    <p:notesMasterId r:id="rId29"/>
+    <p:notesMasterId r:id="rId37"/>
   </p:notesMasterIdLst>
   <p:sldIdLst>
     <p:sldId id="256" r:id="rId2"/>
@@ -21,20 +21,28 @@
     <p:sldId id="272" r:id="rId12"/>
     <p:sldId id="271" r:id="rId13"/>
     <p:sldId id="273" r:id="rId14"/>
-    <p:sldId id="277" r:id="rId15"/>
-    <p:sldId id="274" r:id="rId16"/>
-    <p:sldId id="283" r:id="rId17"/>
-    <p:sldId id="278" r:id="rId18"/>
-    <p:sldId id="279" r:id="rId19"/>
-    <p:sldId id="280" r:id="rId20"/>
-    <p:sldId id="281" r:id="rId21"/>
-    <p:sldId id="282" r:id="rId22"/>
-    <p:sldId id="284" r:id="rId23"/>
-    <p:sldId id="285" r:id="rId24"/>
-    <p:sldId id="288" r:id="rId25"/>
-    <p:sldId id="287" r:id="rId26"/>
-    <p:sldId id="275" r:id="rId27"/>
-    <p:sldId id="286" r:id="rId28"/>
+    <p:sldId id="296" r:id="rId15"/>
+    <p:sldId id="277" r:id="rId16"/>
+    <p:sldId id="274" r:id="rId17"/>
+    <p:sldId id="283" r:id="rId18"/>
+    <p:sldId id="278" r:id="rId19"/>
+    <p:sldId id="279" r:id="rId20"/>
+    <p:sldId id="289" r:id="rId21"/>
+    <p:sldId id="280" r:id="rId22"/>
+    <p:sldId id="281" r:id="rId23"/>
+    <p:sldId id="282" r:id="rId24"/>
+    <p:sldId id="284" r:id="rId25"/>
+    <p:sldId id="285" r:id="rId26"/>
+    <p:sldId id="288" r:id="rId27"/>
+    <p:sldId id="287" r:id="rId28"/>
+    <p:sldId id="290" r:id="rId29"/>
+    <p:sldId id="275" r:id="rId30"/>
+    <p:sldId id="291" r:id="rId31"/>
+    <p:sldId id="286" r:id="rId32"/>
+    <p:sldId id="292" r:id="rId33"/>
+    <p:sldId id="294" r:id="rId34"/>
+    <p:sldId id="295" r:id="rId35"/>
+    <p:sldId id="293" r:id="rId36"/>
   </p:sldIdLst>
   <p:sldSz cx="12192000" cy="6858000"/>
   <p:notesSz cx="6858000" cy="9144000"/>
@@ -133,6 +141,11 @@
       </a:defRPr>
     </a:lvl9pPr>
   </p:defaultTextStyle>
+  <p:extLst>
+    <p:ext uri="{EFAFB233-063F-42B5-8137-9DF3F51BA10A}">
+      <p15:sldGuideLst xmlns:p15="http://schemas.microsoft.com/office/powerpoint/2012/main"/>
+    </p:ext>
+  </p:extLst>
 </p:presentation>
 </file>
 
@@ -218,7 +231,7 @@
           <a:p>
             <a:fld id="{C42DCE4C-8FCE-4E80-9217-3D837E526778}" type="datetimeFigureOut">
               <a:rPr lang="ru-RU" smtClean="0"/>
-              <a:t>29.05.2018</a:t>
+              <a:t>30.05.2018</a:t>
             </a:fld>
             <a:endParaRPr lang="ru-RU"/>
           </a:p>
@@ -727,7 +740,7 @@
           <a:p>
             <a:fld id="{2C7D4A87-0084-4BF3-9A89-93A1FE43938D}" type="slidenum">
               <a:rPr lang="ru-RU" smtClean="0"/>
-              <a:t>15</a:t>
+              <a:t>16</a:t>
             </a:fld>
             <a:endParaRPr lang="ru-RU"/>
           </a:p>
@@ -877,7 +890,7 @@
           <a:p>
             <a:fld id="{D3BF58BB-47B0-4CCF-A7AE-B44675AC9136}" type="datetimeFigureOut">
               <a:rPr lang="ru-RU" smtClean="0"/>
-              <a:t>29.05.2018</a:t>
+              <a:t>30.05.2018</a:t>
             </a:fld>
             <a:endParaRPr lang="ru-RU"/>
           </a:p>
@@ -1047,7 +1060,7 @@
           <a:p>
             <a:fld id="{D3BF58BB-47B0-4CCF-A7AE-B44675AC9136}" type="datetimeFigureOut">
               <a:rPr lang="ru-RU" smtClean="0"/>
-              <a:t>29.05.2018</a:t>
+              <a:t>30.05.2018</a:t>
             </a:fld>
             <a:endParaRPr lang="ru-RU"/>
           </a:p>
@@ -1227,7 +1240,7 @@
           <a:p>
             <a:fld id="{D3BF58BB-47B0-4CCF-A7AE-B44675AC9136}" type="datetimeFigureOut">
               <a:rPr lang="ru-RU" smtClean="0"/>
-              <a:t>29.05.2018</a:t>
+              <a:t>30.05.2018</a:t>
             </a:fld>
             <a:endParaRPr lang="ru-RU"/>
           </a:p>
@@ -1446,7 +1459,7 @@
           <a:p>
             <a:fld id="{D3BF58BB-47B0-4CCF-A7AE-B44675AC9136}" type="datetimeFigureOut">
               <a:rPr lang="ru-RU" smtClean="0"/>
-              <a:t>29.05.2018</a:t>
+              <a:t>30.05.2018</a:t>
             </a:fld>
             <a:endParaRPr lang="ru-RU"/>
           </a:p>
@@ -1692,7 +1705,7 @@
           <a:p>
             <a:fld id="{D3BF58BB-47B0-4CCF-A7AE-B44675AC9136}" type="datetimeFigureOut">
               <a:rPr lang="ru-RU" smtClean="0"/>
-              <a:t>29.05.2018</a:t>
+              <a:t>30.05.2018</a:t>
             </a:fld>
             <a:endParaRPr lang="ru-RU"/>
           </a:p>
@@ -1924,7 +1937,7 @@
           <a:p>
             <a:fld id="{D3BF58BB-47B0-4CCF-A7AE-B44675AC9136}" type="datetimeFigureOut">
               <a:rPr lang="ru-RU" smtClean="0"/>
-              <a:t>29.05.2018</a:t>
+              <a:t>30.05.2018</a:t>
             </a:fld>
             <a:endParaRPr lang="ru-RU"/>
           </a:p>
@@ -2291,7 +2304,7 @@
           <a:p>
             <a:fld id="{D3BF58BB-47B0-4CCF-A7AE-B44675AC9136}" type="datetimeFigureOut">
               <a:rPr lang="ru-RU" smtClean="0"/>
-              <a:t>29.05.2018</a:t>
+              <a:t>30.05.2018</a:t>
             </a:fld>
             <a:endParaRPr lang="ru-RU"/>
           </a:p>
@@ -2409,7 +2422,7 @@
           <a:p>
             <a:fld id="{D3BF58BB-47B0-4CCF-A7AE-B44675AC9136}" type="datetimeFigureOut">
               <a:rPr lang="ru-RU" smtClean="0"/>
-              <a:t>29.05.2018</a:t>
+              <a:t>30.05.2018</a:t>
             </a:fld>
             <a:endParaRPr lang="ru-RU"/>
           </a:p>
@@ -2504,7 +2517,7 @@
           <a:p>
             <a:fld id="{D3BF58BB-47B0-4CCF-A7AE-B44675AC9136}" type="datetimeFigureOut">
               <a:rPr lang="ru-RU" smtClean="0"/>
-              <a:t>29.05.2018</a:t>
+              <a:t>30.05.2018</a:t>
             </a:fld>
             <a:endParaRPr lang="ru-RU"/>
           </a:p>
@@ -2781,7 +2794,7 @@
           <a:p>
             <a:fld id="{D3BF58BB-47B0-4CCF-A7AE-B44675AC9136}" type="datetimeFigureOut">
               <a:rPr lang="ru-RU" smtClean="0"/>
-              <a:t>29.05.2018</a:t>
+              <a:t>30.05.2018</a:t>
             </a:fld>
             <a:endParaRPr lang="ru-RU"/>
           </a:p>
@@ -3034,7 +3047,7 @@
           <a:p>
             <a:fld id="{D3BF58BB-47B0-4CCF-A7AE-B44675AC9136}" type="datetimeFigureOut">
               <a:rPr lang="ru-RU" smtClean="0"/>
-              <a:t>29.05.2018</a:t>
+              <a:t>30.05.2018</a:t>
             </a:fld>
             <a:endParaRPr lang="ru-RU"/>
           </a:p>
@@ -3247,7 +3260,7 @@
           <a:p>
             <a:fld id="{D3BF58BB-47B0-4CCF-A7AE-B44675AC9136}" type="datetimeFigureOut">
               <a:rPr lang="ru-RU" smtClean="0"/>
-              <a:t>29.05.2018</a:t>
+              <a:t>30.05.2018</a:t>
             </a:fld>
             <a:endParaRPr lang="ru-RU"/>
           </a:p>
@@ -3676,25 +3689,6 @@
           </a:p>
         </p:txBody>
       </p:sp>
-      <p:sp>
-        <p:nvSpPr>
-          <p:cNvPr id="3" name="Подзаголовок 2"/>
-          <p:cNvSpPr>
-            <a:spLocks noGrp="1"/>
-          </p:cNvSpPr>
-          <p:nvPr>
-            <p:ph type="subTitle" idx="1"/>
-          </p:nvPr>
-        </p:nvSpPr>
-        <p:spPr/>
-        <p:txBody>
-          <a:bodyPr/>
-          <a:lstStyle/>
-          <a:p>
-            <a:endParaRPr lang="ru-RU"/>
-          </a:p>
-        </p:txBody>
-      </p:sp>
     </p:spTree>
     <p:extLst>
       <p:ext uri="{BB962C8B-B14F-4D97-AF65-F5344CB8AC3E}">
@@ -4069,7 +4063,7 @@
         <p:spPr>
           <a:xfrm>
             <a:off x="383327" y="888525"/>
-            <a:ext cx="3842865" cy="2862322"/>
+            <a:ext cx="3842865" cy="3139321"/>
           </a:xfrm>
           <a:prstGeom prst="rect">
             <a:avLst/>
@@ -4096,7 +4090,19 @@
             </a:r>
             <a:r>
               <a:rPr lang="ru-RU" dirty="0" smtClean="0"/>
-              <a:t>– непустое множество «вершин-овалов», представляющее конкретные факты, </a:t>
+              <a:t>– непустое множество «</a:t>
+            </a:r>
+            <a:r>
+              <a:rPr lang="ru-RU" dirty="0" smtClean="0"/>
+              <a:t>вершин-овалов», </a:t>
+            </a:r>
+            <a:r>
+              <a:rPr lang="ru-RU" dirty="0" smtClean="0"/>
+              <a:t>представляющее конкретные </a:t>
+            </a:r>
+            <a:r>
+              <a:rPr lang="ru-RU" dirty="0" smtClean="0"/>
+              <a:t>факты\условия, </a:t>
             </a:r>
             <a:r>
               <a:rPr lang="en-US" dirty="0" smtClean="0"/>
@@ -4267,7 +4273,7 @@
         <p:spPr>
           <a:xfrm>
             <a:off x="1136549" y="2804411"/>
-            <a:ext cx="10389176" cy="954107"/>
+            <a:ext cx="10389176" cy="1384995"/>
           </a:xfrm>
           <a:prstGeom prst="rect">
             <a:avLst/>
@@ -4306,15 +4312,15 @@
             </a:r>
             <a:r>
               <a:rPr lang="en-US" sz="2800" dirty="0" smtClean="0"/>
-              <a:t>n = </a:t>
+              <a:t>n </a:t>
+            </a:r>
+            <a:r>
+              <a:rPr lang="en-US" sz="2800" dirty="0" smtClean="0"/>
+              <a:t>= </a:t>
             </a:r>
             <a:r>
               <a:rPr lang="ru-RU" sz="2800" dirty="0" smtClean="0"/>
-              <a:t>количеству нейронов на сенсорном слое нейронной сети</a:t>
-            </a:r>
-            <a:r>
-              <a:rPr lang="en-US" sz="2800" dirty="0" smtClean="0"/>
-              <a:t> </a:t>
+              <a:t>количеству связей, выходящих из каждой вершины-условия. Каждая составляющая вектора – коэффициент уверенности соответствующего факта</a:t>
             </a:r>
             <a:endParaRPr lang="ru-RU" sz="2800" dirty="0"/>
           </a:p>
@@ -4362,30 +4368,40 @@
           <a:chExt cx="0" cy="0"/>
         </a:xfrm>
       </p:grpSpPr>
-      <p:pic>
-        <p:nvPicPr>
-          <p:cNvPr id="2" name="Рисунок 1"/>
-          <p:cNvPicPr>
-            <a:picLocks noChangeAspect="1"/>
-          </p:cNvPicPr>
+      <p:sp>
+        <p:nvSpPr>
+          <p:cNvPr id="2" name="Прямоугольник 1"/>
+          <p:cNvSpPr/>
           <p:nvPr/>
-        </p:nvPicPr>
-        <p:blipFill>
-          <a:blip r:embed="rId2"/>
-          <a:stretch>
-            <a:fillRect/>
-          </a:stretch>
-        </p:blipFill>
-        <p:spPr>
-          <a:xfrm>
-            <a:off x="2011679" y="743566"/>
-            <a:ext cx="7524207" cy="4664756"/>
+        </p:nvSpPr>
+        <p:spPr>
+          <a:xfrm>
+            <a:off x="4491535" y="110721"/>
+            <a:ext cx="3679212" cy="707886"/>
           </a:xfrm>
           <a:prstGeom prst="rect">
             <a:avLst/>
           </a:prstGeom>
         </p:spPr>
-      </p:pic>
+        <p:txBody>
+          <a:bodyPr wrap="none">
+            <a:spAutoFit/>
+          </a:bodyPr>
+          <a:lstStyle/>
+          <a:p>
+            <a:pPr algn="ctr"/>
+            <a:r>
+              <a:rPr lang="ru-RU" sz="4000" dirty="0" smtClean="0">
+                <a:latin typeface="+mj-lt"/>
+              </a:rPr>
+              <a:t>Форма решения</a:t>
+            </a:r>
+            <a:endParaRPr lang="ru-RU" sz="4000" dirty="0">
+              <a:latin typeface="+mj-lt"/>
+            </a:endParaRPr>
+          </a:p>
+        </p:txBody>
+      </p:sp>
       <p:sp>
         <p:nvSpPr>
           <p:cNvPr id="3" name="TextBox 2"/>
@@ -4394,8 +4410,8 @@
         </p:nvSpPr>
         <p:spPr>
           <a:xfrm>
-            <a:off x="1427504" y="187672"/>
-            <a:ext cx="8874736" cy="461665"/>
+            <a:off x="1136549" y="2804411"/>
+            <a:ext cx="10389176" cy="1384995"/>
           </a:xfrm>
           <a:prstGeom prst="rect">
             <a:avLst/>
@@ -4408,58 +4424,66 @@
           </a:bodyPr>
           <a:lstStyle/>
           <a:p>
-            <a:pPr algn="ctr"/>
-            <a:r>
-              <a:rPr lang="ru-RU" sz="2400" dirty="0" smtClean="0">
-                <a:solidFill>
-                  <a:schemeClr val="accent5">
-                    <a:lumMod val="50000"/>
-                  </a:schemeClr>
-                </a:solidFill>
-              </a:rPr>
-              <a:t>Нейронная сеть </a:t>
-            </a:r>
-            <a:r>
-              <a:rPr lang="ru-RU" sz="2400" dirty="0" smtClean="0"/>
-              <a:t>– многослойный персептрон нерегулярного вида</a:t>
-            </a:r>
-          </a:p>
-        </p:txBody>
-      </p:sp>
-      <p:sp>
-        <p:nvSpPr>
-          <p:cNvPr id="4" name="Прямоугольник 3"/>
-          <p:cNvSpPr/>
-          <p:nvPr/>
-        </p:nvSpPr>
-        <p:spPr>
-          <a:xfrm>
-            <a:off x="2899954" y="5408322"/>
-            <a:ext cx="6096000" cy="707886"/>
-          </a:xfrm>
-          <a:prstGeom prst="rect">
-            <a:avLst/>
-          </a:prstGeom>
-        </p:spPr>
-        <p:txBody>
-          <a:bodyPr>
-            <a:spAutoFit/>
-          </a:bodyPr>
-          <a:lstStyle/>
-          <a:p>
-            <a:pPr algn="ctr"/>
-            <a:r>
-              <a:rPr lang="ru-RU" sz="2000" dirty="0"/>
-              <a:t>Структура нейронной сети должна отражать логику рассуждений эксперта</a:t>
-            </a:r>
-            <a:endParaRPr lang="ru-RU" sz="2000" dirty="0"/>
+            <a:r>
+              <a:rPr lang="en-US" sz="2800" dirty="0"/>
+              <a:t>R</a:t>
+            </a:r>
+            <a:r>
+              <a:rPr lang="en-US" sz="2800" dirty="0" smtClean="0"/>
+              <a:t>=(</a:t>
+            </a:r>
+            <a:r>
+              <a:rPr lang="en-US" sz="2800" dirty="0" smtClean="0"/>
+              <a:t>r</a:t>
+            </a:r>
+            <a:r>
+              <a:rPr lang="en-US" sz="2800" dirty="0" smtClean="0"/>
+              <a:t>1..rn</a:t>
+            </a:r>
+            <a:r>
+              <a:rPr lang="en-US" sz="2800" dirty="0" smtClean="0"/>
+              <a:t>), </a:t>
+            </a:r>
+            <a:r>
+              <a:rPr lang="ru-RU" sz="2800" dirty="0" smtClean="0"/>
+              <a:t>где </a:t>
+            </a:r>
+            <a:r>
+              <a:rPr lang="en-US" sz="2800" dirty="0" smtClean="0"/>
+              <a:t>r</a:t>
+            </a:r>
+            <a:r>
+              <a:rPr lang="en-US" sz="2800" dirty="0" smtClean="0"/>
+              <a:t>1..rn </a:t>
+            </a:r>
+            <a:r>
+              <a:rPr lang="ru-RU" sz="2800" dirty="0" smtClean="0"/>
+              <a:t>принадлежат </a:t>
+            </a:r>
+            <a:r>
+              <a:rPr lang="en-US" sz="2800" dirty="0" smtClean="0"/>
+              <a:t>[0,1],</a:t>
+            </a:r>
+            <a:r>
+              <a:rPr lang="ru-RU" sz="2800" dirty="0" smtClean="0"/>
+              <a:t> </a:t>
+            </a:r>
+            <a:r>
+              <a:rPr lang="en-US" sz="2800" dirty="0" smtClean="0"/>
+              <a:t>n = </a:t>
+            </a:r>
+            <a:r>
+              <a:rPr lang="ru-RU" sz="2800" dirty="0" smtClean="0"/>
+              <a:t>количеству вершин окончательных выводов в графе решений. Каждая составляющая вектора – коэффициент уверенности соответствующего вывода</a:t>
+            </a:r>
+            <a:endParaRPr lang="ru-RU" sz="2800" dirty="0"/>
           </a:p>
         </p:txBody>
       </p:sp>
     </p:spTree>
     <p:extLst>
       <p:ext uri="{BB962C8B-B14F-4D97-AF65-F5344CB8AC3E}">
-        <p14:creationId xmlns:p14="http://schemas.microsoft.com/office/powerpoint/2010/main" val="3773000757"/>
+        <p14:creationId xmlns:p14="http://schemas.microsoft.com/office/powerpoint/2010/main" val="1998269059"/>
       </p:ext>
     </p:extLst>
   </p:cSld>
@@ -4498,40 +4522,30 @@
           <a:chExt cx="0" cy="0"/>
         </a:xfrm>
       </p:grpSpPr>
-      <p:sp>
-        <p:nvSpPr>
-          <p:cNvPr id="2" name="Прямоугольник 1"/>
-          <p:cNvSpPr/>
+      <p:pic>
+        <p:nvPicPr>
+          <p:cNvPr id="2" name="Рисунок 1"/>
+          <p:cNvPicPr>
+            <a:picLocks noChangeAspect="1"/>
+          </p:cNvPicPr>
           <p:nvPr/>
-        </p:nvSpPr>
-        <p:spPr>
-          <a:xfrm>
-            <a:off x="304097" y="184542"/>
-            <a:ext cx="11887903" cy="646331"/>
+        </p:nvPicPr>
+        <p:blipFill>
+          <a:blip r:embed="rId3"/>
+          <a:stretch>
+            <a:fillRect/>
+          </a:stretch>
+        </p:blipFill>
+        <p:spPr>
+          <a:xfrm>
+            <a:off x="5397463" y="743565"/>
+            <a:ext cx="6640991" cy="4117192"/>
           </a:xfrm>
           <a:prstGeom prst="rect">
             <a:avLst/>
           </a:prstGeom>
         </p:spPr>
-        <p:txBody>
-          <a:bodyPr wrap="square">
-            <a:spAutoFit/>
-          </a:bodyPr>
-          <a:lstStyle/>
-          <a:p>
-            <a:pPr algn="ctr"/>
-            <a:r>
-              <a:rPr lang="ru-RU" sz="3600" dirty="0" smtClean="0">
-                <a:latin typeface="+mj-lt"/>
-              </a:rPr>
-              <a:t>Построение нейронной сети по графу решений</a:t>
-            </a:r>
-            <a:endParaRPr lang="ru-RU" sz="3600" dirty="0">
-              <a:latin typeface="+mj-lt"/>
-            </a:endParaRPr>
-          </a:p>
-        </p:txBody>
-      </p:sp>
+      </p:pic>
       <p:sp>
         <p:nvSpPr>
           <p:cNvPr id="3" name="TextBox 2"/>
@@ -4540,8 +4554,8 @@
         </p:nvSpPr>
         <p:spPr>
           <a:xfrm>
-            <a:off x="304098" y="1567793"/>
-            <a:ext cx="4959451" cy="400110"/>
+            <a:off x="1427504" y="187672"/>
+            <a:ext cx="8874736" cy="461665"/>
           </a:xfrm>
           <a:prstGeom prst="rect">
             <a:avLst/>
@@ -4554,64 +4568,247 @@
           </a:bodyPr>
           <a:lstStyle/>
           <a:p>
-            <a:r>
-              <a:rPr lang="ru-RU" sz="2000" dirty="0" smtClean="0"/>
-              <a:t>Исходящая связь из вершины-овала</a:t>
-            </a:r>
-            <a:endParaRPr lang="ru-RU" sz="2000" dirty="0"/>
-          </a:p>
-        </p:txBody>
-      </p:sp>
-      <p:sp>
-        <p:nvSpPr>
-          <p:cNvPr id="4" name="Стрелка вправо 3"/>
+            <a:pPr algn="ctr"/>
+            <a:r>
+              <a:rPr lang="ru-RU" sz="2400" dirty="0" smtClean="0">
+                <a:solidFill>
+                  <a:schemeClr val="accent5">
+                    <a:lumMod val="50000"/>
+                  </a:schemeClr>
+                </a:solidFill>
+              </a:rPr>
+              <a:t>Нейронная сеть </a:t>
+            </a:r>
+            <a:r>
+              <a:rPr lang="ru-RU" sz="2400" dirty="0" smtClean="0"/>
+              <a:t>– многослойный персептрон нерегулярного вида</a:t>
+            </a:r>
+          </a:p>
+        </p:txBody>
+      </p:sp>
+      <p:sp>
+        <p:nvSpPr>
+          <p:cNvPr id="4" name="Прямоугольник 3"/>
           <p:cNvSpPr/>
           <p:nvPr/>
         </p:nvSpPr>
         <p:spPr>
           <a:xfrm>
-            <a:off x="5899275" y="1650399"/>
-            <a:ext cx="748937" cy="234898"/>
-          </a:xfrm>
-          <a:prstGeom prst="rightArrow">
-            <a:avLst/>
-          </a:prstGeom>
-        </p:spPr>
-        <p:style>
-          <a:lnRef idx="2">
-            <a:schemeClr val="dk1">
-              <a:shade val="50000"/>
-            </a:schemeClr>
-          </a:lnRef>
-          <a:fillRef idx="1">
-            <a:schemeClr val="dk1"/>
-          </a:fillRef>
-          <a:effectRef idx="0">
-            <a:schemeClr val="dk1"/>
-          </a:effectRef>
-          <a:fontRef idx="minor">
-            <a:schemeClr val="lt1"/>
-          </a:fontRef>
-        </p:style>
-        <p:txBody>
-          <a:bodyPr rtlCol="0" anchor="ctr"/>
+            <a:off x="5835659" y="5369821"/>
+            <a:ext cx="6096000" cy="707886"/>
+          </a:xfrm>
+          <a:prstGeom prst="rect">
+            <a:avLst/>
+          </a:prstGeom>
+        </p:spPr>
+        <p:txBody>
+          <a:bodyPr>
+            <a:spAutoFit/>
+          </a:bodyPr>
           <a:lstStyle/>
           <a:p>
             <a:pPr algn="ctr"/>
+            <a:r>
+              <a:rPr lang="ru-RU" sz="2000" dirty="0"/>
+              <a:t>Структура нейронной сети должна отражать логику рассуждений эксперта</a:t>
+            </a:r>
+          </a:p>
+        </p:txBody>
+      </p:sp>
+      <p:pic>
+        <p:nvPicPr>
+          <p:cNvPr id="5" name="Picture 4"/>
+          <p:cNvPicPr>
+            <a:picLocks noChangeAspect="1"/>
+          </p:cNvPicPr>
+          <p:nvPr/>
+        </p:nvPicPr>
+        <p:blipFill>
+          <a:blip r:embed="rId4"/>
+          <a:stretch>
+            <a:fillRect/>
+          </a:stretch>
+        </p:blipFill>
+        <p:spPr>
+          <a:xfrm>
+            <a:off x="96253" y="743566"/>
+            <a:ext cx="5158288" cy="2276475"/>
+          </a:xfrm>
+          <a:prstGeom prst="rect">
+            <a:avLst/>
+          </a:prstGeom>
+        </p:spPr>
+      </p:pic>
+      <p:sp>
+        <p:nvSpPr>
+          <p:cNvPr id="9" name="Rectangle 5"/>
+          <p:cNvSpPr>
+            <a:spLocks noChangeArrowheads="1"/>
+          </p:cNvSpPr>
+          <p:nvPr/>
+        </p:nvSpPr>
+        <p:spPr bwMode="auto">
+          <a:xfrm>
+            <a:off x="1080994" y="3020040"/>
+            <a:ext cx="15773433" cy="45719"/>
+          </a:xfrm>
+          <a:prstGeom prst="rect">
+            <a:avLst/>
+          </a:prstGeom>
+          <a:noFill/>
+          <a:ln>
+            <a:noFill/>
+          </a:ln>
+          <a:effectLst/>
+          <a:extLst>
+            <a:ext uri="{909E8E84-426E-40DD-AFC4-6F175D3DCCD1}">
+              <a14:hiddenFill xmlns:a14="http://schemas.microsoft.com/office/drawing/2010/main">
+                <a:solidFill>
+                  <a:schemeClr val="accent1"/>
+                </a:solidFill>
+              </a14:hiddenFill>
+            </a:ext>
+            <a:ext uri="{91240B29-F687-4F45-9708-019B960494DF}">
+              <a14:hiddenLine xmlns:a14="http://schemas.microsoft.com/office/drawing/2010/main" w="9525">
+                <a:solidFill>
+                  <a:schemeClr val="tx1"/>
+                </a:solidFill>
+                <a:miter lim="800000"/>
+                <a:headEnd/>
+                <a:tailEnd/>
+              </a14:hiddenLine>
+            </a:ext>
+            <a:ext uri="{AF507438-7753-43E0-B8FC-AC1667EBCBE1}">
+              <a14:hiddenEffects xmlns:a14="http://schemas.microsoft.com/office/drawing/2010/main">
+                <a:effectLst>
+                  <a:outerShdw dist="35921" dir="2700000" algn="ctr" rotWithShape="0">
+                    <a:schemeClr val="bg2"/>
+                  </a:outerShdw>
+                </a:effectLst>
+              </a14:hiddenEffects>
+            </a:ext>
+          </a:extLst>
+        </p:spPr>
+        <p:txBody>
+          <a:bodyPr vert="horz" wrap="square" lIns="91440" tIns="45720" rIns="91440" bIns="45720" numCol="1" anchor="ctr" anchorCtr="0" compatLnSpc="1">
+            <a:prstTxWarp prst="textNoShape">
+              <a:avLst/>
+            </a:prstTxWarp>
+            <a:spAutoFit/>
+          </a:bodyPr>
+          <a:lstStyle/>
+          <a:p>
             <a:endParaRPr lang="ru-RU"/>
           </a:p>
         </p:txBody>
       </p:sp>
-      <p:sp>
-        <p:nvSpPr>
-          <p:cNvPr id="5" name="TextBox 4"/>
+      <p:graphicFrame>
+        <p:nvGraphicFramePr>
+          <p:cNvPr id="10" name="Object 9"/>
+          <p:cNvGraphicFramePr>
+            <a:graphicFrameLocks noChangeAspect="1"/>
+          </p:cNvGraphicFramePr>
+          <p:nvPr>
+            <p:extLst>
+              <p:ext uri="{D42A27DB-BD31-4B8C-83A1-F6EECF244321}">
+                <p14:modId xmlns:p14="http://schemas.microsoft.com/office/powerpoint/2010/main" val="1169081507"/>
+              </p:ext>
+            </p:extLst>
+          </p:nvPr>
+        </p:nvGraphicFramePr>
+        <p:xfrm>
+          <a:off x="1080995" y="3020041"/>
+          <a:ext cx="3062318" cy="847024"/>
+        </p:xfrm>
+        <a:graphic>
+          <a:graphicData uri="http://schemas.openxmlformats.org/presentationml/2006/ole">
+            <mc:AlternateContent xmlns:mc="http://schemas.openxmlformats.org/markup-compatibility/2006">
+              <mc:Choice xmlns:v="urn:schemas-microsoft-com:vml" Requires="v">
+                <p:oleObj spid="_x0000_s1037" r:id="rId5" imgW="1790700" imgH="495300" progId="Equation.3">
+                  <p:embed/>
+                </p:oleObj>
+              </mc:Choice>
+              <mc:Fallback>
+                <p:oleObj r:id="rId5" imgW="1790700" imgH="495300" progId="Equation.3">
+                  <p:embed/>
+                  <p:pic>
+                    <p:nvPicPr>
+                      <p:cNvPr id="0" name="Object 4"/>
+                      <p:cNvPicPr>
+                        <a:picLocks noChangeAspect="1" noChangeArrowheads="1"/>
+                      </p:cNvPicPr>
+                      <p:nvPr/>
+                    </p:nvPicPr>
+                    <p:blipFill>
+                      <a:blip r:embed="rId6">
+                        <a:extLst>
+                          <a:ext uri="{28A0092B-C50C-407E-A947-70E740481C1C}">
+                            <a14:useLocalDpi xmlns:a14="http://schemas.microsoft.com/office/drawing/2010/main" val="0"/>
+                          </a:ext>
+                        </a:extLst>
+                      </a:blip>
+                      <a:srcRect/>
+                      <a:stretch>
+                        <a:fillRect/>
+                      </a:stretch>
+                    </p:blipFill>
+                    <p:spPr bwMode="auto">
+                      <a:xfrm>
+                        <a:off x="1080995" y="3020041"/>
+                        <a:ext cx="3062318" cy="847024"/>
+                      </a:xfrm>
+                      <a:prstGeom prst="rect">
+                        <a:avLst/>
+                      </a:prstGeom>
+                      <a:noFill/>
+                    </p:spPr>
+                  </p:pic>
+                </p:oleObj>
+              </mc:Fallback>
+            </mc:AlternateContent>
+          </a:graphicData>
+        </a:graphic>
+      </p:graphicFrame>
+      <p:sp>
+        <p:nvSpPr>
+          <p:cNvPr id="11" name="TextBox 10"/>
           <p:cNvSpPr txBox="1"/>
           <p:nvPr/>
         </p:nvSpPr>
         <p:spPr>
           <a:xfrm>
-            <a:off x="7640990" y="1567793"/>
-            <a:ext cx="2873828" cy="400110"/>
+            <a:off x="693019" y="743565"/>
+            <a:ext cx="4156715" cy="369332"/>
+          </a:xfrm>
+          <a:prstGeom prst="rect">
+            <a:avLst/>
+          </a:prstGeom>
+          <a:noFill/>
+        </p:spPr>
+        <p:txBody>
+          <a:bodyPr wrap="none" rtlCol="0">
+            <a:spAutoFit/>
+          </a:bodyPr>
+          <a:lstStyle/>
+          <a:p>
+            <a:r>
+              <a:rPr lang="ru-RU" dirty="0" smtClean="0"/>
+              <a:t>Сигмоидальная активационная функция</a:t>
+            </a:r>
+            <a:endParaRPr lang="ru-RU" dirty="0"/>
+          </a:p>
+        </p:txBody>
+      </p:sp>
+      <p:sp>
+        <p:nvSpPr>
+          <p:cNvPr id="12" name="TextBox 11"/>
+          <p:cNvSpPr txBox="1"/>
+          <p:nvPr/>
+        </p:nvSpPr>
+        <p:spPr>
+          <a:xfrm>
+            <a:off x="239175" y="4157742"/>
+            <a:ext cx="5158288" cy="1138773"/>
           </a:xfrm>
           <a:prstGeom prst="rect">
             <a:avLst/>
@@ -4625,325 +4822,34 @@
           <a:lstStyle/>
           <a:p>
             <a:r>
-              <a:rPr lang="ru-RU" sz="2000" dirty="0" smtClean="0"/>
-              <a:t>Нейрон сенсорного слоя</a:t>
-            </a:r>
-            <a:endParaRPr lang="ru-RU" sz="2000" dirty="0"/>
-          </a:p>
-        </p:txBody>
-      </p:sp>
-      <p:sp>
-        <p:nvSpPr>
-          <p:cNvPr id="6" name="TextBox 5"/>
-          <p:cNvSpPr txBox="1"/>
-          <p:nvPr/>
-        </p:nvSpPr>
-        <p:spPr>
-          <a:xfrm>
-            <a:off x="304097" y="2229769"/>
-            <a:ext cx="4959451" cy="400110"/>
-          </a:xfrm>
-          <a:prstGeom prst="rect">
-            <a:avLst/>
-          </a:prstGeom>
-          <a:noFill/>
-        </p:spPr>
-        <p:txBody>
-          <a:bodyPr wrap="square" rtlCol="0">
-            <a:spAutoFit/>
-          </a:bodyPr>
-          <a:lstStyle/>
-          <a:p>
-            <a:r>
-              <a:rPr lang="ru-RU" sz="2000" dirty="0" smtClean="0"/>
-              <a:t>Коэффициент уверенности связи</a:t>
-            </a:r>
-            <a:endParaRPr lang="ru-RU" sz="2000" dirty="0"/>
-          </a:p>
-        </p:txBody>
-      </p:sp>
-      <p:sp>
-        <p:nvSpPr>
-          <p:cNvPr id="7" name="Стрелка вправо 6"/>
-          <p:cNvSpPr/>
-          <p:nvPr/>
-        </p:nvSpPr>
-        <p:spPr>
-          <a:xfrm>
-            <a:off x="5899275" y="2312375"/>
-            <a:ext cx="748937" cy="234898"/>
-          </a:xfrm>
-          <a:prstGeom prst="rightArrow">
-            <a:avLst/>
-          </a:prstGeom>
-        </p:spPr>
-        <p:style>
-          <a:lnRef idx="2">
-            <a:schemeClr val="dk1">
-              <a:shade val="50000"/>
-            </a:schemeClr>
-          </a:lnRef>
-          <a:fillRef idx="1">
-            <a:schemeClr val="dk1"/>
-          </a:fillRef>
-          <a:effectRef idx="0">
-            <a:schemeClr val="dk1"/>
-          </a:effectRef>
-          <a:fontRef idx="minor">
-            <a:schemeClr val="lt1"/>
-          </a:fontRef>
-        </p:style>
-        <p:txBody>
-          <a:bodyPr rtlCol="0" anchor="ctr"/>
-          <a:lstStyle/>
-          <a:p>
-            <a:pPr algn="ctr"/>
-            <a:endParaRPr lang="ru-RU"/>
-          </a:p>
-        </p:txBody>
-      </p:sp>
-      <p:sp>
-        <p:nvSpPr>
-          <p:cNvPr id="8" name="TextBox 7"/>
-          <p:cNvSpPr txBox="1"/>
-          <p:nvPr/>
-        </p:nvSpPr>
-        <p:spPr>
-          <a:xfrm>
-            <a:off x="7640989" y="2229769"/>
-            <a:ext cx="3352799" cy="400110"/>
-          </a:xfrm>
-          <a:prstGeom prst="rect">
-            <a:avLst/>
-          </a:prstGeom>
-          <a:noFill/>
-        </p:spPr>
-        <p:txBody>
-          <a:bodyPr wrap="square" rtlCol="0">
-            <a:spAutoFit/>
-          </a:bodyPr>
-          <a:lstStyle/>
-          <a:p>
-            <a:r>
-              <a:rPr lang="ru-RU" sz="2000" dirty="0" smtClean="0"/>
-              <a:t>Синаптический вес связи</a:t>
-            </a:r>
-            <a:endParaRPr lang="ru-RU" sz="2000" dirty="0"/>
-          </a:p>
-        </p:txBody>
-      </p:sp>
-      <p:sp>
-        <p:nvSpPr>
-          <p:cNvPr id="9" name="TextBox 8"/>
-          <p:cNvSpPr txBox="1"/>
-          <p:nvPr/>
-        </p:nvSpPr>
-        <p:spPr>
-          <a:xfrm>
-            <a:off x="304097" y="3351154"/>
-            <a:ext cx="4959451" cy="707886"/>
-          </a:xfrm>
-          <a:prstGeom prst="rect">
-            <a:avLst/>
-          </a:prstGeom>
-          <a:noFill/>
-        </p:spPr>
-        <p:txBody>
-          <a:bodyPr wrap="square" rtlCol="0">
-            <a:spAutoFit/>
-          </a:bodyPr>
-          <a:lstStyle/>
-          <a:p>
-            <a:r>
-              <a:rPr lang="ru-RU" sz="2000" dirty="0" smtClean="0"/>
-              <a:t>Вершина-прямоугольник без исходящих связей(окончательный вывод)</a:t>
-            </a:r>
-            <a:endParaRPr lang="ru-RU" sz="2000" dirty="0"/>
-          </a:p>
-        </p:txBody>
-      </p:sp>
-      <p:sp>
-        <p:nvSpPr>
-          <p:cNvPr id="10" name="Стрелка вправо 9"/>
-          <p:cNvSpPr/>
-          <p:nvPr/>
-        </p:nvSpPr>
-        <p:spPr>
-          <a:xfrm>
-            <a:off x="5899275" y="3433760"/>
-            <a:ext cx="748937" cy="234898"/>
-          </a:xfrm>
-          <a:prstGeom prst="rightArrow">
-            <a:avLst/>
-          </a:prstGeom>
-        </p:spPr>
-        <p:style>
-          <a:lnRef idx="2">
-            <a:schemeClr val="dk1">
-              <a:shade val="50000"/>
-            </a:schemeClr>
-          </a:lnRef>
-          <a:fillRef idx="1">
-            <a:schemeClr val="dk1"/>
-          </a:fillRef>
-          <a:effectRef idx="0">
-            <a:schemeClr val="dk1"/>
-          </a:effectRef>
-          <a:fontRef idx="minor">
-            <a:schemeClr val="lt1"/>
-          </a:fontRef>
-        </p:style>
-        <p:txBody>
-          <a:bodyPr rtlCol="0" anchor="ctr"/>
-          <a:lstStyle/>
-          <a:p>
-            <a:pPr algn="ctr"/>
-            <a:endParaRPr lang="ru-RU"/>
-          </a:p>
-        </p:txBody>
-      </p:sp>
-      <p:sp>
-        <p:nvSpPr>
-          <p:cNvPr id="11" name="TextBox 10"/>
-          <p:cNvSpPr txBox="1"/>
-          <p:nvPr/>
-        </p:nvSpPr>
-        <p:spPr>
-          <a:xfrm>
-            <a:off x="7640989" y="2889490"/>
-            <a:ext cx="4685211" cy="1323439"/>
-          </a:xfrm>
-          <a:prstGeom prst="rect">
-            <a:avLst/>
-          </a:prstGeom>
-          <a:noFill/>
-        </p:spPr>
-        <p:txBody>
-          <a:bodyPr wrap="square" rtlCol="0">
-            <a:spAutoFit/>
-          </a:bodyPr>
-          <a:lstStyle/>
-          <a:p>
-            <a:r>
-              <a:rPr lang="ru-RU" sz="2000" dirty="0" smtClean="0"/>
-              <a:t>Нейрон скрытого слоя + нейрон моторного слоя + связь между ними с синаптическим весом = коэф. </a:t>
-            </a:r>
-            <a:r>
-              <a:rPr lang="ru-RU" sz="2000" dirty="0"/>
-              <a:t>у</a:t>
-            </a:r>
-            <a:r>
-              <a:rPr lang="ru-RU" sz="2000" dirty="0" smtClean="0"/>
-              <a:t>веренности вывода</a:t>
-            </a:r>
-            <a:endParaRPr lang="ru-RU" sz="2000" dirty="0"/>
-          </a:p>
-        </p:txBody>
-      </p:sp>
-      <p:sp>
-        <p:nvSpPr>
-          <p:cNvPr id="15" name="TextBox 14"/>
-          <p:cNvSpPr txBox="1"/>
-          <p:nvPr/>
-        </p:nvSpPr>
-        <p:spPr>
-          <a:xfrm>
-            <a:off x="304097" y="4781912"/>
-            <a:ext cx="4959451" cy="707886"/>
-          </a:xfrm>
-          <a:prstGeom prst="rect">
-            <a:avLst/>
-          </a:prstGeom>
-          <a:noFill/>
-        </p:spPr>
-        <p:txBody>
-          <a:bodyPr wrap="square" rtlCol="0">
-            <a:spAutoFit/>
-          </a:bodyPr>
-          <a:lstStyle/>
-          <a:p>
-            <a:r>
-              <a:rPr lang="ru-RU" sz="2000" dirty="0" smtClean="0"/>
-              <a:t>Вершина-прямоугольник с исходящими связями(промежуточный вывод)</a:t>
-            </a:r>
-            <a:endParaRPr lang="ru-RU" sz="2000" dirty="0"/>
-          </a:p>
-        </p:txBody>
-      </p:sp>
-      <p:sp>
-        <p:nvSpPr>
-          <p:cNvPr id="16" name="Стрелка вправо 15"/>
-          <p:cNvSpPr/>
-          <p:nvPr/>
-        </p:nvSpPr>
-        <p:spPr>
-          <a:xfrm>
-            <a:off x="5899275" y="4864518"/>
-            <a:ext cx="748937" cy="234898"/>
-          </a:xfrm>
-          <a:prstGeom prst="rightArrow">
-            <a:avLst/>
-          </a:prstGeom>
-        </p:spPr>
-        <p:style>
-          <a:lnRef idx="2">
-            <a:schemeClr val="dk1">
-              <a:shade val="50000"/>
-            </a:schemeClr>
-          </a:lnRef>
-          <a:fillRef idx="1">
-            <a:schemeClr val="dk1"/>
-          </a:fillRef>
-          <a:effectRef idx="0">
-            <a:schemeClr val="dk1"/>
-          </a:effectRef>
-          <a:fontRef idx="minor">
-            <a:schemeClr val="lt1"/>
-          </a:fontRef>
-        </p:style>
-        <p:txBody>
-          <a:bodyPr rtlCol="0" anchor="ctr"/>
-          <a:lstStyle/>
-          <a:p>
-            <a:pPr algn="ctr"/>
-            <a:endParaRPr lang="ru-RU"/>
-          </a:p>
-        </p:txBody>
-      </p:sp>
-      <p:sp>
-        <p:nvSpPr>
-          <p:cNvPr id="17" name="TextBox 16"/>
-          <p:cNvSpPr txBox="1"/>
-          <p:nvPr/>
-        </p:nvSpPr>
-        <p:spPr>
-          <a:xfrm>
-            <a:off x="7640989" y="4735745"/>
-            <a:ext cx="4685211" cy="400110"/>
-          </a:xfrm>
-          <a:prstGeom prst="rect">
-            <a:avLst/>
-          </a:prstGeom>
-          <a:noFill/>
-        </p:spPr>
-        <p:txBody>
-          <a:bodyPr wrap="square" rtlCol="0">
-            <a:spAutoFit/>
-          </a:bodyPr>
-          <a:lstStyle/>
-          <a:p>
-            <a:r>
-              <a:rPr lang="ru-RU" sz="2000" dirty="0" smtClean="0"/>
-              <a:t>Нейрон скрытого слоя</a:t>
-            </a:r>
-            <a:endParaRPr lang="ru-RU" sz="2000" dirty="0"/>
+              <a:rPr lang="en-US" dirty="0" smtClean="0"/>
+              <a:t>a – </a:t>
+            </a:r>
+            <a:r>
+              <a:rPr lang="ru-RU" dirty="0" smtClean="0"/>
+              <a:t>настроечный параметр</a:t>
+            </a:r>
+          </a:p>
+          <a:p>
+            <a:r>
+              <a:rPr lang="ru-RU" sz="1600" i="1" dirty="0" smtClean="0"/>
+              <a:t>При </a:t>
+            </a:r>
+            <a:r>
+              <a:rPr lang="ru-RU" sz="1600" i="1" dirty="0"/>
+              <a:t>малых значениях настроечного параметра   функция является более пологой, нежели при больших, приближающих ее к единичной ступеньке.</a:t>
+            </a:r>
+            <a:r>
+              <a:rPr lang="ru-RU" i="1" dirty="0"/>
+              <a:t> </a:t>
+            </a:r>
           </a:p>
         </p:txBody>
       </p:sp>
     </p:spTree>
     <p:extLst>
       <p:ext uri="{BB962C8B-B14F-4D97-AF65-F5344CB8AC3E}">
-        <p14:creationId xmlns:p14="http://schemas.microsoft.com/office/powerpoint/2010/main" val="264802985"/>
+        <p14:creationId xmlns:p14="http://schemas.microsoft.com/office/powerpoint/2010/main" val="3773000757"/>
       </p:ext>
     </p:extLst>
   </p:cSld>
@@ -4984,14 +4890,48 @@
       </p:grpSpPr>
       <p:sp>
         <p:nvSpPr>
-          <p:cNvPr id="2" name="TextBox 1"/>
+          <p:cNvPr id="2" name="Прямоугольник 1"/>
+          <p:cNvSpPr/>
+          <p:nvPr/>
+        </p:nvSpPr>
+        <p:spPr>
+          <a:xfrm>
+            <a:off x="304097" y="184542"/>
+            <a:ext cx="11887903" cy="646331"/>
+          </a:xfrm>
+          <a:prstGeom prst="rect">
+            <a:avLst/>
+          </a:prstGeom>
+        </p:spPr>
+        <p:txBody>
+          <a:bodyPr wrap="square">
+            <a:spAutoFit/>
+          </a:bodyPr>
+          <a:lstStyle/>
+          <a:p>
+            <a:pPr algn="ctr"/>
+            <a:r>
+              <a:rPr lang="ru-RU" sz="3600" dirty="0" smtClean="0">
+                <a:latin typeface="+mj-lt"/>
+              </a:rPr>
+              <a:t>Построение нейронной сети по графу решений</a:t>
+            </a:r>
+            <a:endParaRPr lang="ru-RU" sz="3600" dirty="0">
+              <a:latin typeface="+mj-lt"/>
+            </a:endParaRPr>
+          </a:p>
+        </p:txBody>
+      </p:sp>
+      <p:sp>
+        <p:nvSpPr>
+          <p:cNvPr id="3" name="TextBox 2"/>
           <p:cNvSpPr txBox="1"/>
           <p:nvPr/>
         </p:nvSpPr>
         <p:spPr>
           <a:xfrm>
-            <a:off x="1008429" y="2037807"/>
-            <a:ext cx="10479238" cy="1569660"/>
+            <a:off x="304098" y="1567793"/>
+            <a:ext cx="4959451" cy="400110"/>
           </a:xfrm>
           <a:prstGeom prst="rect">
             <a:avLst/>
@@ -5004,77 +4944,396 @@
           </a:bodyPr>
           <a:lstStyle/>
           <a:p>
-            <a:pPr marL="514350" indent="-514350">
-              <a:buAutoNum type="arabicPeriod"/>
-            </a:pPr>
-            <a:r>
-              <a:rPr lang="ru-RU" sz="2400" dirty="0" smtClean="0"/>
-              <a:t>Поставить в соответствие коэффициентам уверенности пороги активационных функций</a:t>
-            </a:r>
-          </a:p>
-          <a:p>
-            <a:pPr marL="514350" indent="-514350">
-              <a:buAutoNum type="arabicPeriod"/>
-            </a:pPr>
-            <a:endParaRPr lang="ru-RU" sz="2400" dirty="0"/>
-          </a:p>
-          <a:p>
-            <a:pPr marL="514350" indent="-514350">
-              <a:buAutoNum type="arabicPeriod"/>
-            </a:pPr>
-            <a:r>
-              <a:rPr lang="ru-RU" sz="2400" dirty="0" smtClean="0"/>
-              <a:t>Поставить в соответствие коэффициентам уверенности </a:t>
-            </a:r>
-            <a:r>
-              <a:rPr lang="ru-RU" sz="2400" dirty="0" smtClean="0">
-                <a:solidFill>
-                  <a:srgbClr val="FF0000"/>
-                </a:solidFill>
-              </a:rPr>
-              <a:t>ЧТО?!</a:t>
-            </a:r>
-          </a:p>
-        </p:txBody>
-      </p:sp>
-      <p:sp>
-        <p:nvSpPr>
-          <p:cNvPr id="3" name="Прямоугольник 2"/>
+            <a:r>
+              <a:rPr lang="ru-RU" sz="2000" dirty="0" smtClean="0"/>
+              <a:t>Исходящая связь из вершины-овала</a:t>
+            </a:r>
+            <a:endParaRPr lang="ru-RU" sz="2000" dirty="0"/>
+          </a:p>
+        </p:txBody>
+      </p:sp>
+      <p:sp>
+        <p:nvSpPr>
+          <p:cNvPr id="4" name="Стрелка вправо 3"/>
           <p:cNvSpPr/>
           <p:nvPr/>
         </p:nvSpPr>
         <p:spPr>
           <a:xfrm>
-            <a:off x="304097" y="184542"/>
-            <a:ext cx="11887903" cy="1200329"/>
+            <a:off x="5899275" y="1650399"/>
+            <a:ext cx="748937" cy="234898"/>
+          </a:xfrm>
+          <a:prstGeom prst="rightArrow">
+            <a:avLst/>
+          </a:prstGeom>
+        </p:spPr>
+        <p:style>
+          <a:lnRef idx="2">
+            <a:schemeClr val="dk1">
+              <a:shade val="50000"/>
+            </a:schemeClr>
+          </a:lnRef>
+          <a:fillRef idx="1">
+            <a:schemeClr val="dk1"/>
+          </a:fillRef>
+          <a:effectRef idx="0">
+            <a:schemeClr val="dk1"/>
+          </a:effectRef>
+          <a:fontRef idx="minor">
+            <a:schemeClr val="lt1"/>
+          </a:fontRef>
+        </p:style>
+        <p:txBody>
+          <a:bodyPr rtlCol="0" anchor="ctr"/>
+          <a:lstStyle/>
+          <a:p>
+            <a:pPr algn="ctr"/>
+            <a:endParaRPr lang="ru-RU"/>
+          </a:p>
+        </p:txBody>
+      </p:sp>
+      <p:sp>
+        <p:nvSpPr>
+          <p:cNvPr id="5" name="TextBox 4"/>
+          <p:cNvSpPr txBox="1"/>
+          <p:nvPr/>
+        </p:nvSpPr>
+        <p:spPr>
+          <a:xfrm>
+            <a:off x="7640990" y="1567793"/>
+            <a:ext cx="2873828" cy="400110"/>
           </a:xfrm>
           <a:prstGeom prst="rect">
             <a:avLst/>
           </a:prstGeom>
-        </p:spPr>
-        <p:txBody>
-          <a:bodyPr wrap="square">
+          <a:noFill/>
+        </p:spPr>
+        <p:txBody>
+          <a:bodyPr wrap="square" rtlCol="0">
             <a:spAutoFit/>
           </a:bodyPr>
           <a:lstStyle/>
           <a:p>
+            <a:r>
+              <a:rPr lang="ru-RU" sz="2000" dirty="0" smtClean="0"/>
+              <a:t>Нейрон сенсорного слоя</a:t>
+            </a:r>
+            <a:endParaRPr lang="ru-RU" sz="2000" dirty="0"/>
+          </a:p>
+        </p:txBody>
+      </p:sp>
+      <p:sp>
+        <p:nvSpPr>
+          <p:cNvPr id="6" name="TextBox 5"/>
+          <p:cNvSpPr txBox="1"/>
+          <p:nvPr/>
+        </p:nvSpPr>
+        <p:spPr>
+          <a:xfrm>
+            <a:off x="304097" y="2229769"/>
+            <a:ext cx="4959451" cy="400110"/>
+          </a:xfrm>
+          <a:prstGeom prst="rect">
+            <a:avLst/>
+          </a:prstGeom>
+          <a:noFill/>
+        </p:spPr>
+        <p:txBody>
+          <a:bodyPr wrap="square" rtlCol="0">
+            <a:spAutoFit/>
+          </a:bodyPr>
+          <a:lstStyle/>
+          <a:p>
+            <a:r>
+              <a:rPr lang="ru-RU" sz="2000" dirty="0" smtClean="0"/>
+              <a:t>Коэффициент уверенности связи</a:t>
+            </a:r>
+            <a:endParaRPr lang="ru-RU" sz="2000" dirty="0"/>
+          </a:p>
+        </p:txBody>
+      </p:sp>
+      <p:sp>
+        <p:nvSpPr>
+          <p:cNvPr id="7" name="Стрелка вправо 6"/>
+          <p:cNvSpPr/>
+          <p:nvPr/>
+        </p:nvSpPr>
+        <p:spPr>
+          <a:xfrm>
+            <a:off x="5899275" y="2312375"/>
+            <a:ext cx="748937" cy="234898"/>
+          </a:xfrm>
+          <a:prstGeom prst="rightArrow">
+            <a:avLst/>
+          </a:prstGeom>
+        </p:spPr>
+        <p:style>
+          <a:lnRef idx="2">
+            <a:schemeClr val="dk1">
+              <a:shade val="50000"/>
+            </a:schemeClr>
+          </a:lnRef>
+          <a:fillRef idx="1">
+            <a:schemeClr val="dk1"/>
+          </a:fillRef>
+          <a:effectRef idx="0">
+            <a:schemeClr val="dk1"/>
+          </a:effectRef>
+          <a:fontRef idx="minor">
+            <a:schemeClr val="lt1"/>
+          </a:fontRef>
+        </p:style>
+        <p:txBody>
+          <a:bodyPr rtlCol="0" anchor="ctr"/>
+          <a:lstStyle/>
+          <a:p>
             <a:pPr algn="ctr"/>
-            <a:r>
-              <a:rPr lang="ru-RU" sz="3600" dirty="0" smtClean="0">
-                <a:latin typeface="+mj-lt"/>
-              </a:rPr>
-              <a:t>Альтернативные варианты механизма построения нейронной сети по графу решений</a:t>
-            </a:r>
-            <a:endParaRPr lang="ru-RU" sz="3600" dirty="0">
-              <a:latin typeface="+mj-lt"/>
-            </a:endParaRPr>
+            <a:endParaRPr lang="ru-RU"/>
+          </a:p>
+        </p:txBody>
+      </p:sp>
+      <p:sp>
+        <p:nvSpPr>
+          <p:cNvPr id="8" name="TextBox 7"/>
+          <p:cNvSpPr txBox="1"/>
+          <p:nvPr/>
+        </p:nvSpPr>
+        <p:spPr>
+          <a:xfrm>
+            <a:off x="7640989" y="2229769"/>
+            <a:ext cx="3352799" cy="400110"/>
+          </a:xfrm>
+          <a:prstGeom prst="rect">
+            <a:avLst/>
+          </a:prstGeom>
+          <a:noFill/>
+        </p:spPr>
+        <p:txBody>
+          <a:bodyPr wrap="square" rtlCol="0">
+            <a:spAutoFit/>
+          </a:bodyPr>
+          <a:lstStyle/>
+          <a:p>
+            <a:r>
+              <a:rPr lang="ru-RU" sz="2000" dirty="0" smtClean="0"/>
+              <a:t>Синаптический вес связи</a:t>
+            </a:r>
+            <a:endParaRPr lang="ru-RU" sz="2000" dirty="0"/>
+          </a:p>
+        </p:txBody>
+      </p:sp>
+      <p:sp>
+        <p:nvSpPr>
+          <p:cNvPr id="9" name="TextBox 8"/>
+          <p:cNvSpPr txBox="1"/>
+          <p:nvPr/>
+        </p:nvSpPr>
+        <p:spPr>
+          <a:xfrm>
+            <a:off x="304097" y="3351154"/>
+            <a:ext cx="4959451" cy="707886"/>
+          </a:xfrm>
+          <a:prstGeom prst="rect">
+            <a:avLst/>
+          </a:prstGeom>
+          <a:noFill/>
+        </p:spPr>
+        <p:txBody>
+          <a:bodyPr wrap="square" rtlCol="0">
+            <a:spAutoFit/>
+          </a:bodyPr>
+          <a:lstStyle/>
+          <a:p>
+            <a:r>
+              <a:rPr lang="ru-RU" sz="2000" dirty="0" smtClean="0"/>
+              <a:t>Вершина-прямоугольник без исходящих связей(окончательный вывод)</a:t>
+            </a:r>
+            <a:endParaRPr lang="ru-RU" sz="2000" dirty="0"/>
+          </a:p>
+        </p:txBody>
+      </p:sp>
+      <p:sp>
+        <p:nvSpPr>
+          <p:cNvPr id="10" name="Стрелка вправо 9"/>
+          <p:cNvSpPr/>
+          <p:nvPr/>
+        </p:nvSpPr>
+        <p:spPr>
+          <a:xfrm>
+            <a:off x="5899275" y="3433760"/>
+            <a:ext cx="748937" cy="234898"/>
+          </a:xfrm>
+          <a:prstGeom prst="rightArrow">
+            <a:avLst/>
+          </a:prstGeom>
+        </p:spPr>
+        <p:style>
+          <a:lnRef idx="2">
+            <a:schemeClr val="dk1">
+              <a:shade val="50000"/>
+            </a:schemeClr>
+          </a:lnRef>
+          <a:fillRef idx="1">
+            <a:schemeClr val="dk1"/>
+          </a:fillRef>
+          <a:effectRef idx="0">
+            <a:schemeClr val="dk1"/>
+          </a:effectRef>
+          <a:fontRef idx="minor">
+            <a:schemeClr val="lt1"/>
+          </a:fontRef>
+        </p:style>
+        <p:txBody>
+          <a:bodyPr rtlCol="0" anchor="ctr"/>
+          <a:lstStyle/>
+          <a:p>
+            <a:pPr algn="ctr"/>
+            <a:endParaRPr lang="ru-RU"/>
+          </a:p>
+        </p:txBody>
+      </p:sp>
+      <p:sp>
+        <p:nvSpPr>
+          <p:cNvPr id="11" name="TextBox 10"/>
+          <p:cNvSpPr txBox="1"/>
+          <p:nvPr/>
+        </p:nvSpPr>
+        <p:spPr>
+          <a:xfrm>
+            <a:off x="7640989" y="2889490"/>
+            <a:ext cx="4685211" cy="1323439"/>
+          </a:xfrm>
+          <a:prstGeom prst="rect">
+            <a:avLst/>
+          </a:prstGeom>
+          <a:noFill/>
+        </p:spPr>
+        <p:txBody>
+          <a:bodyPr wrap="square" rtlCol="0">
+            <a:spAutoFit/>
+          </a:bodyPr>
+          <a:lstStyle/>
+          <a:p>
+            <a:r>
+              <a:rPr lang="ru-RU" sz="2000" dirty="0" smtClean="0"/>
+              <a:t>Нейрон скрытого слоя + нейрон моторного слоя + связь между ними с синаптическим весом = коэф. </a:t>
+            </a:r>
+            <a:r>
+              <a:rPr lang="ru-RU" sz="2000" dirty="0"/>
+              <a:t>у</a:t>
+            </a:r>
+            <a:r>
+              <a:rPr lang="ru-RU" sz="2000" dirty="0" smtClean="0"/>
+              <a:t>веренности вывода</a:t>
+            </a:r>
+            <a:endParaRPr lang="ru-RU" sz="2000" dirty="0"/>
+          </a:p>
+        </p:txBody>
+      </p:sp>
+      <p:sp>
+        <p:nvSpPr>
+          <p:cNvPr id="15" name="TextBox 14"/>
+          <p:cNvSpPr txBox="1"/>
+          <p:nvPr/>
+        </p:nvSpPr>
+        <p:spPr>
+          <a:xfrm>
+            <a:off x="304097" y="4781912"/>
+            <a:ext cx="4959451" cy="707886"/>
+          </a:xfrm>
+          <a:prstGeom prst="rect">
+            <a:avLst/>
+          </a:prstGeom>
+          <a:noFill/>
+        </p:spPr>
+        <p:txBody>
+          <a:bodyPr wrap="square" rtlCol="0">
+            <a:spAutoFit/>
+          </a:bodyPr>
+          <a:lstStyle/>
+          <a:p>
+            <a:r>
+              <a:rPr lang="ru-RU" sz="2000" dirty="0" smtClean="0"/>
+              <a:t>Вершина-прямоугольник с исходящими связями(промежуточный вывод)</a:t>
+            </a:r>
+            <a:endParaRPr lang="ru-RU" sz="2000" dirty="0"/>
+          </a:p>
+        </p:txBody>
+      </p:sp>
+      <p:sp>
+        <p:nvSpPr>
+          <p:cNvPr id="16" name="Стрелка вправо 15"/>
+          <p:cNvSpPr/>
+          <p:nvPr/>
+        </p:nvSpPr>
+        <p:spPr>
+          <a:xfrm>
+            <a:off x="5899275" y="4864518"/>
+            <a:ext cx="748937" cy="234898"/>
+          </a:xfrm>
+          <a:prstGeom prst="rightArrow">
+            <a:avLst/>
+          </a:prstGeom>
+        </p:spPr>
+        <p:style>
+          <a:lnRef idx="2">
+            <a:schemeClr val="dk1">
+              <a:shade val="50000"/>
+            </a:schemeClr>
+          </a:lnRef>
+          <a:fillRef idx="1">
+            <a:schemeClr val="dk1"/>
+          </a:fillRef>
+          <a:effectRef idx="0">
+            <a:schemeClr val="dk1"/>
+          </a:effectRef>
+          <a:fontRef idx="minor">
+            <a:schemeClr val="lt1"/>
+          </a:fontRef>
+        </p:style>
+        <p:txBody>
+          <a:bodyPr rtlCol="0" anchor="ctr"/>
+          <a:lstStyle/>
+          <a:p>
+            <a:pPr algn="ctr"/>
+            <a:endParaRPr lang="ru-RU"/>
+          </a:p>
+        </p:txBody>
+      </p:sp>
+      <p:sp>
+        <p:nvSpPr>
+          <p:cNvPr id="17" name="TextBox 16"/>
+          <p:cNvSpPr txBox="1"/>
+          <p:nvPr/>
+        </p:nvSpPr>
+        <p:spPr>
+          <a:xfrm>
+            <a:off x="7640989" y="4735745"/>
+            <a:ext cx="4685211" cy="400110"/>
+          </a:xfrm>
+          <a:prstGeom prst="rect">
+            <a:avLst/>
+          </a:prstGeom>
+          <a:noFill/>
+        </p:spPr>
+        <p:txBody>
+          <a:bodyPr wrap="square" rtlCol="0">
+            <a:spAutoFit/>
+          </a:bodyPr>
+          <a:lstStyle/>
+          <a:p>
+            <a:r>
+              <a:rPr lang="ru-RU" sz="2000" dirty="0" smtClean="0"/>
+              <a:t>Нейрон скрытого слоя</a:t>
+            </a:r>
+            <a:endParaRPr lang="ru-RU" sz="2000" dirty="0"/>
           </a:p>
         </p:txBody>
       </p:sp>
     </p:spTree>
     <p:extLst>
       <p:ext uri="{BB962C8B-B14F-4D97-AF65-F5344CB8AC3E}">
-        <p14:creationId xmlns:p14="http://schemas.microsoft.com/office/powerpoint/2010/main" val="617455400"/>
+        <p14:creationId xmlns:p14="http://schemas.microsoft.com/office/powerpoint/2010/main" val="264802985"/>
       </p:ext>
     </p:extLst>
   </p:cSld>
@@ -5115,48 +5374,14 @@
       </p:grpSpPr>
       <p:sp>
         <p:nvSpPr>
-          <p:cNvPr id="2" name="Прямоугольник 1"/>
-          <p:cNvSpPr/>
-          <p:nvPr/>
-        </p:nvSpPr>
-        <p:spPr>
-          <a:xfrm>
-            <a:off x="304097" y="184542"/>
-            <a:ext cx="11887903" cy="646331"/>
-          </a:xfrm>
-          <a:prstGeom prst="rect">
-            <a:avLst/>
-          </a:prstGeom>
-        </p:spPr>
-        <p:txBody>
-          <a:bodyPr wrap="square">
-            <a:spAutoFit/>
-          </a:bodyPr>
-          <a:lstStyle/>
-          <a:p>
-            <a:pPr algn="ctr"/>
-            <a:r>
-              <a:rPr lang="ru-RU" sz="3600" dirty="0" smtClean="0">
-                <a:latin typeface="+mj-lt"/>
-              </a:rPr>
-              <a:t>Дообучение нейронной сети</a:t>
-            </a:r>
-            <a:endParaRPr lang="ru-RU" sz="3600" dirty="0">
-              <a:latin typeface="+mj-lt"/>
-            </a:endParaRPr>
-          </a:p>
-        </p:txBody>
-      </p:sp>
-      <p:sp>
-        <p:nvSpPr>
-          <p:cNvPr id="3" name="TextBox 2"/>
+          <p:cNvPr id="2" name="TextBox 1"/>
           <p:cNvSpPr txBox="1"/>
           <p:nvPr/>
         </p:nvSpPr>
         <p:spPr>
           <a:xfrm>
-            <a:off x="1008429" y="1515293"/>
-            <a:ext cx="10479238" cy="1569660"/>
+            <a:off x="1008429" y="2037807"/>
+            <a:ext cx="10479238" cy="1938992"/>
           </a:xfrm>
           <a:prstGeom prst="rect">
             <a:avLst/>
@@ -5174,7 +5399,7 @@
             </a:pPr>
             <a:r>
               <a:rPr lang="ru-RU" sz="2400" dirty="0" smtClean="0"/>
-              <a:t>Генетический алгоритм для непрерывного случая. Значения синаптических весов – особи. Матрица синаптических весов – популяция.</a:t>
+              <a:t>Поставить в соответствие коэффициентам уверенности пороги активационных функций</a:t>
             </a:r>
           </a:p>
           <a:p>
@@ -5189,15 +5414,62 @@
             </a:pPr>
             <a:r>
               <a:rPr lang="ru-RU" sz="2400" dirty="0" smtClean="0"/>
-              <a:t>Модификация алгоритма обратного распространения ошибки - ?</a:t>
-            </a:r>
+              <a:t>Поставить в соответствие коэффициентам уверенности </a:t>
+            </a:r>
+            <a:r>
+              <a:rPr lang="ru-RU" sz="2400" dirty="0" smtClean="0">
+                <a:solidFill>
+                  <a:srgbClr val="FF0000"/>
+                </a:solidFill>
+              </a:rPr>
+              <a:t>настроечные параметры функций?</a:t>
+            </a:r>
+            <a:endParaRPr lang="ru-RU" sz="2400" dirty="0" smtClean="0">
+              <a:solidFill>
+                <a:srgbClr val="FF0000"/>
+              </a:solidFill>
+            </a:endParaRPr>
+          </a:p>
+        </p:txBody>
+      </p:sp>
+      <p:sp>
+        <p:nvSpPr>
+          <p:cNvPr id="3" name="Прямоугольник 2"/>
+          <p:cNvSpPr/>
+          <p:nvPr/>
+        </p:nvSpPr>
+        <p:spPr>
+          <a:xfrm>
+            <a:off x="304097" y="184542"/>
+            <a:ext cx="11887903" cy="1200329"/>
+          </a:xfrm>
+          <a:prstGeom prst="rect">
+            <a:avLst/>
+          </a:prstGeom>
+        </p:spPr>
+        <p:txBody>
+          <a:bodyPr wrap="square">
+            <a:spAutoFit/>
+          </a:bodyPr>
+          <a:lstStyle/>
+          <a:p>
+            <a:pPr algn="ctr"/>
+            <a:r>
+              <a:rPr lang="ru-RU" sz="3600" dirty="0" smtClean="0">
+                <a:latin typeface="+mj-lt"/>
+              </a:rPr>
+              <a:t>Альтернативные варианты механизма построения нейронной сети по графу решений</a:t>
+            </a:r>
+            <a:endParaRPr lang="ru-RU" sz="3600" dirty="0">
+              <a:latin typeface="+mj-lt"/>
+            </a:endParaRPr>
           </a:p>
         </p:txBody>
       </p:sp>
     </p:spTree>
     <p:extLst>
       <p:ext uri="{BB962C8B-B14F-4D97-AF65-F5344CB8AC3E}">
-        <p14:creationId xmlns:p14="http://schemas.microsoft.com/office/powerpoint/2010/main" val="501895532"/>
+        <p14:creationId xmlns:p14="http://schemas.microsoft.com/office/powerpoint/2010/main" val="617455400"/>
       </p:ext>
     </p:extLst>
   </p:cSld>
@@ -5238,58 +5510,93 @@
       </p:grpSpPr>
       <p:sp>
         <p:nvSpPr>
-          <p:cNvPr id="2" name="Заголовок 1"/>
-          <p:cNvSpPr txBox="1">
-            <a:spLocks/>
-          </p:cNvSpPr>
+          <p:cNvPr id="2" name="Прямоугольник 1"/>
+          <p:cNvSpPr/>
           <p:nvPr/>
         </p:nvSpPr>
         <p:spPr>
           <a:xfrm>
-            <a:off x="351655" y="1741713"/>
-            <a:ext cx="11735842" cy="2569030"/>
+            <a:off x="304097" y="184542"/>
+            <a:ext cx="11887903" cy="646331"/>
           </a:xfrm>
           <a:prstGeom prst="rect">
             <a:avLst/>
           </a:prstGeom>
         </p:spPr>
         <p:txBody>
-          <a:bodyPr vert="horz" lIns="91440" tIns="45720" rIns="91440" bIns="45720" rtlCol="0" anchor="ctr">
-            <a:noAutofit/>
+          <a:bodyPr wrap="square">
+            <a:spAutoFit/>
           </a:bodyPr>
-          <a:lstStyle>
-            <a:lvl1pPr algn="l" defTabSz="914400" rtl="0" eaLnBrk="1" latinLnBrk="0" hangingPunct="1">
-              <a:lnSpc>
-                <a:spcPct val="90000"/>
-              </a:lnSpc>
-              <a:spcBef>
-                <a:spcPct val="0"/>
-              </a:spcBef>
-              <a:buNone/>
-              <a:defRPr sz="4400" kern="1200">
+          <a:lstStyle/>
+          <a:p>
+            <a:pPr algn="ctr"/>
+            <a:r>
+              <a:rPr lang="ru-RU" sz="3600" dirty="0" smtClean="0">
+                <a:latin typeface="+mj-lt"/>
+              </a:rPr>
+              <a:t>Дообучение нейронной сети</a:t>
+            </a:r>
+            <a:endParaRPr lang="ru-RU" sz="3600" dirty="0">
+              <a:latin typeface="+mj-lt"/>
+            </a:endParaRPr>
+          </a:p>
+        </p:txBody>
+      </p:sp>
+      <p:sp>
+        <p:nvSpPr>
+          <p:cNvPr id="3" name="TextBox 2"/>
+          <p:cNvSpPr txBox="1"/>
+          <p:nvPr/>
+        </p:nvSpPr>
+        <p:spPr>
+          <a:xfrm>
+            <a:off x="1008429" y="1515293"/>
+            <a:ext cx="10479238" cy="1569660"/>
+          </a:xfrm>
+          <a:prstGeom prst="rect">
+            <a:avLst/>
+          </a:prstGeom>
+          <a:noFill/>
+        </p:spPr>
+        <p:txBody>
+          <a:bodyPr wrap="square" rtlCol="0">
+            <a:spAutoFit/>
+          </a:bodyPr>
+          <a:lstStyle/>
+          <a:p>
+            <a:pPr marL="514350" indent="-514350">
+              <a:buAutoNum type="arabicPeriod"/>
+            </a:pPr>
+            <a:r>
+              <a:rPr lang="ru-RU" sz="2400" dirty="0" smtClean="0"/>
+              <a:t>Генетический алгоритм для непрерывного случая. Значения синаптических весов – особи. Матрица синаптических весов – популяция.</a:t>
+            </a:r>
+          </a:p>
+          <a:p>
+            <a:pPr marL="514350" indent="-514350">
+              <a:buAutoNum type="arabicPeriod"/>
+            </a:pPr>
+            <a:endParaRPr lang="ru-RU" sz="2400" dirty="0"/>
+          </a:p>
+          <a:p>
+            <a:pPr marL="514350" indent="-514350">
+              <a:buAutoNum type="arabicPeriod"/>
+            </a:pPr>
+            <a:r>
+              <a:rPr lang="ru-RU" sz="2400" dirty="0" smtClean="0">
                 <a:solidFill>
-                  <a:schemeClr val="tx1"/>
+                  <a:srgbClr val="FF0000"/>
                 </a:solidFill>
-                <a:latin typeface="+mj-lt"/>
-                <a:ea typeface="+mj-ea"/>
-                <a:cs typeface="+mj-cs"/>
-              </a:defRPr>
-            </a:lvl1pPr>
-          </a:lstStyle>
-          <a:p>
-            <a:pPr algn="ctr"/>
-            <a:r>
-              <a:rPr lang="ru-RU" sz="8000" dirty="0" smtClean="0"/>
-              <a:t>Архитектура программной системы</a:t>
-            </a:r>
-            <a:endParaRPr lang="ru-RU" sz="8000" dirty="0"/>
+              </a:rPr>
+              <a:t>Модификация алгоритма обратного распространения ошибки - ?</a:t>
+            </a:r>
           </a:p>
         </p:txBody>
       </p:sp>
     </p:spTree>
     <p:extLst>
       <p:ext uri="{BB962C8B-B14F-4D97-AF65-F5344CB8AC3E}">
-        <p14:creationId xmlns:p14="http://schemas.microsoft.com/office/powerpoint/2010/main" val="1519161513"/>
+        <p14:creationId xmlns:p14="http://schemas.microsoft.com/office/powerpoint/2010/main" val="501895532"/>
       </p:ext>
     </p:extLst>
   </p:cSld>
@@ -5328,165 +5635,60 @@
           <a:chExt cx="0" cy="0"/>
         </a:xfrm>
       </p:grpSpPr>
-      <p:pic>
-        <p:nvPicPr>
-          <p:cNvPr id="2" name="Picture 156"/>
-          <p:cNvPicPr/>
+      <p:sp>
+        <p:nvSpPr>
+          <p:cNvPr id="2" name="Заголовок 1"/>
+          <p:cNvSpPr txBox="1">
+            <a:spLocks/>
+          </p:cNvSpPr>
           <p:nvPr/>
-        </p:nvPicPr>
-        <p:blipFill>
-          <a:blip r:embed="rId2"/>
-          <a:stretch>
-            <a:fillRect/>
-          </a:stretch>
-        </p:blipFill>
-        <p:spPr>
-          <a:xfrm>
-            <a:off x="5773555" y="187053"/>
-            <a:ext cx="5661025" cy="6570980"/>
+        </p:nvSpPr>
+        <p:spPr>
+          <a:xfrm>
+            <a:off x="351655" y="1741713"/>
+            <a:ext cx="11735842" cy="2569030"/>
           </a:xfrm>
           <a:prstGeom prst="rect">
             <a:avLst/>
           </a:prstGeom>
         </p:spPr>
-      </p:pic>
-      <p:sp>
-        <p:nvSpPr>
-          <p:cNvPr id="3" name="Прямоугольник 2"/>
-          <p:cNvSpPr/>
-          <p:nvPr/>
-        </p:nvSpPr>
-        <p:spPr>
-          <a:xfrm>
-            <a:off x="428278" y="448883"/>
-            <a:ext cx="5002652" cy="400110"/>
-          </a:xfrm>
-          <a:prstGeom prst="rect">
-            <a:avLst/>
-          </a:prstGeom>
-        </p:spPr>
-        <p:txBody>
-          <a:bodyPr wrap="none">
-            <a:spAutoFit/>
+        <p:txBody>
+          <a:bodyPr vert="horz" lIns="91440" tIns="45720" rIns="91440" bIns="45720" rtlCol="0" anchor="ctr">
+            <a:noAutofit/>
           </a:bodyPr>
-          <a:lstStyle/>
-          <a:p>
-            <a:r>
-              <a:rPr lang="ru-RU" sz="2000" dirty="0" smtClean="0"/>
-              <a:t>Диаграмма классов модуля нейронной сети</a:t>
-            </a:r>
-            <a:endParaRPr lang="ru-RU" sz="2000" dirty="0"/>
-          </a:p>
-        </p:txBody>
-      </p:sp>
-      <p:sp>
-        <p:nvSpPr>
-          <p:cNvPr id="4" name="Прямоугольник 3"/>
-          <p:cNvSpPr/>
-          <p:nvPr/>
-        </p:nvSpPr>
-        <p:spPr>
-          <a:xfrm>
-            <a:off x="-322445" y="4771275"/>
-            <a:ext cx="6096000" cy="2086725"/>
-          </a:xfrm>
-          <a:prstGeom prst="rect">
-            <a:avLst/>
-          </a:prstGeom>
-        </p:spPr>
-        <p:txBody>
-          <a:bodyPr>
-            <a:spAutoFit/>
-          </a:bodyPr>
-          <a:lstStyle/>
-          <a:p>
-            <a:pPr marL="457200" algn="just">
+          <a:lstStyle>
+            <a:lvl1pPr algn="l" defTabSz="914400" rtl="0" eaLnBrk="1" latinLnBrk="0" hangingPunct="1">
               <a:lnSpc>
-                <a:spcPct val="130000"/>
+                <a:spcPct val="90000"/>
               </a:lnSpc>
-              <a:spcAft>
-                <a:spcPts val="0"/>
-              </a:spcAft>
-              <a:tabLst>
-                <a:tab pos="180340" algn="l"/>
-                <a:tab pos="449580" algn="l"/>
-              </a:tabLst>
-            </a:pPr>
-            <a:r>
-              <a:rPr lang="ru-RU" dirty="0">
-                <a:ea typeface="Times New Roman" panose="02020603050405020304" pitchFamily="18" charset="0"/>
-              </a:rPr>
-              <a:t>Основные компоненты: </a:t>
-            </a:r>
-            <a:r>
-              <a:rPr lang="en-US" dirty="0">
-                <a:ea typeface="Times New Roman" panose="02020603050405020304" pitchFamily="18" charset="0"/>
-              </a:rPr>
-              <a:t>NeuralNet</a:t>
-            </a:r>
-            <a:r>
-              <a:rPr lang="ru-RU" dirty="0">
-                <a:ea typeface="Times New Roman" panose="02020603050405020304" pitchFamily="18" charset="0"/>
-              </a:rPr>
-              <a:t> – класс нейронной сети, агрегирует класс </a:t>
-            </a:r>
-            <a:r>
-              <a:rPr lang="en-US" dirty="0">
-                <a:ea typeface="Times New Roman" panose="02020603050405020304" pitchFamily="18" charset="0"/>
-              </a:rPr>
-              <a:t>NeuralLevel </a:t>
-            </a:r>
-            <a:r>
-              <a:rPr lang="ru-RU" dirty="0">
-                <a:ea typeface="Times New Roman" panose="02020603050405020304" pitchFamily="18" charset="0"/>
-              </a:rPr>
-              <a:t>– класс слоя нейронной сети -  агрегирует </a:t>
-            </a:r>
-            <a:r>
-              <a:rPr lang="en-US" dirty="0">
-                <a:ea typeface="Times New Roman" panose="02020603050405020304" pitchFamily="18" charset="0"/>
-              </a:rPr>
-              <a:t>Neuron </a:t>
-            </a:r>
-            <a:r>
-              <a:rPr lang="ru-RU" dirty="0">
-                <a:ea typeface="Times New Roman" panose="02020603050405020304" pitchFamily="18" charset="0"/>
-              </a:rPr>
-              <a:t>– класс нейрона – агрегирует </a:t>
-            </a:r>
-            <a:r>
-              <a:rPr lang="en-US" dirty="0">
-                <a:ea typeface="Times New Roman" panose="02020603050405020304" pitchFamily="18" charset="0"/>
-              </a:rPr>
-              <a:t>Link </a:t>
-            </a:r>
-            <a:r>
-              <a:rPr lang="ru-RU" dirty="0">
-                <a:ea typeface="Times New Roman" panose="02020603050405020304" pitchFamily="18" charset="0"/>
-              </a:rPr>
-              <a:t>– класс связи нейронной сети</a:t>
-            </a:r>
-          </a:p>
-          <a:p>
-            <a:r>
-              <a:rPr lang="ru-RU" dirty="0">
-                <a:ea typeface="Times New Roman" panose="02020603050405020304" pitchFamily="18" charset="0"/>
-              </a:rPr>
-              <a:t/>
-            </a:r>
-            <a:br>
-              <a:rPr lang="ru-RU" dirty="0">
-                <a:ea typeface="Times New Roman" panose="02020603050405020304" pitchFamily="18" charset="0"/>
-              </a:rPr>
-            </a:br>
-            <a:endParaRPr lang="ru-RU" dirty="0"/>
+              <a:spcBef>
+                <a:spcPct val="0"/>
+              </a:spcBef>
+              <a:buNone/>
+              <a:defRPr sz="4400" kern="1200">
+                <a:solidFill>
+                  <a:schemeClr val="tx1"/>
+                </a:solidFill>
+                <a:latin typeface="+mj-lt"/>
+                <a:ea typeface="+mj-ea"/>
+                <a:cs typeface="+mj-cs"/>
+              </a:defRPr>
+            </a:lvl1pPr>
+          </a:lstStyle>
+          <a:p>
+            <a:pPr algn="ctr"/>
+            <a:r>
+              <a:rPr lang="ru-RU" sz="8000" dirty="0" smtClean="0"/>
+              <a:t>Архитектура программной системы</a:t>
+            </a:r>
+            <a:endParaRPr lang="ru-RU" sz="8000" dirty="0"/>
           </a:p>
         </p:txBody>
       </p:sp>
     </p:spTree>
     <p:extLst>
       <p:ext uri="{BB962C8B-B14F-4D97-AF65-F5344CB8AC3E}">
-        <p14:creationId xmlns:p14="http://schemas.microsoft.com/office/powerpoint/2010/main" val="1605308272"/>
+        <p14:creationId xmlns:p14="http://schemas.microsoft.com/office/powerpoint/2010/main" val="1519161513"/>
       </p:ext>
     </p:extLst>
   </p:cSld>
@@ -5626,39 +5828,12 @@
           <a:chExt cx="0" cy="0"/>
         </a:xfrm>
       </p:grpSpPr>
-      <p:sp>
-        <p:nvSpPr>
-          <p:cNvPr id="4" name="Прямоугольник 3"/>
-          <p:cNvSpPr/>
-          <p:nvPr/>
-        </p:nvSpPr>
-        <p:spPr>
-          <a:xfrm>
-            <a:off x="428278" y="448883"/>
-            <a:ext cx="6090963" cy="400110"/>
-          </a:xfrm>
-          <a:prstGeom prst="rect">
-            <a:avLst/>
-          </a:prstGeom>
-        </p:spPr>
-        <p:txBody>
-          <a:bodyPr wrap="none">
-            <a:spAutoFit/>
-          </a:bodyPr>
-          <a:lstStyle/>
-          <a:p>
-            <a:r>
-              <a:rPr lang="ru-RU" sz="2000" dirty="0" smtClean="0"/>
-              <a:t>Диаграмма классов модуля обучения нейронной сети</a:t>
-            </a:r>
-            <a:endParaRPr lang="ru-RU" sz="2000" dirty="0"/>
-          </a:p>
-        </p:txBody>
-      </p:sp>
       <p:pic>
         <p:nvPicPr>
-          <p:cNvPr id="5" name="Picture 158"/>
-          <p:cNvPicPr/>
+          <p:cNvPr id="3" name="Picture 2"/>
+          <p:cNvPicPr>
+            <a:picLocks noChangeAspect="1"/>
+          </p:cNvPicPr>
           <p:nvPr/>
         </p:nvPicPr>
         <p:blipFill>
@@ -5669,97 +5844,18 @@
         </p:blipFill>
         <p:spPr>
           <a:xfrm>
-            <a:off x="6060576" y="1156470"/>
-            <a:ext cx="5940425" cy="4196715"/>
+            <a:off x="1332190" y="0"/>
+            <a:ext cx="9527620" cy="6858000"/>
           </a:xfrm>
           <a:prstGeom prst="rect">
             <a:avLst/>
           </a:prstGeom>
         </p:spPr>
       </p:pic>
-      <p:sp>
-        <p:nvSpPr>
-          <p:cNvPr id="6" name="Прямоугольник 5"/>
-          <p:cNvSpPr/>
-          <p:nvPr/>
-        </p:nvSpPr>
-        <p:spPr>
-          <a:xfrm>
-            <a:off x="-278902" y="4061229"/>
-            <a:ext cx="6096000" cy="2583912"/>
-          </a:xfrm>
-          <a:prstGeom prst="rect">
-            <a:avLst/>
-          </a:prstGeom>
-        </p:spPr>
-        <p:txBody>
-          <a:bodyPr>
-            <a:spAutoFit/>
-          </a:bodyPr>
-          <a:lstStyle/>
-          <a:p>
-            <a:pPr marL="457200" algn="just">
-              <a:lnSpc>
-                <a:spcPct val="130000"/>
-              </a:lnSpc>
-              <a:spcAft>
-                <a:spcPts val="0"/>
-              </a:spcAft>
-              <a:tabLst>
-                <a:tab pos="180340" algn="l"/>
-                <a:tab pos="449580" algn="l"/>
-              </a:tabLst>
-            </a:pPr>
-            <a:r>
-              <a:rPr lang="ru-RU" dirty="0" smtClean="0">
-                <a:ea typeface="Times New Roman" panose="02020603050405020304" pitchFamily="18" charset="0"/>
-              </a:rPr>
-              <a:t>Основные компоненты: </a:t>
-            </a:r>
-            <a:r>
-              <a:rPr lang="en-US" dirty="0" smtClean="0">
-                <a:ea typeface="Times New Roman" panose="02020603050405020304" pitchFamily="18" charset="0"/>
-              </a:rPr>
-              <a:t>Teacher – </a:t>
-            </a:r>
-            <a:r>
-              <a:rPr lang="ru-RU" dirty="0" smtClean="0">
-                <a:ea typeface="Times New Roman" panose="02020603050405020304" pitchFamily="18" charset="0"/>
-              </a:rPr>
-              <a:t>модуль обучения нейронной сети, с помощью паттерна стратегия позволяет настраивать стратегию обучения(</a:t>
-            </a:r>
-            <a:r>
-              <a:rPr lang="en-US" dirty="0" smtClean="0">
-                <a:ea typeface="Times New Roman" panose="02020603050405020304" pitchFamily="18" charset="0"/>
-              </a:rPr>
-              <a:t>ITeachingStrategy) – GeneticTeaching – </a:t>
-            </a:r>
-            <a:r>
-              <a:rPr lang="ru-RU" dirty="0" smtClean="0">
-                <a:ea typeface="Times New Roman" panose="02020603050405020304" pitchFamily="18" charset="0"/>
-              </a:rPr>
-              <a:t>класс обучения с помощью генетического алгоритма, или </a:t>
-            </a:r>
-            <a:r>
-              <a:rPr lang="en-US" dirty="0" smtClean="0">
-                <a:ea typeface="Times New Roman" panose="02020603050405020304" pitchFamily="18" charset="0"/>
-              </a:rPr>
-              <a:t>BackPropagationTeaching – </a:t>
-            </a:r>
-            <a:r>
-              <a:rPr lang="ru-RU" dirty="0" smtClean="0">
-                <a:ea typeface="Times New Roman" panose="02020603050405020304" pitchFamily="18" charset="0"/>
-              </a:rPr>
-              <a:t>класс обучения с помощью алгоритма обратного распространения ошибки</a:t>
-            </a:r>
-            <a:endParaRPr lang="ru-RU" dirty="0"/>
-          </a:p>
-        </p:txBody>
-      </p:sp>
     </p:spTree>
     <p:extLst>
       <p:ext uri="{BB962C8B-B14F-4D97-AF65-F5344CB8AC3E}">
-        <p14:creationId xmlns:p14="http://schemas.microsoft.com/office/powerpoint/2010/main" val="4157549777"/>
+        <p14:creationId xmlns:p14="http://schemas.microsoft.com/office/powerpoint/2010/main" val="3746434453"/>
       </p:ext>
     </p:extLst>
   </p:cSld>
@@ -5800,7 +5896,7 @@
       </p:grpSpPr>
       <p:pic>
         <p:nvPicPr>
-          <p:cNvPr id="2" name="Picture 160"/>
+          <p:cNvPr id="2" name="Picture 156"/>
           <p:cNvPicPr/>
           <p:nvPr/>
         </p:nvPicPr>
@@ -5812,8 +5908,8 @@
         </p:blipFill>
         <p:spPr>
           <a:xfrm>
-            <a:off x="5703524" y="1058589"/>
-            <a:ext cx="5940425" cy="4340225"/>
+            <a:off x="5773555" y="187053"/>
+            <a:ext cx="5661025" cy="6570980"/>
           </a:xfrm>
           <a:prstGeom prst="rect">
             <a:avLst/>
@@ -5829,7 +5925,7 @@
         <p:spPr>
           <a:xfrm>
             <a:off x="428278" y="448883"/>
-            <a:ext cx="6331541" cy="400110"/>
+            <a:ext cx="5002652" cy="400110"/>
           </a:xfrm>
           <a:prstGeom prst="rect">
             <a:avLst/>
@@ -5843,7 +5939,7 @@
           <a:p>
             <a:r>
               <a:rPr lang="ru-RU" sz="2000" dirty="0" smtClean="0"/>
-              <a:t>Диаграмма классов модуля построения нейронной сети</a:t>
+              <a:t>Диаграмма классов модуля нейронной сети</a:t>
             </a:r>
             <a:endParaRPr lang="ru-RU" sz="2000" dirty="0"/>
           </a:p>
@@ -5857,20 +5953,20 @@
         </p:nvSpPr>
         <p:spPr>
           <a:xfrm>
-            <a:off x="428278" y="3881844"/>
-            <a:ext cx="8062579" cy="2613023"/>
+            <a:off x="-322445" y="4771275"/>
+            <a:ext cx="6096000" cy="2086725"/>
           </a:xfrm>
           <a:prstGeom prst="rect">
             <a:avLst/>
           </a:prstGeom>
         </p:spPr>
         <p:txBody>
-          <a:bodyPr wrap="square">
+          <a:bodyPr>
             <a:spAutoFit/>
           </a:bodyPr>
           <a:lstStyle/>
           <a:p>
-            <a:pPr algn="just">
+            <a:pPr marL="457200" algn="just">
               <a:lnSpc>
                 <a:spcPct val="130000"/>
               </a:lnSpc>
@@ -5879,6 +5975,7 @@
               </a:spcAft>
               <a:tabLst>
                 <a:tab pos="180340" algn="l"/>
+                <a:tab pos="449580" algn="l"/>
               </a:tabLst>
             </a:pPr>
             <a:r>
@@ -5891,69 +5988,71 @@
               <a:rPr lang="en-US" dirty="0">
                 <a:ea typeface="Times New Roman" panose="02020603050405020304" pitchFamily="18" charset="0"/>
               </a:rPr>
-              <a:t>Builder</a:t>
+              <a:t>NeuralNet</a:t>
             </a:r>
             <a:r>
               <a:rPr lang="ru-RU" dirty="0">
                 <a:ea typeface="Times New Roman" panose="02020603050405020304" pitchFamily="18" charset="0"/>
               </a:rPr>
-              <a:t> – модуль </a:t>
-            </a:r>
-            <a:r>
-              <a:rPr lang="ru-RU" dirty="0" smtClean="0">
+              <a:t> – класс нейронной сети, агрегирует класс </a:t>
+            </a:r>
+            <a:r>
+              <a:rPr lang="en-US" dirty="0">
                 <a:ea typeface="Times New Roman" panose="02020603050405020304" pitchFamily="18" charset="0"/>
               </a:rPr>
-              <a:t>построения </a:t>
+              <a:t>NeuralLevel </a:t>
             </a:r>
             <a:r>
               <a:rPr lang="ru-RU" dirty="0">
                 <a:ea typeface="Times New Roman" panose="02020603050405020304" pitchFamily="18" charset="0"/>
               </a:rPr>
-              <a:t>нейронной сети, с помощью паттерна стратегия позволяет настраивать стратегию построения нейронной сети(</a:t>
+              <a:t>– класс слоя нейронной сети -  агрегирует </a:t>
             </a:r>
             <a:r>
               <a:rPr lang="en-US" dirty="0">
                 <a:ea typeface="Times New Roman" panose="02020603050405020304" pitchFamily="18" charset="0"/>
               </a:rPr>
-              <a:t>IBuildingStrategy</a:t>
+              <a:t>Neuron </a:t>
             </a:r>
             <a:r>
               <a:rPr lang="ru-RU" dirty="0">
                 <a:ea typeface="Times New Roman" panose="02020603050405020304" pitchFamily="18" charset="0"/>
               </a:rPr>
-              <a:t>) – </a:t>
+              <a:t>– класс нейрона – агрегирует </a:t>
             </a:r>
             <a:r>
               <a:rPr lang="en-US" dirty="0">
                 <a:ea typeface="Times New Roman" panose="02020603050405020304" pitchFamily="18" charset="0"/>
               </a:rPr>
-              <a:t>CoefsToThreshholdsBuilder</a:t>
+              <a:t>Link </a:t>
             </a:r>
             <a:r>
               <a:rPr lang="ru-RU" dirty="0">
                 <a:ea typeface="Times New Roman" panose="02020603050405020304" pitchFamily="18" charset="0"/>
               </a:rPr>
-              <a:t>– класс построения с помощью перевода коэффициентов уверенности в пороги активационных функций, или </a:t>
-            </a:r>
-            <a:r>
-              <a:rPr lang="en-US" dirty="0">
-                <a:ea typeface="Times New Roman" panose="02020603050405020304" pitchFamily="18" charset="0"/>
-              </a:rPr>
-              <a:t>CoefsToValuesBuilding </a:t>
-            </a:r>
+              <a:t>– класс связи нейронной сети</a:t>
+            </a:r>
+          </a:p>
+          <a:p>
             <a:r>
               <a:rPr lang="ru-RU" dirty="0">
                 <a:ea typeface="Times New Roman" panose="02020603050405020304" pitchFamily="18" charset="0"/>
               </a:rPr>
-              <a:t>– класс построения нейронной сети с помощью перевода коэффициентов уверенности в синаптические веса нейронов.</a:t>
-            </a:r>
+              <a:t/>
+            </a:r>
+            <a:br>
+              <a:rPr lang="ru-RU" dirty="0">
+                <a:ea typeface="Times New Roman" panose="02020603050405020304" pitchFamily="18" charset="0"/>
+              </a:rPr>
+            </a:br>
+            <a:endParaRPr lang="ru-RU" dirty="0"/>
           </a:p>
         </p:txBody>
       </p:sp>
     </p:spTree>
     <p:extLst>
       <p:ext uri="{BB962C8B-B14F-4D97-AF65-F5344CB8AC3E}">
-        <p14:creationId xmlns:p14="http://schemas.microsoft.com/office/powerpoint/2010/main" val="1996999891"/>
+        <p14:creationId xmlns:p14="http://schemas.microsoft.com/office/powerpoint/2010/main" val="1605308272"/>
       </p:ext>
     </p:extLst>
   </p:cSld>
@@ -5994,14 +6093,14 @@
       </p:grpSpPr>
       <p:sp>
         <p:nvSpPr>
-          <p:cNvPr id="3" name="Прямоугольник 2"/>
+          <p:cNvPr id="4" name="Прямоугольник 3"/>
           <p:cNvSpPr/>
           <p:nvPr/>
         </p:nvSpPr>
         <p:spPr>
           <a:xfrm>
             <a:off x="428278" y="448883"/>
-            <a:ext cx="4922373" cy="400110"/>
+            <a:ext cx="6090963" cy="400110"/>
           </a:xfrm>
           <a:prstGeom prst="rect">
             <a:avLst/>
@@ -6015,7 +6114,7 @@
           <a:p>
             <a:r>
               <a:rPr lang="ru-RU" sz="2000" dirty="0" smtClean="0"/>
-              <a:t>Общая диаграмма классов нейронной сети</a:t>
+              <a:t>Диаграмма классов модуля обучения нейронной сети</a:t>
             </a:r>
             <a:endParaRPr lang="ru-RU" sz="2000" dirty="0"/>
           </a:p>
@@ -6023,10 +6122,8 @@
       </p:sp>
       <p:pic>
         <p:nvPicPr>
-          <p:cNvPr id="5" name="Рисунок 4"/>
-          <p:cNvPicPr>
-            <a:picLocks noChangeAspect="1"/>
-          </p:cNvPicPr>
+          <p:cNvPr id="5" name="Picture 158"/>
+          <p:cNvPicPr/>
           <p:nvPr/>
         </p:nvPicPr>
         <p:blipFill>
@@ -6037,18 +6134,97 @@
         </p:blipFill>
         <p:spPr>
           <a:xfrm>
-            <a:off x="0" y="848992"/>
-            <a:ext cx="12462992" cy="5856607"/>
+            <a:off x="6060576" y="1156470"/>
+            <a:ext cx="5940425" cy="4196715"/>
           </a:xfrm>
           <a:prstGeom prst="rect">
             <a:avLst/>
           </a:prstGeom>
         </p:spPr>
       </p:pic>
+      <p:sp>
+        <p:nvSpPr>
+          <p:cNvPr id="6" name="Прямоугольник 5"/>
+          <p:cNvSpPr/>
+          <p:nvPr/>
+        </p:nvSpPr>
+        <p:spPr>
+          <a:xfrm>
+            <a:off x="-278902" y="4061229"/>
+            <a:ext cx="6096000" cy="2583912"/>
+          </a:xfrm>
+          <a:prstGeom prst="rect">
+            <a:avLst/>
+          </a:prstGeom>
+        </p:spPr>
+        <p:txBody>
+          <a:bodyPr>
+            <a:spAutoFit/>
+          </a:bodyPr>
+          <a:lstStyle/>
+          <a:p>
+            <a:pPr marL="457200" algn="just">
+              <a:lnSpc>
+                <a:spcPct val="130000"/>
+              </a:lnSpc>
+              <a:spcAft>
+                <a:spcPts val="0"/>
+              </a:spcAft>
+              <a:tabLst>
+                <a:tab pos="180340" algn="l"/>
+                <a:tab pos="449580" algn="l"/>
+              </a:tabLst>
+            </a:pPr>
+            <a:r>
+              <a:rPr lang="ru-RU" dirty="0" smtClean="0">
+                <a:ea typeface="Times New Roman" panose="02020603050405020304" pitchFamily="18" charset="0"/>
+              </a:rPr>
+              <a:t>Основные компоненты: </a:t>
+            </a:r>
+            <a:r>
+              <a:rPr lang="en-US" dirty="0" smtClean="0">
+                <a:ea typeface="Times New Roman" panose="02020603050405020304" pitchFamily="18" charset="0"/>
+              </a:rPr>
+              <a:t>Teacher – </a:t>
+            </a:r>
+            <a:r>
+              <a:rPr lang="ru-RU" dirty="0" smtClean="0">
+                <a:ea typeface="Times New Roman" panose="02020603050405020304" pitchFamily="18" charset="0"/>
+              </a:rPr>
+              <a:t>модуль обучения нейронной сети, с помощью паттерна стратегия позволяет настраивать стратегию обучения(</a:t>
+            </a:r>
+            <a:r>
+              <a:rPr lang="en-US" dirty="0" smtClean="0">
+                <a:ea typeface="Times New Roman" panose="02020603050405020304" pitchFamily="18" charset="0"/>
+              </a:rPr>
+              <a:t>ITeachingStrategy) – GeneticTeaching – </a:t>
+            </a:r>
+            <a:r>
+              <a:rPr lang="ru-RU" dirty="0" smtClean="0">
+                <a:ea typeface="Times New Roman" panose="02020603050405020304" pitchFamily="18" charset="0"/>
+              </a:rPr>
+              <a:t>класс обучения с помощью генетического алгоритма, или </a:t>
+            </a:r>
+            <a:r>
+              <a:rPr lang="en-US" dirty="0" smtClean="0">
+                <a:ea typeface="Times New Roman" panose="02020603050405020304" pitchFamily="18" charset="0"/>
+              </a:rPr>
+              <a:t>BackPropagationTeaching – </a:t>
+            </a:r>
+            <a:r>
+              <a:rPr lang="ru-RU" dirty="0" smtClean="0">
+                <a:ea typeface="Times New Roman" panose="02020603050405020304" pitchFamily="18" charset="0"/>
+              </a:rPr>
+              <a:t>класс обучения с помощью алгоритма обратного распространения ошибки</a:t>
+            </a:r>
+            <a:endParaRPr lang="ru-RU" dirty="0"/>
+          </a:p>
+        </p:txBody>
+      </p:sp>
     </p:spTree>
     <p:extLst>
       <p:ext uri="{BB962C8B-B14F-4D97-AF65-F5344CB8AC3E}">
-        <p14:creationId xmlns:p14="http://schemas.microsoft.com/office/powerpoint/2010/main" val="2585158333"/>
+        <p14:creationId xmlns:p14="http://schemas.microsoft.com/office/powerpoint/2010/main" val="4157549777"/>
       </p:ext>
     </p:extLst>
   </p:cSld>
@@ -6087,60 +6263,162 @@
           <a:chExt cx="0" cy="0"/>
         </a:xfrm>
       </p:grpSpPr>
-      <p:sp>
-        <p:nvSpPr>
-          <p:cNvPr id="2" name="Заголовок 1"/>
-          <p:cNvSpPr txBox="1">
-            <a:spLocks/>
-          </p:cNvSpPr>
+      <p:pic>
+        <p:nvPicPr>
+          <p:cNvPr id="2" name="Picture 160"/>
+          <p:cNvPicPr/>
           <p:nvPr/>
-        </p:nvSpPr>
-        <p:spPr>
-          <a:xfrm>
-            <a:off x="351655" y="1741713"/>
-            <a:ext cx="11735842" cy="2569030"/>
+        </p:nvPicPr>
+        <p:blipFill>
+          <a:blip r:embed="rId2"/>
+          <a:stretch>
+            <a:fillRect/>
+          </a:stretch>
+        </p:blipFill>
+        <p:spPr>
+          <a:xfrm>
+            <a:off x="5703524" y="1058589"/>
+            <a:ext cx="5940425" cy="4340225"/>
           </a:xfrm>
           <a:prstGeom prst="rect">
             <a:avLst/>
           </a:prstGeom>
         </p:spPr>
-        <p:txBody>
-          <a:bodyPr vert="horz" lIns="91440" tIns="45720" rIns="91440" bIns="45720" rtlCol="0" anchor="ctr">
-            <a:noAutofit/>
+      </p:pic>
+      <p:sp>
+        <p:nvSpPr>
+          <p:cNvPr id="3" name="Прямоугольник 2"/>
+          <p:cNvSpPr/>
+          <p:nvPr/>
+        </p:nvSpPr>
+        <p:spPr>
+          <a:xfrm>
+            <a:off x="428278" y="448883"/>
+            <a:ext cx="6331541" cy="400110"/>
+          </a:xfrm>
+          <a:prstGeom prst="rect">
+            <a:avLst/>
+          </a:prstGeom>
+        </p:spPr>
+        <p:txBody>
+          <a:bodyPr wrap="none">
+            <a:spAutoFit/>
           </a:bodyPr>
-          <a:lstStyle>
-            <a:lvl1pPr algn="l" defTabSz="914400" rtl="0" eaLnBrk="1" latinLnBrk="0" hangingPunct="1">
+          <a:lstStyle/>
+          <a:p>
+            <a:r>
+              <a:rPr lang="ru-RU" sz="2000" dirty="0" smtClean="0"/>
+              <a:t>Диаграмма классов модуля построения нейронной сети</a:t>
+            </a:r>
+            <a:endParaRPr lang="ru-RU" sz="2000" dirty="0"/>
+          </a:p>
+        </p:txBody>
+      </p:sp>
+      <p:sp>
+        <p:nvSpPr>
+          <p:cNvPr id="4" name="Прямоугольник 3"/>
+          <p:cNvSpPr/>
+          <p:nvPr/>
+        </p:nvSpPr>
+        <p:spPr>
+          <a:xfrm>
+            <a:off x="428278" y="3881844"/>
+            <a:ext cx="8062579" cy="2613023"/>
+          </a:xfrm>
+          <a:prstGeom prst="rect">
+            <a:avLst/>
+          </a:prstGeom>
+        </p:spPr>
+        <p:txBody>
+          <a:bodyPr wrap="square">
+            <a:spAutoFit/>
+          </a:bodyPr>
+          <a:lstStyle/>
+          <a:p>
+            <a:pPr algn="just">
               <a:lnSpc>
-                <a:spcPct val="90000"/>
+                <a:spcPct val="130000"/>
               </a:lnSpc>
-              <a:spcBef>
-                <a:spcPct val="0"/>
-              </a:spcBef>
-              <a:buNone/>
-              <a:defRPr sz="4400" kern="1200">
-                <a:solidFill>
-                  <a:schemeClr val="tx1"/>
-                </a:solidFill>
-                <a:latin typeface="+mj-lt"/>
-                <a:ea typeface="+mj-ea"/>
-                <a:cs typeface="+mj-cs"/>
-              </a:defRPr>
-            </a:lvl1pPr>
-          </a:lstStyle>
-          <a:p>
-            <a:pPr algn="ctr"/>
-            <a:r>
-              <a:rPr lang="ru-RU" sz="8000" dirty="0" smtClean="0"/>
-              <a:t>Реализация</a:t>
-            </a:r>
-            <a:endParaRPr lang="ru-RU" sz="8000" dirty="0"/>
+              <a:spcAft>
+                <a:spcPts val="0"/>
+              </a:spcAft>
+              <a:tabLst>
+                <a:tab pos="180340" algn="l"/>
+              </a:tabLst>
+            </a:pPr>
+            <a:r>
+              <a:rPr lang="ru-RU" dirty="0">
+                <a:ea typeface="Times New Roman" panose="02020603050405020304" pitchFamily="18" charset="0"/>
+              </a:rPr>
+              <a:t>Основные компоненты: </a:t>
+            </a:r>
+            <a:r>
+              <a:rPr lang="en-US" dirty="0">
+                <a:ea typeface="Times New Roman" panose="02020603050405020304" pitchFamily="18" charset="0"/>
+              </a:rPr>
+              <a:t>Builder</a:t>
+            </a:r>
+            <a:r>
+              <a:rPr lang="ru-RU" dirty="0">
+                <a:ea typeface="Times New Roman" panose="02020603050405020304" pitchFamily="18" charset="0"/>
+              </a:rPr>
+              <a:t> – модуль </a:t>
+            </a:r>
+            <a:r>
+              <a:rPr lang="ru-RU" dirty="0" smtClean="0">
+                <a:ea typeface="Times New Roman" panose="02020603050405020304" pitchFamily="18" charset="0"/>
+              </a:rPr>
+              <a:t>построения </a:t>
+            </a:r>
+            <a:r>
+              <a:rPr lang="ru-RU" dirty="0">
+                <a:ea typeface="Times New Roman" panose="02020603050405020304" pitchFamily="18" charset="0"/>
+              </a:rPr>
+              <a:t>нейронной сети, с помощью паттерна стратегия позволяет настраивать стратегию построения нейронной сети(</a:t>
+            </a:r>
+            <a:r>
+              <a:rPr lang="en-US" dirty="0">
+                <a:ea typeface="Times New Roman" panose="02020603050405020304" pitchFamily="18" charset="0"/>
+              </a:rPr>
+              <a:t>IBuildingStrategy</a:t>
+            </a:r>
+            <a:r>
+              <a:rPr lang="ru-RU" dirty="0">
+                <a:ea typeface="Times New Roman" panose="02020603050405020304" pitchFamily="18" charset="0"/>
+              </a:rPr>
+              <a:t>) – </a:t>
+            </a:r>
+            <a:r>
+              <a:rPr lang="en-US" dirty="0">
+                <a:ea typeface="Times New Roman" panose="02020603050405020304" pitchFamily="18" charset="0"/>
+              </a:rPr>
+              <a:t>CoefsToThreshholdsBuilder</a:t>
+            </a:r>
+            <a:r>
+              <a:rPr lang="ru-RU" dirty="0">
+                <a:ea typeface="Times New Roman" panose="02020603050405020304" pitchFamily="18" charset="0"/>
+              </a:rPr>
+              <a:t>– класс построения с помощью перевода коэффициентов уверенности в пороги активационных функций, или </a:t>
+            </a:r>
+            <a:r>
+              <a:rPr lang="en-US" dirty="0">
+                <a:ea typeface="Times New Roman" panose="02020603050405020304" pitchFamily="18" charset="0"/>
+              </a:rPr>
+              <a:t>CoefsToValuesBuilding </a:t>
+            </a:r>
+            <a:r>
+              <a:rPr lang="ru-RU" dirty="0">
+                <a:ea typeface="Times New Roman" panose="02020603050405020304" pitchFamily="18" charset="0"/>
+              </a:rPr>
+              <a:t>– класс построения нейронной сети с помощью перевода коэффициентов уверенности в синаптические веса нейронов.</a:t>
+            </a:r>
           </a:p>
         </p:txBody>
       </p:sp>
     </p:spTree>
     <p:extLst>
       <p:ext uri="{BB962C8B-B14F-4D97-AF65-F5344CB8AC3E}">
-        <p14:creationId xmlns:p14="http://schemas.microsoft.com/office/powerpoint/2010/main" val="1068945722"/>
+        <p14:creationId xmlns:p14="http://schemas.microsoft.com/office/powerpoint/2010/main" val="1996999891"/>
       </p:ext>
     </p:extLst>
   </p:cSld>
@@ -6181,132 +6459,38 @@
       </p:grpSpPr>
       <p:sp>
         <p:nvSpPr>
-          <p:cNvPr id="2" name="Прямоугольник 1"/>
+          <p:cNvPr id="3" name="Прямоугольник 2"/>
           <p:cNvSpPr/>
           <p:nvPr/>
         </p:nvSpPr>
         <p:spPr>
           <a:xfrm>
-            <a:off x="3178629" y="0"/>
-            <a:ext cx="4511040" cy="646331"/>
+            <a:off x="3275036" y="448883"/>
+            <a:ext cx="5641929" cy="400110"/>
           </a:xfrm>
           <a:prstGeom prst="rect">
             <a:avLst/>
           </a:prstGeom>
         </p:spPr>
         <p:txBody>
-          <a:bodyPr wrap="square">
+          <a:bodyPr wrap="none">
             <a:spAutoFit/>
           </a:bodyPr>
           <a:lstStyle/>
           <a:p>
-            <a:pPr algn="ctr"/>
-            <a:r>
-              <a:rPr lang="ru-RU" sz="3600" dirty="0" smtClean="0">
-                <a:latin typeface="+mj-lt"/>
-              </a:rPr>
-              <a:t>Входной формат</a:t>
-            </a:r>
-            <a:endParaRPr lang="ru-RU" sz="3600" dirty="0">
-              <a:latin typeface="+mj-lt"/>
-            </a:endParaRPr>
-          </a:p>
-        </p:txBody>
-      </p:sp>
-      <p:pic>
-        <p:nvPicPr>
-          <p:cNvPr id="3" name="Рисунок 2"/>
-          <p:cNvPicPr>
-            <a:picLocks noChangeAspect="1"/>
-          </p:cNvPicPr>
-          <p:nvPr/>
-        </p:nvPicPr>
-        <p:blipFill rotWithShape="1">
-          <a:blip r:embed="rId2"/>
-          <a:srcRect r="43993"/>
-          <a:stretch/>
-        </p:blipFill>
-        <p:spPr>
-          <a:xfrm>
-            <a:off x="9644409" y="768251"/>
-            <a:ext cx="2456102" cy="5739356"/>
-          </a:xfrm>
-          <a:prstGeom prst="rect">
-            <a:avLst/>
-          </a:prstGeom>
-        </p:spPr>
-      </p:pic>
-      <p:sp>
-        <p:nvSpPr>
-          <p:cNvPr id="4" name="Прямоугольник 3"/>
-          <p:cNvSpPr/>
-          <p:nvPr/>
-        </p:nvSpPr>
-        <p:spPr>
-          <a:xfrm>
-            <a:off x="515364" y="1008016"/>
-            <a:ext cx="4108887" cy="1532727"/>
-          </a:xfrm>
-          <a:prstGeom prst="rect">
-            <a:avLst/>
-          </a:prstGeom>
-        </p:spPr>
-        <p:txBody>
-          <a:bodyPr wrap="square">
-            <a:spAutoFit/>
-          </a:bodyPr>
-          <a:lstStyle/>
-          <a:p>
-            <a:pPr algn="just">
-              <a:lnSpc>
-                <a:spcPct val="130000"/>
-              </a:lnSpc>
-              <a:spcAft>
-                <a:spcPts val="0"/>
-              </a:spcAft>
-              <a:tabLst>
-                <a:tab pos="180340" algn="l"/>
-              </a:tabLst>
-            </a:pPr>
-            <a:r>
-              <a:rPr lang="en-US" dirty="0" smtClean="0">
-                <a:ea typeface="Times New Roman" panose="02020603050405020304" pitchFamily="18" charset="0"/>
-              </a:rPr>
-              <a:t>JSON</a:t>
-            </a:r>
-            <a:r>
-              <a:rPr lang="ru-RU" dirty="0" smtClean="0">
-                <a:ea typeface="Times New Roman" panose="02020603050405020304" pitchFamily="18" charset="0"/>
-              </a:rPr>
-              <a:t>, содержащий массив </a:t>
-            </a:r>
-            <a:r>
-              <a:rPr lang="en-US" dirty="0" smtClean="0">
-                <a:ea typeface="Times New Roman" panose="02020603050405020304" pitchFamily="18" charset="0"/>
-              </a:rPr>
-              <a:t>nodes – </a:t>
-            </a:r>
-            <a:r>
-              <a:rPr lang="ru-RU" dirty="0" smtClean="0">
-                <a:ea typeface="Times New Roman" panose="02020603050405020304" pitchFamily="18" charset="0"/>
-              </a:rPr>
-              <a:t>объекты-узлы с различными аттрибутами и массив </a:t>
-            </a:r>
-            <a:r>
-              <a:rPr lang="en-US" dirty="0" smtClean="0">
-                <a:ea typeface="Times New Roman" panose="02020603050405020304" pitchFamily="18" charset="0"/>
-              </a:rPr>
-              <a:t>links – </a:t>
-            </a:r>
-            <a:r>
-              <a:rPr lang="ru-RU" dirty="0" smtClean="0">
-                <a:ea typeface="Times New Roman" panose="02020603050405020304" pitchFamily="18" charset="0"/>
-              </a:rPr>
-              <a:t>объекты-связи</a:t>
-            </a:r>
-            <a:endParaRPr lang="ru-RU" dirty="0">
-              <a:ea typeface="Times New Roman" panose="02020603050405020304" pitchFamily="18" charset="0"/>
-            </a:endParaRPr>
+            <a:r>
+              <a:rPr lang="ru-RU" sz="2000" dirty="0" smtClean="0"/>
+              <a:t>Общая диаграмма классов </a:t>
+            </a:r>
+            <a:r>
+              <a:rPr lang="ru-RU" sz="2000" dirty="0" err="1" smtClean="0"/>
+              <a:t>нейросетевого</a:t>
+            </a:r>
+            <a:r>
+              <a:rPr lang="ru-RU" sz="2000" dirty="0" smtClean="0"/>
+              <a:t> модуля</a:t>
+            </a:r>
+            <a:endParaRPr lang="ru-RU" sz="2000" dirty="0"/>
           </a:p>
         </p:txBody>
       </p:sp>
@@ -6319,15 +6503,15 @@
           <p:nvPr/>
         </p:nvPicPr>
         <p:blipFill>
-          <a:blip r:embed="rId3"/>
+          <a:blip r:embed="rId2"/>
           <a:stretch>
             <a:fillRect/>
           </a:stretch>
         </p:blipFill>
         <p:spPr>
           <a:xfrm>
-            <a:off x="5334093" y="768251"/>
-            <a:ext cx="4088297" cy="4741817"/>
+            <a:off x="0" y="848992"/>
+            <a:ext cx="12462992" cy="5856607"/>
           </a:xfrm>
           <a:prstGeom prst="rect">
             <a:avLst/>
@@ -6337,7 +6521,7 @@
     </p:spTree>
     <p:extLst>
       <p:ext uri="{BB962C8B-B14F-4D97-AF65-F5344CB8AC3E}">
-        <p14:creationId xmlns:p14="http://schemas.microsoft.com/office/powerpoint/2010/main" val="3559241344"/>
+        <p14:creationId xmlns:p14="http://schemas.microsoft.com/office/powerpoint/2010/main" val="2585158333"/>
       </p:ext>
     </p:extLst>
   </p:cSld>
@@ -6376,153 +6560,60 @@
           <a:chExt cx="0" cy="0"/>
         </a:xfrm>
       </p:grpSpPr>
-      <p:pic>
-        <p:nvPicPr>
-          <p:cNvPr id="2" name="Рисунок 1"/>
-          <p:cNvPicPr>
-            <a:picLocks noChangeAspect="1"/>
-          </p:cNvPicPr>
+      <p:sp>
+        <p:nvSpPr>
+          <p:cNvPr id="2" name="Заголовок 1"/>
+          <p:cNvSpPr txBox="1">
+            <a:spLocks/>
+          </p:cNvSpPr>
           <p:nvPr/>
-        </p:nvPicPr>
-        <p:blipFill>
-          <a:blip r:embed="rId2"/>
-          <a:stretch>
-            <a:fillRect/>
-          </a:stretch>
-        </p:blipFill>
-        <p:spPr>
-          <a:xfrm>
-            <a:off x="4658758" y="818604"/>
-            <a:ext cx="6919557" cy="5865223"/>
+        </p:nvSpPr>
+        <p:spPr>
+          <a:xfrm>
+            <a:off x="228079" y="2886605"/>
+            <a:ext cx="11735842" cy="1084791"/>
           </a:xfrm>
           <a:prstGeom prst="rect">
             <a:avLst/>
           </a:prstGeom>
         </p:spPr>
-      </p:pic>
-      <p:sp>
-        <p:nvSpPr>
-          <p:cNvPr id="3" name="Прямоугольник 2"/>
-          <p:cNvSpPr/>
-          <p:nvPr/>
-        </p:nvSpPr>
-        <p:spPr>
-          <a:xfrm>
-            <a:off x="3178629" y="0"/>
-            <a:ext cx="4511040" cy="646331"/>
-          </a:xfrm>
-          <a:prstGeom prst="rect">
-            <a:avLst/>
-          </a:prstGeom>
-        </p:spPr>
-        <p:txBody>
-          <a:bodyPr wrap="square">
-            <a:spAutoFit/>
+        <p:txBody>
+          <a:bodyPr vert="horz" lIns="91440" tIns="45720" rIns="91440" bIns="45720" rtlCol="0" anchor="ctr">
+            <a:noAutofit/>
           </a:bodyPr>
-          <a:lstStyle/>
+          <a:lstStyle>
+            <a:lvl1pPr algn="l" defTabSz="914400" rtl="0" eaLnBrk="1" latinLnBrk="0" hangingPunct="1">
+              <a:lnSpc>
+                <a:spcPct val="90000"/>
+              </a:lnSpc>
+              <a:spcBef>
+                <a:spcPct val="0"/>
+              </a:spcBef>
+              <a:buNone/>
+              <a:defRPr sz="4400" kern="1200">
+                <a:solidFill>
+                  <a:schemeClr val="tx1"/>
+                </a:solidFill>
+                <a:latin typeface="+mj-lt"/>
+                <a:ea typeface="+mj-ea"/>
+                <a:cs typeface="+mj-cs"/>
+              </a:defRPr>
+            </a:lvl1pPr>
+          </a:lstStyle>
           <a:p>
             <a:pPr algn="ctr"/>
             <a:r>
-              <a:rPr lang="ru-RU" sz="3600" dirty="0" smtClean="0">
-                <a:latin typeface="+mj-lt"/>
-              </a:rPr>
-              <a:t>Интерфейс эксперта</a:t>
-            </a:r>
-            <a:endParaRPr lang="ru-RU" sz="3600" dirty="0">
-              <a:latin typeface="+mj-lt"/>
-            </a:endParaRPr>
-          </a:p>
-        </p:txBody>
-      </p:sp>
-      <p:sp>
-        <p:nvSpPr>
-          <p:cNvPr id="4" name="Прямоугольник 3"/>
-          <p:cNvSpPr/>
-          <p:nvPr/>
-        </p:nvSpPr>
-        <p:spPr>
-          <a:xfrm>
-            <a:off x="515364" y="1008016"/>
-            <a:ext cx="3124819" cy="1892826"/>
-          </a:xfrm>
-          <a:prstGeom prst="rect">
-            <a:avLst/>
-          </a:prstGeom>
-        </p:spPr>
-        <p:txBody>
-          <a:bodyPr wrap="square">
-            <a:spAutoFit/>
-          </a:bodyPr>
-          <a:lstStyle/>
-          <a:p>
-            <a:pPr algn="just">
-              <a:lnSpc>
-                <a:spcPct val="130000"/>
-              </a:lnSpc>
-              <a:spcAft>
-                <a:spcPts val="0"/>
-              </a:spcAft>
-              <a:tabLst>
-                <a:tab pos="180340" algn="l"/>
-              </a:tabLst>
-            </a:pPr>
-            <a:r>
-              <a:rPr lang="ru-RU" dirty="0" smtClean="0">
-                <a:ea typeface="Times New Roman" panose="02020603050405020304" pitchFamily="18" charset="0"/>
-              </a:rPr>
-              <a:t>Генерируется </a:t>
-            </a:r>
-            <a:r>
-              <a:rPr lang="en-US" dirty="0" smtClean="0">
-                <a:ea typeface="Times New Roman" panose="02020603050405020304" pitchFamily="18" charset="0"/>
-              </a:rPr>
-              <a:t>XML</a:t>
-            </a:r>
-            <a:r>
-              <a:rPr lang="ru-RU" dirty="0" smtClean="0">
-                <a:ea typeface="Times New Roman" panose="02020603050405020304" pitchFamily="18" charset="0"/>
-              </a:rPr>
-              <a:t/>
-            </a:r>
-            <a:br>
-              <a:rPr lang="ru-RU" dirty="0" smtClean="0">
-                <a:ea typeface="Times New Roman" panose="02020603050405020304" pitchFamily="18" charset="0"/>
-              </a:rPr>
-            </a:br>
-            <a:r>
-              <a:rPr lang="en-US" dirty="0" smtClean="0">
-                <a:ea typeface="Times New Roman" panose="02020603050405020304" pitchFamily="18" charset="0"/>
-              </a:rPr>
-              <a:t>XML </a:t>
-            </a:r>
-            <a:r>
-              <a:rPr lang="ru-RU" dirty="0" smtClean="0">
-                <a:ea typeface="Times New Roman" panose="02020603050405020304" pitchFamily="18" charset="0"/>
-              </a:rPr>
-              <a:t>преобразуется в </a:t>
-            </a:r>
-            <a:r>
-              <a:rPr lang="en-US" dirty="0" smtClean="0">
-                <a:ea typeface="Times New Roman" panose="02020603050405020304" pitchFamily="18" charset="0"/>
-              </a:rPr>
-              <a:t>json, </a:t>
-            </a:r>
-            <a:r>
-              <a:rPr lang="ru-RU" dirty="0" smtClean="0">
-                <a:ea typeface="Times New Roman" panose="02020603050405020304" pitchFamily="18" charset="0"/>
-              </a:rPr>
-              <a:t>соответствующий входному формату для построения нейронной сети</a:t>
-            </a:r>
-            <a:endParaRPr lang="ru-RU" dirty="0">
-              <a:ea typeface="Times New Roman" panose="02020603050405020304" pitchFamily="18" charset="0"/>
-            </a:endParaRPr>
+              <a:rPr lang="ru-RU" sz="8000" dirty="0" smtClean="0"/>
+              <a:t>Реализация</a:t>
+            </a:r>
+            <a:endParaRPr lang="ru-RU" sz="8000" dirty="0"/>
           </a:p>
         </p:txBody>
       </p:sp>
     </p:spTree>
     <p:extLst>
       <p:ext uri="{BB962C8B-B14F-4D97-AF65-F5344CB8AC3E}">
-        <p14:creationId xmlns:p14="http://schemas.microsoft.com/office/powerpoint/2010/main" val="1394593205"/>
+        <p14:creationId xmlns:p14="http://schemas.microsoft.com/office/powerpoint/2010/main" val="1068945722"/>
       </p:ext>
     </p:extLst>
   </p:cSld>
@@ -6561,68 +6652,165 @@
           <a:chExt cx="0" cy="0"/>
         </a:xfrm>
       </p:grpSpPr>
+      <p:sp>
+        <p:nvSpPr>
+          <p:cNvPr id="2" name="Прямоугольник 1"/>
+          <p:cNvSpPr/>
+          <p:nvPr/>
+        </p:nvSpPr>
+        <p:spPr>
+          <a:xfrm>
+            <a:off x="3840480" y="0"/>
+            <a:ext cx="4511040" cy="646331"/>
+          </a:xfrm>
+          <a:prstGeom prst="rect">
+            <a:avLst/>
+          </a:prstGeom>
+        </p:spPr>
+        <p:txBody>
+          <a:bodyPr wrap="square">
+            <a:spAutoFit/>
+          </a:bodyPr>
+          <a:lstStyle/>
+          <a:p>
+            <a:pPr algn="ctr"/>
+            <a:r>
+              <a:rPr lang="ru-RU" sz="3600" dirty="0" smtClean="0">
+                <a:latin typeface="+mj-lt"/>
+              </a:rPr>
+              <a:t>Входной формат</a:t>
+            </a:r>
+            <a:endParaRPr lang="ru-RU" sz="3600" dirty="0">
+              <a:latin typeface="+mj-lt"/>
+            </a:endParaRPr>
+          </a:p>
+        </p:txBody>
+      </p:sp>
       <p:pic>
         <p:nvPicPr>
-          <p:cNvPr id="2" name="Рисунок 1"/>
+          <p:cNvPr id="3" name="Рисунок 2"/>
+          <p:cNvPicPr>
+            <a:picLocks noChangeAspect="1"/>
+          </p:cNvPicPr>
+          <p:nvPr/>
+        </p:nvPicPr>
+        <p:blipFill rotWithShape="1">
+          <a:blip r:embed="rId2"/>
+          <a:srcRect r="43993"/>
+          <a:stretch/>
+        </p:blipFill>
+        <p:spPr>
+          <a:xfrm>
+            <a:off x="9644409" y="768251"/>
+            <a:ext cx="2456102" cy="5739356"/>
+          </a:xfrm>
+          <a:prstGeom prst="rect">
+            <a:avLst/>
+          </a:prstGeom>
+        </p:spPr>
+      </p:pic>
+      <p:sp>
+        <p:nvSpPr>
+          <p:cNvPr id="4" name="Прямоугольник 3"/>
+          <p:cNvSpPr/>
+          <p:nvPr/>
+        </p:nvSpPr>
+        <p:spPr>
+          <a:xfrm>
+            <a:off x="515364" y="1008016"/>
+            <a:ext cx="4108887" cy="1532727"/>
+          </a:xfrm>
+          <a:prstGeom prst="rect">
+            <a:avLst/>
+          </a:prstGeom>
+        </p:spPr>
+        <p:txBody>
+          <a:bodyPr wrap="square">
+            <a:spAutoFit/>
+          </a:bodyPr>
+          <a:lstStyle/>
+          <a:p>
+            <a:pPr algn="just">
+              <a:lnSpc>
+                <a:spcPct val="130000"/>
+              </a:lnSpc>
+              <a:spcAft>
+                <a:spcPts val="0"/>
+              </a:spcAft>
+              <a:tabLst>
+                <a:tab pos="180340" algn="l"/>
+              </a:tabLst>
+            </a:pPr>
+            <a:r>
+              <a:rPr lang="en-US" dirty="0" smtClean="0">
+                <a:ea typeface="Times New Roman" panose="02020603050405020304" pitchFamily="18" charset="0"/>
+              </a:rPr>
+              <a:t>JSON</a:t>
+            </a:r>
+            <a:r>
+              <a:rPr lang="ru-RU" dirty="0" smtClean="0">
+                <a:ea typeface="Times New Roman" panose="02020603050405020304" pitchFamily="18" charset="0"/>
+              </a:rPr>
+              <a:t>, содержащий массив </a:t>
+            </a:r>
+            <a:r>
+              <a:rPr lang="en-US" dirty="0" smtClean="0">
+                <a:ea typeface="Times New Roman" panose="02020603050405020304" pitchFamily="18" charset="0"/>
+              </a:rPr>
+              <a:t>nodes – </a:t>
+            </a:r>
+            <a:r>
+              <a:rPr lang="ru-RU" dirty="0" smtClean="0">
+                <a:ea typeface="Times New Roman" panose="02020603050405020304" pitchFamily="18" charset="0"/>
+              </a:rPr>
+              <a:t>объекты-узлы с различными аттрибутами и массив </a:t>
+            </a:r>
+            <a:r>
+              <a:rPr lang="en-US" dirty="0" smtClean="0">
+                <a:ea typeface="Times New Roman" panose="02020603050405020304" pitchFamily="18" charset="0"/>
+              </a:rPr>
+              <a:t>links – </a:t>
+            </a:r>
+            <a:r>
+              <a:rPr lang="ru-RU" dirty="0" smtClean="0">
+                <a:ea typeface="Times New Roman" panose="02020603050405020304" pitchFamily="18" charset="0"/>
+              </a:rPr>
+              <a:t>объекты-связи</a:t>
+            </a:r>
+            <a:endParaRPr lang="ru-RU" dirty="0">
+              <a:ea typeface="Times New Roman" panose="02020603050405020304" pitchFamily="18" charset="0"/>
+            </a:endParaRPr>
+          </a:p>
+        </p:txBody>
+      </p:sp>
+      <p:pic>
+        <p:nvPicPr>
+          <p:cNvPr id="5" name="Рисунок 4"/>
           <p:cNvPicPr>
             <a:picLocks noChangeAspect="1"/>
           </p:cNvPicPr>
           <p:nvPr/>
         </p:nvPicPr>
         <p:blipFill>
-          <a:blip r:embed="rId2"/>
+          <a:blip r:embed="rId3"/>
           <a:stretch>
             <a:fillRect/>
           </a:stretch>
         </p:blipFill>
         <p:spPr>
           <a:xfrm>
-            <a:off x="1584959" y="909029"/>
-            <a:ext cx="9151619" cy="5673697"/>
+            <a:off x="5334093" y="768251"/>
+            <a:ext cx="4088297" cy="4741817"/>
           </a:xfrm>
           <a:prstGeom prst="rect">
             <a:avLst/>
           </a:prstGeom>
         </p:spPr>
       </p:pic>
-      <p:sp>
-        <p:nvSpPr>
-          <p:cNvPr id="3" name="Прямоугольник 2"/>
-          <p:cNvSpPr/>
-          <p:nvPr/>
-        </p:nvSpPr>
-        <p:spPr>
-          <a:xfrm>
-            <a:off x="1425337" y="0"/>
-            <a:ext cx="9470862" cy="707886"/>
-          </a:xfrm>
-          <a:prstGeom prst="rect">
-            <a:avLst/>
-          </a:prstGeom>
-        </p:spPr>
-        <p:txBody>
-          <a:bodyPr wrap="none">
-            <a:spAutoFit/>
-          </a:bodyPr>
-          <a:lstStyle/>
-          <a:p>
-            <a:pPr algn="ctr"/>
-            <a:r>
-              <a:rPr lang="ru-RU" sz="4000" dirty="0" smtClean="0">
-                <a:latin typeface="+mj-lt"/>
-              </a:rPr>
-              <a:t>Визуализация полученной нейронной сети</a:t>
-            </a:r>
-            <a:endParaRPr lang="ru-RU" sz="4000" dirty="0">
-              <a:latin typeface="+mj-lt"/>
-            </a:endParaRPr>
-          </a:p>
-        </p:txBody>
-      </p:sp>
     </p:spTree>
     <p:extLst>
       <p:ext uri="{BB962C8B-B14F-4D97-AF65-F5344CB8AC3E}">
-        <p14:creationId xmlns:p14="http://schemas.microsoft.com/office/powerpoint/2010/main" val="2237764988"/>
+        <p14:creationId xmlns:p14="http://schemas.microsoft.com/office/powerpoint/2010/main" val="3559241344"/>
       </p:ext>
     </p:extLst>
   </p:cSld>
@@ -6661,60 +6849,540 @@
           <a:chExt cx="0" cy="0"/>
         </a:xfrm>
       </p:grpSpPr>
-      <p:sp>
-        <p:nvSpPr>
-          <p:cNvPr id="2" name="Заголовок 1"/>
-          <p:cNvSpPr txBox="1">
-            <a:spLocks/>
-          </p:cNvSpPr>
+      <p:pic>
+        <p:nvPicPr>
+          <p:cNvPr id="2" name="Рисунок 1"/>
+          <p:cNvPicPr>
+            <a:picLocks noChangeAspect="1"/>
+          </p:cNvPicPr>
           <p:nvPr/>
-        </p:nvSpPr>
-        <p:spPr>
-          <a:xfrm>
-            <a:off x="351655" y="1741713"/>
-            <a:ext cx="11735842" cy="2569030"/>
+        </p:nvPicPr>
+        <p:blipFill>
+          <a:blip r:embed="rId2"/>
+          <a:stretch>
+            <a:fillRect/>
+          </a:stretch>
+        </p:blipFill>
+        <p:spPr>
+          <a:xfrm>
+            <a:off x="4658758" y="818604"/>
+            <a:ext cx="6919557" cy="5865223"/>
           </a:xfrm>
           <a:prstGeom prst="rect">
             <a:avLst/>
           </a:prstGeom>
         </p:spPr>
-        <p:txBody>
-          <a:bodyPr vert="horz" lIns="91440" tIns="45720" rIns="91440" bIns="45720" rtlCol="0" anchor="ctr">
-            <a:noAutofit/>
+      </p:pic>
+      <p:sp>
+        <p:nvSpPr>
+          <p:cNvPr id="3" name="Прямоугольник 2"/>
+          <p:cNvSpPr/>
+          <p:nvPr/>
+        </p:nvSpPr>
+        <p:spPr>
+          <a:xfrm>
+            <a:off x="3840480" y="0"/>
+            <a:ext cx="4511040" cy="646331"/>
+          </a:xfrm>
+          <a:prstGeom prst="rect">
+            <a:avLst/>
+          </a:prstGeom>
+        </p:spPr>
+        <p:txBody>
+          <a:bodyPr wrap="square">
+            <a:spAutoFit/>
           </a:bodyPr>
-          <a:lstStyle>
-            <a:lvl1pPr algn="l" defTabSz="914400" rtl="0" eaLnBrk="1" latinLnBrk="0" hangingPunct="1">
+          <a:lstStyle/>
+          <a:p>
+            <a:pPr algn="ctr"/>
+            <a:r>
+              <a:rPr lang="ru-RU" sz="3600" dirty="0" smtClean="0">
+                <a:latin typeface="+mj-lt"/>
+              </a:rPr>
+              <a:t>Интерфейс эксперта</a:t>
+            </a:r>
+            <a:endParaRPr lang="ru-RU" sz="3600" dirty="0">
+              <a:latin typeface="+mj-lt"/>
+            </a:endParaRPr>
+          </a:p>
+        </p:txBody>
+      </p:sp>
+      <p:sp>
+        <p:nvSpPr>
+          <p:cNvPr id="4" name="Прямоугольник 3"/>
+          <p:cNvSpPr/>
+          <p:nvPr/>
+        </p:nvSpPr>
+        <p:spPr>
+          <a:xfrm>
+            <a:off x="515364" y="1008016"/>
+            <a:ext cx="3124819" cy="3693319"/>
+          </a:xfrm>
+          <a:prstGeom prst="rect">
+            <a:avLst/>
+          </a:prstGeom>
+        </p:spPr>
+        <p:txBody>
+          <a:bodyPr wrap="square">
+            <a:spAutoFit/>
+          </a:bodyPr>
+          <a:lstStyle/>
+          <a:p>
+            <a:pPr algn="just">
               <a:lnSpc>
-                <a:spcPct val="90000"/>
+                <a:spcPct val="130000"/>
               </a:lnSpc>
-              <a:spcBef>
-                <a:spcPct val="0"/>
-              </a:spcBef>
-              <a:buNone/>
-              <a:defRPr sz="4400" kern="1200">
-                <a:solidFill>
-                  <a:schemeClr val="tx1"/>
-                </a:solidFill>
-                <a:latin typeface="+mj-lt"/>
-                <a:ea typeface="+mj-ea"/>
-                <a:cs typeface="+mj-cs"/>
-              </a:defRPr>
-            </a:lvl1pPr>
-          </a:lstStyle>
-          <a:p>
-            <a:pPr algn="ctr"/>
-            <a:r>
-              <a:rPr lang="ru-RU" sz="8000" dirty="0" smtClean="0"/>
-              <a:t>Результаты</a:t>
-            </a:r>
-            <a:endParaRPr lang="ru-RU" sz="8000" dirty="0"/>
+              <a:spcAft>
+                <a:spcPts val="0"/>
+              </a:spcAft>
+              <a:tabLst>
+                <a:tab pos="180340" algn="l"/>
+              </a:tabLst>
+            </a:pPr>
+            <a:r>
+              <a:rPr lang="ru-RU" dirty="0" smtClean="0">
+                <a:ea typeface="Times New Roman" panose="02020603050405020304" pitchFamily="18" charset="0"/>
+              </a:rPr>
+              <a:t>Генерируется </a:t>
+            </a:r>
+            <a:r>
+              <a:rPr lang="en-US" dirty="0" smtClean="0">
+                <a:ea typeface="Times New Roman" panose="02020603050405020304" pitchFamily="18" charset="0"/>
+              </a:rPr>
+              <a:t>XML </a:t>
+            </a:r>
+            <a:r>
+              <a:rPr lang="ru-RU" dirty="0" smtClean="0">
+                <a:ea typeface="Times New Roman" panose="02020603050405020304" pitchFamily="18" charset="0"/>
+              </a:rPr>
+              <a:t>любым средством рисования графа. </a:t>
+            </a:r>
+            <a:r>
+              <a:rPr lang="ru-RU" dirty="0" smtClean="0">
+                <a:ea typeface="Times New Roman" panose="02020603050405020304" pitchFamily="18" charset="0"/>
+              </a:rPr>
+              <a:t>При разработке использовался бесплатный сервис </a:t>
+            </a:r>
+            <a:r>
+              <a:rPr lang="en-US" dirty="0" smtClean="0">
+                <a:ea typeface="Times New Roman" panose="02020603050405020304" pitchFamily="18" charset="0"/>
+              </a:rPr>
+              <a:t>draw.io</a:t>
+            </a:r>
+            <a:r>
+              <a:rPr lang="ru-RU" dirty="0" smtClean="0">
+                <a:ea typeface="Times New Roman" panose="02020603050405020304" pitchFamily="18" charset="0"/>
+              </a:rPr>
+              <a:t/>
+            </a:r>
+            <a:br>
+              <a:rPr lang="ru-RU" dirty="0" smtClean="0">
+                <a:ea typeface="Times New Roman" panose="02020603050405020304" pitchFamily="18" charset="0"/>
+              </a:rPr>
+            </a:br>
+            <a:r>
+              <a:rPr lang="en-US" dirty="0" smtClean="0">
+                <a:ea typeface="Times New Roman" panose="02020603050405020304" pitchFamily="18" charset="0"/>
+              </a:rPr>
+              <a:t/>
+            </a:r>
+            <a:br>
+              <a:rPr lang="en-US" dirty="0" smtClean="0">
+                <a:ea typeface="Times New Roman" panose="02020603050405020304" pitchFamily="18" charset="0"/>
+              </a:rPr>
+            </a:br>
+            <a:r>
+              <a:rPr lang="en-US" dirty="0" smtClean="0">
+                <a:ea typeface="Times New Roman" panose="02020603050405020304" pitchFamily="18" charset="0"/>
+              </a:rPr>
+              <a:t>XML </a:t>
+            </a:r>
+            <a:r>
+              <a:rPr lang="ru-RU" dirty="0" smtClean="0">
+                <a:ea typeface="Times New Roman" panose="02020603050405020304" pitchFamily="18" charset="0"/>
+              </a:rPr>
+              <a:t>преобразуется в </a:t>
+            </a:r>
+            <a:r>
+              <a:rPr lang="en-US" dirty="0" smtClean="0">
+                <a:ea typeface="Times New Roman" panose="02020603050405020304" pitchFamily="18" charset="0"/>
+              </a:rPr>
+              <a:t>json, </a:t>
+            </a:r>
+            <a:r>
+              <a:rPr lang="ru-RU" dirty="0" smtClean="0">
+                <a:ea typeface="Times New Roman" panose="02020603050405020304" pitchFamily="18" charset="0"/>
+              </a:rPr>
+              <a:t>соответствующий входному формату для построения нейронной сети</a:t>
+            </a:r>
+            <a:endParaRPr lang="ru-RU" dirty="0">
+              <a:ea typeface="Times New Roman" panose="02020603050405020304" pitchFamily="18" charset="0"/>
+            </a:endParaRPr>
           </a:p>
         </p:txBody>
       </p:sp>
     </p:spTree>
     <p:extLst>
       <p:ext uri="{BB962C8B-B14F-4D97-AF65-F5344CB8AC3E}">
-        <p14:creationId xmlns:p14="http://schemas.microsoft.com/office/powerpoint/2010/main" val="3704957239"/>
+        <p14:creationId xmlns:p14="http://schemas.microsoft.com/office/powerpoint/2010/main" val="1394593205"/>
+      </p:ext>
+    </p:extLst>
+  </p:cSld>
+  <p:clrMapOvr>
+    <a:masterClrMapping/>
+  </p:clrMapOvr>
+  <mc:AlternateContent xmlns:mc="http://schemas.openxmlformats.org/markup-compatibility/2006" xmlns:p14="http://schemas.microsoft.com/office/powerpoint/2010/main">
+    <mc:Choice Requires="p14">
+      <p:transition spd="med" p14:dur="700">
+        <p:fade/>
+      </p:transition>
+    </mc:Choice>
+    <mc:Fallback xmlns="">
+      <p:transition spd="med">
+        <p:fade/>
+      </p:transition>
+    </mc:Fallback>
+  </mc:AlternateContent>
+</p:sld>
+</file>
+
+<file path=ppt/slides/slide28.xml><?xml version="1.0" encoding="utf-8"?>
+<p:sld xmlns:a="http://schemas.openxmlformats.org/drawingml/2006/main" xmlns:r="http://schemas.openxmlformats.org/officeDocument/2006/relationships" xmlns:p="http://schemas.openxmlformats.org/presentationml/2006/main">
+  <p:cSld>
+    <p:spTree>
+      <p:nvGrpSpPr>
+        <p:cNvPr id="1" name=""/>
+        <p:cNvGrpSpPr/>
+        <p:nvPr/>
+      </p:nvGrpSpPr>
+      <p:grpSpPr>
+        <a:xfrm>
+          <a:off x="0" y="0"/>
+          <a:ext cx="0" cy="0"/>
+          <a:chOff x="0" y="0"/>
+          <a:chExt cx="0" cy="0"/>
+        </a:xfrm>
+      </p:grpSpPr>
+      <p:sp>
+        <p:nvSpPr>
+          <p:cNvPr id="2" name="Прямоугольник 2"/>
+          <p:cNvSpPr/>
+          <p:nvPr/>
+        </p:nvSpPr>
+        <p:spPr>
+          <a:xfrm>
+            <a:off x="2847591" y="0"/>
+            <a:ext cx="6496818" cy="646331"/>
+          </a:xfrm>
+          <a:prstGeom prst="rect">
+            <a:avLst/>
+          </a:prstGeom>
+        </p:spPr>
+        <p:txBody>
+          <a:bodyPr wrap="square">
+            <a:spAutoFit/>
+          </a:bodyPr>
+          <a:lstStyle/>
+          <a:p>
+            <a:pPr algn="ctr"/>
+            <a:r>
+              <a:rPr lang="ru-RU" sz="3600" dirty="0" smtClean="0">
+                <a:latin typeface="+mj-lt"/>
+              </a:rPr>
+              <a:t>Построение нейронной сети</a:t>
+            </a:r>
+            <a:endParaRPr lang="ru-RU" sz="3600" dirty="0">
+              <a:latin typeface="+mj-lt"/>
+            </a:endParaRPr>
+          </a:p>
+        </p:txBody>
+      </p:sp>
+      <p:sp>
+        <p:nvSpPr>
+          <p:cNvPr id="3" name="TextBox 2"/>
+          <p:cNvSpPr txBox="1"/>
+          <p:nvPr/>
+        </p:nvSpPr>
+        <p:spPr>
+          <a:xfrm>
+            <a:off x="279133" y="2743200"/>
+            <a:ext cx="2371162" cy="369332"/>
+          </a:xfrm>
+          <a:prstGeom prst="rect">
+            <a:avLst/>
+          </a:prstGeom>
+          <a:noFill/>
+        </p:spPr>
+        <p:txBody>
+          <a:bodyPr wrap="none" rtlCol="0">
+            <a:spAutoFit/>
+          </a:bodyPr>
+          <a:lstStyle/>
+          <a:p>
+            <a:r>
+              <a:rPr lang="en-US" dirty="0" smtClean="0"/>
+              <a:t>JSON: </a:t>
+            </a:r>
+            <a:r>
+              <a:rPr lang="ru-RU" dirty="0" smtClean="0"/>
+              <a:t>Описание графа</a:t>
+            </a:r>
+            <a:endParaRPr lang="ru-RU" dirty="0"/>
+          </a:p>
+        </p:txBody>
+      </p:sp>
+      <p:sp>
+        <p:nvSpPr>
+          <p:cNvPr id="4" name="TextBox 3"/>
+          <p:cNvSpPr txBox="1"/>
+          <p:nvPr/>
+        </p:nvSpPr>
+        <p:spPr>
+          <a:xfrm>
+            <a:off x="7929612" y="2743200"/>
+            <a:ext cx="3309624" cy="369332"/>
+          </a:xfrm>
+          <a:prstGeom prst="rect">
+            <a:avLst/>
+          </a:prstGeom>
+          <a:noFill/>
+        </p:spPr>
+        <p:txBody>
+          <a:bodyPr wrap="none" rtlCol="0">
+            <a:spAutoFit/>
+          </a:bodyPr>
+          <a:lstStyle/>
+          <a:p>
+            <a:r>
+              <a:rPr lang="en-US" dirty="0" smtClean="0"/>
+              <a:t>JSON-</a:t>
+            </a:r>
+            <a:r>
+              <a:rPr lang="ru-RU" dirty="0" smtClean="0"/>
+              <a:t>описание нейронной сети</a:t>
+            </a:r>
+            <a:endParaRPr lang="ru-RU" dirty="0"/>
+          </a:p>
+        </p:txBody>
+      </p:sp>
+      <p:sp>
+        <p:nvSpPr>
+          <p:cNvPr id="5" name="Notched Right Arrow 4"/>
+          <p:cNvSpPr/>
+          <p:nvPr/>
+        </p:nvSpPr>
+        <p:spPr>
+          <a:xfrm>
+            <a:off x="2650295" y="2748906"/>
+            <a:ext cx="1800784" cy="357920"/>
+          </a:xfrm>
+          <a:prstGeom prst="notchedRightArrow">
+            <a:avLst/>
+          </a:prstGeom>
+        </p:spPr>
+        <p:style>
+          <a:lnRef idx="2">
+            <a:schemeClr val="accent3">
+              <a:shade val="50000"/>
+            </a:schemeClr>
+          </a:lnRef>
+          <a:fillRef idx="1">
+            <a:schemeClr val="accent3"/>
+          </a:fillRef>
+          <a:effectRef idx="0">
+            <a:schemeClr val="accent3"/>
+          </a:effectRef>
+          <a:fontRef idx="minor">
+            <a:schemeClr val="lt1"/>
+          </a:fontRef>
+        </p:style>
+        <p:txBody>
+          <a:bodyPr rtlCol="0" anchor="ctr"/>
+          <a:lstStyle/>
+          <a:p>
+            <a:pPr algn="ctr"/>
+            <a:endParaRPr lang="ru-RU"/>
+          </a:p>
+        </p:txBody>
+      </p:sp>
+      <p:sp>
+        <p:nvSpPr>
+          <p:cNvPr id="6" name="TextBox 5"/>
+          <p:cNvSpPr txBox="1"/>
+          <p:nvPr/>
+        </p:nvSpPr>
+        <p:spPr>
+          <a:xfrm>
+            <a:off x="4451079" y="2743200"/>
+            <a:ext cx="1669303" cy="369332"/>
+          </a:xfrm>
+          <a:prstGeom prst="rect">
+            <a:avLst/>
+          </a:prstGeom>
+          <a:noFill/>
+        </p:spPr>
+        <p:txBody>
+          <a:bodyPr wrap="none" rtlCol="0">
+            <a:spAutoFit/>
+          </a:bodyPr>
+          <a:lstStyle/>
+          <a:p>
+            <a:r>
+              <a:rPr lang="ru-RU" dirty="0" smtClean="0"/>
+              <a:t>Модуль </a:t>
+            </a:r>
+            <a:r>
+              <a:rPr lang="en-US" dirty="0" smtClean="0"/>
+              <a:t>Builder</a:t>
+            </a:r>
+            <a:endParaRPr lang="ru-RU" dirty="0"/>
+          </a:p>
+        </p:txBody>
+      </p:sp>
+      <p:sp>
+        <p:nvSpPr>
+          <p:cNvPr id="7" name="Notched Right Arrow 6"/>
+          <p:cNvSpPr/>
+          <p:nvPr/>
+        </p:nvSpPr>
+        <p:spPr>
+          <a:xfrm>
+            <a:off x="6120382" y="2748906"/>
+            <a:ext cx="1800784" cy="357920"/>
+          </a:xfrm>
+          <a:prstGeom prst="notchedRightArrow">
+            <a:avLst/>
+          </a:prstGeom>
+        </p:spPr>
+        <p:style>
+          <a:lnRef idx="2">
+            <a:schemeClr val="accent3">
+              <a:shade val="50000"/>
+            </a:schemeClr>
+          </a:lnRef>
+          <a:fillRef idx="1">
+            <a:schemeClr val="accent3"/>
+          </a:fillRef>
+          <a:effectRef idx="0">
+            <a:schemeClr val="accent3"/>
+          </a:effectRef>
+          <a:fontRef idx="minor">
+            <a:schemeClr val="lt1"/>
+          </a:fontRef>
+        </p:style>
+        <p:txBody>
+          <a:bodyPr rtlCol="0" anchor="ctr"/>
+          <a:lstStyle/>
+          <a:p>
+            <a:pPr algn="ctr"/>
+            <a:endParaRPr lang="ru-RU"/>
+          </a:p>
+        </p:txBody>
+      </p:sp>
+    </p:spTree>
+    <p:extLst>
+      <p:ext uri="{BB962C8B-B14F-4D97-AF65-F5344CB8AC3E}">
+        <p14:creationId xmlns:p14="http://schemas.microsoft.com/office/powerpoint/2010/main" val="1438482140"/>
+      </p:ext>
+    </p:extLst>
+  </p:cSld>
+  <p:clrMapOvr>
+    <a:masterClrMapping/>
+  </p:clrMapOvr>
+  <mc:AlternateContent xmlns:mc="http://schemas.openxmlformats.org/markup-compatibility/2006" xmlns:p14="http://schemas.microsoft.com/office/powerpoint/2010/main">
+    <mc:Choice Requires="p14">
+      <p:transition spd="med" p14:dur="700">
+        <p:fade/>
+      </p:transition>
+    </mc:Choice>
+    <mc:Fallback xmlns="">
+      <p:transition spd="med">
+        <p:fade/>
+      </p:transition>
+    </mc:Fallback>
+  </mc:AlternateContent>
+</p:sld>
+</file>
+
+<file path=ppt/slides/slide29.xml><?xml version="1.0" encoding="utf-8"?>
+<p:sld xmlns:a="http://schemas.openxmlformats.org/drawingml/2006/main" xmlns:r="http://schemas.openxmlformats.org/officeDocument/2006/relationships" xmlns:p="http://schemas.openxmlformats.org/presentationml/2006/main">
+  <p:cSld>
+    <p:spTree>
+      <p:nvGrpSpPr>
+        <p:cNvPr id="1" name=""/>
+        <p:cNvGrpSpPr/>
+        <p:nvPr/>
+      </p:nvGrpSpPr>
+      <p:grpSpPr>
+        <a:xfrm>
+          <a:off x="0" y="0"/>
+          <a:ext cx="0" cy="0"/>
+          <a:chOff x="0" y="0"/>
+          <a:chExt cx="0" cy="0"/>
+        </a:xfrm>
+      </p:grpSpPr>
+      <p:pic>
+        <p:nvPicPr>
+          <p:cNvPr id="2" name="Рисунок 1"/>
+          <p:cNvPicPr>
+            <a:picLocks noChangeAspect="1"/>
+          </p:cNvPicPr>
+          <p:nvPr/>
+        </p:nvPicPr>
+        <p:blipFill>
+          <a:blip r:embed="rId2"/>
+          <a:stretch>
+            <a:fillRect/>
+          </a:stretch>
+        </p:blipFill>
+        <p:spPr>
+          <a:xfrm>
+            <a:off x="1584959" y="909029"/>
+            <a:ext cx="9151619" cy="5673697"/>
+          </a:xfrm>
+          <a:prstGeom prst="rect">
+            <a:avLst/>
+          </a:prstGeom>
+        </p:spPr>
+      </p:pic>
+      <p:sp>
+        <p:nvSpPr>
+          <p:cNvPr id="3" name="Прямоугольник 2"/>
+          <p:cNvSpPr/>
+          <p:nvPr/>
+        </p:nvSpPr>
+        <p:spPr>
+          <a:xfrm>
+            <a:off x="1425337" y="0"/>
+            <a:ext cx="9470862" cy="707886"/>
+          </a:xfrm>
+          <a:prstGeom prst="rect">
+            <a:avLst/>
+          </a:prstGeom>
+        </p:spPr>
+        <p:txBody>
+          <a:bodyPr wrap="none">
+            <a:spAutoFit/>
+          </a:bodyPr>
+          <a:lstStyle/>
+          <a:p>
+            <a:pPr algn="ctr"/>
+            <a:r>
+              <a:rPr lang="ru-RU" sz="4000" dirty="0" smtClean="0">
+                <a:latin typeface="+mj-lt"/>
+              </a:rPr>
+              <a:t>Визуализация полученной нейронной сети</a:t>
+            </a:r>
+            <a:endParaRPr lang="ru-RU" sz="4000" dirty="0">
+              <a:latin typeface="+mj-lt"/>
+            </a:endParaRPr>
+          </a:p>
+        </p:txBody>
+      </p:sp>
+    </p:spTree>
+    <p:extLst>
+      <p:ext uri="{BB962C8B-B14F-4D97-AF65-F5344CB8AC3E}">
+        <p14:creationId xmlns:p14="http://schemas.microsoft.com/office/powerpoint/2010/main" val="2237764988"/>
       </p:ext>
     </p:extLst>
   </p:cSld>
@@ -6861,6 +7529,518 @@
     <p:extLst>
       <p:ext uri="{BB962C8B-B14F-4D97-AF65-F5344CB8AC3E}">
         <p14:creationId xmlns:p14="http://schemas.microsoft.com/office/powerpoint/2010/main" val="1421426102"/>
+      </p:ext>
+    </p:extLst>
+  </p:cSld>
+  <p:clrMapOvr>
+    <a:masterClrMapping/>
+  </p:clrMapOvr>
+  <mc:AlternateContent xmlns:mc="http://schemas.openxmlformats.org/markup-compatibility/2006" xmlns:p14="http://schemas.microsoft.com/office/powerpoint/2010/main">
+    <mc:Choice Requires="p14">
+      <p:transition spd="med" p14:dur="700">
+        <p:fade/>
+      </p:transition>
+    </mc:Choice>
+    <mc:Fallback xmlns="">
+      <p:transition spd="med">
+        <p:fade/>
+      </p:transition>
+    </mc:Fallback>
+  </mc:AlternateContent>
+</p:sld>
+</file>
+
+<file path=ppt/slides/slide30.xml><?xml version="1.0" encoding="utf-8"?>
+<p:sld xmlns:a="http://schemas.openxmlformats.org/drawingml/2006/main" xmlns:r="http://schemas.openxmlformats.org/officeDocument/2006/relationships" xmlns:p="http://schemas.openxmlformats.org/presentationml/2006/main">
+  <p:cSld>
+    <p:spTree>
+      <p:nvGrpSpPr>
+        <p:cNvPr id="1" name=""/>
+        <p:cNvGrpSpPr/>
+        <p:nvPr/>
+      </p:nvGrpSpPr>
+      <p:grpSpPr>
+        <a:xfrm>
+          <a:off x="0" y="0"/>
+          <a:ext cx="0" cy="0"/>
+          <a:chOff x="0" y="0"/>
+          <a:chExt cx="0" cy="0"/>
+        </a:xfrm>
+      </p:grpSpPr>
+      <p:sp>
+        <p:nvSpPr>
+          <p:cNvPr id="2" name="Прямоугольник 2"/>
+          <p:cNvSpPr/>
+          <p:nvPr/>
+        </p:nvSpPr>
+        <p:spPr>
+          <a:xfrm>
+            <a:off x="3360165" y="0"/>
+            <a:ext cx="5601213" cy="707886"/>
+          </a:xfrm>
+          <a:prstGeom prst="rect">
+            <a:avLst/>
+          </a:prstGeom>
+        </p:spPr>
+        <p:txBody>
+          <a:bodyPr wrap="none">
+            <a:spAutoFit/>
+          </a:bodyPr>
+          <a:lstStyle/>
+          <a:p>
+            <a:pPr algn="ctr"/>
+            <a:r>
+              <a:rPr lang="ru-RU" sz="4000" dirty="0" smtClean="0">
+                <a:latin typeface="+mj-lt"/>
+              </a:rPr>
+              <a:t>Интерфейс пользователя</a:t>
+            </a:r>
+            <a:endParaRPr lang="ru-RU" sz="4000" dirty="0">
+              <a:latin typeface="+mj-lt"/>
+            </a:endParaRPr>
+          </a:p>
+        </p:txBody>
+      </p:sp>
+    </p:spTree>
+    <p:extLst>
+      <p:ext uri="{BB962C8B-B14F-4D97-AF65-F5344CB8AC3E}">
+        <p14:creationId xmlns:p14="http://schemas.microsoft.com/office/powerpoint/2010/main" val="334275058"/>
+      </p:ext>
+    </p:extLst>
+  </p:cSld>
+  <p:clrMapOvr>
+    <a:masterClrMapping/>
+  </p:clrMapOvr>
+  <mc:AlternateContent xmlns:mc="http://schemas.openxmlformats.org/markup-compatibility/2006" xmlns:p14="http://schemas.microsoft.com/office/powerpoint/2010/main">
+    <mc:Choice Requires="p14">
+      <p:transition spd="med" p14:dur="700">
+        <p:fade/>
+      </p:transition>
+    </mc:Choice>
+    <mc:Fallback xmlns="">
+      <p:transition spd="med">
+        <p:fade/>
+      </p:transition>
+    </mc:Fallback>
+  </mc:AlternateContent>
+</p:sld>
+</file>
+
+<file path=ppt/slides/slide31.xml><?xml version="1.0" encoding="utf-8"?>
+<p:sld xmlns:a="http://schemas.openxmlformats.org/drawingml/2006/main" xmlns:r="http://schemas.openxmlformats.org/officeDocument/2006/relationships" xmlns:p="http://schemas.openxmlformats.org/presentationml/2006/main">
+  <p:cSld>
+    <p:spTree>
+      <p:nvGrpSpPr>
+        <p:cNvPr id="1" name=""/>
+        <p:cNvGrpSpPr/>
+        <p:nvPr/>
+      </p:nvGrpSpPr>
+      <p:grpSpPr>
+        <a:xfrm>
+          <a:off x="0" y="0"/>
+          <a:ext cx="0" cy="0"/>
+          <a:chOff x="0" y="0"/>
+          <a:chExt cx="0" cy="0"/>
+        </a:xfrm>
+      </p:grpSpPr>
+      <p:sp>
+        <p:nvSpPr>
+          <p:cNvPr id="2" name="Заголовок 1"/>
+          <p:cNvSpPr txBox="1">
+            <a:spLocks/>
+          </p:cNvSpPr>
+          <p:nvPr/>
+        </p:nvSpPr>
+        <p:spPr>
+          <a:xfrm>
+            <a:off x="3591148" y="2828836"/>
+            <a:ext cx="5009705" cy="1200329"/>
+          </a:xfrm>
+          <a:prstGeom prst="rect">
+            <a:avLst/>
+          </a:prstGeom>
+        </p:spPr>
+        <p:txBody>
+          <a:bodyPr vert="horz" wrap="square" lIns="91440" tIns="45720" rIns="91440" bIns="45720" rtlCol="0" anchor="ctr">
+            <a:spAutoFit/>
+          </a:bodyPr>
+          <a:lstStyle>
+            <a:lvl1pPr algn="l" defTabSz="914400" rtl="0" eaLnBrk="1" latinLnBrk="0" hangingPunct="1">
+              <a:lnSpc>
+                <a:spcPct val="90000"/>
+              </a:lnSpc>
+              <a:spcBef>
+                <a:spcPct val="0"/>
+              </a:spcBef>
+              <a:buNone/>
+              <a:defRPr sz="4400" kern="1200">
+                <a:solidFill>
+                  <a:schemeClr val="tx1"/>
+                </a:solidFill>
+                <a:latin typeface="+mj-lt"/>
+                <a:ea typeface="+mj-ea"/>
+                <a:cs typeface="+mj-cs"/>
+              </a:defRPr>
+            </a:lvl1pPr>
+          </a:lstStyle>
+          <a:p>
+            <a:pPr algn="ctr"/>
+            <a:r>
+              <a:rPr lang="ru-RU" sz="8000" dirty="0" smtClean="0"/>
+              <a:t>Результаты</a:t>
+            </a:r>
+            <a:endParaRPr lang="ru-RU" sz="8000" dirty="0"/>
+          </a:p>
+        </p:txBody>
+      </p:sp>
+    </p:spTree>
+    <p:extLst>
+      <p:ext uri="{BB962C8B-B14F-4D97-AF65-F5344CB8AC3E}">
+        <p14:creationId xmlns:p14="http://schemas.microsoft.com/office/powerpoint/2010/main" val="3704957239"/>
+      </p:ext>
+    </p:extLst>
+  </p:cSld>
+  <p:clrMapOvr>
+    <a:masterClrMapping/>
+  </p:clrMapOvr>
+  <mc:AlternateContent xmlns:mc="http://schemas.openxmlformats.org/markup-compatibility/2006" xmlns:p14="http://schemas.microsoft.com/office/powerpoint/2010/main">
+    <mc:Choice Requires="p14">
+      <p:transition spd="med" p14:dur="700">
+        <p:fade/>
+      </p:transition>
+    </mc:Choice>
+    <mc:Fallback xmlns="">
+      <p:transition spd="med">
+        <p:fade/>
+      </p:transition>
+    </mc:Fallback>
+  </mc:AlternateContent>
+</p:sld>
+</file>
+
+<file path=ppt/slides/slide32.xml><?xml version="1.0" encoding="utf-8"?>
+<p:sld xmlns:a="http://schemas.openxmlformats.org/drawingml/2006/main" xmlns:r="http://schemas.openxmlformats.org/officeDocument/2006/relationships" xmlns:p="http://schemas.openxmlformats.org/presentationml/2006/main">
+  <p:cSld>
+    <p:spTree>
+      <p:nvGrpSpPr>
+        <p:cNvPr id="1" name=""/>
+        <p:cNvGrpSpPr/>
+        <p:nvPr/>
+      </p:nvGrpSpPr>
+      <p:grpSpPr>
+        <a:xfrm>
+          <a:off x="0" y="0"/>
+          <a:ext cx="0" cy="0"/>
+          <a:chOff x="0" y="0"/>
+          <a:chExt cx="0" cy="0"/>
+        </a:xfrm>
+      </p:grpSpPr>
+      <p:sp>
+        <p:nvSpPr>
+          <p:cNvPr id="2" name="Прямоугольник 2"/>
+          <p:cNvSpPr/>
+          <p:nvPr/>
+        </p:nvSpPr>
+        <p:spPr>
+          <a:xfrm>
+            <a:off x="252939" y="0"/>
+            <a:ext cx="3277772" cy="1323439"/>
+          </a:xfrm>
+          <a:prstGeom prst="rect">
+            <a:avLst/>
+          </a:prstGeom>
+        </p:spPr>
+        <p:txBody>
+          <a:bodyPr wrap="square">
+            <a:spAutoFit/>
+          </a:bodyPr>
+          <a:lstStyle/>
+          <a:p>
+            <a:pPr algn="ctr"/>
+            <a:r>
+              <a:rPr lang="ru-RU" sz="4000" dirty="0" smtClean="0">
+                <a:latin typeface="+mj-lt"/>
+              </a:rPr>
+              <a:t>Тестовый граф решений</a:t>
+            </a:r>
+            <a:endParaRPr lang="ru-RU" sz="4000" dirty="0">
+              <a:latin typeface="+mj-lt"/>
+            </a:endParaRPr>
+          </a:p>
+        </p:txBody>
+      </p:sp>
+      <p:pic>
+        <p:nvPicPr>
+          <p:cNvPr id="3" name="Picture 2"/>
+          <p:cNvPicPr>
+            <a:picLocks noChangeAspect="1"/>
+          </p:cNvPicPr>
+          <p:nvPr/>
+        </p:nvPicPr>
+        <p:blipFill>
+          <a:blip r:embed="rId2"/>
+          <a:stretch>
+            <a:fillRect/>
+          </a:stretch>
+        </p:blipFill>
+        <p:spPr>
+          <a:xfrm>
+            <a:off x="3657320" y="0"/>
+            <a:ext cx="8534680" cy="6858000"/>
+          </a:xfrm>
+          <a:prstGeom prst="rect">
+            <a:avLst/>
+          </a:prstGeom>
+        </p:spPr>
+      </p:pic>
+    </p:spTree>
+    <p:extLst>
+      <p:ext uri="{BB962C8B-B14F-4D97-AF65-F5344CB8AC3E}">
+        <p14:creationId xmlns:p14="http://schemas.microsoft.com/office/powerpoint/2010/main" val="2460533143"/>
+      </p:ext>
+    </p:extLst>
+  </p:cSld>
+  <p:clrMapOvr>
+    <a:masterClrMapping/>
+  </p:clrMapOvr>
+  <mc:AlternateContent xmlns:mc="http://schemas.openxmlformats.org/markup-compatibility/2006" xmlns:p14="http://schemas.microsoft.com/office/powerpoint/2010/main">
+    <mc:Choice Requires="p14">
+      <p:transition spd="med" p14:dur="700">
+        <p:fade/>
+      </p:transition>
+    </mc:Choice>
+    <mc:Fallback xmlns="">
+      <p:transition spd="med">
+        <p:fade/>
+      </p:transition>
+    </mc:Fallback>
+  </mc:AlternateContent>
+</p:sld>
+</file>
+
+<file path=ppt/slides/slide33.xml><?xml version="1.0" encoding="utf-8"?>
+<p:sld xmlns:a="http://schemas.openxmlformats.org/drawingml/2006/main" xmlns:r="http://schemas.openxmlformats.org/officeDocument/2006/relationships" xmlns:p="http://schemas.openxmlformats.org/presentationml/2006/main">
+  <p:cSld>
+    <p:spTree>
+      <p:nvGrpSpPr>
+        <p:cNvPr id="1" name=""/>
+        <p:cNvGrpSpPr/>
+        <p:nvPr/>
+      </p:nvGrpSpPr>
+      <p:grpSpPr>
+        <a:xfrm>
+          <a:off x="0" y="0"/>
+          <a:ext cx="0" cy="0"/>
+          <a:chOff x="0" y="0"/>
+          <a:chExt cx="0" cy="0"/>
+        </a:xfrm>
+      </p:grpSpPr>
+      <p:sp>
+        <p:nvSpPr>
+          <p:cNvPr id="2" name="Прямоугольник 2"/>
+          <p:cNvSpPr/>
+          <p:nvPr/>
+        </p:nvSpPr>
+        <p:spPr>
+          <a:xfrm>
+            <a:off x="3805809" y="0"/>
+            <a:ext cx="4709944" cy="707886"/>
+          </a:xfrm>
+          <a:prstGeom prst="rect">
+            <a:avLst/>
+          </a:prstGeom>
+        </p:spPr>
+        <p:txBody>
+          <a:bodyPr wrap="none">
+            <a:spAutoFit/>
+          </a:bodyPr>
+          <a:lstStyle/>
+          <a:p>
+            <a:pPr algn="ctr"/>
+            <a:r>
+              <a:rPr lang="ru-RU" sz="4000" dirty="0" smtClean="0">
+                <a:latin typeface="+mj-lt"/>
+              </a:rPr>
+              <a:t>Таблица результатов</a:t>
+            </a:r>
+            <a:endParaRPr lang="ru-RU" sz="4000" dirty="0">
+              <a:latin typeface="+mj-lt"/>
+            </a:endParaRPr>
+          </a:p>
+        </p:txBody>
+      </p:sp>
+    </p:spTree>
+    <p:extLst>
+      <p:ext uri="{BB962C8B-B14F-4D97-AF65-F5344CB8AC3E}">
+        <p14:creationId xmlns:p14="http://schemas.microsoft.com/office/powerpoint/2010/main" val="3623344428"/>
+      </p:ext>
+    </p:extLst>
+  </p:cSld>
+  <p:clrMapOvr>
+    <a:masterClrMapping/>
+  </p:clrMapOvr>
+  <mc:AlternateContent xmlns:mc="http://schemas.openxmlformats.org/markup-compatibility/2006" xmlns:p14="http://schemas.microsoft.com/office/powerpoint/2010/main">
+    <mc:Choice Requires="p14">
+      <p:transition spd="med" p14:dur="700">
+        <p:fade/>
+      </p:transition>
+    </mc:Choice>
+    <mc:Fallback xmlns="">
+      <p:transition spd="med">
+        <p:fade/>
+      </p:transition>
+    </mc:Fallback>
+  </mc:AlternateContent>
+</p:sld>
+</file>
+
+<file path=ppt/slides/slide34.xml><?xml version="1.0" encoding="utf-8"?>
+<p:sld xmlns:a="http://schemas.openxmlformats.org/drawingml/2006/main" xmlns:r="http://schemas.openxmlformats.org/officeDocument/2006/relationships" xmlns:p="http://schemas.openxmlformats.org/presentationml/2006/main">
+  <p:cSld>
+    <p:spTree>
+      <p:nvGrpSpPr>
+        <p:cNvPr id="1" name=""/>
+        <p:cNvGrpSpPr/>
+        <p:nvPr/>
+      </p:nvGrpSpPr>
+      <p:grpSpPr>
+        <a:xfrm>
+          <a:off x="0" y="0"/>
+          <a:ext cx="0" cy="0"/>
+          <a:chOff x="0" y="0"/>
+          <a:chExt cx="0" cy="0"/>
+        </a:xfrm>
+      </p:grpSpPr>
+      <p:sp>
+        <p:nvSpPr>
+          <p:cNvPr id="2" name="Прямоугольник 2"/>
+          <p:cNvSpPr/>
+          <p:nvPr/>
+        </p:nvSpPr>
+        <p:spPr>
+          <a:xfrm>
+            <a:off x="5371944" y="0"/>
+            <a:ext cx="1577676" cy="707886"/>
+          </a:xfrm>
+          <a:prstGeom prst="rect">
+            <a:avLst/>
+          </a:prstGeom>
+        </p:spPr>
+        <p:txBody>
+          <a:bodyPr wrap="none">
+            <a:spAutoFit/>
+          </a:bodyPr>
+          <a:lstStyle/>
+          <a:p>
+            <a:pPr algn="ctr"/>
+            <a:r>
+              <a:rPr lang="ru-RU" sz="4000" dirty="0" smtClean="0">
+                <a:latin typeface="+mj-lt"/>
+              </a:rPr>
+              <a:t>Вывод</a:t>
+            </a:r>
+            <a:endParaRPr lang="ru-RU" sz="4000" dirty="0">
+              <a:latin typeface="+mj-lt"/>
+            </a:endParaRPr>
+          </a:p>
+        </p:txBody>
+      </p:sp>
+    </p:spTree>
+    <p:extLst>
+      <p:ext uri="{BB962C8B-B14F-4D97-AF65-F5344CB8AC3E}">
+        <p14:creationId xmlns:p14="http://schemas.microsoft.com/office/powerpoint/2010/main" val="1976054824"/>
+      </p:ext>
+    </p:extLst>
+  </p:cSld>
+  <p:clrMapOvr>
+    <a:masterClrMapping/>
+  </p:clrMapOvr>
+  <mc:AlternateContent xmlns:mc="http://schemas.openxmlformats.org/markup-compatibility/2006" xmlns:p14="http://schemas.microsoft.com/office/powerpoint/2010/main">
+    <mc:Choice Requires="p14">
+      <p:transition spd="med" p14:dur="700">
+        <p:fade/>
+      </p:transition>
+    </mc:Choice>
+    <mc:Fallback xmlns="">
+      <p:transition spd="med">
+        <p:fade/>
+      </p:transition>
+    </mc:Fallback>
+  </mc:AlternateContent>
+</p:sld>
+</file>
+
+<file path=ppt/slides/slide35.xml><?xml version="1.0" encoding="utf-8"?>
+<p:sld xmlns:a="http://schemas.openxmlformats.org/drawingml/2006/main" xmlns:r="http://schemas.openxmlformats.org/officeDocument/2006/relationships" xmlns:p="http://schemas.openxmlformats.org/presentationml/2006/main">
+  <p:cSld>
+    <p:spTree>
+      <p:nvGrpSpPr>
+        <p:cNvPr id="1" name=""/>
+        <p:cNvGrpSpPr/>
+        <p:nvPr/>
+      </p:nvGrpSpPr>
+      <p:grpSpPr>
+        <a:xfrm>
+          <a:off x="0" y="0"/>
+          <a:ext cx="0" cy="0"/>
+          <a:chOff x="0" y="0"/>
+          <a:chExt cx="0" cy="0"/>
+        </a:xfrm>
+      </p:grpSpPr>
+      <p:sp>
+        <p:nvSpPr>
+          <p:cNvPr id="2" name="Заголовок 1"/>
+          <p:cNvSpPr txBox="1">
+            <a:spLocks/>
+          </p:cNvSpPr>
+          <p:nvPr/>
+        </p:nvSpPr>
+        <p:spPr>
+          <a:xfrm>
+            <a:off x="1344539" y="2828836"/>
+            <a:ext cx="9502922" cy="1200329"/>
+          </a:xfrm>
+          <a:prstGeom prst="rect">
+            <a:avLst/>
+          </a:prstGeom>
+        </p:spPr>
+        <p:txBody>
+          <a:bodyPr vert="horz" wrap="square" lIns="91440" tIns="45720" rIns="91440" bIns="45720" rtlCol="0" anchor="ctr">
+            <a:spAutoFit/>
+          </a:bodyPr>
+          <a:lstStyle>
+            <a:lvl1pPr algn="l" defTabSz="914400" rtl="0" eaLnBrk="1" latinLnBrk="0" hangingPunct="1">
+              <a:lnSpc>
+                <a:spcPct val="90000"/>
+              </a:lnSpc>
+              <a:spcBef>
+                <a:spcPct val="0"/>
+              </a:spcBef>
+              <a:buNone/>
+              <a:defRPr sz="4400" kern="1200">
+                <a:solidFill>
+                  <a:schemeClr val="tx1"/>
+                </a:solidFill>
+                <a:latin typeface="+mj-lt"/>
+                <a:ea typeface="+mj-ea"/>
+                <a:cs typeface="+mj-cs"/>
+              </a:defRPr>
+            </a:lvl1pPr>
+          </a:lstStyle>
+          <a:p>
+            <a:pPr algn="ctr"/>
+            <a:r>
+              <a:rPr lang="ru-RU" sz="8000" dirty="0" smtClean="0"/>
+              <a:t>Спасибо за внимание</a:t>
+            </a:r>
+            <a:endParaRPr lang="ru-RU" sz="8000" dirty="0"/>
+          </a:p>
+        </p:txBody>
+      </p:sp>
+    </p:spTree>
+    <p:extLst>
+      <p:ext uri="{BB962C8B-B14F-4D97-AF65-F5344CB8AC3E}">
+        <p14:creationId xmlns:p14="http://schemas.microsoft.com/office/powerpoint/2010/main" val="1349625508"/>
       </p:ext>
     </p:extLst>
   </p:cSld>

--- a/docs/Синтетическая Презентация.pptx
+++ b/docs/Синтетическая Презентация.pptx
@@ -5,15 +5,15 @@
     <p:sldMasterId id="2147483648" r:id="rId1"/>
   </p:sldMasterIdLst>
   <p:notesMasterIdLst>
-    <p:notesMasterId r:id="rId37"/>
+    <p:notesMasterId r:id="rId40"/>
   </p:notesMasterIdLst>
   <p:sldIdLst>
     <p:sldId id="256" r:id="rId2"/>
     <p:sldId id="263" r:id="rId3"/>
     <p:sldId id="265" r:id="rId4"/>
     <p:sldId id="266" r:id="rId5"/>
-    <p:sldId id="267" r:id="rId6"/>
-    <p:sldId id="268" r:id="rId7"/>
+    <p:sldId id="268" r:id="rId6"/>
+    <p:sldId id="297" r:id="rId7"/>
     <p:sldId id="269" r:id="rId8"/>
     <p:sldId id="261" r:id="rId9"/>
     <p:sldId id="262" r:id="rId10"/>
@@ -24,25 +24,28 @@
     <p:sldId id="296" r:id="rId15"/>
     <p:sldId id="277" r:id="rId16"/>
     <p:sldId id="274" r:id="rId17"/>
-    <p:sldId id="283" r:id="rId18"/>
-    <p:sldId id="278" r:id="rId19"/>
-    <p:sldId id="279" r:id="rId20"/>
-    <p:sldId id="289" r:id="rId21"/>
-    <p:sldId id="280" r:id="rId22"/>
-    <p:sldId id="281" r:id="rId23"/>
-    <p:sldId id="282" r:id="rId24"/>
-    <p:sldId id="284" r:id="rId25"/>
-    <p:sldId id="285" r:id="rId26"/>
-    <p:sldId id="288" r:id="rId27"/>
-    <p:sldId id="287" r:id="rId28"/>
-    <p:sldId id="290" r:id="rId29"/>
-    <p:sldId id="275" r:id="rId30"/>
-    <p:sldId id="291" r:id="rId31"/>
-    <p:sldId id="286" r:id="rId32"/>
-    <p:sldId id="292" r:id="rId33"/>
-    <p:sldId id="294" r:id="rId34"/>
-    <p:sldId id="295" r:id="rId35"/>
-    <p:sldId id="293" r:id="rId36"/>
+    <p:sldId id="298" r:id="rId18"/>
+    <p:sldId id="299" r:id="rId19"/>
+    <p:sldId id="300" r:id="rId20"/>
+    <p:sldId id="283" r:id="rId21"/>
+    <p:sldId id="278" r:id="rId22"/>
+    <p:sldId id="279" r:id="rId23"/>
+    <p:sldId id="289" r:id="rId24"/>
+    <p:sldId id="280" r:id="rId25"/>
+    <p:sldId id="281" r:id="rId26"/>
+    <p:sldId id="282" r:id="rId27"/>
+    <p:sldId id="284" r:id="rId28"/>
+    <p:sldId id="285" r:id="rId29"/>
+    <p:sldId id="288" r:id="rId30"/>
+    <p:sldId id="287" r:id="rId31"/>
+    <p:sldId id="290" r:id="rId32"/>
+    <p:sldId id="275" r:id="rId33"/>
+    <p:sldId id="291" r:id="rId34"/>
+    <p:sldId id="286" r:id="rId35"/>
+    <p:sldId id="292" r:id="rId36"/>
+    <p:sldId id="294" r:id="rId37"/>
+    <p:sldId id="295" r:id="rId38"/>
+    <p:sldId id="293" r:id="rId39"/>
   </p:sldIdLst>
   <p:sldSz cx="12192000" cy="6858000"/>
   <p:notesSz cx="6858000" cy="9144000"/>
@@ -750,6 +753,90 @@
     <p:extLst>
       <p:ext uri="{BB962C8B-B14F-4D97-AF65-F5344CB8AC3E}">
         <p14:creationId xmlns:p14="http://schemas.microsoft.com/office/powerpoint/2010/main" val="1342726019"/>
+      </p:ext>
+    </p:extLst>
+  </p:cSld>
+  <p:clrMapOvr>
+    <a:masterClrMapping/>
+  </p:clrMapOvr>
+</p:notes>
+</file>
+
+<file path=ppt/notesSlides/notesSlide4.xml><?xml version="1.0" encoding="utf-8"?>
+<p:notes xmlns:a="http://schemas.openxmlformats.org/drawingml/2006/main" xmlns:r="http://schemas.openxmlformats.org/officeDocument/2006/relationships" xmlns:p="http://schemas.openxmlformats.org/presentationml/2006/main">
+  <p:cSld>
+    <p:spTree>
+      <p:nvGrpSpPr>
+        <p:cNvPr id="1" name=""/>
+        <p:cNvGrpSpPr/>
+        <p:nvPr/>
+      </p:nvGrpSpPr>
+      <p:grpSpPr>
+        <a:xfrm>
+          <a:off x="0" y="0"/>
+          <a:ext cx="0" cy="0"/>
+          <a:chOff x="0" y="0"/>
+          <a:chExt cx="0" cy="0"/>
+        </a:xfrm>
+      </p:grpSpPr>
+      <p:sp>
+        <p:nvSpPr>
+          <p:cNvPr id="2" name="Slide Image Placeholder 1"/>
+          <p:cNvSpPr>
+            <a:spLocks noGrp="1" noRot="1" noChangeAspect="1"/>
+          </p:cNvSpPr>
+          <p:nvPr>
+            <p:ph type="sldImg"/>
+          </p:nvPr>
+        </p:nvSpPr>
+        <p:spPr/>
+      </p:sp>
+      <p:sp>
+        <p:nvSpPr>
+          <p:cNvPr id="3" name="Notes Placeholder 2"/>
+          <p:cNvSpPr>
+            <a:spLocks noGrp="1"/>
+          </p:cNvSpPr>
+          <p:nvPr>
+            <p:ph type="body" idx="1"/>
+          </p:nvPr>
+        </p:nvSpPr>
+        <p:spPr/>
+        <p:txBody>
+          <a:bodyPr/>
+          <a:lstStyle/>
+          <a:p>
+            <a:endParaRPr lang="ru-RU" dirty="0"/>
+          </a:p>
+        </p:txBody>
+      </p:sp>
+      <p:sp>
+        <p:nvSpPr>
+          <p:cNvPr id="4" name="Slide Number Placeholder 3"/>
+          <p:cNvSpPr>
+            <a:spLocks noGrp="1"/>
+          </p:cNvSpPr>
+          <p:nvPr>
+            <p:ph type="sldNum" sz="quarter" idx="10"/>
+          </p:nvPr>
+        </p:nvSpPr>
+        <p:spPr/>
+        <p:txBody>
+          <a:bodyPr/>
+          <a:lstStyle/>
+          <a:p>
+            <a:fld id="{2C7D4A87-0084-4BF3-9A89-93A1FE43938D}" type="slidenum">
+              <a:rPr lang="ru-RU" smtClean="0"/>
+              <a:t>21</a:t>
+            </a:fld>
+            <a:endParaRPr lang="ru-RU"/>
+          </a:p>
+        </p:txBody>
+      </p:sp>
+    </p:spTree>
+    <p:extLst>
+      <p:ext uri="{BB962C8B-B14F-4D97-AF65-F5344CB8AC3E}">
+        <p14:creationId xmlns:p14="http://schemas.microsoft.com/office/powerpoint/2010/main" val="2365816321"/>
       </p:ext>
     </p:extLst>
   </p:cSld>
@@ -3676,15 +3763,108 @@
             <p:ph type="ctrTitle"/>
           </p:nvPr>
         </p:nvSpPr>
-        <p:spPr/>
-        <p:txBody>
-          <a:bodyPr/>
-          <a:lstStyle/>
-          <a:p>
+        <p:spPr>
+          <a:xfrm>
+            <a:off x="1628172" y="1295983"/>
+            <a:ext cx="9144000" cy="2387600"/>
+          </a:xfrm>
+        </p:spPr>
+        <p:txBody>
+          <a:bodyPr>
+            <a:normAutofit fontScale="90000"/>
+          </a:bodyPr>
+          <a:lstStyle/>
+          <a:p>
+            <a:r>
+              <a:rPr lang="ru-RU" dirty="0" err="1" smtClean="0"/>
+              <a:t>Нейросетевой</a:t>
+            </a:r>
             <a:r>
               <a:rPr lang="ru-RU" dirty="0" smtClean="0"/>
-              <a:t>Название дипломной работы</a:t>
-            </a:r>
+              <a:t> модуль гибридной интеллектуальной системы</a:t>
+            </a:r>
+            <a:endParaRPr lang="ru-RU" dirty="0"/>
+          </a:p>
+        </p:txBody>
+      </p:sp>
+      <p:sp>
+        <p:nvSpPr>
+          <p:cNvPr id="3" name="TextBox 2"/>
+          <p:cNvSpPr txBox="1"/>
+          <p:nvPr/>
+        </p:nvSpPr>
+        <p:spPr>
+          <a:xfrm>
+            <a:off x="4459246" y="4612899"/>
+            <a:ext cx="3481851" cy="369332"/>
+          </a:xfrm>
+          <a:prstGeom prst="rect">
+            <a:avLst/>
+          </a:prstGeom>
+          <a:noFill/>
+        </p:spPr>
+        <p:txBody>
+          <a:bodyPr wrap="none" rtlCol="0">
+            <a:spAutoFit/>
+          </a:bodyPr>
+          <a:lstStyle/>
+          <a:p>
+            <a:r>
+              <a:rPr lang="ru-RU" dirty="0" smtClean="0"/>
+              <a:t>Выполнил: </a:t>
+            </a:r>
+            <a:r>
+              <a:rPr lang="ru-RU" dirty="0" smtClean="0"/>
+              <a:t>Алявдин </a:t>
+            </a:r>
+            <a:r>
+              <a:rPr lang="ru-RU" dirty="0" smtClean="0"/>
+              <a:t>А.В. 381607м</a:t>
+            </a:r>
+            <a:endParaRPr lang="ru-RU" dirty="0"/>
+          </a:p>
+        </p:txBody>
+      </p:sp>
+      <p:sp>
+        <p:nvSpPr>
+          <p:cNvPr id="4" name="TextBox 3"/>
+          <p:cNvSpPr txBox="1"/>
+          <p:nvPr/>
+        </p:nvSpPr>
+        <p:spPr>
+          <a:xfrm>
+            <a:off x="3632224" y="5509553"/>
+            <a:ext cx="5135893" cy="646331"/>
+          </a:xfrm>
+          <a:prstGeom prst="rect">
+            <a:avLst/>
+          </a:prstGeom>
+          <a:noFill/>
+        </p:spPr>
+        <p:txBody>
+          <a:bodyPr wrap="none" rtlCol="0">
+            <a:spAutoFit/>
+          </a:bodyPr>
+          <a:lstStyle/>
+          <a:p>
+            <a:r>
+              <a:rPr lang="ru-RU" dirty="0" smtClean="0"/>
+              <a:t>Научный руководитель: </a:t>
+            </a:r>
+            <a:r>
+              <a:rPr lang="ru-RU" dirty="0"/>
+              <a:t>к.т.н. доцент </a:t>
+            </a:r>
+            <a:r>
+              <a:rPr lang="ru-RU" dirty="0" err="1"/>
+              <a:t>Басалин</a:t>
+            </a:r>
+            <a:r>
+              <a:rPr lang="ru-RU" dirty="0"/>
+              <a:t> П.Д.</a:t>
+            </a:r>
+          </a:p>
+          <a:p>
             <a:endParaRPr lang="ru-RU" dirty="0"/>
           </a:p>
         </p:txBody>
@@ -3728,7 +3908,7 @@
         <p:spPr>
           <a:xfrm>
             <a:off x="928991" y="1114698"/>
-            <a:ext cx="10479238" cy="5509200"/>
+            <a:ext cx="10479238" cy="5078313"/>
           </a:xfrm>
           <a:prstGeom prst="rect">
             <a:avLst/>
@@ -3747,54 +3927,80 @@
             <a:r>
               <a:rPr lang="ru-RU" sz="2400" dirty="0" smtClean="0">
                 <a:solidFill>
-                  <a:schemeClr val="accent5">
-                    <a:lumMod val="50000"/>
+                  <a:schemeClr val="accent1">
+                    <a:lumMod val="75000"/>
                   </a:schemeClr>
                 </a:solidFill>
               </a:rPr>
-              <a:t>Эксперт</a:t>
+              <a:t>Эксперт </a:t>
             </a:r>
             <a:r>
               <a:rPr lang="ru-RU" sz="2400" dirty="0" smtClean="0"/>
-              <a:t> с помощью интеллектуального интерфейса создает граф решений – представление своих знаний</a:t>
-            </a:r>
-          </a:p>
-          <a:p>
-            <a:endParaRPr lang="ru-RU" sz="2400" dirty="0" smtClean="0"/>
-          </a:p>
-          <a:p>
-            <a:r>
-              <a:rPr lang="ru-RU" sz="2400" dirty="0" smtClean="0"/>
-              <a:t>2. </a:t>
+              <a:t>с помощью интеллектуального интерфейса создает </a:t>
             </a:r>
             <a:r>
               <a:rPr lang="ru-RU" sz="2400" dirty="0" smtClean="0">
                 <a:solidFill>
-                  <a:schemeClr val="accent5">
-                    <a:lumMod val="50000"/>
+                  <a:schemeClr val="accent1">
+                    <a:lumMod val="75000"/>
                   </a:schemeClr>
                 </a:solidFill>
               </a:rPr>
-              <a:t>Граф решений преобразуется в нейронную сеть</a:t>
+              <a:t>граф решений</a:t>
             </a:r>
             <a:r>
               <a:rPr lang="ru-RU" sz="2400" dirty="0" smtClean="0"/>
-              <a:t>, которая основана на той же логике рассуждений</a:t>
-            </a:r>
-          </a:p>
-          <a:p>
+              <a:t>, представляющий его знания о предметной области</a:t>
+            </a:r>
+          </a:p>
+          <a:p>
+            <a:pPr marL="457200" indent="-457200">
+              <a:buFont typeface="+mj-lt"/>
+              <a:buAutoNum type="arabicPeriod"/>
+            </a:pPr>
             <a:endParaRPr lang="ru-RU" sz="2400" dirty="0" smtClean="0"/>
           </a:p>
           <a:p>
+            <a:pPr marL="457200" indent="-457200">
+              <a:buFont typeface="+mj-lt"/>
+              <a:buAutoNum type="arabicPeriod"/>
+            </a:pPr>
             <a:r>
               <a:rPr lang="ru-RU" sz="2400" dirty="0" smtClean="0"/>
-              <a:t>3. Далее нейронная сеть работает в штатном режиме – получает от пользователя </a:t>
+              <a:t>Граф решений преобразуется в </a:t>
             </a:r>
             <a:r>
               <a:rPr lang="ru-RU" sz="2400" dirty="0" smtClean="0">
                 <a:solidFill>
-                  <a:schemeClr val="accent5">
-                    <a:lumMod val="50000"/>
+                  <a:schemeClr val="accent1">
+                    <a:lumMod val="75000"/>
+                  </a:schemeClr>
+                </a:solidFill>
+              </a:rPr>
+              <a:t>эквивалентную по логике «рассуждений» нейронную сеть</a:t>
+            </a:r>
+          </a:p>
+          <a:p>
+            <a:pPr marL="457200" indent="-457200">
+              <a:buFont typeface="+mj-lt"/>
+              <a:buAutoNum type="arabicPeriod"/>
+            </a:pPr>
+            <a:endParaRPr lang="ru-RU" sz="2400" dirty="0" smtClean="0"/>
+          </a:p>
+          <a:p>
+            <a:pPr marL="457200" indent="-457200">
+              <a:buFont typeface="+mj-lt"/>
+              <a:buAutoNum type="arabicPeriod"/>
+            </a:pPr>
+            <a:r>
+              <a:rPr lang="ru-RU" sz="2400" dirty="0" smtClean="0"/>
+              <a:t>Далее нейронная сеть, работая в штатном режиме, получает от пользователя </a:t>
+            </a:r>
+            <a:r>
+              <a:rPr lang="ru-RU" sz="2400" dirty="0" smtClean="0">
+                <a:solidFill>
+                  <a:schemeClr val="accent1">
+                    <a:lumMod val="75000"/>
                   </a:schemeClr>
                 </a:solidFill>
               </a:rPr>
@@ -3802,33 +4008,69 @@
             </a:r>
             <a:r>
               <a:rPr lang="ru-RU" sz="2400" dirty="0" smtClean="0"/>
-              <a:t> и выдает результат - решение (в идеале, с возможностью объяснения)</a:t>
-            </a:r>
-          </a:p>
-          <a:p>
-            <a:endParaRPr lang="ru-RU" sz="2400" dirty="0"/>
-          </a:p>
-          <a:p>
-            <a:r>
-              <a:rPr lang="ru-RU" sz="2400" dirty="0" smtClean="0"/>
-              <a:t>4. При необходимости, нейронная сеть </a:t>
+              <a:t>, описывающие текущую ситуацию,</a:t>
             </a:r>
             <a:r>
               <a:rPr lang="ru-RU" sz="2400" dirty="0" smtClean="0">
                 <a:solidFill>
-                  <a:schemeClr val="accent5">
-                    <a:lumMod val="50000"/>
+                  <a:schemeClr val="accent1">
+                    <a:lumMod val="75000"/>
                   </a:schemeClr>
                 </a:solidFill>
               </a:rPr>
-              <a:t>дообучается</a:t>
+              <a:t> </a:t>
             </a:r>
             <a:r>
               <a:rPr lang="ru-RU" sz="2400" dirty="0" smtClean="0"/>
-              <a:t> на основании аналитического вывода (резульат работы механизма аналитического вывода используется как обучающий шаблон)</a:t>
-            </a:r>
-          </a:p>
-          <a:p>
+              <a:t>и выдает заключения, связанные с дальнейшим развитием ситуации</a:t>
+            </a:r>
+          </a:p>
+          <a:p>
+            <a:pPr marL="457200" indent="-457200">
+              <a:buFont typeface="+mj-lt"/>
+              <a:buAutoNum type="arabicPeriod"/>
+            </a:pPr>
+            <a:endParaRPr lang="ru-RU" sz="2400" dirty="0"/>
+          </a:p>
+          <a:p>
+            <a:pPr marL="457200" indent="-457200">
+              <a:buFont typeface="+mj-lt"/>
+              <a:buAutoNum type="arabicPeriod"/>
+            </a:pPr>
+            <a:r>
+              <a:rPr lang="ru-RU" sz="2400" dirty="0" smtClean="0"/>
+              <a:t>Нейронная сеть может </a:t>
+            </a:r>
+            <a:r>
+              <a:rPr lang="ru-RU" sz="2400" dirty="0" err="1" smtClean="0">
+                <a:solidFill>
+                  <a:schemeClr val="accent1">
+                    <a:lumMod val="75000"/>
+                  </a:schemeClr>
+                </a:solidFill>
+              </a:rPr>
+              <a:t>дообучаться</a:t>
+            </a:r>
+            <a:r>
+              <a:rPr lang="ru-RU" sz="2400" dirty="0" smtClean="0">
+                <a:solidFill>
+                  <a:schemeClr val="accent1">
+                    <a:lumMod val="75000"/>
+                  </a:schemeClr>
+                </a:solidFill>
+              </a:rPr>
+              <a:t> </a:t>
+            </a:r>
+            <a:r>
+              <a:rPr lang="ru-RU" sz="2400" dirty="0" smtClean="0"/>
+              <a:t>на основании результатов работы аналитического модуля</a:t>
+            </a:r>
+          </a:p>
+          <a:p>
+            <a:pPr marL="742950" indent="-742950">
+              <a:buFont typeface="+mj-lt"/>
+              <a:buAutoNum type="arabicPeriod"/>
+            </a:pPr>
             <a:endParaRPr lang="ru-RU" sz="3600" dirty="0"/>
           </a:p>
         </p:txBody>
@@ -4046,7 +4288,7 @@
         </p:blipFill>
         <p:spPr>
           <a:xfrm>
-            <a:off x="4400214" y="818607"/>
+            <a:off x="1892145" y="853681"/>
             <a:ext cx="7606528" cy="6004319"/>
           </a:xfrm>
           <a:prstGeom prst="rect">
@@ -4054,140 +4296,6 @@
           </a:prstGeom>
         </p:spPr>
       </p:pic>
-      <p:sp>
-        <p:nvSpPr>
-          <p:cNvPr id="7" name="TextBox 6"/>
-          <p:cNvSpPr txBox="1"/>
-          <p:nvPr/>
-        </p:nvSpPr>
-        <p:spPr>
-          <a:xfrm>
-            <a:off x="383327" y="888525"/>
-            <a:ext cx="3842865" cy="3139321"/>
-          </a:xfrm>
-          <a:prstGeom prst="rect">
-            <a:avLst/>
-          </a:prstGeom>
-          <a:noFill/>
-        </p:spPr>
-        <p:txBody>
-          <a:bodyPr wrap="square" rtlCol="0">
-            <a:spAutoFit/>
-          </a:bodyPr>
-          <a:lstStyle/>
-          <a:p>
-            <a:r>
-              <a:rPr lang="en-US" dirty="0" smtClean="0"/>
-              <a:t>G=(O,R,A), </a:t>
-            </a:r>
-            <a:r>
-              <a:rPr lang="ru-RU" dirty="0" smtClean="0"/>
-              <a:t>где </a:t>
-            </a:r>
-            <a:r>
-              <a:rPr lang="en-US" dirty="0" smtClean="0"/>
-              <a:t>O </a:t>
-            </a:r>
-            <a:r>
-              <a:rPr lang="ru-RU" dirty="0" smtClean="0"/>
-              <a:t>– непустое множество «</a:t>
-            </a:r>
-            <a:r>
-              <a:rPr lang="ru-RU" dirty="0" smtClean="0"/>
-              <a:t>вершин-овалов», </a:t>
-            </a:r>
-            <a:r>
-              <a:rPr lang="ru-RU" dirty="0" smtClean="0"/>
-              <a:t>представляющее конкретные </a:t>
-            </a:r>
-            <a:r>
-              <a:rPr lang="ru-RU" dirty="0" smtClean="0"/>
-              <a:t>факты\условия, </a:t>
-            </a:r>
-            <a:r>
-              <a:rPr lang="en-US" dirty="0" smtClean="0"/>
-              <a:t>R – </a:t>
-            </a:r>
-            <a:r>
-              <a:rPr lang="ru-RU" dirty="0" smtClean="0"/>
-              <a:t>непустое множество «вершин-прямоугольников», представляющее выводы(промежуточные или конечные), </a:t>
-            </a:r>
-            <a:r>
-              <a:rPr lang="en-US" dirty="0" smtClean="0"/>
-              <a:t>A-</a:t>
-            </a:r>
-            <a:r>
-              <a:rPr lang="ru-RU" dirty="0" smtClean="0"/>
-              <a:t>множество упорядоченных пар различных вершин, называемое «связи».</a:t>
-            </a:r>
-          </a:p>
-          <a:p>
-            <a:endParaRPr lang="ru-RU" dirty="0"/>
-          </a:p>
-        </p:txBody>
-      </p:sp>
-      <p:sp>
-        <p:nvSpPr>
-          <p:cNvPr id="8" name="TextBox 7"/>
-          <p:cNvSpPr txBox="1"/>
-          <p:nvPr/>
-        </p:nvSpPr>
-        <p:spPr>
-          <a:xfrm>
-            <a:off x="383326" y="4245700"/>
-            <a:ext cx="3842865" cy="1754326"/>
-          </a:xfrm>
-          <a:prstGeom prst="rect">
-            <a:avLst/>
-          </a:prstGeom>
-          <a:noFill/>
-        </p:spPr>
-        <p:txBody>
-          <a:bodyPr wrap="square" rtlCol="0">
-            <a:spAutoFit/>
-          </a:bodyPr>
-          <a:lstStyle/>
-          <a:p>
-            <a:r>
-              <a:rPr lang="ru-RU" dirty="0" smtClean="0"/>
-              <a:t>Каждому элементу из множества </a:t>
-            </a:r>
-            <a:r>
-              <a:rPr lang="en-US" dirty="0" smtClean="0"/>
-              <a:t>R </a:t>
-            </a:r>
-            <a:r>
-              <a:rPr lang="ru-RU" dirty="0" smtClean="0"/>
-              <a:t>и каждой паре из множества </a:t>
-            </a:r>
-            <a:r>
-              <a:rPr lang="en-US" dirty="0" smtClean="0"/>
-              <a:t>O </a:t>
-            </a:r>
-            <a:r>
-              <a:rPr lang="ru-RU" dirty="0" smtClean="0"/>
-              <a:t>поставлен в соответствие элемент из множества действительных чисел</a:t>
-            </a:r>
-            <a:r>
-              <a:rPr lang="en-US" dirty="0" smtClean="0"/>
-              <a:t> </a:t>
-            </a:r>
-            <a:r>
-              <a:rPr lang="ru-RU" dirty="0" smtClean="0"/>
-              <a:t>в отрезке </a:t>
-            </a:r>
-            <a:r>
-              <a:rPr lang="en-US" dirty="0" smtClean="0"/>
-              <a:t>[0,1]</a:t>
-            </a:r>
-            <a:r>
-              <a:rPr lang="ru-RU" dirty="0" smtClean="0"/>
-              <a:t> – коэффициент уверенности</a:t>
-            </a:r>
-            <a:endParaRPr lang="ru-RU" dirty="0"/>
-          </a:p>
-        </p:txBody>
-      </p:sp>
     </p:spTree>
     <p:extLst>
       <p:ext uri="{BB962C8B-B14F-4D97-AF65-F5344CB8AC3E}">
@@ -4272,8 +4380,8 @@
         </p:nvSpPr>
         <p:spPr>
           <a:xfrm>
-            <a:off x="1136549" y="2804411"/>
-            <a:ext cx="10389176" cy="1384995"/>
+            <a:off x="901412" y="2521059"/>
+            <a:ext cx="10389176" cy="1815882"/>
           </a:xfrm>
           <a:prstGeom prst="rect">
             <a:avLst/>
@@ -4315,12 +4423,16 @@
               <a:t>n </a:t>
             </a:r>
             <a:r>
+              <a:rPr lang="ru-RU" sz="2800" dirty="0" smtClean="0"/>
+              <a:t>-</a:t>
+            </a:r>
+            <a:r>
               <a:rPr lang="en-US" sz="2800" dirty="0" smtClean="0"/>
-              <a:t>= </a:t>
+              <a:t> </a:t>
             </a:r>
             <a:r>
               <a:rPr lang="ru-RU" sz="2800" dirty="0" smtClean="0"/>
-              <a:t>количеству связей, выходящих из каждой вершины-условия. Каждая составляющая вектора – коэффициент уверенности соответствующего факта</a:t>
+              <a:t>количество вершин-условий (овалов) в графе решений. Каждая составляющая вектора – коэффициент уверенности соответствующего факта, получаемый от пользователя</a:t>
             </a:r>
             <a:endParaRPr lang="ru-RU" sz="2800" dirty="0"/>
           </a:p>
@@ -4376,7 +4488,7 @@
         </p:nvSpPr>
         <p:spPr>
           <a:xfrm>
-            <a:off x="4491535" y="110721"/>
+            <a:off x="4256394" y="110721"/>
             <a:ext cx="3679212" cy="707886"/>
           </a:xfrm>
           <a:prstGeom prst="rect">
@@ -4410,7 +4522,7 @@
         </p:nvSpPr>
         <p:spPr>
           <a:xfrm>
-            <a:off x="1136549" y="2804411"/>
+            <a:off x="901412" y="2736503"/>
             <a:ext cx="10389176" cy="1384995"/>
           </a:xfrm>
           <a:prstGeom prst="rect">
@@ -4430,15 +4542,11 @@
             </a:r>
             <a:r>
               <a:rPr lang="en-US" sz="2800" dirty="0" smtClean="0"/>
-              <a:t>=(</a:t>
-            </a:r>
-            <a:r>
-              <a:rPr lang="en-US" sz="2800" dirty="0" smtClean="0"/>
-              <a:t>r</a:t>
-            </a:r>
-            <a:r>
-              <a:rPr lang="en-US" sz="2800" dirty="0" smtClean="0"/>
-              <a:t>1..rn</a:t>
+              <a:t>=(r1..r</a:t>
+            </a:r>
+            <a:r>
+              <a:rPr lang="en-US" sz="2800" dirty="0"/>
+              <a:t>m</a:t>
             </a:r>
             <a:r>
               <a:rPr lang="en-US" sz="2800" dirty="0" smtClean="0"/>
@@ -4450,11 +4558,7 @@
             </a:r>
             <a:r>
               <a:rPr lang="en-US" sz="2800" dirty="0" smtClean="0"/>
-              <a:t>r</a:t>
-            </a:r>
-            <a:r>
-              <a:rPr lang="en-US" sz="2800" dirty="0" smtClean="0"/>
-              <a:t>1..rn </a:t>
+              <a:t>r1..rm </a:t>
             </a:r>
             <a:r>
               <a:rPr lang="ru-RU" sz="2800" dirty="0" smtClean="0"/>
@@ -4469,12 +4573,24 @@
               <a:t> </a:t>
             </a:r>
             <a:r>
+              <a:rPr lang="en-US" sz="2800" dirty="0"/>
+              <a:t>m</a:t>
+            </a:r>
+            <a:r>
               <a:rPr lang="en-US" sz="2800" dirty="0" smtClean="0"/>
-              <a:t>n = </a:t>
+              <a:t> </a:t>
             </a:r>
             <a:r>
               <a:rPr lang="ru-RU" sz="2800" dirty="0" smtClean="0"/>
-              <a:t>количеству вершин окончательных выводов в графе решений. Каждая составляющая вектора – коэффициент уверенности соответствующего вывода</a:t>
+              <a:t>-</a:t>
+            </a:r>
+            <a:r>
+              <a:rPr lang="en-US" sz="2800" dirty="0" smtClean="0"/>
+              <a:t> </a:t>
+            </a:r>
+            <a:r>
+              <a:rPr lang="ru-RU" sz="2800" dirty="0" smtClean="0"/>
+              <a:t>количество вершин окончательных выводов в графе решений. Каждая составляющая вектора – коэффициент уверенности соответствующего вывода</a:t>
             </a:r>
             <a:endParaRPr lang="ru-RU" sz="2800" dirty="0"/>
           </a:p>
@@ -4610,8 +4726,13 @@
             <a:pPr algn="ctr"/>
             <a:r>
               <a:rPr lang="ru-RU" sz="2000" dirty="0"/>
-              <a:t>Структура нейронной сети должна отражать логику рассуждений эксперта</a:t>
-            </a:r>
+              <a:t>Структура нейронной сети </a:t>
+            </a:r>
+            <a:r>
+              <a:rPr lang="ru-RU" sz="2000" dirty="0" smtClean="0"/>
+              <a:t>эквивалентна по логике «рассуждений» графу решений</a:t>
+            </a:r>
+            <a:endParaRPr lang="ru-RU" sz="2000" dirty="0"/>
           </a:p>
         </p:txBody>
       </p:sp>
@@ -4724,7 +4845,7 @@
           <a:graphicData uri="http://schemas.openxmlformats.org/presentationml/2006/ole">
             <mc:AlternateContent xmlns:mc="http://schemas.openxmlformats.org/markup-compatibility/2006">
               <mc:Choice xmlns:v="urn:schemas-microsoft-com:vml" Requires="v">
-                <p:oleObj spid="_x0000_s1037" r:id="rId5" imgW="1790700" imgH="495300" progId="Equation.3">
+                <p:oleObj spid="_x0000_s1046" r:id="rId5" imgW="1790700" imgH="495300" progId="Equation.3">
                   <p:embed/>
                 </p:oleObj>
               </mc:Choice>
@@ -5046,7 +5167,7 @@
           <a:p>
             <a:r>
               <a:rPr lang="ru-RU" sz="2000" dirty="0" smtClean="0"/>
-              <a:t>Коэффициент уверенности связи</a:t>
+              <a:t>Коэффициент уверенности факта</a:t>
             </a:r>
             <a:endParaRPr lang="ru-RU" sz="2000" dirty="0"/>
           </a:p>
@@ -5216,7 +5337,15 @@
           <a:p>
             <a:r>
               <a:rPr lang="ru-RU" sz="2000" dirty="0" smtClean="0"/>
-              <a:t>Нейрон скрытого слоя + нейрон моторного слоя + связь между ними с синаптическим весом = коэф. </a:t>
+              <a:t>Нейрон скрытого слоя, нейрон моторного слоя и связь между ними, с </a:t>
+            </a:r>
+            <a:r>
+              <a:rPr lang="ru-RU" sz="2000" dirty="0" err="1" smtClean="0"/>
+              <a:t>синаптическим</a:t>
+            </a:r>
+            <a:r>
+              <a:rPr lang="ru-RU" sz="2000" dirty="0" smtClean="0"/>
+              <a:t> весом, равным коэф. </a:t>
             </a:r>
             <a:r>
               <a:rPr lang="ru-RU" sz="2000" dirty="0"/>
@@ -5309,7 +5438,7 @@
         <p:spPr>
           <a:xfrm>
             <a:off x="7640989" y="4735745"/>
-            <a:ext cx="4685211" cy="400110"/>
+            <a:ext cx="4685211" cy="1015663"/>
           </a:xfrm>
           <a:prstGeom prst="rect">
             <a:avLst/>
@@ -5324,7 +5453,23 @@
           <a:p>
             <a:r>
               <a:rPr lang="ru-RU" sz="2000" dirty="0" smtClean="0"/>
-              <a:t>Нейрон скрытого слоя</a:t>
+              <a:t>Нейрон скрытого слоя и связь с </a:t>
+            </a:r>
+            <a:r>
+              <a:rPr lang="ru-RU" sz="2000" dirty="0" err="1" smtClean="0"/>
+              <a:t>синаптическим</a:t>
+            </a:r>
+            <a:r>
+              <a:rPr lang="ru-RU" sz="2000" dirty="0" smtClean="0"/>
+              <a:t> весом </a:t>
+            </a:r>
+            <a:r>
+              <a:rPr lang="ru-RU" sz="2000" dirty="0" err="1" smtClean="0"/>
+              <a:t>коэф</a:t>
+            </a:r>
+            <a:r>
+              <a:rPr lang="ru-RU" sz="2000" dirty="0" smtClean="0"/>
+              <a:t>. уверенности вывода</a:t>
             </a:r>
             <a:endParaRPr lang="ru-RU" sz="2000" dirty="0"/>
           </a:p>
@@ -5374,93 +5519,33 @@
       </p:grpSpPr>
       <p:sp>
         <p:nvSpPr>
-          <p:cNvPr id="2" name="TextBox 1"/>
-          <p:cNvSpPr txBox="1"/>
+          <p:cNvPr id="2" name="Прямоугольник 1"/>
+          <p:cNvSpPr/>
           <p:nvPr/>
         </p:nvSpPr>
         <p:spPr>
           <a:xfrm>
-            <a:off x="1008429" y="2037807"/>
-            <a:ext cx="10479238" cy="1938992"/>
+            <a:off x="4227543" y="110721"/>
+            <a:ext cx="3736920" cy="707886"/>
           </a:xfrm>
           <a:prstGeom prst="rect">
             <a:avLst/>
           </a:prstGeom>
-          <a:noFill/>
-        </p:spPr>
-        <p:txBody>
-          <a:bodyPr wrap="square" rtlCol="0">
+        </p:spPr>
+        <p:txBody>
+          <a:bodyPr wrap="none">
             <a:spAutoFit/>
           </a:bodyPr>
           <a:lstStyle/>
           <a:p>
-            <a:pPr marL="514350" indent="-514350">
-              <a:buAutoNum type="arabicPeriod"/>
-            </a:pPr>
-            <a:r>
-              <a:rPr lang="ru-RU" sz="2400" dirty="0" smtClean="0"/>
-              <a:t>Поставить в соответствие коэффициентам уверенности пороги активационных функций</a:t>
-            </a:r>
-          </a:p>
-          <a:p>
-            <a:pPr marL="514350" indent="-514350">
-              <a:buAutoNum type="arabicPeriod"/>
-            </a:pPr>
-            <a:endParaRPr lang="ru-RU" sz="2400" dirty="0"/>
-          </a:p>
-          <a:p>
-            <a:pPr marL="514350" indent="-514350">
-              <a:buAutoNum type="arabicPeriod"/>
-            </a:pPr>
-            <a:r>
-              <a:rPr lang="ru-RU" sz="2400" dirty="0" smtClean="0"/>
-              <a:t>Поставить в соответствие коэффициентам уверенности </a:t>
-            </a:r>
-            <a:r>
-              <a:rPr lang="ru-RU" sz="2400" dirty="0" smtClean="0">
-                <a:solidFill>
-                  <a:srgbClr val="FF0000"/>
-                </a:solidFill>
-              </a:rPr>
-              <a:t>настроечные параметры функций?</a:t>
-            </a:r>
-            <a:endParaRPr lang="ru-RU" sz="2400" dirty="0" smtClean="0">
-              <a:solidFill>
-                <a:srgbClr val="FF0000"/>
-              </a:solidFill>
-            </a:endParaRPr>
-          </a:p>
-        </p:txBody>
-      </p:sp>
-      <p:sp>
-        <p:nvSpPr>
-          <p:cNvPr id="3" name="Прямоугольник 2"/>
-          <p:cNvSpPr/>
-          <p:nvPr/>
-        </p:nvSpPr>
-        <p:spPr>
-          <a:xfrm>
-            <a:off x="304097" y="184542"/>
-            <a:ext cx="11887903" cy="1200329"/>
-          </a:xfrm>
-          <a:prstGeom prst="rect">
-            <a:avLst/>
-          </a:prstGeom>
-        </p:spPr>
-        <p:txBody>
-          <a:bodyPr wrap="square">
-            <a:spAutoFit/>
-          </a:bodyPr>
-          <a:lstStyle/>
-          <a:p>
             <a:pPr algn="ctr"/>
             <a:r>
-              <a:rPr lang="ru-RU" sz="3600" dirty="0" smtClean="0">
+              <a:rPr lang="ru-RU" sz="4000" dirty="0" smtClean="0">
                 <a:latin typeface="+mj-lt"/>
               </a:rPr>
-              <a:t>Альтернативные варианты механизма построения нейронной сети по графу решений</a:t>
-            </a:r>
-            <a:endParaRPr lang="ru-RU" sz="3600" dirty="0">
+              <a:t>Сенсорный слой</a:t>
+            </a:r>
+            <a:endParaRPr lang="ru-RU" sz="4000" dirty="0">
               <a:latin typeface="+mj-lt"/>
             </a:endParaRPr>
           </a:p>
@@ -5469,7 +5554,7 @@
     </p:spTree>
     <p:extLst>
       <p:ext uri="{BB962C8B-B14F-4D97-AF65-F5344CB8AC3E}">
-        <p14:creationId xmlns:p14="http://schemas.microsoft.com/office/powerpoint/2010/main" val="617455400"/>
+        <p14:creationId xmlns:p14="http://schemas.microsoft.com/office/powerpoint/2010/main" val="1033322781"/>
       </p:ext>
     </p:extLst>
   </p:cSld>
@@ -5516,87 +5601,36 @@
         </p:nvSpPr>
         <p:spPr>
           <a:xfrm>
-            <a:off x="304097" y="184542"/>
-            <a:ext cx="11887903" cy="646331"/>
+            <a:off x="4499253" y="110721"/>
+            <a:ext cx="3193503" cy="707886"/>
           </a:xfrm>
           <a:prstGeom prst="rect">
             <a:avLst/>
           </a:prstGeom>
         </p:spPr>
         <p:txBody>
-          <a:bodyPr wrap="square">
+          <a:bodyPr wrap="none">
             <a:spAutoFit/>
           </a:bodyPr>
           <a:lstStyle/>
           <a:p>
             <a:pPr algn="ctr"/>
             <a:r>
-              <a:rPr lang="ru-RU" sz="3600" dirty="0" smtClean="0">
+              <a:rPr lang="ru-RU" sz="4000" dirty="0" smtClean="0">
                 <a:latin typeface="+mj-lt"/>
               </a:rPr>
-              <a:t>Дообучение нейронной сети</a:t>
-            </a:r>
-            <a:endParaRPr lang="ru-RU" sz="3600" dirty="0">
+              <a:t>Скрытые слои</a:t>
+            </a:r>
+            <a:endParaRPr lang="ru-RU" sz="4000" dirty="0">
               <a:latin typeface="+mj-lt"/>
             </a:endParaRPr>
-          </a:p>
-        </p:txBody>
-      </p:sp>
-      <p:sp>
-        <p:nvSpPr>
-          <p:cNvPr id="3" name="TextBox 2"/>
-          <p:cNvSpPr txBox="1"/>
-          <p:nvPr/>
-        </p:nvSpPr>
-        <p:spPr>
-          <a:xfrm>
-            <a:off x="1008429" y="1515293"/>
-            <a:ext cx="10479238" cy="1569660"/>
-          </a:xfrm>
-          <a:prstGeom prst="rect">
-            <a:avLst/>
-          </a:prstGeom>
-          <a:noFill/>
-        </p:spPr>
-        <p:txBody>
-          <a:bodyPr wrap="square" rtlCol="0">
-            <a:spAutoFit/>
-          </a:bodyPr>
-          <a:lstStyle/>
-          <a:p>
-            <a:pPr marL="514350" indent="-514350">
-              <a:buAutoNum type="arabicPeriod"/>
-            </a:pPr>
-            <a:r>
-              <a:rPr lang="ru-RU" sz="2400" dirty="0" smtClean="0"/>
-              <a:t>Генетический алгоритм для непрерывного случая. Значения синаптических весов – особи. Матрица синаптических весов – популяция.</a:t>
-            </a:r>
-          </a:p>
-          <a:p>
-            <a:pPr marL="514350" indent="-514350">
-              <a:buAutoNum type="arabicPeriod"/>
-            </a:pPr>
-            <a:endParaRPr lang="ru-RU" sz="2400" dirty="0"/>
-          </a:p>
-          <a:p>
-            <a:pPr marL="514350" indent="-514350">
-              <a:buAutoNum type="arabicPeriod"/>
-            </a:pPr>
-            <a:r>
-              <a:rPr lang="ru-RU" sz="2400" dirty="0" smtClean="0">
-                <a:solidFill>
-                  <a:srgbClr val="FF0000"/>
-                </a:solidFill>
-              </a:rPr>
-              <a:t>Модификация алгоритма обратного распространения ошибки - ?</a:t>
-            </a:r>
           </a:p>
         </p:txBody>
       </p:sp>
     </p:spTree>
     <p:extLst>
       <p:ext uri="{BB962C8B-B14F-4D97-AF65-F5344CB8AC3E}">
-        <p14:creationId xmlns:p14="http://schemas.microsoft.com/office/powerpoint/2010/main" val="501895532"/>
+        <p14:creationId xmlns:p14="http://schemas.microsoft.com/office/powerpoint/2010/main" val="3764461454"/>
       </p:ext>
     </p:extLst>
   </p:cSld>
@@ -5637,58 +5671,42 @@
       </p:grpSpPr>
       <p:sp>
         <p:nvSpPr>
-          <p:cNvPr id="2" name="Заголовок 1"/>
-          <p:cNvSpPr txBox="1">
-            <a:spLocks/>
-          </p:cNvSpPr>
+          <p:cNvPr id="2" name="Прямоугольник 1"/>
+          <p:cNvSpPr/>
           <p:nvPr/>
         </p:nvSpPr>
         <p:spPr>
           <a:xfrm>
-            <a:off x="351655" y="1741713"/>
-            <a:ext cx="11735842" cy="2569030"/>
+            <a:off x="4286055" y="110721"/>
+            <a:ext cx="3619902" cy="707886"/>
           </a:xfrm>
           <a:prstGeom prst="rect">
             <a:avLst/>
           </a:prstGeom>
         </p:spPr>
         <p:txBody>
-          <a:bodyPr vert="horz" lIns="91440" tIns="45720" rIns="91440" bIns="45720" rtlCol="0" anchor="ctr">
-            <a:noAutofit/>
+          <a:bodyPr wrap="none">
+            <a:spAutoFit/>
           </a:bodyPr>
-          <a:lstStyle>
-            <a:lvl1pPr algn="l" defTabSz="914400" rtl="0" eaLnBrk="1" latinLnBrk="0" hangingPunct="1">
-              <a:lnSpc>
-                <a:spcPct val="90000"/>
-              </a:lnSpc>
-              <a:spcBef>
-                <a:spcPct val="0"/>
-              </a:spcBef>
-              <a:buNone/>
-              <a:defRPr sz="4400" kern="1200">
-                <a:solidFill>
-                  <a:schemeClr val="tx1"/>
-                </a:solidFill>
+          <a:lstStyle/>
+          <a:p>
+            <a:pPr algn="ctr"/>
+            <a:r>
+              <a:rPr lang="ru-RU" sz="4000" dirty="0" smtClean="0">
                 <a:latin typeface="+mj-lt"/>
-                <a:ea typeface="+mj-ea"/>
-                <a:cs typeface="+mj-cs"/>
-              </a:defRPr>
-            </a:lvl1pPr>
-          </a:lstStyle>
-          <a:p>
-            <a:pPr algn="ctr"/>
-            <a:r>
-              <a:rPr lang="ru-RU" sz="8000" dirty="0" smtClean="0"/>
-              <a:t>Архитектура программной системы</a:t>
-            </a:r>
-            <a:endParaRPr lang="ru-RU" sz="8000" dirty="0"/>
+              </a:rPr>
+              <a:t>Моторный слой</a:t>
+            </a:r>
+            <a:endParaRPr lang="ru-RU" sz="4000" dirty="0">
+              <a:latin typeface="+mj-lt"/>
+            </a:endParaRPr>
           </a:p>
         </p:txBody>
       </p:sp>
     </p:spTree>
     <p:extLst>
       <p:ext uri="{BB962C8B-B14F-4D97-AF65-F5344CB8AC3E}">
-        <p14:creationId xmlns:p14="http://schemas.microsoft.com/office/powerpoint/2010/main" val="1519161513"/>
+        <p14:creationId xmlns:p14="http://schemas.microsoft.com/office/powerpoint/2010/main" val="2521649399"/>
       </p:ext>
     </p:extLst>
   </p:cSld>
@@ -5828,34 +5846,91 @@
           <a:chExt cx="0" cy="0"/>
         </a:xfrm>
       </p:grpSpPr>
-      <p:pic>
-        <p:nvPicPr>
-          <p:cNvPr id="3" name="Picture 2"/>
-          <p:cNvPicPr>
-            <a:picLocks noChangeAspect="1"/>
-          </p:cNvPicPr>
+      <p:sp>
+        <p:nvSpPr>
+          <p:cNvPr id="2" name="TextBox 1"/>
+          <p:cNvSpPr txBox="1"/>
           <p:nvPr/>
-        </p:nvPicPr>
-        <p:blipFill>
-          <a:blip r:embed="rId2"/>
-          <a:stretch>
-            <a:fillRect/>
-          </a:stretch>
-        </p:blipFill>
-        <p:spPr>
-          <a:xfrm>
-            <a:off x="1332190" y="0"/>
-            <a:ext cx="9527620" cy="6858000"/>
+        </p:nvSpPr>
+        <p:spPr>
+          <a:xfrm>
+            <a:off x="1008429" y="2037807"/>
+            <a:ext cx="10479238" cy="1938992"/>
           </a:xfrm>
           <a:prstGeom prst="rect">
             <a:avLst/>
           </a:prstGeom>
-        </p:spPr>
-      </p:pic>
+          <a:noFill/>
+        </p:spPr>
+        <p:txBody>
+          <a:bodyPr wrap="square" rtlCol="0">
+            <a:spAutoFit/>
+          </a:bodyPr>
+          <a:lstStyle/>
+          <a:p>
+            <a:pPr marL="514350" indent="-514350">
+              <a:buAutoNum type="arabicPeriod"/>
+            </a:pPr>
+            <a:r>
+              <a:rPr lang="ru-RU" sz="2400" dirty="0" smtClean="0"/>
+              <a:t>Поставить в соответствие коэффициентам уверенности пороги активационных функций</a:t>
+            </a:r>
+          </a:p>
+          <a:p>
+            <a:pPr marL="514350" indent="-514350">
+              <a:buAutoNum type="arabicPeriod"/>
+            </a:pPr>
+            <a:endParaRPr lang="ru-RU" sz="2400" dirty="0"/>
+          </a:p>
+          <a:p>
+            <a:pPr marL="514350" indent="-514350">
+              <a:buAutoNum type="arabicPeriod"/>
+            </a:pPr>
+            <a:r>
+              <a:rPr lang="ru-RU" sz="2400" dirty="0" smtClean="0"/>
+              <a:t>Поставить в соответствие коэффициентам уверенности настроечные параметры функций</a:t>
+            </a:r>
+          </a:p>
+        </p:txBody>
+      </p:sp>
+      <p:sp>
+        <p:nvSpPr>
+          <p:cNvPr id="3" name="Прямоугольник 2"/>
+          <p:cNvSpPr/>
+          <p:nvPr/>
+        </p:nvSpPr>
+        <p:spPr>
+          <a:xfrm>
+            <a:off x="304097" y="184542"/>
+            <a:ext cx="11887903" cy="1200329"/>
+          </a:xfrm>
+          <a:prstGeom prst="rect">
+            <a:avLst/>
+          </a:prstGeom>
+        </p:spPr>
+        <p:txBody>
+          <a:bodyPr wrap="square">
+            <a:spAutoFit/>
+          </a:bodyPr>
+          <a:lstStyle/>
+          <a:p>
+            <a:pPr algn="ctr"/>
+            <a:r>
+              <a:rPr lang="ru-RU" sz="3600" dirty="0" smtClean="0">
+                <a:latin typeface="+mj-lt"/>
+              </a:rPr>
+              <a:t>Альтернативные варианты механизма построения нейронной сети по графу решений</a:t>
+            </a:r>
+            <a:endParaRPr lang="ru-RU" sz="3600" dirty="0">
+              <a:latin typeface="+mj-lt"/>
+            </a:endParaRPr>
+          </a:p>
+        </p:txBody>
+      </p:sp>
     </p:spTree>
     <p:extLst>
       <p:ext uri="{BB962C8B-B14F-4D97-AF65-F5344CB8AC3E}">
-        <p14:creationId xmlns:p14="http://schemas.microsoft.com/office/powerpoint/2010/main" val="3746434453"/>
+        <p14:creationId xmlns:p14="http://schemas.microsoft.com/office/powerpoint/2010/main" val="617455400"/>
       </p:ext>
     </p:extLst>
   </p:cSld>
@@ -5894,165 +5969,91 @@
           <a:chExt cx="0" cy="0"/>
         </a:xfrm>
       </p:grpSpPr>
-      <p:pic>
-        <p:nvPicPr>
-          <p:cNvPr id="2" name="Picture 156"/>
-          <p:cNvPicPr/>
-          <p:nvPr/>
-        </p:nvPicPr>
-        <p:blipFill>
-          <a:blip r:embed="rId2"/>
-          <a:stretch>
-            <a:fillRect/>
-          </a:stretch>
-        </p:blipFill>
-        <p:spPr>
-          <a:xfrm>
-            <a:off x="5773555" y="187053"/>
-            <a:ext cx="5661025" cy="6570980"/>
-          </a:xfrm>
-          <a:prstGeom prst="rect">
-            <a:avLst/>
-          </a:prstGeom>
-        </p:spPr>
-      </p:pic>
-      <p:sp>
-        <p:nvSpPr>
-          <p:cNvPr id="3" name="Прямоугольник 2"/>
+      <p:sp>
+        <p:nvSpPr>
+          <p:cNvPr id="2" name="Прямоугольник 1"/>
           <p:cNvSpPr/>
           <p:nvPr/>
         </p:nvSpPr>
         <p:spPr>
           <a:xfrm>
-            <a:off x="428278" y="448883"/>
-            <a:ext cx="5002652" cy="400110"/>
+            <a:off x="304097" y="184542"/>
+            <a:ext cx="11887903" cy="646331"/>
           </a:xfrm>
           <a:prstGeom prst="rect">
             <a:avLst/>
           </a:prstGeom>
         </p:spPr>
         <p:txBody>
-          <a:bodyPr wrap="none">
+          <a:bodyPr wrap="square">
             <a:spAutoFit/>
           </a:bodyPr>
           <a:lstStyle/>
           <a:p>
-            <a:r>
-              <a:rPr lang="ru-RU" sz="2000" dirty="0" smtClean="0"/>
-              <a:t>Диаграмма классов модуля нейронной сети</a:t>
-            </a:r>
-            <a:endParaRPr lang="ru-RU" sz="2000" dirty="0"/>
-          </a:p>
-        </p:txBody>
-      </p:sp>
-      <p:sp>
-        <p:nvSpPr>
-          <p:cNvPr id="4" name="Прямоугольник 3"/>
-          <p:cNvSpPr/>
+            <a:pPr algn="ctr"/>
+            <a:r>
+              <a:rPr lang="ru-RU" sz="3600" dirty="0" smtClean="0">
+                <a:latin typeface="+mj-lt"/>
+              </a:rPr>
+              <a:t>Дообучение нейронной сети</a:t>
+            </a:r>
+            <a:endParaRPr lang="ru-RU" sz="3600" dirty="0">
+              <a:latin typeface="+mj-lt"/>
+            </a:endParaRPr>
+          </a:p>
+        </p:txBody>
+      </p:sp>
+      <p:sp>
+        <p:nvSpPr>
+          <p:cNvPr id="3" name="TextBox 2"/>
+          <p:cNvSpPr txBox="1"/>
           <p:nvPr/>
         </p:nvSpPr>
         <p:spPr>
           <a:xfrm>
-            <a:off x="-322445" y="4771275"/>
-            <a:ext cx="6096000" cy="2086725"/>
+            <a:off x="1008429" y="1515293"/>
+            <a:ext cx="10479238" cy="1569660"/>
           </a:xfrm>
           <a:prstGeom prst="rect">
             <a:avLst/>
           </a:prstGeom>
-        </p:spPr>
-        <p:txBody>
-          <a:bodyPr>
+          <a:noFill/>
+        </p:spPr>
+        <p:txBody>
+          <a:bodyPr wrap="square" rtlCol="0">
             <a:spAutoFit/>
           </a:bodyPr>
           <a:lstStyle/>
           <a:p>
-            <a:pPr marL="457200" algn="just">
-              <a:lnSpc>
-                <a:spcPct val="130000"/>
-              </a:lnSpc>
-              <a:spcAft>
-                <a:spcPts val="0"/>
-              </a:spcAft>
-              <a:tabLst>
-                <a:tab pos="180340" algn="l"/>
-                <a:tab pos="449580" algn="l"/>
-              </a:tabLst>
+            <a:pPr marL="514350" indent="-514350">
+              <a:buAutoNum type="arabicPeriod"/>
             </a:pPr>
             <a:r>
-              <a:rPr lang="ru-RU" dirty="0">
-                <a:ea typeface="Times New Roman" panose="02020603050405020304" pitchFamily="18" charset="0"/>
-              </a:rPr>
-              <a:t>Основные компоненты: </a:t>
-            </a:r>
-            <a:r>
-              <a:rPr lang="en-US" dirty="0">
-                <a:ea typeface="Times New Roman" panose="02020603050405020304" pitchFamily="18" charset="0"/>
-              </a:rPr>
-              <a:t>NeuralNet</a:t>
-            </a:r>
-            <a:r>
-              <a:rPr lang="ru-RU" dirty="0">
-                <a:ea typeface="Times New Roman" panose="02020603050405020304" pitchFamily="18" charset="0"/>
-              </a:rPr>
-              <a:t> – класс нейронной сети, агрегирует класс </a:t>
-            </a:r>
-            <a:r>
-              <a:rPr lang="en-US" dirty="0">
-                <a:ea typeface="Times New Roman" panose="02020603050405020304" pitchFamily="18" charset="0"/>
-              </a:rPr>
-              <a:t>NeuralLevel </a:t>
-            </a:r>
-            <a:r>
-              <a:rPr lang="ru-RU" dirty="0">
-                <a:ea typeface="Times New Roman" panose="02020603050405020304" pitchFamily="18" charset="0"/>
-              </a:rPr>
-              <a:t>– класс слоя нейронной сети -  агрегирует </a:t>
-            </a:r>
-            <a:r>
-              <a:rPr lang="en-US" dirty="0">
-                <a:ea typeface="Times New Roman" panose="02020603050405020304" pitchFamily="18" charset="0"/>
-              </a:rPr>
-              <a:t>Neuron </a:t>
-            </a:r>
-            <a:r>
-              <a:rPr lang="ru-RU" dirty="0">
-                <a:ea typeface="Times New Roman" panose="02020603050405020304" pitchFamily="18" charset="0"/>
-              </a:rPr>
-              <a:t>– класс нейрона – агрегирует </a:t>
-            </a:r>
-            <a:r>
-              <a:rPr lang="en-US" dirty="0">
-                <a:ea typeface="Times New Roman" panose="02020603050405020304" pitchFamily="18" charset="0"/>
-              </a:rPr>
-              <a:t>Link </a:t>
-            </a:r>
-            <a:r>
-              <a:rPr lang="ru-RU" dirty="0">
-                <a:ea typeface="Times New Roman" panose="02020603050405020304" pitchFamily="18" charset="0"/>
-              </a:rPr>
-              <a:t>– класс связи нейронной сети</a:t>
-            </a:r>
-          </a:p>
-          <a:p>
-            <a:r>
-              <a:rPr lang="ru-RU" dirty="0">
-                <a:ea typeface="Times New Roman" panose="02020603050405020304" pitchFamily="18" charset="0"/>
-              </a:rPr>
-              <a:t/>
-            </a:r>
-            <a:br>
-              <a:rPr lang="ru-RU" dirty="0">
-                <a:ea typeface="Times New Roman" panose="02020603050405020304" pitchFamily="18" charset="0"/>
-              </a:rPr>
-            </a:br>
-            <a:endParaRPr lang="ru-RU" dirty="0"/>
+              <a:rPr lang="ru-RU" sz="2400" dirty="0" smtClean="0"/>
+              <a:t>Генетический алгоритм для непрерывного случая. Значения синаптических весов – особи. Матрица синаптических весов – популяция.</a:t>
+            </a:r>
+          </a:p>
+          <a:p>
+            <a:pPr marL="514350" indent="-514350">
+              <a:buAutoNum type="arabicPeriod"/>
+            </a:pPr>
+            <a:endParaRPr lang="ru-RU" sz="2400" dirty="0"/>
+          </a:p>
+          <a:p>
+            <a:pPr marL="514350" indent="-514350">
+              <a:buAutoNum type="arabicPeriod"/>
+            </a:pPr>
+            <a:r>
+              <a:rPr lang="ru-RU" sz="2400" dirty="0" smtClean="0"/>
+              <a:t>Модификация алгоритма обратного распространения ошибки</a:t>
+            </a:r>
           </a:p>
         </p:txBody>
       </p:sp>
     </p:spTree>
     <p:extLst>
       <p:ext uri="{BB962C8B-B14F-4D97-AF65-F5344CB8AC3E}">
-        <p14:creationId xmlns:p14="http://schemas.microsoft.com/office/powerpoint/2010/main" val="1605308272"/>
+        <p14:creationId xmlns:p14="http://schemas.microsoft.com/office/powerpoint/2010/main" val="501895532"/>
       </p:ext>
     </p:extLst>
   </p:cSld>
@@ -6093,138 +6094,58 @@
       </p:grpSpPr>
       <p:sp>
         <p:nvSpPr>
-          <p:cNvPr id="4" name="Прямоугольник 3"/>
-          <p:cNvSpPr/>
+          <p:cNvPr id="2" name="Заголовок 1"/>
+          <p:cNvSpPr txBox="1">
+            <a:spLocks/>
+          </p:cNvSpPr>
           <p:nvPr/>
         </p:nvSpPr>
         <p:spPr>
           <a:xfrm>
-            <a:off x="428278" y="448883"/>
-            <a:ext cx="6090963" cy="400110"/>
+            <a:off x="351655" y="1741713"/>
+            <a:ext cx="11735842" cy="2569030"/>
           </a:xfrm>
           <a:prstGeom prst="rect">
             <a:avLst/>
           </a:prstGeom>
         </p:spPr>
         <p:txBody>
-          <a:bodyPr wrap="none">
-            <a:spAutoFit/>
+          <a:bodyPr vert="horz" lIns="91440" tIns="45720" rIns="91440" bIns="45720" rtlCol="0" anchor="ctr">
+            <a:noAutofit/>
           </a:bodyPr>
-          <a:lstStyle/>
-          <a:p>
-            <a:r>
-              <a:rPr lang="ru-RU" sz="2000" dirty="0" smtClean="0"/>
-              <a:t>Диаграмма классов модуля обучения нейронной сети</a:t>
-            </a:r>
-            <a:endParaRPr lang="ru-RU" sz="2000" dirty="0"/>
-          </a:p>
-        </p:txBody>
-      </p:sp>
-      <p:pic>
-        <p:nvPicPr>
-          <p:cNvPr id="5" name="Picture 158"/>
-          <p:cNvPicPr/>
-          <p:nvPr/>
-        </p:nvPicPr>
-        <p:blipFill>
-          <a:blip r:embed="rId2"/>
-          <a:stretch>
-            <a:fillRect/>
-          </a:stretch>
-        </p:blipFill>
-        <p:spPr>
-          <a:xfrm>
-            <a:off x="6060576" y="1156470"/>
-            <a:ext cx="5940425" cy="4196715"/>
-          </a:xfrm>
-          <a:prstGeom prst="rect">
-            <a:avLst/>
-          </a:prstGeom>
-        </p:spPr>
-      </p:pic>
-      <p:sp>
-        <p:nvSpPr>
-          <p:cNvPr id="6" name="Прямоугольник 5"/>
-          <p:cNvSpPr/>
-          <p:nvPr/>
-        </p:nvSpPr>
-        <p:spPr>
-          <a:xfrm>
-            <a:off x="-278902" y="4061229"/>
-            <a:ext cx="6096000" cy="2583912"/>
-          </a:xfrm>
-          <a:prstGeom prst="rect">
-            <a:avLst/>
-          </a:prstGeom>
-        </p:spPr>
-        <p:txBody>
-          <a:bodyPr>
-            <a:spAutoFit/>
-          </a:bodyPr>
-          <a:lstStyle/>
-          <a:p>
-            <a:pPr marL="457200" algn="just">
+          <a:lstStyle>
+            <a:lvl1pPr algn="l" defTabSz="914400" rtl="0" eaLnBrk="1" latinLnBrk="0" hangingPunct="1">
               <a:lnSpc>
-                <a:spcPct val="130000"/>
+                <a:spcPct val="90000"/>
               </a:lnSpc>
-              <a:spcAft>
-                <a:spcPts val="0"/>
-              </a:spcAft>
-              <a:tabLst>
-                <a:tab pos="180340" algn="l"/>
-                <a:tab pos="449580" algn="l"/>
-              </a:tabLst>
-            </a:pPr>
-            <a:r>
-              <a:rPr lang="ru-RU" dirty="0" smtClean="0">
-                <a:ea typeface="Times New Roman" panose="02020603050405020304" pitchFamily="18" charset="0"/>
-              </a:rPr>
-              <a:t>Основные компоненты: </a:t>
-            </a:r>
-            <a:r>
-              <a:rPr lang="en-US" dirty="0" smtClean="0">
-                <a:ea typeface="Times New Roman" panose="02020603050405020304" pitchFamily="18" charset="0"/>
-              </a:rPr>
-              <a:t>Teacher – </a:t>
-            </a:r>
-            <a:r>
-              <a:rPr lang="ru-RU" dirty="0" smtClean="0">
-                <a:ea typeface="Times New Roman" panose="02020603050405020304" pitchFamily="18" charset="0"/>
-              </a:rPr>
-              <a:t>модуль обучения нейронной сети, с помощью паттерна стратегия позволяет настраивать стратегию обучения(</a:t>
-            </a:r>
-            <a:r>
-              <a:rPr lang="en-US" dirty="0" smtClean="0">
-                <a:ea typeface="Times New Roman" panose="02020603050405020304" pitchFamily="18" charset="0"/>
-              </a:rPr>
-              <a:t>ITeachingStrategy) – GeneticTeaching – </a:t>
-            </a:r>
-            <a:r>
-              <a:rPr lang="ru-RU" dirty="0" smtClean="0">
-                <a:ea typeface="Times New Roman" panose="02020603050405020304" pitchFamily="18" charset="0"/>
-              </a:rPr>
-              <a:t>класс обучения с помощью генетического алгоритма, или </a:t>
-            </a:r>
-            <a:r>
-              <a:rPr lang="en-US" dirty="0" smtClean="0">
-                <a:ea typeface="Times New Roman" panose="02020603050405020304" pitchFamily="18" charset="0"/>
-              </a:rPr>
-              <a:t>BackPropagationTeaching – </a:t>
-            </a:r>
-            <a:r>
-              <a:rPr lang="ru-RU" dirty="0" smtClean="0">
-                <a:ea typeface="Times New Roman" panose="02020603050405020304" pitchFamily="18" charset="0"/>
-              </a:rPr>
-              <a:t>класс обучения с помощью алгоритма обратного распространения ошибки</a:t>
-            </a:r>
-            <a:endParaRPr lang="ru-RU" dirty="0"/>
+              <a:spcBef>
+                <a:spcPct val="0"/>
+              </a:spcBef>
+              <a:buNone/>
+              <a:defRPr sz="4400" kern="1200">
+                <a:solidFill>
+                  <a:schemeClr val="tx1"/>
+                </a:solidFill>
+                <a:latin typeface="+mj-lt"/>
+                <a:ea typeface="+mj-ea"/>
+                <a:cs typeface="+mj-cs"/>
+              </a:defRPr>
+            </a:lvl1pPr>
+          </a:lstStyle>
+          <a:p>
+            <a:pPr algn="ctr"/>
+            <a:r>
+              <a:rPr lang="ru-RU" sz="8000" dirty="0" smtClean="0"/>
+              <a:t>Архитектура программной системы</a:t>
+            </a:r>
+            <a:endParaRPr lang="ru-RU" sz="8000" dirty="0"/>
           </a:p>
         </p:txBody>
       </p:sp>
     </p:spTree>
     <p:extLst>
       <p:ext uri="{BB962C8B-B14F-4D97-AF65-F5344CB8AC3E}">
-        <p14:creationId xmlns:p14="http://schemas.microsoft.com/office/powerpoint/2010/main" val="4157549777"/>
+        <p14:creationId xmlns:p14="http://schemas.microsoft.com/office/powerpoint/2010/main" val="1519161513"/>
       </p:ext>
     </p:extLst>
   </p:cSld>
@@ -6265,8 +6186,10 @@
       </p:grpSpPr>
       <p:pic>
         <p:nvPicPr>
-          <p:cNvPr id="2" name="Picture 160"/>
-          <p:cNvPicPr/>
+          <p:cNvPr id="3" name="Picture 2"/>
+          <p:cNvPicPr>
+            <a:picLocks noChangeAspect="1"/>
+          </p:cNvPicPr>
           <p:nvPr/>
         </p:nvPicPr>
         <p:blipFill>
@@ -6277,148 +6200,18 @@
         </p:blipFill>
         <p:spPr>
           <a:xfrm>
-            <a:off x="5703524" y="1058589"/>
-            <a:ext cx="5940425" cy="4340225"/>
+            <a:off x="948368" y="-304800"/>
+            <a:ext cx="10532432" cy="7862711"/>
           </a:xfrm>
           <a:prstGeom prst="rect">
             <a:avLst/>
           </a:prstGeom>
         </p:spPr>
       </p:pic>
-      <p:sp>
-        <p:nvSpPr>
-          <p:cNvPr id="3" name="Прямоугольник 2"/>
-          <p:cNvSpPr/>
-          <p:nvPr/>
-        </p:nvSpPr>
-        <p:spPr>
-          <a:xfrm>
-            <a:off x="428278" y="448883"/>
-            <a:ext cx="6331541" cy="400110"/>
-          </a:xfrm>
-          <a:prstGeom prst="rect">
-            <a:avLst/>
-          </a:prstGeom>
-        </p:spPr>
-        <p:txBody>
-          <a:bodyPr wrap="none">
-            <a:spAutoFit/>
-          </a:bodyPr>
-          <a:lstStyle/>
-          <a:p>
-            <a:r>
-              <a:rPr lang="ru-RU" sz="2000" dirty="0" smtClean="0"/>
-              <a:t>Диаграмма классов модуля построения нейронной сети</a:t>
-            </a:r>
-            <a:endParaRPr lang="ru-RU" sz="2000" dirty="0"/>
-          </a:p>
-        </p:txBody>
-      </p:sp>
-      <p:sp>
-        <p:nvSpPr>
-          <p:cNvPr id="4" name="Прямоугольник 3"/>
-          <p:cNvSpPr/>
-          <p:nvPr/>
-        </p:nvSpPr>
-        <p:spPr>
-          <a:xfrm>
-            <a:off x="428278" y="3881844"/>
-            <a:ext cx="8062579" cy="2613023"/>
-          </a:xfrm>
-          <a:prstGeom prst="rect">
-            <a:avLst/>
-          </a:prstGeom>
-        </p:spPr>
-        <p:txBody>
-          <a:bodyPr wrap="square">
-            <a:spAutoFit/>
-          </a:bodyPr>
-          <a:lstStyle/>
-          <a:p>
-            <a:pPr algn="just">
-              <a:lnSpc>
-                <a:spcPct val="130000"/>
-              </a:lnSpc>
-              <a:spcAft>
-                <a:spcPts val="0"/>
-              </a:spcAft>
-              <a:tabLst>
-                <a:tab pos="180340" algn="l"/>
-              </a:tabLst>
-            </a:pPr>
-            <a:r>
-              <a:rPr lang="ru-RU" dirty="0">
-                <a:ea typeface="Times New Roman" panose="02020603050405020304" pitchFamily="18" charset="0"/>
-              </a:rPr>
-              <a:t>Основные компоненты: </a:t>
-            </a:r>
-            <a:r>
-              <a:rPr lang="en-US" dirty="0">
-                <a:ea typeface="Times New Roman" panose="02020603050405020304" pitchFamily="18" charset="0"/>
-              </a:rPr>
-              <a:t>Builder</a:t>
-            </a:r>
-            <a:r>
-              <a:rPr lang="ru-RU" dirty="0">
-                <a:ea typeface="Times New Roman" panose="02020603050405020304" pitchFamily="18" charset="0"/>
-              </a:rPr>
-              <a:t> – модуль </a:t>
-            </a:r>
-            <a:r>
-              <a:rPr lang="ru-RU" dirty="0" smtClean="0">
-                <a:ea typeface="Times New Roman" panose="02020603050405020304" pitchFamily="18" charset="0"/>
-              </a:rPr>
-              <a:t>построения </a:t>
-            </a:r>
-            <a:r>
-              <a:rPr lang="ru-RU" dirty="0">
-                <a:ea typeface="Times New Roman" panose="02020603050405020304" pitchFamily="18" charset="0"/>
-              </a:rPr>
-              <a:t>нейронной сети, с помощью паттерна стратегия позволяет настраивать стратегию построения нейронной сети(</a:t>
-            </a:r>
-            <a:r>
-              <a:rPr lang="en-US" dirty="0">
-                <a:ea typeface="Times New Roman" panose="02020603050405020304" pitchFamily="18" charset="0"/>
-              </a:rPr>
-              <a:t>IBuildingStrategy</a:t>
-            </a:r>
-            <a:r>
-              <a:rPr lang="ru-RU" dirty="0">
-                <a:ea typeface="Times New Roman" panose="02020603050405020304" pitchFamily="18" charset="0"/>
-              </a:rPr>
-              <a:t>) – </a:t>
-            </a:r>
-            <a:r>
-              <a:rPr lang="en-US" dirty="0">
-                <a:ea typeface="Times New Roman" panose="02020603050405020304" pitchFamily="18" charset="0"/>
-              </a:rPr>
-              <a:t>CoefsToThreshholdsBuilder</a:t>
-            </a:r>
-            <a:r>
-              <a:rPr lang="ru-RU" dirty="0">
-                <a:ea typeface="Times New Roman" panose="02020603050405020304" pitchFamily="18" charset="0"/>
-              </a:rPr>
-              <a:t>– класс построения с помощью перевода коэффициентов уверенности в пороги активационных функций, или </a:t>
-            </a:r>
-            <a:r>
-              <a:rPr lang="en-US" dirty="0">
-                <a:ea typeface="Times New Roman" panose="02020603050405020304" pitchFamily="18" charset="0"/>
-              </a:rPr>
-              <a:t>CoefsToValuesBuilding </a:t>
-            </a:r>
-            <a:r>
-              <a:rPr lang="ru-RU" dirty="0">
-                <a:ea typeface="Times New Roman" panose="02020603050405020304" pitchFamily="18" charset="0"/>
-              </a:rPr>
-              <a:t>– класс построения нейронной сети с помощью перевода коэффициентов уверенности в синаптические веса нейронов.</a:t>
-            </a:r>
-          </a:p>
-        </p:txBody>
-      </p:sp>
     </p:spTree>
     <p:extLst>
       <p:ext uri="{BB962C8B-B14F-4D97-AF65-F5344CB8AC3E}">
-        <p14:creationId xmlns:p14="http://schemas.microsoft.com/office/powerpoint/2010/main" val="1996999891"/>
+        <p14:creationId xmlns:p14="http://schemas.microsoft.com/office/powerpoint/2010/main" val="3746434453"/>
       </p:ext>
     </p:extLst>
   </p:cSld>
@@ -6457,49 +6250,10 @@
           <a:chExt cx="0" cy="0"/>
         </a:xfrm>
       </p:grpSpPr>
-      <p:sp>
-        <p:nvSpPr>
-          <p:cNvPr id="3" name="Прямоугольник 2"/>
-          <p:cNvSpPr/>
-          <p:nvPr/>
-        </p:nvSpPr>
-        <p:spPr>
-          <a:xfrm>
-            <a:off x="3275036" y="448883"/>
-            <a:ext cx="5641929" cy="400110"/>
-          </a:xfrm>
-          <a:prstGeom prst="rect">
-            <a:avLst/>
-          </a:prstGeom>
-        </p:spPr>
-        <p:txBody>
-          <a:bodyPr wrap="none">
-            <a:spAutoFit/>
-          </a:bodyPr>
-          <a:lstStyle/>
-          <a:p>
-            <a:r>
-              <a:rPr lang="ru-RU" sz="2000" dirty="0" smtClean="0"/>
-              <a:t>Общая диаграмма классов </a:t>
-            </a:r>
-            <a:r>
-              <a:rPr lang="ru-RU" sz="2000" dirty="0" err="1" smtClean="0"/>
-              <a:t>нейросетевого</a:t>
-            </a:r>
-            <a:r>
-              <a:rPr lang="ru-RU" sz="2000" dirty="0" smtClean="0"/>
-              <a:t> модуля</a:t>
-            </a:r>
-            <a:endParaRPr lang="ru-RU" sz="2000" dirty="0"/>
-          </a:p>
-        </p:txBody>
-      </p:sp>
       <p:pic>
         <p:nvPicPr>
-          <p:cNvPr id="5" name="Рисунок 4"/>
-          <p:cNvPicPr>
-            <a:picLocks noChangeAspect="1"/>
-          </p:cNvPicPr>
+          <p:cNvPr id="2" name="Picture 156"/>
+          <p:cNvPicPr/>
           <p:nvPr/>
         </p:nvPicPr>
         <p:blipFill>
@@ -6510,18 +6264,151 @@
         </p:blipFill>
         <p:spPr>
           <a:xfrm>
-            <a:off x="0" y="848992"/>
-            <a:ext cx="12462992" cy="5856607"/>
+            <a:off x="5773555" y="187053"/>
+            <a:ext cx="5661025" cy="6570980"/>
           </a:xfrm>
           <a:prstGeom prst="rect">
             <a:avLst/>
           </a:prstGeom>
         </p:spPr>
       </p:pic>
+      <p:sp>
+        <p:nvSpPr>
+          <p:cNvPr id="3" name="Прямоугольник 2"/>
+          <p:cNvSpPr/>
+          <p:nvPr/>
+        </p:nvSpPr>
+        <p:spPr>
+          <a:xfrm>
+            <a:off x="428278" y="448883"/>
+            <a:ext cx="5518242" cy="400110"/>
+          </a:xfrm>
+          <a:prstGeom prst="rect">
+            <a:avLst/>
+          </a:prstGeom>
+        </p:spPr>
+        <p:txBody>
+          <a:bodyPr wrap="none">
+            <a:spAutoFit/>
+          </a:bodyPr>
+          <a:lstStyle/>
+          <a:p>
+            <a:r>
+              <a:rPr lang="ru-RU" sz="2000" dirty="0" smtClean="0"/>
+              <a:t>Диаграмма классов компонента нейронной сети</a:t>
+            </a:r>
+            <a:endParaRPr lang="ru-RU" sz="2000" dirty="0"/>
+          </a:p>
+        </p:txBody>
+      </p:sp>
+      <p:sp>
+        <p:nvSpPr>
+          <p:cNvPr id="4" name="Прямоугольник 3"/>
+          <p:cNvSpPr/>
+          <p:nvPr/>
+        </p:nvSpPr>
+        <p:spPr>
+          <a:xfrm>
+            <a:off x="-322445" y="4771275"/>
+            <a:ext cx="6096000" cy="2086725"/>
+          </a:xfrm>
+          <a:prstGeom prst="rect">
+            <a:avLst/>
+          </a:prstGeom>
+        </p:spPr>
+        <p:txBody>
+          <a:bodyPr>
+            <a:spAutoFit/>
+          </a:bodyPr>
+          <a:lstStyle/>
+          <a:p>
+            <a:pPr marL="457200" algn="just">
+              <a:lnSpc>
+                <a:spcPct val="130000"/>
+              </a:lnSpc>
+              <a:spcAft>
+                <a:spcPts val="0"/>
+              </a:spcAft>
+              <a:tabLst>
+                <a:tab pos="180340" algn="l"/>
+                <a:tab pos="449580" algn="l"/>
+              </a:tabLst>
+            </a:pPr>
+            <a:r>
+              <a:rPr lang="ru-RU" dirty="0">
+                <a:ea typeface="Times New Roman" panose="02020603050405020304" pitchFamily="18" charset="0"/>
+              </a:rPr>
+              <a:t>Основные компоненты: </a:t>
+            </a:r>
+            <a:r>
+              <a:rPr lang="en-US" dirty="0">
+                <a:ea typeface="Times New Roman" panose="02020603050405020304" pitchFamily="18" charset="0"/>
+              </a:rPr>
+              <a:t>NeuralNet</a:t>
+            </a:r>
+            <a:r>
+              <a:rPr lang="ru-RU" dirty="0">
+                <a:ea typeface="Times New Roman" panose="02020603050405020304" pitchFamily="18" charset="0"/>
+              </a:rPr>
+              <a:t> – класс нейронной сети, агрегирует класс </a:t>
+            </a:r>
+            <a:r>
+              <a:rPr lang="en-US" dirty="0">
+                <a:ea typeface="Times New Roman" panose="02020603050405020304" pitchFamily="18" charset="0"/>
+              </a:rPr>
+              <a:t>NeuralLevel </a:t>
+            </a:r>
+            <a:r>
+              <a:rPr lang="ru-RU" dirty="0">
+                <a:ea typeface="Times New Roman" panose="02020603050405020304" pitchFamily="18" charset="0"/>
+              </a:rPr>
+              <a:t>– класс слоя нейронной сети -  агрегирует </a:t>
+            </a:r>
+            <a:r>
+              <a:rPr lang="en-US" dirty="0">
+                <a:ea typeface="Times New Roman" panose="02020603050405020304" pitchFamily="18" charset="0"/>
+              </a:rPr>
+              <a:t>Neuron </a:t>
+            </a:r>
+            <a:r>
+              <a:rPr lang="ru-RU" dirty="0">
+                <a:ea typeface="Times New Roman" panose="02020603050405020304" pitchFamily="18" charset="0"/>
+              </a:rPr>
+              <a:t>– класс нейрона – агрегирует </a:t>
+            </a:r>
+            <a:r>
+              <a:rPr lang="en-US" dirty="0">
+                <a:ea typeface="Times New Roman" panose="02020603050405020304" pitchFamily="18" charset="0"/>
+              </a:rPr>
+              <a:t>Link </a:t>
+            </a:r>
+            <a:r>
+              <a:rPr lang="ru-RU" dirty="0">
+                <a:ea typeface="Times New Roman" panose="02020603050405020304" pitchFamily="18" charset="0"/>
+              </a:rPr>
+              <a:t>– класс связи нейронной сети</a:t>
+            </a:r>
+          </a:p>
+          <a:p>
+            <a:r>
+              <a:rPr lang="ru-RU" dirty="0">
+                <a:ea typeface="Times New Roman" panose="02020603050405020304" pitchFamily="18" charset="0"/>
+              </a:rPr>
+              <a:t/>
+            </a:r>
+            <a:br>
+              <a:rPr lang="ru-RU" dirty="0">
+                <a:ea typeface="Times New Roman" panose="02020603050405020304" pitchFamily="18" charset="0"/>
+              </a:rPr>
+            </a:br>
+            <a:endParaRPr lang="ru-RU" dirty="0"/>
+          </a:p>
+        </p:txBody>
+      </p:sp>
     </p:spTree>
     <p:extLst>
       <p:ext uri="{BB962C8B-B14F-4D97-AF65-F5344CB8AC3E}">
-        <p14:creationId xmlns:p14="http://schemas.microsoft.com/office/powerpoint/2010/main" val="2585158333"/>
+        <p14:creationId xmlns:p14="http://schemas.microsoft.com/office/powerpoint/2010/main" val="1605308272"/>
       </p:ext>
     </p:extLst>
   </p:cSld>
@@ -6562,58 +6449,138 @@
       </p:grpSpPr>
       <p:sp>
         <p:nvSpPr>
-          <p:cNvPr id="2" name="Заголовок 1"/>
-          <p:cNvSpPr txBox="1">
-            <a:spLocks/>
-          </p:cNvSpPr>
+          <p:cNvPr id="4" name="Прямоугольник 3"/>
+          <p:cNvSpPr/>
           <p:nvPr/>
         </p:nvSpPr>
         <p:spPr>
           <a:xfrm>
-            <a:off x="228079" y="2886605"/>
-            <a:ext cx="11735842" cy="1084791"/>
+            <a:off x="428278" y="448883"/>
+            <a:ext cx="6548844" cy="400110"/>
           </a:xfrm>
           <a:prstGeom prst="rect">
             <a:avLst/>
           </a:prstGeom>
         </p:spPr>
         <p:txBody>
-          <a:bodyPr vert="horz" lIns="91440" tIns="45720" rIns="91440" bIns="45720" rtlCol="0" anchor="ctr">
-            <a:noAutofit/>
+          <a:bodyPr wrap="none">
+            <a:spAutoFit/>
           </a:bodyPr>
-          <a:lstStyle>
-            <a:lvl1pPr algn="l" defTabSz="914400" rtl="0" eaLnBrk="1" latinLnBrk="0" hangingPunct="1">
+          <a:lstStyle/>
+          <a:p>
+            <a:r>
+              <a:rPr lang="ru-RU" sz="2000" dirty="0" smtClean="0"/>
+              <a:t>Диаграмма классов компонента обучения нейронной сети</a:t>
+            </a:r>
+            <a:endParaRPr lang="ru-RU" sz="2000" dirty="0"/>
+          </a:p>
+        </p:txBody>
+      </p:sp>
+      <p:pic>
+        <p:nvPicPr>
+          <p:cNvPr id="5" name="Picture 158"/>
+          <p:cNvPicPr/>
+          <p:nvPr/>
+        </p:nvPicPr>
+        <p:blipFill>
+          <a:blip r:embed="rId2"/>
+          <a:stretch>
+            <a:fillRect/>
+          </a:stretch>
+        </p:blipFill>
+        <p:spPr>
+          <a:xfrm>
+            <a:off x="5817098" y="848993"/>
+            <a:ext cx="6250724" cy="4795451"/>
+          </a:xfrm>
+          <a:prstGeom prst="rect">
+            <a:avLst/>
+          </a:prstGeom>
+        </p:spPr>
+      </p:pic>
+      <p:sp>
+        <p:nvSpPr>
+          <p:cNvPr id="6" name="Прямоугольник 5"/>
+          <p:cNvSpPr/>
+          <p:nvPr/>
+        </p:nvSpPr>
+        <p:spPr>
+          <a:xfrm>
+            <a:off x="-278902" y="4061229"/>
+            <a:ext cx="6096000" cy="2583912"/>
+          </a:xfrm>
+          <a:prstGeom prst="rect">
+            <a:avLst/>
+          </a:prstGeom>
+        </p:spPr>
+        <p:txBody>
+          <a:bodyPr>
+            <a:spAutoFit/>
+          </a:bodyPr>
+          <a:lstStyle/>
+          <a:p>
+            <a:pPr marL="457200" algn="just">
               <a:lnSpc>
-                <a:spcPct val="90000"/>
+                <a:spcPct val="130000"/>
               </a:lnSpc>
-              <a:spcBef>
-                <a:spcPct val="0"/>
-              </a:spcBef>
-              <a:buNone/>
-              <a:defRPr sz="4400" kern="1200">
-                <a:solidFill>
-                  <a:schemeClr val="tx1"/>
-                </a:solidFill>
-                <a:latin typeface="+mj-lt"/>
-                <a:ea typeface="+mj-ea"/>
-                <a:cs typeface="+mj-cs"/>
-              </a:defRPr>
-            </a:lvl1pPr>
-          </a:lstStyle>
-          <a:p>
-            <a:pPr algn="ctr"/>
-            <a:r>
-              <a:rPr lang="ru-RU" sz="8000" dirty="0" smtClean="0"/>
-              <a:t>Реализация</a:t>
-            </a:r>
-            <a:endParaRPr lang="ru-RU" sz="8000" dirty="0"/>
+              <a:spcAft>
+                <a:spcPts val="0"/>
+              </a:spcAft>
+              <a:tabLst>
+                <a:tab pos="180340" algn="l"/>
+                <a:tab pos="449580" algn="l"/>
+              </a:tabLst>
+            </a:pPr>
+            <a:r>
+              <a:rPr lang="ru-RU" dirty="0" smtClean="0">
+                <a:ea typeface="Times New Roman" panose="02020603050405020304" pitchFamily="18" charset="0"/>
+              </a:rPr>
+              <a:t>Основные компоненты: </a:t>
+            </a:r>
+            <a:r>
+              <a:rPr lang="en-US" dirty="0" smtClean="0">
+                <a:ea typeface="Times New Roman" panose="02020603050405020304" pitchFamily="18" charset="0"/>
+              </a:rPr>
+              <a:t>Teacher – </a:t>
+            </a:r>
+            <a:r>
+              <a:rPr lang="ru-RU" dirty="0" smtClean="0">
+                <a:ea typeface="Times New Roman" panose="02020603050405020304" pitchFamily="18" charset="0"/>
+              </a:rPr>
+              <a:t>модуль обучения нейронной сети, с помощью паттерна стратегия позволяет настраивать стратегию обучения(</a:t>
+            </a:r>
+            <a:r>
+              <a:rPr lang="en-US" dirty="0" smtClean="0">
+                <a:ea typeface="Times New Roman" panose="02020603050405020304" pitchFamily="18" charset="0"/>
+              </a:rPr>
+              <a:t>ITeachingStrategy) – GeneticTeaching – </a:t>
+            </a:r>
+            <a:r>
+              <a:rPr lang="ru-RU" dirty="0" smtClean="0">
+                <a:ea typeface="Times New Roman" panose="02020603050405020304" pitchFamily="18" charset="0"/>
+              </a:rPr>
+              <a:t>класс обучения с помощью генетического алгоритма, или </a:t>
+            </a:r>
+            <a:r>
+              <a:rPr lang="en-US" dirty="0" smtClean="0">
+                <a:ea typeface="Times New Roman" panose="02020603050405020304" pitchFamily="18" charset="0"/>
+              </a:rPr>
+              <a:t>BackPropagationTeaching – </a:t>
+            </a:r>
+            <a:r>
+              <a:rPr lang="ru-RU" dirty="0" smtClean="0">
+                <a:ea typeface="Times New Roman" panose="02020603050405020304" pitchFamily="18" charset="0"/>
+              </a:rPr>
+              <a:t>класс обучения с помощью алгоритма обратного распространения ошибки</a:t>
+            </a:r>
+            <a:endParaRPr lang="ru-RU" dirty="0"/>
           </a:p>
         </p:txBody>
       </p:sp>
     </p:spTree>
     <p:extLst>
       <p:ext uri="{BB962C8B-B14F-4D97-AF65-F5344CB8AC3E}">
-        <p14:creationId xmlns:p14="http://schemas.microsoft.com/office/powerpoint/2010/main" val="1068945722"/>
+        <p14:creationId xmlns:p14="http://schemas.microsoft.com/office/powerpoint/2010/main" val="4157549777"/>
       </p:ext>
     </p:extLst>
   </p:cSld>
@@ -6652,63 +6619,57 @@
           <a:chExt cx="0" cy="0"/>
         </a:xfrm>
       </p:grpSpPr>
-      <p:sp>
-        <p:nvSpPr>
-          <p:cNvPr id="2" name="Прямоугольник 1"/>
+      <p:pic>
+        <p:nvPicPr>
+          <p:cNvPr id="2" name="Picture 160"/>
+          <p:cNvPicPr/>
+          <p:nvPr/>
+        </p:nvPicPr>
+        <p:blipFill>
+          <a:blip r:embed="rId2"/>
+          <a:stretch>
+            <a:fillRect/>
+          </a:stretch>
+        </p:blipFill>
+        <p:spPr>
+          <a:xfrm>
+            <a:off x="5703524" y="1058589"/>
+            <a:ext cx="5940425" cy="4340225"/>
+          </a:xfrm>
+          <a:prstGeom prst="rect">
+            <a:avLst/>
+          </a:prstGeom>
+        </p:spPr>
+      </p:pic>
+      <p:sp>
+        <p:nvSpPr>
+          <p:cNvPr id="3" name="Прямоугольник 2"/>
           <p:cNvSpPr/>
           <p:nvPr/>
         </p:nvSpPr>
         <p:spPr>
           <a:xfrm>
-            <a:off x="3840480" y="0"/>
-            <a:ext cx="4511040" cy="646331"/>
+            <a:off x="428278" y="448883"/>
+            <a:ext cx="6665992" cy="400110"/>
           </a:xfrm>
           <a:prstGeom prst="rect">
             <a:avLst/>
           </a:prstGeom>
         </p:spPr>
         <p:txBody>
-          <a:bodyPr wrap="square">
+          <a:bodyPr wrap="none">
             <a:spAutoFit/>
           </a:bodyPr>
           <a:lstStyle/>
           <a:p>
-            <a:pPr algn="ctr"/>
-            <a:r>
-              <a:rPr lang="ru-RU" sz="3600" dirty="0" smtClean="0">
-                <a:latin typeface="+mj-lt"/>
-              </a:rPr>
-              <a:t>Входной формат</a:t>
-            </a:r>
-            <a:endParaRPr lang="ru-RU" sz="3600" dirty="0">
-              <a:latin typeface="+mj-lt"/>
-            </a:endParaRPr>
-          </a:p>
-        </p:txBody>
-      </p:sp>
-      <p:pic>
-        <p:nvPicPr>
-          <p:cNvPr id="3" name="Рисунок 2"/>
-          <p:cNvPicPr>
-            <a:picLocks noChangeAspect="1"/>
-          </p:cNvPicPr>
-          <p:nvPr/>
-        </p:nvPicPr>
-        <p:blipFill rotWithShape="1">
-          <a:blip r:embed="rId2"/>
-          <a:srcRect r="43993"/>
-          <a:stretch/>
-        </p:blipFill>
-        <p:spPr>
-          <a:xfrm>
-            <a:off x="9644409" y="768251"/>
-            <a:ext cx="2456102" cy="5739356"/>
-          </a:xfrm>
-          <a:prstGeom prst="rect">
-            <a:avLst/>
-          </a:prstGeom>
-        </p:spPr>
-      </p:pic>
+            <a:r>
+              <a:rPr lang="ru-RU" sz="2000" dirty="0" smtClean="0"/>
+              <a:t>Диаграмма классов компонент построения нейронной сети</a:t>
+            </a:r>
+            <a:endParaRPr lang="ru-RU" sz="2000" dirty="0"/>
+          </a:p>
+        </p:txBody>
+      </p:sp>
       <p:sp>
         <p:nvSpPr>
           <p:cNvPr id="4" name="Прямоугольник 3"/>
@@ -6717,8 +6678,8 @@
         </p:nvSpPr>
         <p:spPr>
           <a:xfrm>
-            <a:off x="515364" y="1008016"/>
-            <a:ext cx="4108887" cy="1532727"/>
+            <a:off x="428278" y="3881844"/>
+            <a:ext cx="8062579" cy="2613023"/>
           </a:xfrm>
           <a:prstGeom prst="rect">
             <a:avLst/>
@@ -6742,75 +6703,78 @@
               </a:tabLst>
             </a:pPr>
             <a:r>
-              <a:rPr lang="en-US" dirty="0" smtClean="0">
+              <a:rPr lang="ru-RU" dirty="0">
                 <a:ea typeface="Times New Roman" panose="02020603050405020304" pitchFamily="18" charset="0"/>
               </a:rPr>
-              <a:t>JSON</a:t>
+              <a:t>Основные компоненты: </a:t>
+            </a:r>
+            <a:r>
+              <a:rPr lang="en-US" dirty="0">
+                <a:ea typeface="Times New Roman" panose="02020603050405020304" pitchFamily="18" charset="0"/>
+              </a:rPr>
+              <a:t>Builder</a:t>
+            </a:r>
+            <a:r>
+              <a:rPr lang="ru-RU" dirty="0">
+                <a:ea typeface="Times New Roman" panose="02020603050405020304" pitchFamily="18" charset="0"/>
+              </a:rPr>
+              <a:t> – модуль </a:t>
             </a:r>
             <a:r>
               <a:rPr lang="ru-RU" dirty="0" smtClean="0">
                 <a:ea typeface="Times New Roman" panose="02020603050405020304" pitchFamily="18" charset="0"/>
               </a:rPr>
-              <a:t>, содержащий массив </a:t>
-            </a:r>
-            <a:r>
-              <a:rPr lang="en-US" dirty="0" smtClean="0">
+              <a:t>построения </a:t>
+            </a:r>
+            <a:r>
+              <a:rPr lang="ru-RU" dirty="0">
                 <a:ea typeface="Times New Roman" panose="02020603050405020304" pitchFamily="18" charset="0"/>
               </a:rPr>
-              <a:t>nodes – </a:t>
-            </a:r>
-            <a:r>
-              <a:rPr lang="ru-RU" dirty="0" smtClean="0">
+              <a:t>нейронной сети, с помощью паттерна стратегия позволяет настраивать стратегию построения нейронной сети(</a:t>
+            </a:r>
+            <a:r>
+              <a:rPr lang="en-US" dirty="0">
                 <a:ea typeface="Times New Roman" panose="02020603050405020304" pitchFamily="18" charset="0"/>
               </a:rPr>
-              <a:t>объекты-узлы с различными аттрибутами и массив </a:t>
-            </a:r>
-            <a:r>
-              <a:rPr lang="en-US" dirty="0" smtClean="0">
+              <a:t>IBuildingStrategy</a:t>
+            </a:r>
+            <a:r>
+              <a:rPr lang="ru-RU" dirty="0">
                 <a:ea typeface="Times New Roman" panose="02020603050405020304" pitchFamily="18" charset="0"/>
               </a:rPr>
-              <a:t>links – </a:t>
-            </a:r>
-            <a:r>
-              <a:rPr lang="ru-RU" dirty="0" smtClean="0">
+              <a:t>) – </a:t>
+            </a:r>
+            <a:r>
+              <a:rPr lang="en-US" dirty="0">
                 <a:ea typeface="Times New Roman" panose="02020603050405020304" pitchFamily="18" charset="0"/>
               </a:rPr>
-              <a:t>объекты-связи</a:t>
-            </a:r>
-            <a:endParaRPr lang="ru-RU" dirty="0">
-              <a:ea typeface="Times New Roman" panose="02020603050405020304" pitchFamily="18" charset="0"/>
-            </a:endParaRPr>
-          </a:p>
-        </p:txBody>
-      </p:sp>
-      <p:pic>
-        <p:nvPicPr>
-          <p:cNvPr id="5" name="Рисунок 4"/>
-          <p:cNvPicPr>
-            <a:picLocks noChangeAspect="1"/>
-          </p:cNvPicPr>
-          <p:nvPr/>
-        </p:nvPicPr>
-        <p:blipFill>
-          <a:blip r:embed="rId3"/>
-          <a:stretch>
-            <a:fillRect/>
-          </a:stretch>
-        </p:blipFill>
-        <p:spPr>
-          <a:xfrm>
-            <a:off x="5334093" y="768251"/>
-            <a:ext cx="4088297" cy="4741817"/>
-          </a:xfrm>
-          <a:prstGeom prst="rect">
-            <a:avLst/>
-          </a:prstGeom>
-        </p:spPr>
-      </p:pic>
+              <a:t>CoefsToThreshholdsBuilder</a:t>
+            </a:r>
+            <a:r>
+              <a:rPr lang="ru-RU" dirty="0">
+                <a:ea typeface="Times New Roman" panose="02020603050405020304" pitchFamily="18" charset="0"/>
+              </a:rPr>
+              <a:t>– класс построения с помощью перевода коэффициентов уверенности в пороги активационных функций, или </a:t>
+            </a:r>
+            <a:r>
+              <a:rPr lang="en-US" dirty="0">
+                <a:ea typeface="Times New Roman" panose="02020603050405020304" pitchFamily="18" charset="0"/>
+              </a:rPr>
+              <a:t>CoefsToValuesBuilding </a:t>
+            </a:r>
+            <a:r>
+              <a:rPr lang="ru-RU" dirty="0">
+                <a:ea typeface="Times New Roman" panose="02020603050405020304" pitchFamily="18" charset="0"/>
+              </a:rPr>
+              <a:t>– класс построения нейронной сети с помощью перевода коэффициентов уверенности в синаптические веса нейронов.</a:t>
+            </a:r>
+          </a:p>
+        </p:txBody>
+      </p:sp>
     </p:spTree>
     <p:extLst>
       <p:ext uri="{BB962C8B-B14F-4D97-AF65-F5344CB8AC3E}">
-        <p14:creationId xmlns:p14="http://schemas.microsoft.com/office/powerpoint/2010/main" val="3559241344"/>
+        <p14:creationId xmlns:p14="http://schemas.microsoft.com/office/powerpoint/2010/main" val="1996999891"/>
       </p:ext>
     </p:extLst>
   </p:cSld>
@@ -6849,9 +6813,46 @@
           <a:chExt cx="0" cy="0"/>
         </a:xfrm>
       </p:grpSpPr>
+      <p:sp>
+        <p:nvSpPr>
+          <p:cNvPr id="3" name="Прямоугольник 2"/>
+          <p:cNvSpPr/>
+          <p:nvPr/>
+        </p:nvSpPr>
+        <p:spPr>
+          <a:xfrm>
+            <a:off x="3275036" y="448883"/>
+            <a:ext cx="5641929" cy="400110"/>
+          </a:xfrm>
+          <a:prstGeom prst="rect">
+            <a:avLst/>
+          </a:prstGeom>
+        </p:spPr>
+        <p:txBody>
+          <a:bodyPr wrap="none">
+            <a:spAutoFit/>
+          </a:bodyPr>
+          <a:lstStyle/>
+          <a:p>
+            <a:r>
+              <a:rPr lang="ru-RU" sz="2000" dirty="0" smtClean="0"/>
+              <a:t>Общая диаграмма классов </a:t>
+            </a:r>
+            <a:r>
+              <a:rPr lang="ru-RU" sz="2000" dirty="0" err="1" smtClean="0"/>
+              <a:t>нейросетевого</a:t>
+            </a:r>
+            <a:r>
+              <a:rPr lang="ru-RU" sz="2000" dirty="0" smtClean="0"/>
+              <a:t> модуля</a:t>
+            </a:r>
+            <a:endParaRPr lang="ru-RU" sz="2000" dirty="0"/>
+          </a:p>
+        </p:txBody>
+      </p:sp>
       <p:pic>
         <p:nvPicPr>
-          <p:cNvPr id="2" name="Рисунок 1"/>
+          <p:cNvPr id="5" name="Рисунок 4"/>
           <p:cNvPicPr>
             <a:picLocks noChangeAspect="1"/>
           </p:cNvPicPr>
@@ -6865,166 +6866,18 @@
         </p:blipFill>
         <p:spPr>
           <a:xfrm>
-            <a:off x="4658758" y="818604"/>
-            <a:ext cx="6919557" cy="5865223"/>
+            <a:off x="0" y="848992"/>
+            <a:ext cx="12462992" cy="5856607"/>
           </a:xfrm>
           <a:prstGeom prst="rect">
             <a:avLst/>
           </a:prstGeom>
         </p:spPr>
       </p:pic>
-      <p:sp>
-        <p:nvSpPr>
-          <p:cNvPr id="3" name="Прямоугольник 2"/>
-          <p:cNvSpPr/>
-          <p:nvPr/>
-        </p:nvSpPr>
-        <p:spPr>
-          <a:xfrm>
-            <a:off x="3840480" y="0"/>
-            <a:ext cx="4511040" cy="646331"/>
-          </a:xfrm>
-          <a:prstGeom prst="rect">
-            <a:avLst/>
-          </a:prstGeom>
-        </p:spPr>
-        <p:txBody>
-          <a:bodyPr wrap="square">
-            <a:spAutoFit/>
-          </a:bodyPr>
-          <a:lstStyle/>
-          <a:p>
-            <a:pPr algn="ctr"/>
-            <a:r>
-              <a:rPr lang="ru-RU" sz="3600" dirty="0" smtClean="0">
-                <a:latin typeface="+mj-lt"/>
-              </a:rPr>
-              <a:t>Интерфейс эксперта</a:t>
-            </a:r>
-            <a:endParaRPr lang="ru-RU" sz="3600" dirty="0">
-              <a:latin typeface="+mj-lt"/>
-            </a:endParaRPr>
-          </a:p>
-        </p:txBody>
-      </p:sp>
-      <p:sp>
-        <p:nvSpPr>
-          <p:cNvPr id="4" name="Прямоугольник 3"/>
-          <p:cNvSpPr/>
-          <p:nvPr/>
-        </p:nvSpPr>
-        <p:spPr>
-          <a:xfrm>
-            <a:off x="515364" y="1008016"/>
-            <a:ext cx="3124819" cy="3693319"/>
-          </a:xfrm>
-          <a:prstGeom prst="rect">
-            <a:avLst/>
-          </a:prstGeom>
-        </p:spPr>
-        <p:txBody>
-          <a:bodyPr wrap="square">
-            <a:spAutoFit/>
-          </a:bodyPr>
-          <a:lstStyle/>
-          <a:p>
-            <a:pPr algn="just">
-              <a:lnSpc>
-                <a:spcPct val="130000"/>
-              </a:lnSpc>
-              <a:spcAft>
-                <a:spcPts val="0"/>
-              </a:spcAft>
-              <a:tabLst>
-                <a:tab pos="180340" algn="l"/>
-              </a:tabLst>
-            </a:pPr>
-            <a:r>
-              <a:rPr lang="ru-RU" dirty="0" smtClean="0">
-                <a:ea typeface="Times New Roman" panose="02020603050405020304" pitchFamily="18" charset="0"/>
-              </a:rPr>
-              <a:t>Генерируется </a:t>
-            </a:r>
-            <a:r>
-              <a:rPr lang="en-US" dirty="0" smtClean="0">
-                <a:ea typeface="Times New Roman" panose="02020603050405020304" pitchFamily="18" charset="0"/>
-              </a:rPr>
-              <a:t>XML </a:t>
-            </a:r>
-            <a:r>
-              <a:rPr lang="ru-RU" dirty="0" smtClean="0">
-                <a:ea typeface="Times New Roman" panose="02020603050405020304" pitchFamily="18" charset="0"/>
-              </a:rPr>
-              <a:t>любым средством рисования графа. </a:t>
-            </a:r>
-            <a:r>
-              <a:rPr lang="ru-RU" dirty="0" smtClean="0">
-                <a:ea typeface="Times New Roman" panose="02020603050405020304" pitchFamily="18" charset="0"/>
-              </a:rPr>
-              <a:t>При разработке использовался бесплатный сервис </a:t>
-            </a:r>
-            <a:r>
-              <a:rPr lang="en-US" dirty="0" smtClean="0">
-                <a:ea typeface="Times New Roman" panose="02020603050405020304" pitchFamily="18" charset="0"/>
-              </a:rPr>
-              <a:t>draw.io</a:t>
-            </a:r>
-            <a:r>
-              <a:rPr lang="ru-RU" dirty="0" smtClean="0">
-                <a:ea typeface="Times New Roman" panose="02020603050405020304" pitchFamily="18" charset="0"/>
-              </a:rPr>
-              <a:t/>
-            </a:r>
-            <a:br>
-              <a:rPr lang="ru-RU" dirty="0" smtClean="0">
-                <a:ea typeface="Times New Roman" panose="02020603050405020304" pitchFamily="18" charset="0"/>
-              </a:rPr>
-            </a:br>
-            <a:r>
-              <a:rPr lang="en-US" dirty="0" smtClean="0">
-                <a:ea typeface="Times New Roman" panose="02020603050405020304" pitchFamily="18" charset="0"/>
-              </a:rPr>
-              <a:t/>
-            </a:r>
-            <a:br>
-              <a:rPr lang="en-US" dirty="0" smtClean="0">
-                <a:ea typeface="Times New Roman" panose="02020603050405020304" pitchFamily="18" charset="0"/>
-              </a:rPr>
-            </a:br>
-            <a:r>
-              <a:rPr lang="en-US" dirty="0" smtClean="0">
-                <a:ea typeface="Times New Roman" panose="02020603050405020304" pitchFamily="18" charset="0"/>
-              </a:rPr>
-              <a:t>XML </a:t>
-            </a:r>
-            <a:r>
-              <a:rPr lang="ru-RU" dirty="0" smtClean="0">
-                <a:ea typeface="Times New Roman" panose="02020603050405020304" pitchFamily="18" charset="0"/>
-              </a:rPr>
-              <a:t>преобразуется в </a:t>
-            </a:r>
-            <a:r>
-              <a:rPr lang="en-US" dirty="0" smtClean="0">
-                <a:ea typeface="Times New Roman" panose="02020603050405020304" pitchFamily="18" charset="0"/>
-              </a:rPr>
-              <a:t>json, </a:t>
-            </a:r>
-            <a:r>
-              <a:rPr lang="ru-RU" dirty="0" smtClean="0">
-                <a:ea typeface="Times New Roman" panose="02020603050405020304" pitchFamily="18" charset="0"/>
-              </a:rPr>
-              <a:t>соответствующий входному формату для построения нейронной сети</a:t>
-            </a:r>
-            <a:endParaRPr lang="ru-RU" dirty="0">
-              <a:ea typeface="Times New Roman" panose="02020603050405020304" pitchFamily="18" charset="0"/>
-            </a:endParaRPr>
-          </a:p>
-        </p:txBody>
-      </p:sp>
     </p:spTree>
     <p:extLst>
       <p:ext uri="{BB962C8B-B14F-4D97-AF65-F5344CB8AC3E}">
-        <p14:creationId xmlns:p14="http://schemas.microsoft.com/office/powerpoint/2010/main" val="1394593205"/>
+        <p14:creationId xmlns:p14="http://schemas.microsoft.com/office/powerpoint/2010/main" val="2585158333"/>
       </p:ext>
     </p:extLst>
   </p:cSld>
@@ -7065,224 +6918,58 @@
       </p:grpSpPr>
       <p:sp>
         <p:nvSpPr>
-          <p:cNvPr id="2" name="Прямоугольник 2"/>
-          <p:cNvSpPr/>
+          <p:cNvPr id="2" name="Заголовок 1"/>
+          <p:cNvSpPr txBox="1">
+            <a:spLocks/>
+          </p:cNvSpPr>
           <p:nvPr/>
         </p:nvSpPr>
         <p:spPr>
           <a:xfrm>
-            <a:off x="2847591" y="0"/>
-            <a:ext cx="6496818" cy="646331"/>
+            <a:off x="228079" y="2886605"/>
+            <a:ext cx="11735842" cy="1084791"/>
           </a:xfrm>
           <a:prstGeom prst="rect">
             <a:avLst/>
           </a:prstGeom>
         </p:spPr>
         <p:txBody>
-          <a:bodyPr wrap="square">
-            <a:spAutoFit/>
+          <a:bodyPr vert="horz" lIns="91440" tIns="45720" rIns="91440" bIns="45720" rtlCol="0" anchor="ctr">
+            <a:noAutofit/>
           </a:bodyPr>
-          <a:lstStyle/>
+          <a:lstStyle>
+            <a:lvl1pPr algn="l" defTabSz="914400" rtl="0" eaLnBrk="1" latinLnBrk="0" hangingPunct="1">
+              <a:lnSpc>
+                <a:spcPct val="90000"/>
+              </a:lnSpc>
+              <a:spcBef>
+                <a:spcPct val="0"/>
+              </a:spcBef>
+              <a:buNone/>
+              <a:defRPr sz="4400" kern="1200">
+                <a:solidFill>
+                  <a:schemeClr val="tx1"/>
+                </a:solidFill>
+                <a:latin typeface="+mj-lt"/>
+                <a:ea typeface="+mj-ea"/>
+                <a:cs typeface="+mj-cs"/>
+              </a:defRPr>
+            </a:lvl1pPr>
+          </a:lstStyle>
           <a:p>
             <a:pPr algn="ctr"/>
             <a:r>
-              <a:rPr lang="ru-RU" sz="3600" dirty="0" smtClean="0">
-                <a:latin typeface="+mj-lt"/>
-              </a:rPr>
-              <a:t>Построение нейронной сети</a:t>
-            </a:r>
-            <a:endParaRPr lang="ru-RU" sz="3600" dirty="0">
-              <a:latin typeface="+mj-lt"/>
-            </a:endParaRPr>
-          </a:p>
-        </p:txBody>
-      </p:sp>
-      <p:sp>
-        <p:nvSpPr>
-          <p:cNvPr id="3" name="TextBox 2"/>
-          <p:cNvSpPr txBox="1"/>
-          <p:nvPr/>
-        </p:nvSpPr>
-        <p:spPr>
-          <a:xfrm>
-            <a:off x="279133" y="2743200"/>
-            <a:ext cx="2371162" cy="369332"/>
-          </a:xfrm>
-          <a:prstGeom prst="rect">
-            <a:avLst/>
-          </a:prstGeom>
-          <a:noFill/>
-        </p:spPr>
-        <p:txBody>
-          <a:bodyPr wrap="none" rtlCol="0">
-            <a:spAutoFit/>
-          </a:bodyPr>
-          <a:lstStyle/>
-          <a:p>
-            <a:r>
-              <a:rPr lang="en-US" dirty="0" smtClean="0"/>
-              <a:t>JSON: </a:t>
-            </a:r>
-            <a:r>
-              <a:rPr lang="ru-RU" dirty="0" smtClean="0"/>
-              <a:t>Описание графа</a:t>
-            </a:r>
-            <a:endParaRPr lang="ru-RU" dirty="0"/>
-          </a:p>
-        </p:txBody>
-      </p:sp>
-      <p:sp>
-        <p:nvSpPr>
-          <p:cNvPr id="4" name="TextBox 3"/>
-          <p:cNvSpPr txBox="1"/>
-          <p:nvPr/>
-        </p:nvSpPr>
-        <p:spPr>
-          <a:xfrm>
-            <a:off x="7929612" y="2743200"/>
-            <a:ext cx="3309624" cy="369332"/>
-          </a:xfrm>
-          <a:prstGeom prst="rect">
-            <a:avLst/>
-          </a:prstGeom>
-          <a:noFill/>
-        </p:spPr>
-        <p:txBody>
-          <a:bodyPr wrap="none" rtlCol="0">
-            <a:spAutoFit/>
-          </a:bodyPr>
-          <a:lstStyle/>
-          <a:p>
-            <a:r>
-              <a:rPr lang="en-US" dirty="0" smtClean="0"/>
-              <a:t>JSON-</a:t>
-            </a:r>
-            <a:r>
-              <a:rPr lang="ru-RU" dirty="0" smtClean="0"/>
-              <a:t>описание нейронной сети</a:t>
-            </a:r>
-            <a:endParaRPr lang="ru-RU" dirty="0"/>
-          </a:p>
-        </p:txBody>
-      </p:sp>
-      <p:sp>
-        <p:nvSpPr>
-          <p:cNvPr id="5" name="Notched Right Arrow 4"/>
-          <p:cNvSpPr/>
-          <p:nvPr/>
-        </p:nvSpPr>
-        <p:spPr>
-          <a:xfrm>
-            <a:off x="2650295" y="2748906"/>
-            <a:ext cx="1800784" cy="357920"/>
-          </a:xfrm>
-          <a:prstGeom prst="notchedRightArrow">
-            <a:avLst/>
-          </a:prstGeom>
-        </p:spPr>
-        <p:style>
-          <a:lnRef idx="2">
-            <a:schemeClr val="accent3">
-              <a:shade val="50000"/>
-            </a:schemeClr>
-          </a:lnRef>
-          <a:fillRef idx="1">
-            <a:schemeClr val="accent3"/>
-          </a:fillRef>
-          <a:effectRef idx="0">
-            <a:schemeClr val="accent3"/>
-          </a:effectRef>
-          <a:fontRef idx="minor">
-            <a:schemeClr val="lt1"/>
-          </a:fontRef>
-        </p:style>
-        <p:txBody>
-          <a:bodyPr rtlCol="0" anchor="ctr"/>
-          <a:lstStyle/>
-          <a:p>
-            <a:pPr algn="ctr"/>
-            <a:endParaRPr lang="ru-RU"/>
-          </a:p>
-        </p:txBody>
-      </p:sp>
-      <p:sp>
-        <p:nvSpPr>
-          <p:cNvPr id="6" name="TextBox 5"/>
-          <p:cNvSpPr txBox="1"/>
-          <p:nvPr/>
-        </p:nvSpPr>
-        <p:spPr>
-          <a:xfrm>
-            <a:off x="4451079" y="2743200"/>
-            <a:ext cx="1669303" cy="369332"/>
-          </a:xfrm>
-          <a:prstGeom prst="rect">
-            <a:avLst/>
-          </a:prstGeom>
-          <a:noFill/>
-        </p:spPr>
-        <p:txBody>
-          <a:bodyPr wrap="none" rtlCol="0">
-            <a:spAutoFit/>
-          </a:bodyPr>
-          <a:lstStyle/>
-          <a:p>
-            <a:r>
-              <a:rPr lang="ru-RU" dirty="0" smtClean="0"/>
-              <a:t>Модуль </a:t>
-            </a:r>
-            <a:r>
-              <a:rPr lang="en-US" dirty="0" smtClean="0"/>
-              <a:t>Builder</a:t>
-            </a:r>
-            <a:endParaRPr lang="ru-RU" dirty="0"/>
-          </a:p>
-        </p:txBody>
-      </p:sp>
-      <p:sp>
-        <p:nvSpPr>
-          <p:cNvPr id="7" name="Notched Right Arrow 6"/>
-          <p:cNvSpPr/>
-          <p:nvPr/>
-        </p:nvSpPr>
-        <p:spPr>
-          <a:xfrm>
-            <a:off x="6120382" y="2748906"/>
-            <a:ext cx="1800784" cy="357920"/>
-          </a:xfrm>
-          <a:prstGeom prst="notchedRightArrow">
-            <a:avLst/>
-          </a:prstGeom>
-        </p:spPr>
-        <p:style>
-          <a:lnRef idx="2">
-            <a:schemeClr val="accent3">
-              <a:shade val="50000"/>
-            </a:schemeClr>
-          </a:lnRef>
-          <a:fillRef idx="1">
-            <a:schemeClr val="accent3"/>
-          </a:fillRef>
-          <a:effectRef idx="0">
-            <a:schemeClr val="accent3"/>
-          </a:effectRef>
-          <a:fontRef idx="minor">
-            <a:schemeClr val="lt1"/>
-          </a:fontRef>
-        </p:style>
-        <p:txBody>
-          <a:bodyPr rtlCol="0" anchor="ctr"/>
-          <a:lstStyle/>
-          <a:p>
-            <a:pPr algn="ctr"/>
-            <a:endParaRPr lang="ru-RU"/>
+              <a:rPr lang="ru-RU" sz="8000" dirty="0" smtClean="0"/>
+              <a:t>Реализация</a:t>
+            </a:r>
+            <a:endParaRPr lang="ru-RU" sz="8000" dirty="0"/>
           </a:p>
         </p:txBody>
       </p:sp>
     </p:spTree>
     <p:extLst>
       <p:ext uri="{BB962C8B-B14F-4D97-AF65-F5344CB8AC3E}">
-        <p14:creationId xmlns:p14="http://schemas.microsoft.com/office/powerpoint/2010/main" val="1438482140"/>
+        <p14:creationId xmlns:p14="http://schemas.microsoft.com/office/powerpoint/2010/main" val="1068945722"/>
       </p:ext>
     </p:extLst>
   </p:cSld>
@@ -7321,68 +7008,165 @@
           <a:chExt cx="0" cy="0"/>
         </a:xfrm>
       </p:grpSpPr>
+      <p:sp>
+        <p:nvSpPr>
+          <p:cNvPr id="2" name="Прямоугольник 1"/>
+          <p:cNvSpPr/>
+          <p:nvPr/>
+        </p:nvSpPr>
+        <p:spPr>
+          <a:xfrm>
+            <a:off x="3840480" y="0"/>
+            <a:ext cx="4511040" cy="646331"/>
+          </a:xfrm>
+          <a:prstGeom prst="rect">
+            <a:avLst/>
+          </a:prstGeom>
+        </p:spPr>
+        <p:txBody>
+          <a:bodyPr wrap="square">
+            <a:spAutoFit/>
+          </a:bodyPr>
+          <a:lstStyle/>
+          <a:p>
+            <a:pPr algn="ctr"/>
+            <a:r>
+              <a:rPr lang="ru-RU" sz="3600" dirty="0" smtClean="0">
+                <a:latin typeface="+mj-lt"/>
+              </a:rPr>
+              <a:t>Входной формат</a:t>
+            </a:r>
+            <a:endParaRPr lang="ru-RU" sz="3600" dirty="0">
+              <a:latin typeface="+mj-lt"/>
+            </a:endParaRPr>
+          </a:p>
+        </p:txBody>
+      </p:sp>
       <p:pic>
         <p:nvPicPr>
-          <p:cNvPr id="2" name="Рисунок 1"/>
+          <p:cNvPr id="3" name="Рисунок 2"/>
+          <p:cNvPicPr>
+            <a:picLocks noChangeAspect="1"/>
+          </p:cNvPicPr>
+          <p:nvPr/>
+        </p:nvPicPr>
+        <p:blipFill rotWithShape="1">
+          <a:blip r:embed="rId2"/>
+          <a:srcRect r="43993"/>
+          <a:stretch/>
+        </p:blipFill>
+        <p:spPr>
+          <a:xfrm>
+            <a:off x="9644409" y="768251"/>
+            <a:ext cx="2456102" cy="5739356"/>
+          </a:xfrm>
+          <a:prstGeom prst="rect">
+            <a:avLst/>
+          </a:prstGeom>
+        </p:spPr>
+      </p:pic>
+      <p:sp>
+        <p:nvSpPr>
+          <p:cNvPr id="4" name="Прямоугольник 3"/>
+          <p:cNvSpPr/>
+          <p:nvPr/>
+        </p:nvSpPr>
+        <p:spPr>
+          <a:xfrm>
+            <a:off x="515364" y="1008016"/>
+            <a:ext cx="4108887" cy="1532727"/>
+          </a:xfrm>
+          <a:prstGeom prst="rect">
+            <a:avLst/>
+          </a:prstGeom>
+        </p:spPr>
+        <p:txBody>
+          <a:bodyPr wrap="square">
+            <a:spAutoFit/>
+          </a:bodyPr>
+          <a:lstStyle/>
+          <a:p>
+            <a:pPr algn="just">
+              <a:lnSpc>
+                <a:spcPct val="130000"/>
+              </a:lnSpc>
+              <a:spcAft>
+                <a:spcPts val="0"/>
+              </a:spcAft>
+              <a:tabLst>
+                <a:tab pos="180340" algn="l"/>
+              </a:tabLst>
+            </a:pPr>
+            <a:r>
+              <a:rPr lang="en-US" dirty="0" smtClean="0">
+                <a:ea typeface="Times New Roman" panose="02020603050405020304" pitchFamily="18" charset="0"/>
+              </a:rPr>
+              <a:t>JSON</a:t>
+            </a:r>
+            <a:r>
+              <a:rPr lang="ru-RU" dirty="0" smtClean="0">
+                <a:ea typeface="Times New Roman" panose="02020603050405020304" pitchFamily="18" charset="0"/>
+              </a:rPr>
+              <a:t>, содержащий массив </a:t>
+            </a:r>
+            <a:r>
+              <a:rPr lang="en-US" dirty="0" smtClean="0">
+                <a:ea typeface="Times New Roman" panose="02020603050405020304" pitchFamily="18" charset="0"/>
+              </a:rPr>
+              <a:t>nodes – </a:t>
+            </a:r>
+            <a:r>
+              <a:rPr lang="ru-RU" dirty="0" smtClean="0">
+                <a:ea typeface="Times New Roman" panose="02020603050405020304" pitchFamily="18" charset="0"/>
+              </a:rPr>
+              <a:t>объекты-узлы с различными аттрибутами и массив </a:t>
+            </a:r>
+            <a:r>
+              <a:rPr lang="en-US" dirty="0" smtClean="0">
+                <a:ea typeface="Times New Roman" panose="02020603050405020304" pitchFamily="18" charset="0"/>
+              </a:rPr>
+              <a:t>links – </a:t>
+            </a:r>
+            <a:r>
+              <a:rPr lang="ru-RU" dirty="0" smtClean="0">
+                <a:ea typeface="Times New Roman" panose="02020603050405020304" pitchFamily="18" charset="0"/>
+              </a:rPr>
+              <a:t>объекты-связи</a:t>
+            </a:r>
+            <a:endParaRPr lang="ru-RU" dirty="0">
+              <a:ea typeface="Times New Roman" panose="02020603050405020304" pitchFamily="18" charset="0"/>
+            </a:endParaRPr>
+          </a:p>
+        </p:txBody>
+      </p:sp>
+      <p:pic>
+        <p:nvPicPr>
+          <p:cNvPr id="5" name="Рисунок 4"/>
           <p:cNvPicPr>
             <a:picLocks noChangeAspect="1"/>
           </p:cNvPicPr>
           <p:nvPr/>
         </p:nvPicPr>
         <p:blipFill>
-          <a:blip r:embed="rId2"/>
+          <a:blip r:embed="rId3"/>
           <a:stretch>
             <a:fillRect/>
           </a:stretch>
         </p:blipFill>
         <p:spPr>
           <a:xfrm>
-            <a:off x="1584959" y="909029"/>
-            <a:ext cx="9151619" cy="5673697"/>
+            <a:off x="5334093" y="768251"/>
+            <a:ext cx="4088297" cy="4741817"/>
           </a:xfrm>
           <a:prstGeom prst="rect">
             <a:avLst/>
           </a:prstGeom>
         </p:spPr>
       </p:pic>
-      <p:sp>
-        <p:nvSpPr>
-          <p:cNvPr id="3" name="Прямоугольник 2"/>
-          <p:cNvSpPr/>
-          <p:nvPr/>
-        </p:nvSpPr>
-        <p:spPr>
-          <a:xfrm>
-            <a:off x="1425337" y="0"/>
-            <a:ext cx="9470862" cy="707886"/>
-          </a:xfrm>
-          <a:prstGeom prst="rect">
-            <a:avLst/>
-          </a:prstGeom>
-        </p:spPr>
-        <p:txBody>
-          <a:bodyPr wrap="none">
-            <a:spAutoFit/>
-          </a:bodyPr>
-          <a:lstStyle/>
-          <a:p>
-            <a:pPr algn="ctr"/>
-            <a:r>
-              <a:rPr lang="ru-RU" sz="4000" dirty="0" smtClean="0">
-                <a:latin typeface="+mj-lt"/>
-              </a:rPr>
-              <a:t>Визуализация полученной нейронной сети</a:t>
-            </a:r>
-            <a:endParaRPr lang="ru-RU" sz="4000" dirty="0">
-              <a:latin typeface="+mj-lt"/>
-            </a:endParaRPr>
-          </a:p>
-        </p:txBody>
-      </p:sp>
     </p:spTree>
     <p:extLst>
       <p:ext uri="{BB962C8B-B14F-4D97-AF65-F5344CB8AC3E}">
-        <p14:creationId xmlns:p14="http://schemas.microsoft.com/office/powerpoint/2010/main" val="2237764988"/>
+        <p14:creationId xmlns:p14="http://schemas.microsoft.com/office/powerpoint/2010/main" val="3559241344"/>
       </p:ext>
     </p:extLst>
   </p:cSld>
@@ -7519,7 +7303,19 @@
             </a:r>
             <a:r>
               <a:rPr lang="ru-RU" sz="2400" dirty="0"/>
-              <a:t>(творческого, интеллектуального) плана</a:t>
+              <a:t>(творческого, интеллектуального) </a:t>
+            </a:r>
+            <a:r>
+              <a:rPr lang="ru-RU" sz="2400" dirty="0" smtClean="0"/>
+              <a:t>плана, напр. </a:t>
+            </a:r>
+            <a:r>
+              <a:rPr lang="ru-RU" sz="2400" dirty="0"/>
+              <a:t>м</a:t>
+            </a:r>
+            <a:r>
+              <a:rPr lang="ru-RU" sz="2400" dirty="0" smtClean="0"/>
+              <a:t>едицинская диагностика</a:t>
             </a:r>
             <a:endParaRPr lang="ru-RU" sz="2800" dirty="0"/>
           </a:p>
@@ -7567,36 +7363,168 @@
           <a:chExt cx="0" cy="0"/>
         </a:xfrm>
       </p:grpSpPr>
-      <p:sp>
-        <p:nvSpPr>
-          <p:cNvPr id="2" name="Прямоугольник 2"/>
+      <p:pic>
+        <p:nvPicPr>
+          <p:cNvPr id="2" name="Рисунок 1"/>
+          <p:cNvPicPr>
+            <a:picLocks noChangeAspect="1"/>
+          </p:cNvPicPr>
+          <p:nvPr/>
+        </p:nvPicPr>
+        <p:blipFill>
+          <a:blip r:embed="rId2"/>
+          <a:stretch>
+            <a:fillRect/>
+          </a:stretch>
+        </p:blipFill>
+        <p:spPr>
+          <a:xfrm>
+            <a:off x="4658758" y="818604"/>
+            <a:ext cx="6919557" cy="5865223"/>
+          </a:xfrm>
+          <a:prstGeom prst="rect">
+            <a:avLst/>
+          </a:prstGeom>
+        </p:spPr>
+      </p:pic>
+      <p:sp>
+        <p:nvSpPr>
+          <p:cNvPr id="3" name="Прямоугольник 2"/>
           <p:cNvSpPr/>
           <p:nvPr/>
         </p:nvSpPr>
         <p:spPr>
           <a:xfrm>
-            <a:off x="3360165" y="0"/>
-            <a:ext cx="5601213" cy="707886"/>
+            <a:off x="3840480" y="0"/>
+            <a:ext cx="4511040" cy="646331"/>
           </a:xfrm>
           <a:prstGeom prst="rect">
             <a:avLst/>
           </a:prstGeom>
         </p:spPr>
         <p:txBody>
-          <a:bodyPr wrap="none">
+          <a:bodyPr wrap="square">
             <a:spAutoFit/>
           </a:bodyPr>
           <a:lstStyle/>
           <a:p>
             <a:pPr algn="ctr"/>
             <a:r>
-              <a:rPr lang="ru-RU" sz="4000" dirty="0" smtClean="0">
+              <a:rPr lang="ru-RU" sz="3600" dirty="0" smtClean="0">
                 <a:latin typeface="+mj-lt"/>
               </a:rPr>
-              <a:t>Интерфейс пользователя</a:t>
-            </a:r>
-            <a:endParaRPr lang="ru-RU" sz="4000" dirty="0">
+              <a:t>Интерфейс эксперта</a:t>
+            </a:r>
+            <a:endParaRPr lang="ru-RU" sz="3600" dirty="0">
               <a:latin typeface="+mj-lt"/>
+            </a:endParaRPr>
+          </a:p>
+        </p:txBody>
+      </p:sp>
+      <p:sp>
+        <p:nvSpPr>
+          <p:cNvPr id="4" name="Прямоугольник 3"/>
+          <p:cNvSpPr/>
+          <p:nvPr/>
+        </p:nvSpPr>
+        <p:spPr>
+          <a:xfrm>
+            <a:off x="515364" y="1008016"/>
+            <a:ext cx="3124819" cy="3693319"/>
+          </a:xfrm>
+          <a:prstGeom prst="rect">
+            <a:avLst/>
+          </a:prstGeom>
+        </p:spPr>
+        <p:txBody>
+          <a:bodyPr wrap="square">
+            <a:spAutoFit/>
+          </a:bodyPr>
+          <a:lstStyle/>
+          <a:p>
+            <a:pPr algn="just">
+              <a:lnSpc>
+                <a:spcPct val="130000"/>
+              </a:lnSpc>
+              <a:spcAft>
+                <a:spcPts val="0"/>
+              </a:spcAft>
+              <a:tabLst>
+                <a:tab pos="180340" algn="l"/>
+              </a:tabLst>
+            </a:pPr>
+            <a:r>
+              <a:rPr lang="ru-RU" dirty="0" smtClean="0">
+                <a:ea typeface="Times New Roman" panose="02020603050405020304" pitchFamily="18" charset="0"/>
+              </a:rPr>
+              <a:t>Генерируется </a:t>
+            </a:r>
+            <a:r>
+              <a:rPr lang="en-US" dirty="0" smtClean="0">
+                <a:ea typeface="Times New Roman" panose="02020603050405020304" pitchFamily="18" charset="0"/>
+              </a:rPr>
+              <a:t>XML </a:t>
+            </a:r>
+            <a:r>
+              <a:rPr lang="ru-RU" dirty="0" smtClean="0">
+                <a:ea typeface="Times New Roman" panose="02020603050405020304" pitchFamily="18" charset="0"/>
+              </a:rPr>
+              <a:t>любым средством рисования графа. При разработке использовался бесплатный сервис </a:t>
+            </a:r>
+            <a:r>
+              <a:rPr lang="en-US" dirty="0" smtClean="0">
+                <a:ea typeface="Times New Roman" panose="02020603050405020304" pitchFamily="18" charset="0"/>
+              </a:rPr>
+              <a:t>draw.io</a:t>
+            </a:r>
+            <a:r>
+              <a:rPr lang="ru-RU" dirty="0" smtClean="0">
+                <a:ea typeface="Times New Roman" panose="02020603050405020304" pitchFamily="18" charset="0"/>
+              </a:rPr>
+              <a:t/>
+            </a:r>
+            <a:br>
+              <a:rPr lang="ru-RU" dirty="0" smtClean="0">
+                <a:ea typeface="Times New Roman" panose="02020603050405020304" pitchFamily="18" charset="0"/>
+              </a:rPr>
+            </a:br>
+            <a:r>
+              <a:rPr lang="en-US" dirty="0" smtClean="0">
+                <a:ea typeface="Times New Roman" panose="02020603050405020304" pitchFamily="18" charset="0"/>
+              </a:rPr>
+              <a:t/>
+            </a:r>
+            <a:br>
+              <a:rPr lang="en-US" dirty="0" smtClean="0">
+                <a:ea typeface="Times New Roman" panose="02020603050405020304" pitchFamily="18" charset="0"/>
+              </a:rPr>
+            </a:br>
+            <a:r>
+              <a:rPr lang="en-US" dirty="0" smtClean="0">
+                <a:ea typeface="Times New Roman" panose="02020603050405020304" pitchFamily="18" charset="0"/>
+              </a:rPr>
+              <a:t>XML </a:t>
+            </a:r>
+            <a:r>
+              <a:rPr lang="ru-RU" dirty="0" smtClean="0">
+                <a:ea typeface="Times New Roman" panose="02020603050405020304" pitchFamily="18" charset="0"/>
+              </a:rPr>
+              <a:t>преобразуется в </a:t>
+            </a:r>
+            <a:r>
+              <a:rPr lang="en-US" dirty="0" smtClean="0">
+                <a:ea typeface="Times New Roman" panose="02020603050405020304" pitchFamily="18" charset="0"/>
+              </a:rPr>
+              <a:t>json, </a:t>
+            </a:r>
+            <a:r>
+              <a:rPr lang="ru-RU" dirty="0" smtClean="0">
+                <a:ea typeface="Times New Roman" panose="02020603050405020304" pitchFamily="18" charset="0"/>
+              </a:rPr>
+              <a:t>соответствующий входному формату для построения нейронной сети</a:t>
+            </a:r>
+            <a:endParaRPr lang="ru-RU" dirty="0">
+              <a:ea typeface="Times New Roman" panose="02020603050405020304" pitchFamily="18" charset="0"/>
             </a:endParaRPr>
           </a:p>
         </p:txBody>
@@ -7604,7 +7532,7 @@
     </p:spTree>
     <p:extLst>
       <p:ext uri="{BB962C8B-B14F-4D97-AF65-F5344CB8AC3E}">
-        <p14:creationId xmlns:p14="http://schemas.microsoft.com/office/powerpoint/2010/main" val="334275058"/>
+        <p14:creationId xmlns:p14="http://schemas.microsoft.com/office/powerpoint/2010/main" val="1394593205"/>
       </p:ext>
     </p:extLst>
   </p:cSld>
@@ -7645,58 +7573,224 @@
       </p:grpSpPr>
       <p:sp>
         <p:nvSpPr>
-          <p:cNvPr id="2" name="Заголовок 1"/>
-          <p:cNvSpPr txBox="1">
-            <a:spLocks/>
-          </p:cNvSpPr>
+          <p:cNvPr id="2" name="Прямоугольник 2"/>
+          <p:cNvSpPr/>
           <p:nvPr/>
         </p:nvSpPr>
         <p:spPr>
           <a:xfrm>
-            <a:off x="3591148" y="2828836"/>
-            <a:ext cx="5009705" cy="1200329"/>
+            <a:off x="2847591" y="0"/>
+            <a:ext cx="6496818" cy="646331"/>
           </a:xfrm>
           <a:prstGeom prst="rect">
             <a:avLst/>
           </a:prstGeom>
         </p:spPr>
         <p:txBody>
-          <a:bodyPr vert="horz" wrap="square" lIns="91440" tIns="45720" rIns="91440" bIns="45720" rtlCol="0" anchor="ctr">
+          <a:bodyPr wrap="square">
             <a:spAutoFit/>
           </a:bodyPr>
-          <a:lstStyle>
-            <a:lvl1pPr algn="l" defTabSz="914400" rtl="0" eaLnBrk="1" latinLnBrk="0" hangingPunct="1">
-              <a:lnSpc>
-                <a:spcPct val="90000"/>
-              </a:lnSpc>
-              <a:spcBef>
-                <a:spcPct val="0"/>
-              </a:spcBef>
-              <a:buNone/>
-              <a:defRPr sz="4400" kern="1200">
-                <a:solidFill>
-                  <a:schemeClr val="tx1"/>
-                </a:solidFill>
+          <a:lstStyle/>
+          <a:p>
+            <a:pPr algn="ctr"/>
+            <a:r>
+              <a:rPr lang="ru-RU" sz="3600" dirty="0" smtClean="0">
                 <a:latin typeface="+mj-lt"/>
-                <a:ea typeface="+mj-ea"/>
-                <a:cs typeface="+mj-cs"/>
-              </a:defRPr>
-            </a:lvl1pPr>
-          </a:lstStyle>
+              </a:rPr>
+              <a:t>Построение нейронной сети</a:t>
+            </a:r>
+            <a:endParaRPr lang="ru-RU" sz="3600" dirty="0">
+              <a:latin typeface="+mj-lt"/>
+            </a:endParaRPr>
+          </a:p>
+        </p:txBody>
+      </p:sp>
+      <p:sp>
+        <p:nvSpPr>
+          <p:cNvPr id="3" name="TextBox 2"/>
+          <p:cNvSpPr txBox="1"/>
+          <p:nvPr/>
+        </p:nvSpPr>
+        <p:spPr>
+          <a:xfrm>
+            <a:off x="279133" y="2743200"/>
+            <a:ext cx="2371162" cy="369332"/>
+          </a:xfrm>
+          <a:prstGeom prst="rect">
+            <a:avLst/>
+          </a:prstGeom>
+          <a:noFill/>
+        </p:spPr>
+        <p:txBody>
+          <a:bodyPr wrap="none" rtlCol="0">
+            <a:spAutoFit/>
+          </a:bodyPr>
+          <a:lstStyle/>
+          <a:p>
+            <a:r>
+              <a:rPr lang="en-US" dirty="0" smtClean="0"/>
+              <a:t>JSON: </a:t>
+            </a:r>
+            <a:r>
+              <a:rPr lang="ru-RU" dirty="0" smtClean="0"/>
+              <a:t>Описание графа</a:t>
+            </a:r>
+            <a:endParaRPr lang="ru-RU" dirty="0"/>
+          </a:p>
+        </p:txBody>
+      </p:sp>
+      <p:sp>
+        <p:nvSpPr>
+          <p:cNvPr id="4" name="TextBox 3"/>
+          <p:cNvSpPr txBox="1"/>
+          <p:nvPr/>
+        </p:nvSpPr>
+        <p:spPr>
+          <a:xfrm>
+            <a:off x="7929612" y="2743200"/>
+            <a:ext cx="3309624" cy="369332"/>
+          </a:xfrm>
+          <a:prstGeom prst="rect">
+            <a:avLst/>
+          </a:prstGeom>
+          <a:noFill/>
+        </p:spPr>
+        <p:txBody>
+          <a:bodyPr wrap="none" rtlCol="0">
+            <a:spAutoFit/>
+          </a:bodyPr>
+          <a:lstStyle/>
+          <a:p>
+            <a:r>
+              <a:rPr lang="en-US" dirty="0" smtClean="0"/>
+              <a:t>JSON-</a:t>
+            </a:r>
+            <a:r>
+              <a:rPr lang="ru-RU" dirty="0" smtClean="0"/>
+              <a:t>описание нейронной сети</a:t>
+            </a:r>
+            <a:endParaRPr lang="ru-RU" dirty="0"/>
+          </a:p>
+        </p:txBody>
+      </p:sp>
+      <p:sp>
+        <p:nvSpPr>
+          <p:cNvPr id="5" name="Notched Right Arrow 4"/>
+          <p:cNvSpPr/>
+          <p:nvPr/>
+        </p:nvSpPr>
+        <p:spPr>
+          <a:xfrm>
+            <a:off x="2650295" y="2748906"/>
+            <a:ext cx="1800784" cy="357920"/>
+          </a:xfrm>
+          <a:prstGeom prst="notchedRightArrow">
+            <a:avLst/>
+          </a:prstGeom>
+        </p:spPr>
+        <p:style>
+          <a:lnRef idx="2">
+            <a:schemeClr val="accent3">
+              <a:shade val="50000"/>
+            </a:schemeClr>
+          </a:lnRef>
+          <a:fillRef idx="1">
+            <a:schemeClr val="accent3"/>
+          </a:fillRef>
+          <a:effectRef idx="0">
+            <a:schemeClr val="accent3"/>
+          </a:effectRef>
+          <a:fontRef idx="minor">
+            <a:schemeClr val="lt1"/>
+          </a:fontRef>
+        </p:style>
+        <p:txBody>
+          <a:bodyPr rtlCol="0" anchor="ctr"/>
+          <a:lstStyle/>
           <a:p>
             <a:pPr algn="ctr"/>
-            <a:r>
-              <a:rPr lang="ru-RU" sz="8000" dirty="0" smtClean="0"/>
-              <a:t>Результаты</a:t>
-            </a:r>
-            <a:endParaRPr lang="ru-RU" sz="8000" dirty="0"/>
+            <a:endParaRPr lang="ru-RU"/>
+          </a:p>
+        </p:txBody>
+      </p:sp>
+      <p:sp>
+        <p:nvSpPr>
+          <p:cNvPr id="6" name="TextBox 5"/>
+          <p:cNvSpPr txBox="1"/>
+          <p:nvPr/>
+        </p:nvSpPr>
+        <p:spPr>
+          <a:xfrm>
+            <a:off x="4451079" y="2743200"/>
+            <a:ext cx="1669303" cy="369332"/>
+          </a:xfrm>
+          <a:prstGeom prst="rect">
+            <a:avLst/>
+          </a:prstGeom>
+          <a:noFill/>
+        </p:spPr>
+        <p:txBody>
+          <a:bodyPr wrap="none" rtlCol="0">
+            <a:spAutoFit/>
+          </a:bodyPr>
+          <a:lstStyle/>
+          <a:p>
+            <a:r>
+              <a:rPr lang="ru-RU" dirty="0" smtClean="0"/>
+              <a:t>Модуль </a:t>
+            </a:r>
+            <a:r>
+              <a:rPr lang="en-US" dirty="0" smtClean="0"/>
+              <a:t>Builder</a:t>
+            </a:r>
+            <a:endParaRPr lang="ru-RU" dirty="0"/>
+          </a:p>
+        </p:txBody>
+      </p:sp>
+      <p:sp>
+        <p:nvSpPr>
+          <p:cNvPr id="7" name="Notched Right Arrow 6"/>
+          <p:cNvSpPr/>
+          <p:nvPr/>
+        </p:nvSpPr>
+        <p:spPr>
+          <a:xfrm>
+            <a:off x="6120382" y="2748906"/>
+            <a:ext cx="1800784" cy="357920"/>
+          </a:xfrm>
+          <a:prstGeom prst="notchedRightArrow">
+            <a:avLst/>
+          </a:prstGeom>
+        </p:spPr>
+        <p:style>
+          <a:lnRef idx="2">
+            <a:schemeClr val="accent3">
+              <a:shade val="50000"/>
+            </a:schemeClr>
+          </a:lnRef>
+          <a:fillRef idx="1">
+            <a:schemeClr val="accent3"/>
+          </a:fillRef>
+          <a:effectRef idx="0">
+            <a:schemeClr val="accent3"/>
+          </a:effectRef>
+          <a:fontRef idx="minor">
+            <a:schemeClr val="lt1"/>
+          </a:fontRef>
+        </p:style>
+        <p:txBody>
+          <a:bodyPr rtlCol="0" anchor="ctr"/>
+          <a:lstStyle/>
+          <a:p>
+            <a:pPr algn="ctr"/>
+            <a:endParaRPr lang="ru-RU"/>
           </a:p>
         </p:txBody>
       </p:sp>
     </p:spTree>
     <p:extLst>
       <p:ext uri="{BB962C8B-B14F-4D97-AF65-F5344CB8AC3E}">
-        <p14:creationId xmlns:p14="http://schemas.microsoft.com/office/powerpoint/2010/main" val="3704957239"/>
+        <p14:creationId xmlns:p14="http://schemas.microsoft.com/office/powerpoint/2010/main" val="1438482140"/>
       </p:ext>
     </p:extLst>
   </p:cSld>
@@ -7735,43 +7829,9 @@
           <a:chExt cx="0" cy="0"/>
         </a:xfrm>
       </p:grpSpPr>
-      <p:sp>
-        <p:nvSpPr>
-          <p:cNvPr id="2" name="Прямоугольник 2"/>
-          <p:cNvSpPr/>
-          <p:nvPr/>
-        </p:nvSpPr>
-        <p:spPr>
-          <a:xfrm>
-            <a:off x="252939" y="0"/>
-            <a:ext cx="3277772" cy="1323439"/>
-          </a:xfrm>
-          <a:prstGeom prst="rect">
-            <a:avLst/>
-          </a:prstGeom>
-        </p:spPr>
-        <p:txBody>
-          <a:bodyPr wrap="square">
-            <a:spAutoFit/>
-          </a:bodyPr>
-          <a:lstStyle/>
-          <a:p>
-            <a:pPr algn="ctr"/>
-            <a:r>
-              <a:rPr lang="ru-RU" sz="4000" dirty="0" smtClean="0">
-                <a:latin typeface="+mj-lt"/>
-              </a:rPr>
-              <a:t>Тестовый граф решений</a:t>
-            </a:r>
-            <a:endParaRPr lang="ru-RU" sz="4000" dirty="0">
-              <a:latin typeface="+mj-lt"/>
-            </a:endParaRPr>
-          </a:p>
-        </p:txBody>
-      </p:sp>
       <p:pic>
         <p:nvPicPr>
-          <p:cNvPr id="3" name="Picture 2"/>
+          <p:cNvPr id="2" name="Рисунок 1"/>
           <p:cNvPicPr>
             <a:picLocks noChangeAspect="1"/>
           </p:cNvPicPr>
@@ -7785,18 +7845,52 @@
         </p:blipFill>
         <p:spPr>
           <a:xfrm>
-            <a:off x="3657320" y="0"/>
-            <a:ext cx="8534680" cy="6858000"/>
+            <a:off x="1584959" y="909029"/>
+            <a:ext cx="9151619" cy="5673697"/>
           </a:xfrm>
           <a:prstGeom prst="rect">
             <a:avLst/>
           </a:prstGeom>
         </p:spPr>
       </p:pic>
+      <p:sp>
+        <p:nvSpPr>
+          <p:cNvPr id="3" name="Прямоугольник 2"/>
+          <p:cNvSpPr/>
+          <p:nvPr/>
+        </p:nvSpPr>
+        <p:spPr>
+          <a:xfrm>
+            <a:off x="1425337" y="0"/>
+            <a:ext cx="9470862" cy="707886"/>
+          </a:xfrm>
+          <a:prstGeom prst="rect">
+            <a:avLst/>
+          </a:prstGeom>
+        </p:spPr>
+        <p:txBody>
+          <a:bodyPr wrap="none">
+            <a:spAutoFit/>
+          </a:bodyPr>
+          <a:lstStyle/>
+          <a:p>
+            <a:pPr algn="ctr"/>
+            <a:r>
+              <a:rPr lang="ru-RU" sz="4000" dirty="0" smtClean="0">
+                <a:latin typeface="+mj-lt"/>
+              </a:rPr>
+              <a:t>Визуализация полученной нейронной сети</a:t>
+            </a:r>
+            <a:endParaRPr lang="ru-RU" sz="4000" dirty="0">
+              <a:latin typeface="+mj-lt"/>
+            </a:endParaRPr>
+          </a:p>
+        </p:txBody>
+      </p:sp>
     </p:spTree>
     <p:extLst>
       <p:ext uri="{BB962C8B-B14F-4D97-AF65-F5344CB8AC3E}">
-        <p14:creationId xmlns:p14="http://schemas.microsoft.com/office/powerpoint/2010/main" val="2460533143"/>
+        <p14:creationId xmlns:p14="http://schemas.microsoft.com/office/powerpoint/2010/main" val="2237764988"/>
       </p:ext>
     </p:extLst>
   </p:cSld>
@@ -7843,8 +7937,8 @@
         </p:nvSpPr>
         <p:spPr>
           <a:xfrm>
-            <a:off x="3805809" y="0"/>
-            <a:ext cx="4709944" cy="707886"/>
+            <a:off x="3360165" y="0"/>
+            <a:ext cx="5601213" cy="707886"/>
           </a:xfrm>
           <a:prstGeom prst="rect">
             <a:avLst/>
@@ -7861,7 +7955,7 @@
               <a:rPr lang="ru-RU" sz="4000" dirty="0" smtClean="0">
                 <a:latin typeface="+mj-lt"/>
               </a:rPr>
-              <a:t>Таблица результатов</a:t>
+              <a:t>Интерфейс пользователя</a:t>
             </a:r>
             <a:endParaRPr lang="ru-RU" sz="4000" dirty="0">
               <a:latin typeface="+mj-lt"/>
@@ -7872,7 +7966,7 @@
     </p:spTree>
     <p:extLst>
       <p:ext uri="{BB962C8B-B14F-4D97-AF65-F5344CB8AC3E}">
-        <p14:creationId xmlns:p14="http://schemas.microsoft.com/office/powerpoint/2010/main" val="3623344428"/>
+        <p14:creationId xmlns:p14="http://schemas.microsoft.com/office/powerpoint/2010/main" val="334275058"/>
       </p:ext>
     </p:extLst>
   </p:cSld>
@@ -7913,14 +8007,206 @@
       </p:grpSpPr>
       <p:sp>
         <p:nvSpPr>
+          <p:cNvPr id="2" name="Заголовок 1"/>
+          <p:cNvSpPr txBox="1">
+            <a:spLocks/>
+          </p:cNvSpPr>
+          <p:nvPr/>
+        </p:nvSpPr>
+        <p:spPr>
+          <a:xfrm>
+            <a:off x="3591148" y="2828836"/>
+            <a:ext cx="5009705" cy="1200329"/>
+          </a:xfrm>
+          <a:prstGeom prst="rect">
+            <a:avLst/>
+          </a:prstGeom>
+        </p:spPr>
+        <p:txBody>
+          <a:bodyPr vert="horz" wrap="square" lIns="91440" tIns="45720" rIns="91440" bIns="45720" rtlCol="0" anchor="ctr">
+            <a:spAutoFit/>
+          </a:bodyPr>
+          <a:lstStyle>
+            <a:lvl1pPr algn="l" defTabSz="914400" rtl="0" eaLnBrk="1" latinLnBrk="0" hangingPunct="1">
+              <a:lnSpc>
+                <a:spcPct val="90000"/>
+              </a:lnSpc>
+              <a:spcBef>
+                <a:spcPct val="0"/>
+              </a:spcBef>
+              <a:buNone/>
+              <a:defRPr sz="4400" kern="1200">
+                <a:solidFill>
+                  <a:schemeClr val="tx1"/>
+                </a:solidFill>
+                <a:latin typeface="+mj-lt"/>
+                <a:ea typeface="+mj-ea"/>
+                <a:cs typeface="+mj-cs"/>
+              </a:defRPr>
+            </a:lvl1pPr>
+          </a:lstStyle>
+          <a:p>
+            <a:pPr algn="ctr"/>
+            <a:r>
+              <a:rPr lang="ru-RU" sz="8000" dirty="0" smtClean="0"/>
+              <a:t>Результаты</a:t>
+            </a:r>
+            <a:endParaRPr lang="ru-RU" sz="8000" dirty="0"/>
+          </a:p>
+        </p:txBody>
+      </p:sp>
+    </p:spTree>
+    <p:extLst>
+      <p:ext uri="{BB962C8B-B14F-4D97-AF65-F5344CB8AC3E}">
+        <p14:creationId xmlns:p14="http://schemas.microsoft.com/office/powerpoint/2010/main" val="3704957239"/>
+      </p:ext>
+    </p:extLst>
+  </p:cSld>
+  <p:clrMapOvr>
+    <a:masterClrMapping/>
+  </p:clrMapOvr>
+  <mc:AlternateContent xmlns:mc="http://schemas.openxmlformats.org/markup-compatibility/2006" xmlns:p14="http://schemas.microsoft.com/office/powerpoint/2010/main">
+    <mc:Choice Requires="p14">
+      <p:transition spd="med" p14:dur="700">
+        <p:fade/>
+      </p:transition>
+    </mc:Choice>
+    <mc:Fallback xmlns="">
+      <p:transition spd="med">
+        <p:fade/>
+      </p:transition>
+    </mc:Fallback>
+  </mc:AlternateContent>
+</p:sld>
+</file>
+
+<file path=ppt/slides/slide35.xml><?xml version="1.0" encoding="utf-8"?>
+<p:sld xmlns:a="http://schemas.openxmlformats.org/drawingml/2006/main" xmlns:r="http://schemas.openxmlformats.org/officeDocument/2006/relationships" xmlns:p="http://schemas.openxmlformats.org/presentationml/2006/main">
+  <p:cSld>
+    <p:spTree>
+      <p:nvGrpSpPr>
+        <p:cNvPr id="1" name=""/>
+        <p:cNvGrpSpPr/>
+        <p:nvPr/>
+      </p:nvGrpSpPr>
+      <p:grpSpPr>
+        <a:xfrm>
+          <a:off x="0" y="0"/>
+          <a:ext cx="0" cy="0"/>
+          <a:chOff x="0" y="0"/>
+          <a:chExt cx="0" cy="0"/>
+        </a:xfrm>
+      </p:grpSpPr>
+      <p:sp>
+        <p:nvSpPr>
           <p:cNvPr id="2" name="Прямоугольник 2"/>
           <p:cNvSpPr/>
           <p:nvPr/>
         </p:nvSpPr>
         <p:spPr>
           <a:xfrm>
-            <a:off x="5371944" y="0"/>
-            <a:ext cx="1577676" cy="707886"/>
+            <a:off x="252939" y="0"/>
+            <a:ext cx="3277772" cy="1323439"/>
+          </a:xfrm>
+          <a:prstGeom prst="rect">
+            <a:avLst/>
+          </a:prstGeom>
+        </p:spPr>
+        <p:txBody>
+          <a:bodyPr wrap="square">
+            <a:spAutoFit/>
+          </a:bodyPr>
+          <a:lstStyle/>
+          <a:p>
+            <a:pPr algn="ctr"/>
+            <a:r>
+              <a:rPr lang="ru-RU" sz="4000" dirty="0" smtClean="0">
+                <a:latin typeface="+mj-lt"/>
+              </a:rPr>
+              <a:t>Тестовый граф решений</a:t>
+            </a:r>
+            <a:endParaRPr lang="ru-RU" sz="4000" dirty="0">
+              <a:latin typeface="+mj-lt"/>
+            </a:endParaRPr>
+          </a:p>
+        </p:txBody>
+      </p:sp>
+      <p:pic>
+        <p:nvPicPr>
+          <p:cNvPr id="3" name="Picture 2"/>
+          <p:cNvPicPr>
+            <a:picLocks noChangeAspect="1"/>
+          </p:cNvPicPr>
+          <p:nvPr/>
+        </p:nvPicPr>
+        <p:blipFill>
+          <a:blip r:embed="rId2"/>
+          <a:stretch>
+            <a:fillRect/>
+          </a:stretch>
+        </p:blipFill>
+        <p:spPr>
+          <a:xfrm>
+            <a:off x="3657320" y="0"/>
+            <a:ext cx="8534680" cy="6858000"/>
+          </a:xfrm>
+          <a:prstGeom prst="rect">
+            <a:avLst/>
+          </a:prstGeom>
+        </p:spPr>
+      </p:pic>
+    </p:spTree>
+    <p:extLst>
+      <p:ext uri="{BB962C8B-B14F-4D97-AF65-F5344CB8AC3E}">
+        <p14:creationId xmlns:p14="http://schemas.microsoft.com/office/powerpoint/2010/main" val="2460533143"/>
+      </p:ext>
+    </p:extLst>
+  </p:cSld>
+  <p:clrMapOvr>
+    <a:masterClrMapping/>
+  </p:clrMapOvr>
+  <mc:AlternateContent xmlns:mc="http://schemas.openxmlformats.org/markup-compatibility/2006" xmlns:p14="http://schemas.microsoft.com/office/powerpoint/2010/main">
+    <mc:Choice Requires="p14">
+      <p:transition spd="med" p14:dur="700">
+        <p:fade/>
+      </p:transition>
+    </mc:Choice>
+    <mc:Fallback xmlns="">
+      <p:transition spd="med">
+        <p:fade/>
+      </p:transition>
+    </mc:Fallback>
+  </mc:AlternateContent>
+</p:sld>
+</file>
+
+<file path=ppt/slides/slide36.xml><?xml version="1.0" encoding="utf-8"?>
+<p:sld xmlns:a="http://schemas.openxmlformats.org/drawingml/2006/main" xmlns:r="http://schemas.openxmlformats.org/officeDocument/2006/relationships" xmlns:p="http://schemas.openxmlformats.org/presentationml/2006/main">
+  <p:cSld>
+    <p:spTree>
+      <p:nvGrpSpPr>
+        <p:cNvPr id="1" name=""/>
+        <p:cNvGrpSpPr/>
+        <p:nvPr/>
+      </p:nvGrpSpPr>
+      <p:grpSpPr>
+        <a:xfrm>
+          <a:off x="0" y="0"/>
+          <a:ext cx="0" cy="0"/>
+          <a:chOff x="0" y="0"/>
+          <a:chExt cx="0" cy="0"/>
+        </a:xfrm>
+      </p:grpSpPr>
+      <p:sp>
+        <p:nvSpPr>
+          <p:cNvPr id="2" name="Прямоугольник 2"/>
+          <p:cNvSpPr/>
+          <p:nvPr/>
+        </p:nvSpPr>
+        <p:spPr>
+          <a:xfrm>
+            <a:off x="3805809" y="0"/>
+            <a:ext cx="4709944" cy="707886"/>
           </a:xfrm>
           <a:prstGeom prst="rect">
             <a:avLst/>
@@ -7937,11 +8223,149 @@
               <a:rPr lang="ru-RU" sz="4000" dirty="0" smtClean="0">
                 <a:latin typeface="+mj-lt"/>
               </a:rPr>
-              <a:t>Вывод</a:t>
+              <a:t>Таблица результатов</a:t>
             </a:r>
             <a:endParaRPr lang="ru-RU" sz="4000" dirty="0">
               <a:latin typeface="+mj-lt"/>
             </a:endParaRPr>
+          </a:p>
+        </p:txBody>
+      </p:sp>
+    </p:spTree>
+    <p:extLst>
+      <p:ext uri="{BB962C8B-B14F-4D97-AF65-F5344CB8AC3E}">
+        <p14:creationId xmlns:p14="http://schemas.microsoft.com/office/powerpoint/2010/main" val="3623344428"/>
+      </p:ext>
+    </p:extLst>
+  </p:cSld>
+  <p:clrMapOvr>
+    <a:masterClrMapping/>
+  </p:clrMapOvr>
+  <mc:AlternateContent xmlns:mc="http://schemas.openxmlformats.org/markup-compatibility/2006" xmlns:p14="http://schemas.microsoft.com/office/powerpoint/2010/main">
+    <mc:Choice Requires="p14">
+      <p:transition spd="med" p14:dur="700">
+        <p:fade/>
+      </p:transition>
+    </mc:Choice>
+    <mc:Fallback xmlns="">
+      <p:transition spd="med">
+        <p:fade/>
+      </p:transition>
+    </mc:Fallback>
+  </mc:AlternateContent>
+</p:sld>
+</file>
+
+<file path=ppt/slides/slide37.xml><?xml version="1.0" encoding="utf-8"?>
+<p:sld xmlns:a="http://schemas.openxmlformats.org/drawingml/2006/main" xmlns:r="http://schemas.openxmlformats.org/officeDocument/2006/relationships" xmlns:p="http://schemas.openxmlformats.org/presentationml/2006/main">
+  <p:cSld>
+    <p:spTree>
+      <p:nvGrpSpPr>
+        <p:cNvPr id="1" name=""/>
+        <p:cNvGrpSpPr/>
+        <p:nvPr/>
+      </p:nvGrpSpPr>
+      <p:grpSpPr>
+        <a:xfrm>
+          <a:off x="0" y="0"/>
+          <a:ext cx="0" cy="0"/>
+          <a:chOff x="0" y="0"/>
+          <a:chExt cx="0" cy="0"/>
+        </a:xfrm>
+      </p:grpSpPr>
+      <p:sp>
+        <p:nvSpPr>
+          <p:cNvPr id="3" name="TextBox 2"/>
+          <p:cNvSpPr txBox="1"/>
+          <p:nvPr/>
+        </p:nvSpPr>
+        <p:spPr>
+          <a:xfrm>
+            <a:off x="648950" y="1105175"/>
+            <a:ext cx="10781211" cy="3970318"/>
+          </a:xfrm>
+          <a:prstGeom prst="rect">
+            <a:avLst/>
+          </a:prstGeom>
+          <a:noFill/>
+        </p:spPr>
+        <p:txBody>
+          <a:bodyPr wrap="square" rtlCol="0">
+            <a:spAutoFit/>
+          </a:bodyPr>
+          <a:lstStyle/>
+          <a:p>
+            <a:pPr marL="342900" indent="-342900">
+              <a:lnSpc>
+                <a:spcPct val="150000"/>
+              </a:lnSpc>
+              <a:buAutoNum type="arabicPeriod"/>
+            </a:pPr>
+            <a:r>
+              <a:rPr lang="ru-RU" sz="2800" dirty="0" smtClean="0"/>
+              <a:t>Разработать подход к созданию </a:t>
+            </a:r>
+            <a:r>
+              <a:rPr lang="ru-RU" sz="2800" dirty="0" err="1" smtClean="0"/>
+              <a:t>нейросетевого</a:t>
+            </a:r>
+            <a:r>
+              <a:rPr lang="ru-RU" sz="2800" dirty="0" smtClean="0"/>
+              <a:t> модуля гибридной системы интеллектуальной поддержки</a:t>
+            </a:r>
+          </a:p>
+          <a:p>
+            <a:pPr marL="342900" indent="-342900">
+              <a:lnSpc>
+                <a:spcPct val="150000"/>
+              </a:lnSpc>
+              <a:buAutoNum type="arabicPeriod"/>
+            </a:pPr>
+            <a:r>
+              <a:rPr lang="ru-RU" sz="2800" dirty="0" smtClean="0"/>
+              <a:t>Разработать архитектуру </a:t>
+            </a:r>
+            <a:r>
+              <a:rPr lang="ru-RU" sz="2800" dirty="0" err="1" smtClean="0"/>
+              <a:t>нейросетевого</a:t>
+            </a:r>
+            <a:r>
+              <a:rPr lang="ru-RU" sz="2800" dirty="0" smtClean="0"/>
+              <a:t> модуля</a:t>
+            </a:r>
+          </a:p>
+          <a:p>
+            <a:pPr marL="342900" indent="-342900">
+              <a:lnSpc>
+                <a:spcPct val="150000"/>
+              </a:lnSpc>
+              <a:buAutoNum type="arabicPeriod"/>
+            </a:pPr>
+            <a:r>
+              <a:rPr lang="ru-RU" sz="2800" dirty="0" smtClean="0"/>
+              <a:t>Создать программную реализацию</a:t>
+            </a:r>
+          </a:p>
+          <a:p>
+            <a:pPr marL="342900" indent="-342900">
+              <a:lnSpc>
+                <a:spcPct val="150000"/>
+              </a:lnSpc>
+              <a:buAutoNum type="arabicPeriod"/>
+            </a:pPr>
+            <a:r>
+              <a:rPr lang="ru-RU" sz="2800" dirty="0" smtClean="0"/>
+              <a:t>Сравнить результаты работы </a:t>
+            </a:r>
+            <a:r>
+              <a:rPr lang="ru-RU" sz="2800" dirty="0" err="1" smtClean="0"/>
+              <a:t>нейросетевого</a:t>
+            </a:r>
+            <a:r>
+              <a:rPr lang="ru-RU" sz="2800" dirty="0" smtClean="0"/>
+              <a:t> и аналитического модулей гибридной системы</a:t>
+            </a:r>
+            <a:endParaRPr lang="ru-RU" sz="2800" dirty="0"/>
           </a:p>
         </p:txBody>
       </p:sp>
@@ -7970,7 +8394,7 @@
 </p:sld>
 </file>
 
-<file path=ppt/slides/slide35.xml><?xml version="1.0" encoding="utf-8"?>
+<file path=ppt/slides/slide38.xml><?xml version="1.0" encoding="utf-8"?>
 <p:sld xmlns:a="http://schemas.openxmlformats.org/drawingml/2006/main" xmlns:r="http://schemas.openxmlformats.org/officeDocument/2006/relationships" xmlns:p="http://schemas.openxmlformats.org/presentationml/2006/main">
   <p:cSld>
     <p:spTree>
@@ -8088,7 +8512,7 @@
         <p:spPr>
           <a:xfrm>
             <a:off x="1643096" y="2368732"/>
-            <a:ext cx="9440092" cy="1631216"/>
+            <a:ext cx="9440092" cy="1692771"/>
           </a:xfrm>
           <a:prstGeom prst="rect">
             <a:avLst/>
@@ -8153,14 +8577,10 @@
             </a:r>
             <a:r>
               <a:rPr lang="ru-RU" sz="2400" dirty="0"/>
-              <a:t>определенной </a:t>
-            </a:r>
-            <a:r>
-              <a:rPr lang="ru-RU" sz="2000" dirty="0"/>
-              <a:t>предметной</a:t>
-            </a:r>
-            <a:r>
-              <a:rPr lang="ru-RU" sz="2400" dirty="0"/>
+              <a:t>определенной предметной</a:t>
+            </a:r>
+            <a:r>
+              <a:rPr lang="ru-RU" sz="2800" dirty="0"/>
               <a:t> </a:t>
             </a:r>
             <a:r>
@@ -8231,52 +8651,263 @@
       </p:grpSpPr>
       <p:sp>
         <p:nvSpPr>
-          <p:cNvPr id="5" name="TextBox 4"/>
-          <p:cNvSpPr txBox="1"/>
+          <p:cNvPr id="2" name="Rounded Rectangle 1"/>
+          <p:cNvSpPr/>
           <p:nvPr/>
         </p:nvSpPr>
         <p:spPr>
           <a:xfrm>
-            <a:off x="1616970" y="2011680"/>
-            <a:ext cx="9440092" cy="2369880"/>
-          </a:xfrm>
-          <a:prstGeom prst="rect">
-            <a:avLst/>
-          </a:prstGeom>
-          <a:noFill/>
-        </p:spPr>
-        <p:txBody>
-          <a:bodyPr wrap="square" rtlCol="0">
-            <a:spAutoFit/>
-          </a:bodyPr>
-          <a:lstStyle/>
-          <a:p>
-            <a:r>
-              <a:rPr lang="ru-RU" sz="2800" dirty="0" smtClean="0">
+            <a:off x="740778" y="0"/>
+            <a:ext cx="10776031" cy="6123008"/>
+          </a:xfrm>
+          <a:prstGeom prst="roundRect">
+            <a:avLst/>
+          </a:prstGeom>
+        </p:spPr>
+        <p:style>
+          <a:lnRef idx="2">
+            <a:schemeClr val="accent3">
+              <a:shade val="50000"/>
+            </a:schemeClr>
+          </a:lnRef>
+          <a:fillRef idx="1">
+            <a:schemeClr val="accent3"/>
+          </a:fillRef>
+          <a:effectRef idx="0">
+            <a:schemeClr val="accent3"/>
+          </a:effectRef>
+          <a:fontRef idx="minor">
+            <a:schemeClr val="lt1"/>
+          </a:fontRef>
+        </p:style>
+        <p:txBody>
+          <a:bodyPr rtlCol="0" anchor="ctr"/>
+          <a:lstStyle/>
+          <a:p>
+            <a:pPr algn="ctr"/>
+            <a:endParaRPr lang="ru-RU" dirty="0"/>
+          </a:p>
+        </p:txBody>
+      </p:sp>
+      <p:sp>
+        <p:nvSpPr>
+          <p:cNvPr id="7" name="Стрелка вниз 6"/>
+          <p:cNvSpPr/>
+          <p:nvPr/>
+        </p:nvSpPr>
+        <p:spPr>
+          <a:xfrm rot="19910340" flipH="1">
+            <a:off x="7219406" y="2203265"/>
+            <a:ext cx="1140822" cy="1689463"/>
+          </a:xfrm>
+          <a:prstGeom prst="downArrow">
+            <a:avLst/>
+          </a:prstGeom>
+        </p:spPr>
+        <p:style>
+          <a:lnRef idx="2">
+            <a:schemeClr val="accent5">
+              <a:shade val="50000"/>
+            </a:schemeClr>
+          </a:lnRef>
+          <a:fillRef idx="1">
+            <a:schemeClr val="accent5"/>
+          </a:fillRef>
+          <a:effectRef idx="0">
+            <a:schemeClr val="accent5"/>
+          </a:effectRef>
+          <a:fontRef idx="minor">
+            <a:schemeClr val="lt1"/>
+          </a:fontRef>
+        </p:style>
+        <p:txBody>
+          <a:bodyPr rtlCol="0" anchor="ctr"/>
+          <a:lstStyle/>
+          <a:p>
+            <a:pPr algn="ctr"/>
+            <a:endParaRPr lang="ru-RU"/>
+          </a:p>
+        </p:txBody>
+      </p:sp>
+      <p:sp>
+        <p:nvSpPr>
+          <p:cNvPr id="4" name="Скругленный прямоугольник 3"/>
+          <p:cNvSpPr/>
+          <p:nvPr/>
+        </p:nvSpPr>
+        <p:spPr>
+          <a:xfrm>
+            <a:off x="1528578" y="3801290"/>
+            <a:ext cx="3614057" cy="1837509"/>
+          </a:xfrm>
+          <a:prstGeom prst="roundRect">
+            <a:avLst/>
+          </a:prstGeom>
+        </p:spPr>
+        <p:style>
+          <a:lnRef idx="2">
+            <a:schemeClr val="accent1">
+              <a:shade val="50000"/>
+            </a:schemeClr>
+          </a:lnRef>
+          <a:fillRef idx="1">
+            <a:schemeClr val="accent1"/>
+          </a:fillRef>
+          <a:effectRef idx="0">
+            <a:schemeClr val="accent1"/>
+          </a:effectRef>
+          <a:fontRef idx="minor">
+            <a:schemeClr val="lt1"/>
+          </a:fontRef>
+        </p:style>
+        <p:txBody>
+          <a:bodyPr rtlCol="0" anchor="ctr"/>
+          <a:lstStyle/>
+          <a:p>
+            <a:pPr algn="ctr"/>
+            <a:r>
+              <a:rPr lang="ru-RU" sz="3200" dirty="0" smtClean="0"/>
+              <a:t>Аналитический</a:t>
+            </a:r>
+            <a:endParaRPr lang="ru-RU" sz="3200" dirty="0"/>
+          </a:p>
+        </p:txBody>
+      </p:sp>
+      <p:sp>
+        <p:nvSpPr>
+          <p:cNvPr id="5" name="Скругленный прямоугольник 4"/>
+          <p:cNvSpPr/>
+          <p:nvPr/>
+        </p:nvSpPr>
+        <p:spPr>
+          <a:xfrm>
+            <a:off x="6888256" y="3801289"/>
+            <a:ext cx="3614057" cy="1837509"/>
+          </a:xfrm>
+          <a:prstGeom prst="roundRect">
+            <a:avLst/>
+          </a:prstGeom>
+        </p:spPr>
+        <p:style>
+          <a:lnRef idx="2">
+            <a:schemeClr val="accent1">
+              <a:shade val="50000"/>
+            </a:schemeClr>
+          </a:lnRef>
+          <a:fillRef idx="1">
+            <a:schemeClr val="accent1"/>
+          </a:fillRef>
+          <a:effectRef idx="0">
+            <a:schemeClr val="accent1"/>
+          </a:effectRef>
+          <a:fontRef idx="minor">
+            <a:schemeClr val="lt1"/>
+          </a:fontRef>
+        </p:style>
+        <p:txBody>
+          <a:bodyPr rtlCol="0" anchor="ctr"/>
+          <a:lstStyle/>
+          <a:p>
+            <a:pPr algn="ctr"/>
+            <a:r>
+              <a:rPr lang="ru-RU" sz="3200" dirty="0" err="1" smtClean="0"/>
+              <a:t>Нейросетевой</a:t>
+            </a:r>
+            <a:endParaRPr lang="ru-RU" sz="3200" dirty="0"/>
+          </a:p>
+        </p:txBody>
+      </p:sp>
+      <p:sp>
+        <p:nvSpPr>
+          <p:cNvPr id="6" name="Стрелка вниз 5"/>
+          <p:cNvSpPr/>
+          <p:nvPr/>
+        </p:nvSpPr>
+        <p:spPr>
+          <a:xfrm rot="1689660">
+            <a:off x="3670663" y="2203267"/>
+            <a:ext cx="1140822" cy="1689463"/>
+          </a:xfrm>
+          <a:prstGeom prst="downArrow">
+            <a:avLst/>
+          </a:prstGeom>
+        </p:spPr>
+        <p:style>
+          <a:lnRef idx="2">
+            <a:schemeClr val="accent5">
+              <a:shade val="50000"/>
+            </a:schemeClr>
+          </a:lnRef>
+          <a:fillRef idx="1">
+            <a:schemeClr val="accent5"/>
+          </a:fillRef>
+          <a:effectRef idx="0">
+            <a:schemeClr val="accent5"/>
+          </a:effectRef>
+          <a:fontRef idx="minor">
+            <a:schemeClr val="lt1"/>
+          </a:fontRef>
+        </p:style>
+        <p:txBody>
+          <a:bodyPr rtlCol="0" anchor="ctr"/>
+          <a:lstStyle/>
+          <a:p>
+            <a:pPr algn="ctr"/>
+            <a:endParaRPr lang="ru-RU"/>
+          </a:p>
+        </p:txBody>
+      </p:sp>
+      <p:sp>
+        <p:nvSpPr>
+          <p:cNvPr id="3" name="Скругленный прямоугольник 2"/>
+          <p:cNvSpPr/>
+          <p:nvPr/>
+        </p:nvSpPr>
+        <p:spPr>
+          <a:xfrm>
+            <a:off x="4241074" y="1187830"/>
+            <a:ext cx="3614057" cy="1837509"/>
+          </a:xfrm>
+          <a:prstGeom prst="roundRect">
+            <a:avLst/>
+          </a:prstGeom>
+        </p:spPr>
+        <p:style>
+          <a:lnRef idx="2">
+            <a:schemeClr val="accent1">
+              <a:shade val="50000"/>
+            </a:schemeClr>
+          </a:lnRef>
+          <a:fillRef idx="1">
+            <a:schemeClr val="accent1"/>
+          </a:fillRef>
+          <a:effectRef idx="0">
+            <a:schemeClr val="accent1"/>
+          </a:effectRef>
+          <a:fontRef idx="minor">
+            <a:schemeClr val="lt1"/>
+          </a:fontRef>
+        </p:style>
+        <p:txBody>
+          <a:bodyPr rtlCol="0" anchor="ctr"/>
+          <a:lstStyle/>
+          <a:p>
+            <a:pPr algn="ctr"/>
+            <a:r>
+              <a:rPr lang="ru-RU" sz="2800" dirty="0">
                 <a:solidFill>
-                  <a:schemeClr val="accent5">
-                    <a:lumMod val="50000"/>
-                  </a:schemeClr>
+                  <a:schemeClr val="bg1"/>
                 </a:solidFill>
               </a:rPr>
-              <a:t>Система, основанная на знаниях (СОЗ) </a:t>
-            </a:r>
-            <a:r>
-              <a:rPr lang="ru-RU" sz="2400" b="1" dirty="0" smtClean="0"/>
-              <a:t>- </a:t>
-            </a:r>
-            <a:r>
-              <a:rPr lang="ru-RU" sz="2400" dirty="0" smtClean="0"/>
-              <a:t>система, предполагающая четкое отделение друг от друга базы знаний и механизма вывода, обеспечивающая модульный принцип построения, открытость и возможность создания оболочек, настраиваемых через формализм базы знаний на различные предметные области.</a:t>
-            </a:r>
-            <a:endParaRPr lang="ru-RU" sz="3600" dirty="0"/>
+              <a:t>ГИБРИДНАЯ СИСТЕМА ИНТЕЛЛЕКТУАЛЬНОЙ ПОДДЕРЖКИ</a:t>
+            </a:r>
           </a:p>
         </p:txBody>
       </p:sp>
     </p:spTree>
     <p:extLst>
       <p:ext uri="{BB962C8B-B14F-4D97-AF65-F5344CB8AC3E}">
-        <p14:creationId xmlns:p14="http://schemas.microsoft.com/office/powerpoint/2010/main" val="900480150"/>
+        <p14:creationId xmlns:p14="http://schemas.microsoft.com/office/powerpoint/2010/main" val="1614109854"/>
       </p:ext>
     </p:extLst>
   </p:cSld>
@@ -8299,7 +8930,7 @@
 </file>
 
 <file path=ppt/slides/slide6.xml><?xml version="1.0" encoding="utf-8"?>
-<p:sld xmlns:a="http://schemas.openxmlformats.org/drawingml/2006/main" xmlns:r="http://schemas.openxmlformats.org/officeDocument/2006/relationships" xmlns:p="http://schemas.openxmlformats.org/presentationml/2006/main">
+<p:sld xmlns:a="http://schemas.openxmlformats.org/drawingml/2006/main" xmlns:r="http://schemas.openxmlformats.org/officeDocument/2006/relationships" xmlns:p="http://schemas.openxmlformats.org/presentationml/2006/main" show="0">
   <p:cSld>
     <p:spTree>
       <p:nvGrpSpPr>
@@ -8317,16 +8948,16 @@
       </p:grpSpPr>
       <p:sp>
         <p:nvSpPr>
-          <p:cNvPr id="7" name="Стрелка вниз 6"/>
+          <p:cNvPr id="2" name="Rounded Rectangle 1"/>
           <p:cNvSpPr/>
           <p:nvPr/>
         </p:nvSpPr>
         <p:spPr>
-          <a:xfrm rot="19910340" flipH="1">
-            <a:off x="7219406" y="2203265"/>
-            <a:ext cx="1140822" cy="1689463"/>
-          </a:xfrm>
-          <a:prstGeom prst="downArrow">
+          <a:xfrm>
+            <a:off x="740778" y="0"/>
+            <a:ext cx="10776031" cy="6123008"/>
+          </a:xfrm>
+          <a:prstGeom prst="roundRect">
             <a:avLst/>
           </a:prstGeom>
         </p:spPr>
@@ -8351,6 +8982,46 @@
           <a:lstStyle/>
           <a:p>
             <a:pPr algn="ctr"/>
+            <a:endParaRPr lang="ru-RU" dirty="0"/>
+          </a:p>
+        </p:txBody>
+      </p:sp>
+      <p:sp>
+        <p:nvSpPr>
+          <p:cNvPr id="7" name="Стрелка вниз 6"/>
+          <p:cNvSpPr/>
+          <p:nvPr/>
+        </p:nvSpPr>
+        <p:spPr>
+          <a:xfrm rot="19910340" flipH="1">
+            <a:off x="7219406" y="2203265"/>
+            <a:ext cx="1140822" cy="1689463"/>
+          </a:xfrm>
+          <a:prstGeom prst="downArrow">
+            <a:avLst/>
+          </a:prstGeom>
+        </p:spPr>
+        <p:style>
+          <a:lnRef idx="2">
+            <a:schemeClr val="accent5">
+              <a:shade val="50000"/>
+            </a:schemeClr>
+          </a:lnRef>
+          <a:fillRef idx="1">
+            <a:schemeClr val="accent5"/>
+          </a:fillRef>
+          <a:effectRef idx="0">
+            <a:schemeClr val="accent5"/>
+          </a:effectRef>
+          <a:fontRef idx="minor">
+            <a:schemeClr val="lt1"/>
+          </a:fontRef>
+        </p:style>
+        <p:txBody>
+          <a:bodyPr rtlCol="0" anchor="ctr"/>
+          <a:lstStyle/>
+          <a:p>
+            <a:pPr algn="ctr"/>
             <a:endParaRPr lang="ru-RU"/>
           </a:p>
         </p:txBody>
@@ -8364,6 +9035,55 @@
         <p:spPr>
           <a:xfrm>
             <a:off x="1528578" y="3801290"/>
+            <a:ext cx="3614057" cy="1837509"/>
+          </a:xfrm>
+          <a:prstGeom prst="roundRect">
+            <a:avLst/>
+          </a:prstGeom>
+        </p:spPr>
+        <p:style>
+          <a:lnRef idx="1">
+            <a:schemeClr val="accent2"/>
+          </a:lnRef>
+          <a:fillRef idx="2">
+            <a:schemeClr val="accent2"/>
+          </a:fillRef>
+          <a:effectRef idx="1">
+            <a:schemeClr val="accent2"/>
+          </a:effectRef>
+          <a:fontRef idx="minor">
+            <a:schemeClr val="dk1"/>
+          </a:fontRef>
+        </p:style>
+        <p:txBody>
+          <a:bodyPr rtlCol="0" anchor="ctr"/>
+          <a:lstStyle/>
+          <a:p>
+            <a:pPr algn="ctr"/>
+            <a:r>
+              <a:rPr lang="ru-RU" sz="3200" dirty="0" smtClean="0"/>
+              <a:t>Аналитический модуль</a:t>
+            </a:r>
+          </a:p>
+          <a:p>
+            <a:pPr algn="ctr"/>
+            <a:r>
+              <a:rPr lang="ru-RU" sz="2000" dirty="0" smtClean="0"/>
+              <a:t>Недостаток – громоздкость процесса вывода</a:t>
+            </a:r>
+            <a:endParaRPr lang="ru-RU" sz="2000" dirty="0"/>
+          </a:p>
+        </p:txBody>
+      </p:sp>
+      <p:sp>
+        <p:nvSpPr>
+          <p:cNvPr id="5" name="Скругленный прямоугольник 4"/>
+          <p:cNvSpPr/>
+          <p:nvPr/>
+        </p:nvSpPr>
+        <p:spPr>
+          <a:xfrm>
+            <a:off x="6888256" y="3801289"/>
             <a:ext cx="3614057" cy="1837509"/>
           </a:xfrm>
           <a:prstGeom prst="roundRect">
@@ -8392,8 +9112,8 @@
           <a:p>
             <a:pPr algn="ctr"/>
             <a:r>
-              <a:rPr lang="ru-RU" sz="3200" dirty="0" smtClean="0"/>
-              <a:t>Аналитический</a:t>
+              <a:rPr lang="ru-RU" sz="3200" dirty="0" err="1" smtClean="0"/>
+              <a:t>Нейросетевой</a:t>
             </a:r>
             <a:endParaRPr lang="ru-RU" sz="3200" dirty="0"/>
           </a:p>
@@ -8401,13 +9121,53 @@
       </p:sp>
       <p:sp>
         <p:nvSpPr>
-          <p:cNvPr id="5" name="Скругленный прямоугольник 4"/>
+          <p:cNvPr id="6" name="Стрелка вниз 5"/>
           <p:cNvSpPr/>
           <p:nvPr/>
         </p:nvSpPr>
         <p:spPr>
-          <a:xfrm>
-            <a:off x="6888256" y="3801289"/>
+          <a:xfrm rot="1689660">
+            <a:off x="3670663" y="2203267"/>
+            <a:ext cx="1140822" cy="1689463"/>
+          </a:xfrm>
+          <a:prstGeom prst="downArrow">
+            <a:avLst/>
+          </a:prstGeom>
+        </p:spPr>
+        <p:style>
+          <a:lnRef idx="2">
+            <a:schemeClr val="accent5">
+              <a:shade val="50000"/>
+            </a:schemeClr>
+          </a:lnRef>
+          <a:fillRef idx="1">
+            <a:schemeClr val="accent5"/>
+          </a:fillRef>
+          <a:effectRef idx="0">
+            <a:schemeClr val="accent5"/>
+          </a:effectRef>
+          <a:fontRef idx="minor">
+            <a:schemeClr val="lt1"/>
+          </a:fontRef>
+        </p:style>
+        <p:txBody>
+          <a:bodyPr rtlCol="0" anchor="ctr"/>
+          <a:lstStyle/>
+          <a:p>
+            <a:pPr algn="ctr"/>
+            <a:endParaRPr lang="ru-RU"/>
+          </a:p>
+        </p:txBody>
+      </p:sp>
+      <p:sp>
+        <p:nvSpPr>
+          <p:cNvPr id="3" name="Скругленный прямоугольник 2"/>
+          <p:cNvSpPr/>
+          <p:nvPr/>
+        </p:nvSpPr>
+        <p:spPr>
+          <a:xfrm>
+            <a:off x="4241074" y="1187830"/>
             <a:ext cx="3614057" cy="1837509"/>
           </a:xfrm>
           <a:prstGeom prst="roundRect">
@@ -8436,101 +9196,20 @@
           <a:p>
             <a:pPr algn="ctr"/>
             <a:r>
-              <a:rPr lang="ru-RU" sz="3200" dirty="0" smtClean="0"/>
-              <a:t>Синтетический</a:t>
-            </a:r>
-            <a:endParaRPr lang="ru-RU" sz="3200" dirty="0"/>
-          </a:p>
-        </p:txBody>
-      </p:sp>
-      <p:sp>
-        <p:nvSpPr>
-          <p:cNvPr id="6" name="Стрелка вниз 5"/>
-          <p:cNvSpPr/>
-          <p:nvPr/>
-        </p:nvSpPr>
-        <p:spPr>
-          <a:xfrm rot="1689660">
-            <a:off x="3670663" y="2203267"/>
-            <a:ext cx="1140822" cy="1689463"/>
-          </a:xfrm>
-          <a:prstGeom prst="downArrow">
-            <a:avLst/>
-          </a:prstGeom>
-        </p:spPr>
-        <p:style>
-          <a:lnRef idx="2">
-            <a:schemeClr val="accent3">
-              <a:shade val="50000"/>
-            </a:schemeClr>
-          </a:lnRef>
-          <a:fillRef idx="1">
-            <a:schemeClr val="accent3"/>
-          </a:fillRef>
-          <a:effectRef idx="0">
-            <a:schemeClr val="accent3"/>
-          </a:effectRef>
-          <a:fontRef idx="minor">
-            <a:schemeClr val="lt1"/>
-          </a:fontRef>
-        </p:style>
-        <p:txBody>
-          <a:bodyPr rtlCol="0" anchor="ctr"/>
-          <a:lstStyle/>
-          <a:p>
-            <a:pPr algn="ctr"/>
-            <a:endParaRPr lang="ru-RU"/>
-          </a:p>
-        </p:txBody>
-      </p:sp>
-      <p:sp>
-        <p:nvSpPr>
-          <p:cNvPr id="3" name="Скругленный прямоугольник 2"/>
-          <p:cNvSpPr/>
-          <p:nvPr/>
-        </p:nvSpPr>
-        <p:spPr>
-          <a:xfrm>
-            <a:off x="4241074" y="714103"/>
-            <a:ext cx="3614057" cy="1837509"/>
-          </a:xfrm>
-          <a:prstGeom prst="roundRect">
-            <a:avLst/>
-          </a:prstGeom>
-        </p:spPr>
-        <p:style>
-          <a:lnRef idx="2">
-            <a:schemeClr val="accent1">
-              <a:shade val="50000"/>
-            </a:schemeClr>
-          </a:lnRef>
-          <a:fillRef idx="1">
-            <a:schemeClr val="accent1"/>
-          </a:fillRef>
-          <a:effectRef idx="0">
-            <a:schemeClr val="accent1"/>
-          </a:effectRef>
-          <a:fontRef idx="minor">
-            <a:schemeClr val="lt1"/>
-          </a:fontRef>
-        </p:style>
-        <p:txBody>
-          <a:bodyPr rtlCol="0" anchor="ctr"/>
-          <a:lstStyle/>
-          <a:p>
-            <a:pPr algn="ctr"/>
-            <a:r>
-              <a:rPr lang="ru-RU" sz="3200" dirty="0" smtClean="0"/>
-              <a:t>Способ «рассуждений» СОЗ</a:t>
-            </a:r>
-            <a:endParaRPr lang="ru-RU" dirty="0"/>
+              <a:rPr lang="ru-RU" sz="2800" dirty="0">
+                <a:solidFill>
+                  <a:schemeClr val="bg1"/>
+                </a:solidFill>
+              </a:rPr>
+              <a:t>ГИБРИДНАЯ СИСТЕМА ИНТЕЛЛЕКТУАЛЬНОЙ ПОДДЕРЖКИ</a:t>
+            </a:r>
           </a:p>
         </p:txBody>
       </p:sp>
     </p:spTree>
     <p:extLst>
       <p:ext uri="{BB962C8B-B14F-4D97-AF65-F5344CB8AC3E}">
-        <p14:creationId xmlns:p14="http://schemas.microsoft.com/office/powerpoint/2010/main" val="1614109854"/>
+        <p14:creationId xmlns:p14="http://schemas.microsoft.com/office/powerpoint/2010/main" val="3917044250"/>
       </p:ext>
     </p:extLst>
   </p:cSld>
@@ -8577,8 +9256,8 @@
         </p:nvSpPr>
         <p:spPr>
           <a:xfrm>
-            <a:off x="1495050" y="2272937"/>
-            <a:ext cx="9440092" cy="1631216"/>
+            <a:off x="1375954" y="1874729"/>
+            <a:ext cx="9440092" cy="3108543"/>
           </a:xfrm>
           <a:prstGeom prst="rect">
             <a:avLst/>
@@ -8627,9 +9306,76 @@
             </a:r>
             <a:r>
               <a:rPr lang="ru-RU" sz="3200" dirty="0" smtClean="0"/>
-              <a:t>создать программу, которая позволяет принимать решения в любой предметной области на основании нейросетевого механизма рассуждений</a:t>
-            </a:r>
-            <a:endParaRPr lang="ru-RU" sz="4000" dirty="0"/>
+              <a:t>создать модуль, позволяющий </a:t>
+            </a:r>
+            <a:r>
+              <a:rPr lang="ru-RU" sz="3200" dirty="0" smtClean="0">
+                <a:solidFill>
+                  <a:schemeClr val="accent5">
+                    <a:lumMod val="50000"/>
+                  </a:schemeClr>
+                </a:solidFill>
+              </a:rPr>
+              <a:t>принимать решения </a:t>
+            </a:r>
+            <a:r>
+              <a:rPr lang="ru-RU" sz="3200" dirty="0" smtClean="0">
+                <a:solidFill>
+                  <a:schemeClr val="accent1">
+                    <a:lumMod val="75000"/>
+                  </a:schemeClr>
+                </a:solidFill>
+              </a:rPr>
+              <a:t>в различных предметных областях </a:t>
+            </a:r>
+            <a:r>
+              <a:rPr lang="ru-RU" sz="3200" dirty="0" smtClean="0"/>
+              <a:t>на основании </a:t>
+            </a:r>
+            <a:r>
+              <a:rPr lang="ru-RU" sz="3200" dirty="0" smtClean="0">
+                <a:solidFill>
+                  <a:schemeClr val="accent1">
+                    <a:lumMod val="75000"/>
+                  </a:schemeClr>
+                </a:solidFill>
+              </a:rPr>
+              <a:t>нейросетевого </a:t>
+            </a:r>
+            <a:r>
+              <a:rPr lang="ru-RU" sz="3200" dirty="0" smtClean="0"/>
+              <a:t>механизма вывода и, при необходимости, использовать результаты работы аналитического модуля для </a:t>
+            </a:r>
+            <a:r>
+              <a:rPr lang="ru-RU" sz="3200" dirty="0" err="1" smtClean="0">
+                <a:solidFill>
+                  <a:schemeClr val="accent1">
+                    <a:lumMod val="75000"/>
+                  </a:schemeClr>
+                </a:solidFill>
+              </a:rPr>
+              <a:t>дообучения</a:t>
+            </a:r>
+            <a:r>
+              <a:rPr lang="ru-RU" sz="3200" dirty="0" smtClean="0">
+                <a:solidFill>
+                  <a:schemeClr val="accent1">
+                    <a:lumMod val="75000"/>
+                  </a:schemeClr>
+                </a:solidFill>
+              </a:rPr>
+              <a:t> </a:t>
+            </a:r>
+            <a:r>
+              <a:rPr lang="ru-RU" sz="3200" dirty="0" smtClean="0">
+                <a:solidFill>
+                  <a:schemeClr val="accent5">
+                    <a:lumMod val="50000"/>
+                  </a:schemeClr>
+                </a:solidFill>
+              </a:rPr>
+              <a:t>нейронной сети</a:t>
+            </a:r>
           </a:p>
         </p:txBody>
       </p:sp>
@@ -8687,8 +9433,8 @@
         </p:nvSpPr>
         <p:spPr>
           <a:xfrm>
-            <a:off x="403906" y="919390"/>
-            <a:ext cx="11526837" cy="4813754"/>
+            <a:off x="332582" y="2950028"/>
+            <a:ext cx="11526837" cy="957944"/>
           </a:xfrm>
           <a:prstGeom prst="rect">
             <a:avLst/>
@@ -8766,7 +9512,7 @@
         </p:nvSpPr>
         <p:spPr>
           <a:xfrm>
-            <a:off x="966652" y="1463040"/>
+            <a:off x="705395" y="1443841"/>
             <a:ext cx="10781211" cy="3970318"/>
           </a:xfrm>
           <a:prstGeom prst="rect">
@@ -8788,7 +9534,15 @@
             </a:pPr>
             <a:r>
               <a:rPr lang="ru-RU" sz="2800" dirty="0" smtClean="0"/>
-              <a:t>Разработать теоретический подход к созданию синтетического модуля гибридной системы интеллектуальной поддержки</a:t>
+              <a:t>Разработать подход к созданию </a:t>
+            </a:r>
+            <a:r>
+              <a:rPr lang="ru-RU" sz="2800" dirty="0" err="1" smtClean="0"/>
+              <a:t>нейросетевого</a:t>
+            </a:r>
+            <a:r>
+              <a:rPr lang="ru-RU" sz="2800" dirty="0" smtClean="0"/>
+              <a:t> модуля гибридной системы интеллектуальной поддержки</a:t>
             </a:r>
           </a:p>
           <a:p>
@@ -8800,7 +9554,15 @@
             </a:pPr>
             <a:r>
               <a:rPr lang="ru-RU" sz="2800" dirty="0" smtClean="0"/>
-              <a:t>Разработать архитектуру системы</a:t>
+              <a:t>Разработать архитектуру </a:t>
+            </a:r>
+            <a:r>
+              <a:rPr lang="ru-RU" sz="2800" dirty="0" err="1" smtClean="0"/>
+              <a:t>нейросетевого</a:t>
+            </a:r>
+            <a:r>
+              <a:rPr lang="ru-RU" sz="2800" dirty="0" smtClean="0"/>
+              <a:t> модуля</a:t>
             </a:r>
           </a:p>
           <a:p>
@@ -8812,7 +9574,7 @@
             </a:pPr>
             <a:r>
               <a:rPr lang="ru-RU" sz="2800" dirty="0" smtClean="0"/>
-              <a:t>Написать программную реализацию</a:t>
+              <a:t>Создать программную реализацию</a:t>
             </a:r>
           </a:p>
           <a:p>
@@ -8824,7 +9586,15 @@
             </a:pPr>
             <a:r>
               <a:rPr lang="ru-RU" sz="2800" dirty="0" smtClean="0"/>
-              <a:t>Провести сравнительный анализ результатов работы синтетического и аналитического модуля системы</a:t>
+              <a:t>Сравнить результаты работы </a:t>
+            </a:r>
+            <a:r>
+              <a:rPr lang="ru-RU" sz="2800" dirty="0" err="1" smtClean="0"/>
+              <a:t>нейросетевого</a:t>
+            </a:r>
+            <a:r>
+              <a:rPr lang="ru-RU" sz="2800" dirty="0" smtClean="0"/>
+              <a:t> и аналитического модулей гибридной системы</a:t>
             </a:r>
             <a:endParaRPr lang="ru-RU" sz="2800" dirty="0"/>
           </a:p>

--- a/docs/Синтетическая Презентация.pptx
+++ b/docs/Синтетическая Презентация.pptx
@@ -32,8 +32,8 @@
     <p:sldId id="279" r:id="rId23"/>
     <p:sldId id="289" r:id="rId24"/>
     <p:sldId id="280" r:id="rId25"/>
-    <p:sldId id="281" r:id="rId26"/>
-    <p:sldId id="282" r:id="rId27"/>
+    <p:sldId id="282" r:id="rId26"/>
+    <p:sldId id="281" r:id="rId27"/>
     <p:sldId id="284" r:id="rId28"/>
     <p:sldId id="285" r:id="rId29"/>
     <p:sldId id="288" r:id="rId30"/>
@@ -234,7 +234,7 @@
           <a:p>
             <a:fld id="{C42DCE4C-8FCE-4E80-9217-3D837E526778}" type="datetimeFigureOut">
               <a:rPr lang="ru-RU" smtClean="0"/>
-              <a:t>30.05.2018</a:t>
+              <a:t>31.05.2018</a:t>
             </a:fld>
             <a:endParaRPr lang="ru-RU"/>
           </a:p>
@@ -977,7 +977,7 @@
           <a:p>
             <a:fld id="{D3BF58BB-47B0-4CCF-A7AE-B44675AC9136}" type="datetimeFigureOut">
               <a:rPr lang="ru-RU" smtClean="0"/>
-              <a:t>30.05.2018</a:t>
+              <a:t>31.05.2018</a:t>
             </a:fld>
             <a:endParaRPr lang="ru-RU"/>
           </a:p>
@@ -1147,7 +1147,7 @@
           <a:p>
             <a:fld id="{D3BF58BB-47B0-4CCF-A7AE-B44675AC9136}" type="datetimeFigureOut">
               <a:rPr lang="ru-RU" smtClean="0"/>
-              <a:t>30.05.2018</a:t>
+              <a:t>31.05.2018</a:t>
             </a:fld>
             <a:endParaRPr lang="ru-RU"/>
           </a:p>
@@ -1327,7 +1327,7 @@
           <a:p>
             <a:fld id="{D3BF58BB-47B0-4CCF-A7AE-B44675AC9136}" type="datetimeFigureOut">
               <a:rPr lang="ru-RU" smtClean="0"/>
-              <a:t>30.05.2018</a:t>
+              <a:t>31.05.2018</a:t>
             </a:fld>
             <a:endParaRPr lang="ru-RU"/>
           </a:p>
@@ -1546,7 +1546,7 @@
           <a:p>
             <a:fld id="{D3BF58BB-47B0-4CCF-A7AE-B44675AC9136}" type="datetimeFigureOut">
               <a:rPr lang="ru-RU" smtClean="0"/>
-              <a:t>30.05.2018</a:t>
+              <a:t>31.05.2018</a:t>
             </a:fld>
             <a:endParaRPr lang="ru-RU"/>
           </a:p>
@@ -1792,7 +1792,7 @@
           <a:p>
             <a:fld id="{D3BF58BB-47B0-4CCF-A7AE-B44675AC9136}" type="datetimeFigureOut">
               <a:rPr lang="ru-RU" smtClean="0"/>
-              <a:t>30.05.2018</a:t>
+              <a:t>31.05.2018</a:t>
             </a:fld>
             <a:endParaRPr lang="ru-RU"/>
           </a:p>
@@ -2024,7 +2024,7 @@
           <a:p>
             <a:fld id="{D3BF58BB-47B0-4CCF-A7AE-B44675AC9136}" type="datetimeFigureOut">
               <a:rPr lang="ru-RU" smtClean="0"/>
-              <a:t>30.05.2018</a:t>
+              <a:t>31.05.2018</a:t>
             </a:fld>
             <a:endParaRPr lang="ru-RU"/>
           </a:p>
@@ -2391,7 +2391,7 @@
           <a:p>
             <a:fld id="{D3BF58BB-47B0-4CCF-A7AE-B44675AC9136}" type="datetimeFigureOut">
               <a:rPr lang="ru-RU" smtClean="0"/>
-              <a:t>30.05.2018</a:t>
+              <a:t>31.05.2018</a:t>
             </a:fld>
             <a:endParaRPr lang="ru-RU"/>
           </a:p>
@@ -2509,7 +2509,7 @@
           <a:p>
             <a:fld id="{D3BF58BB-47B0-4CCF-A7AE-B44675AC9136}" type="datetimeFigureOut">
               <a:rPr lang="ru-RU" smtClean="0"/>
-              <a:t>30.05.2018</a:t>
+              <a:t>31.05.2018</a:t>
             </a:fld>
             <a:endParaRPr lang="ru-RU"/>
           </a:p>
@@ -2604,7 +2604,7 @@
           <a:p>
             <a:fld id="{D3BF58BB-47B0-4CCF-A7AE-B44675AC9136}" type="datetimeFigureOut">
               <a:rPr lang="ru-RU" smtClean="0"/>
-              <a:t>30.05.2018</a:t>
+              <a:t>31.05.2018</a:t>
             </a:fld>
             <a:endParaRPr lang="ru-RU"/>
           </a:p>
@@ -2881,7 +2881,7 @@
           <a:p>
             <a:fld id="{D3BF58BB-47B0-4CCF-A7AE-B44675AC9136}" type="datetimeFigureOut">
               <a:rPr lang="ru-RU" smtClean="0"/>
-              <a:t>30.05.2018</a:t>
+              <a:t>31.05.2018</a:t>
             </a:fld>
             <a:endParaRPr lang="ru-RU"/>
           </a:p>
@@ -3134,7 +3134,7 @@
           <a:p>
             <a:fld id="{D3BF58BB-47B0-4CCF-A7AE-B44675AC9136}" type="datetimeFigureOut">
               <a:rPr lang="ru-RU" smtClean="0"/>
-              <a:t>30.05.2018</a:t>
+              <a:t>31.05.2018</a:t>
             </a:fld>
             <a:endParaRPr lang="ru-RU"/>
           </a:p>
@@ -3347,7 +3347,7 @@
           <a:p>
             <a:fld id="{D3BF58BB-47B0-4CCF-A7AE-B44675AC9136}" type="datetimeFigureOut">
               <a:rPr lang="ru-RU" smtClean="0"/>
-              <a:t>30.05.2018</a:t>
+              <a:t>31.05.2018</a:t>
             </a:fld>
             <a:endParaRPr lang="ru-RU"/>
           </a:p>
@@ -3811,15 +3811,7 @@
           <a:p>
             <a:r>
               <a:rPr lang="ru-RU" dirty="0" smtClean="0"/>
-              <a:t>Выполнил: </a:t>
-            </a:r>
-            <a:r>
-              <a:rPr lang="ru-RU" dirty="0" smtClean="0"/>
-              <a:t>Алявдин </a:t>
-            </a:r>
-            <a:r>
-              <a:rPr lang="ru-RU" dirty="0" smtClean="0"/>
-              <a:t>А.В. 381607м</a:t>
+              <a:t>Выполнил: Алявдин А.В. 381607м</a:t>
             </a:r>
             <a:endParaRPr lang="ru-RU" dirty="0"/>
           </a:p>
@@ -3994,17 +3986,15 @@
             </a:pPr>
             <a:r>
               <a:rPr lang="ru-RU" sz="2400" dirty="0" smtClean="0"/>
-              <a:t>Далее нейронная сеть, работая в штатном режиме, получает от пользователя </a:t>
+              <a:t>Далее нейронная сеть, работая в штатном режиме, </a:t>
             </a:r>
             <a:r>
               <a:rPr lang="ru-RU" sz="2400" dirty="0" smtClean="0">
                 <a:solidFill>
-                  <a:schemeClr val="accent1">
-                    <a:lumMod val="75000"/>
-                  </a:schemeClr>
+                  <a:srgbClr val="0070C0"/>
                 </a:solidFill>
               </a:rPr>
-              <a:t>факты</a:t>
+              <a:t>получает от пользователя факты</a:t>
             </a:r>
             <a:r>
               <a:rPr lang="ru-RU" sz="2400" dirty="0" smtClean="0"/>
@@ -4246,7 +4236,7 @@
         </p:nvSpPr>
         <p:spPr>
           <a:xfrm>
-            <a:off x="4052171" y="110721"/>
+            <a:off x="4452762" y="0"/>
             <a:ext cx="3286477" cy="707886"/>
           </a:xfrm>
           <a:prstGeom prst="rect">
@@ -4288,7 +4278,7 @@
         </p:blipFill>
         <p:spPr>
           <a:xfrm>
-            <a:off x="1892145" y="853681"/>
+            <a:off x="2292736" y="853681"/>
             <a:ext cx="7606528" cy="6004319"/>
           </a:xfrm>
           <a:prstGeom prst="rect">
@@ -4346,7 +4336,7 @@
         </p:nvSpPr>
         <p:spPr>
           <a:xfrm>
-            <a:off x="4138068" y="110721"/>
+            <a:off x="3902932" y="0"/>
             <a:ext cx="4386137" cy="707886"/>
           </a:xfrm>
           <a:prstGeom prst="rect">
@@ -4380,8 +4370,8 @@
         </p:nvSpPr>
         <p:spPr>
           <a:xfrm>
-            <a:off x="901412" y="2521059"/>
-            <a:ext cx="10389176" cy="1815882"/>
+            <a:off x="823035" y="4226125"/>
+            <a:ext cx="10389176" cy="830997"/>
           </a:xfrm>
           <a:prstGeom prst="rect">
             <a:avLst/>
@@ -4395,49 +4385,313 @@
           <a:lstStyle/>
           <a:p>
             <a:r>
-              <a:rPr lang="en-US" sz="2800" dirty="0" smtClean="0"/>
-              <a:t>X=(x1..xn), </a:t>
-            </a:r>
-            <a:r>
-              <a:rPr lang="ru-RU" sz="2800" dirty="0" smtClean="0"/>
-              <a:t>где </a:t>
-            </a:r>
-            <a:r>
-              <a:rPr lang="en-US" sz="2800" dirty="0" smtClean="0"/>
-              <a:t>x1..xn </a:t>
-            </a:r>
-            <a:r>
-              <a:rPr lang="ru-RU" sz="2800" dirty="0" smtClean="0"/>
-              <a:t>принадлежат </a:t>
-            </a:r>
-            <a:r>
-              <a:rPr lang="en-US" sz="2800" dirty="0" smtClean="0"/>
-              <a:t>[0,1],</a:t>
-            </a:r>
-            <a:r>
-              <a:rPr lang="ru-RU" sz="2800" dirty="0" smtClean="0"/>
-              <a:t> </a:t>
-            </a:r>
-            <a:r>
-              <a:rPr lang="en-US" sz="2800" dirty="0" smtClean="0"/>
-              <a:t>n </a:t>
-            </a:r>
-            <a:r>
-              <a:rPr lang="ru-RU" sz="2800" dirty="0" smtClean="0"/>
-              <a:t>-</a:t>
-            </a:r>
-            <a:r>
-              <a:rPr lang="en-US" sz="2800" dirty="0" smtClean="0"/>
-              <a:t> </a:t>
-            </a:r>
-            <a:r>
-              <a:rPr lang="ru-RU" sz="2800" dirty="0" smtClean="0"/>
-              <a:t>количество вершин-условий (овалов) в графе решений. Каждая составляющая вектора – коэффициент уверенности соответствующего факта, получаемый от пользователя</a:t>
-            </a:r>
-            <a:endParaRPr lang="ru-RU" sz="2800" dirty="0"/>
-          </a:p>
-        </p:txBody>
-      </p:sp>
+              <a:rPr lang="ru-RU" sz="2400" dirty="0" smtClean="0"/>
+              <a:t>Каждая составляющая вектора – коэффициент уверенности соответствующего факта, получаемый от пользователя</a:t>
+            </a:r>
+            <a:endParaRPr lang="ru-RU" sz="2400" dirty="0"/>
+          </a:p>
+        </p:txBody>
+      </p:sp>
+      <mc:AlternateContent xmlns:mc="http://schemas.openxmlformats.org/markup-compatibility/2006" xmlns:a14="http://schemas.microsoft.com/office/drawing/2010/main">
+        <mc:Choice Requires="a14">
+          <p:sp>
+            <p:nvSpPr>
+              <p:cNvPr id="6" name="TextBox 5"/>
+              <p:cNvSpPr txBox="1"/>
+              <p:nvPr/>
+            </p:nvSpPr>
+            <p:spPr>
+              <a:xfrm>
+                <a:off x="1093550" y="2153034"/>
+                <a:ext cx="9848145" cy="369332"/>
+              </a:xfrm>
+              <a:prstGeom prst="rect">
+                <a:avLst/>
+              </a:prstGeom>
+              <a:noFill/>
+            </p:spPr>
+            <p:txBody>
+              <a:bodyPr wrap="none" lIns="0" tIns="0" rIns="0" bIns="0" rtlCol="0">
+                <a:spAutoFit/>
+              </a:bodyPr>
+              <a:lstStyle/>
+              <a:p>
+                <a:pPr/>
+                <a14:m>
+                  <m:oMathPara xmlns:m="http://schemas.openxmlformats.org/officeDocument/2006/math">
+                    <m:oMathParaPr>
+                      <m:jc m:val="centerGroup"/>
+                    </m:oMathParaPr>
+                    <m:oMath xmlns:m="http://schemas.openxmlformats.org/officeDocument/2006/math">
+                      <m:r>
+                        <a:rPr lang="en-US" sz="2400" b="0" i="1" smtClean="0">
+                          <a:latin typeface="Cambria Math" panose="02040503050406030204" pitchFamily="18" charset="0"/>
+                        </a:rPr>
+                        <m:t>𝑆</m:t>
+                      </m:r>
+                      <m:r>
+                        <a:rPr lang="en-US" sz="2400" b="0" i="1" smtClean="0">
+                          <a:latin typeface="Cambria Math" panose="02040503050406030204" pitchFamily="18" charset="0"/>
+                        </a:rPr>
+                        <m:t>=</m:t>
+                      </m:r>
+                      <m:d>
+                        <m:dPr>
+                          <m:ctrlPr>
+                            <a:rPr lang="en-US" sz="2400" b="0" i="1" smtClean="0">
+                              <a:latin typeface="Cambria Math" panose="02040503050406030204" pitchFamily="18" charset="0"/>
+                            </a:rPr>
+                          </m:ctrlPr>
+                        </m:dPr>
+                        <m:e>
+                          <m:sSub>
+                            <m:sSubPr>
+                              <m:ctrlPr>
+                                <a:rPr lang="en-US" sz="2400" b="0" i="1" smtClean="0">
+                                  <a:latin typeface="Cambria Math" panose="02040503050406030204" pitchFamily="18" charset="0"/>
+                                </a:rPr>
+                              </m:ctrlPr>
+                            </m:sSubPr>
+                            <m:e>
+                              <m:r>
+                                <a:rPr lang="en-US" sz="2400" b="0" i="1" smtClean="0">
+                                  <a:latin typeface="Cambria Math" panose="02040503050406030204" pitchFamily="18" charset="0"/>
+                                </a:rPr>
+                                <m:t>𝑠</m:t>
+                              </m:r>
+                            </m:e>
+                            <m:sub>
+                              <m:r>
+                                <a:rPr lang="en-US" sz="2400" b="0" i="1" smtClean="0">
+                                  <a:latin typeface="Cambria Math" panose="02040503050406030204" pitchFamily="18" charset="0"/>
+                                </a:rPr>
+                                <m:t>1</m:t>
+                              </m:r>
+                            </m:sub>
+                          </m:sSub>
+                          <m:r>
+                            <a:rPr lang="en-US" sz="2400" b="0" i="1" smtClean="0">
+                              <a:latin typeface="Cambria Math" panose="02040503050406030204" pitchFamily="18" charset="0"/>
+                            </a:rPr>
+                            <m:t>..</m:t>
+                          </m:r>
+                          <m:sSub>
+                            <m:sSubPr>
+                              <m:ctrlPr>
+                                <a:rPr lang="en-US" sz="2400" b="0" i="1" smtClean="0">
+                                  <a:latin typeface="Cambria Math" panose="02040503050406030204" pitchFamily="18" charset="0"/>
+                                </a:rPr>
+                              </m:ctrlPr>
+                            </m:sSubPr>
+                            <m:e>
+                              <m:r>
+                                <a:rPr lang="en-US" sz="2400" b="0" i="1" smtClean="0">
+                                  <a:latin typeface="Cambria Math" panose="02040503050406030204" pitchFamily="18" charset="0"/>
+                                </a:rPr>
+                                <m:t>𝑠</m:t>
+                              </m:r>
+                            </m:e>
+                            <m:sub>
+                              <m:r>
+                                <a:rPr lang="en-US" sz="2400" b="0" i="1" smtClean="0">
+                                  <a:latin typeface="Cambria Math" panose="02040503050406030204" pitchFamily="18" charset="0"/>
+                                </a:rPr>
+                                <m:t>𝑛</m:t>
+                              </m:r>
+                            </m:sub>
+                          </m:sSub>
+                        </m:e>
+                      </m:d>
+                      <m:r>
+                        <a:rPr lang="ru-RU" sz="2400" b="0" i="1" smtClean="0">
+                          <a:latin typeface="Cambria Math" panose="02040503050406030204" pitchFamily="18" charset="0"/>
+                        </a:rPr>
+                        <m:t>, </m:t>
+                      </m:r>
+                      <m:sSub>
+                        <m:sSubPr>
+                          <m:ctrlPr>
+                            <a:rPr lang="ru-RU" sz="2400" b="0" i="1" smtClean="0">
+                              <a:latin typeface="Cambria Math" panose="02040503050406030204" pitchFamily="18" charset="0"/>
+                            </a:rPr>
+                          </m:ctrlPr>
+                        </m:sSubPr>
+                        <m:e>
+                          <m:r>
+                            <a:rPr lang="en-US" sz="2400" b="0" i="1" smtClean="0">
+                              <a:latin typeface="Cambria Math" panose="02040503050406030204" pitchFamily="18" charset="0"/>
+                            </a:rPr>
+                            <m:t>𝑠</m:t>
+                          </m:r>
+                        </m:e>
+                        <m:sub>
+                          <m:r>
+                            <a:rPr lang="en-US" sz="2400" b="0" i="1" smtClean="0">
+                              <a:latin typeface="Cambria Math" panose="02040503050406030204" pitchFamily="18" charset="0"/>
+                            </a:rPr>
+                            <m:t>1</m:t>
+                          </m:r>
+                        </m:sub>
+                      </m:sSub>
+                      <m:r>
+                        <a:rPr lang="en-US" sz="2400" b="0" i="1" smtClean="0">
+                          <a:latin typeface="Cambria Math" panose="02040503050406030204" pitchFamily="18" charset="0"/>
+                        </a:rPr>
+                        <m:t>..</m:t>
+                      </m:r>
+                      <m:sSub>
+                        <m:sSubPr>
+                          <m:ctrlPr>
+                            <a:rPr lang="en-US" sz="2400" b="0" i="1" smtClean="0">
+                              <a:latin typeface="Cambria Math" panose="02040503050406030204" pitchFamily="18" charset="0"/>
+                            </a:rPr>
+                          </m:ctrlPr>
+                        </m:sSubPr>
+                        <m:e>
+                          <m:r>
+                            <a:rPr lang="en-US" sz="2400" b="0" i="1" smtClean="0">
+                              <a:latin typeface="Cambria Math" panose="02040503050406030204" pitchFamily="18" charset="0"/>
+                            </a:rPr>
+                            <m:t>𝑠</m:t>
+                          </m:r>
+                        </m:e>
+                        <m:sub>
+                          <m:r>
+                            <a:rPr lang="en-US" sz="2400" b="0" i="1" smtClean="0">
+                              <a:latin typeface="Cambria Math" panose="02040503050406030204" pitchFamily="18" charset="0"/>
+                            </a:rPr>
+                            <m:t>𝑛</m:t>
+                          </m:r>
+                        </m:sub>
+                      </m:sSub>
+                      <m:r>
+                        <a:rPr lang="en-US" sz="2400" b="0" i="1" smtClean="0">
+                          <a:latin typeface="Cambria Math" panose="02040503050406030204" pitchFamily="18" charset="0"/>
+                        </a:rPr>
+                        <m:t> </m:t>
+                      </m:r>
+                      <m:r>
+                        <a:rPr lang="en-US" sz="2400" b="0" i="1" smtClean="0">
+                          <a:latin typeface="Cambria Math" panose="02040503050406030204" pitchFamily="18" charset="0"/>
+                          <a:ea typeface="Cambria Math" panose="02040503050406030204" pitchFamily="18" charset="0"/>
+                        </a:rPr>
+                        <m:t>∈</m:t>
+                      </m:r>
+                      <m:d>
+                        <m:dPr>
+                          <m:begChr m:val="["/>
+                          <m:endChr m:val="]"/>
+                          <m:ctrlPr>
+                            <a:rPr lang="en-US" sz="2400" b="0" i="1" smtClean="0">
+                              <a:latin typeface="Cambria Math" panose="02040503050406030204" pitchFamily="18" charset="0"/>
+                              <a:ea typeface="Cambria Math" panose="02040503050406030204" pitchFamily="18" charset="0"/>
+                            </a:rPr>
+                          </m:ctrlPr>
+                        </m:dPr>
+                        <m:e>
+                          <m:r>
+                            <a:rPr lang="en-US" sz="2400" b="0" i="1" smtClean="0">
+                              <a:latin typeface="Cambria Math" panose="02040503050406030204" pitchFamily="18" charset="0"/>
+                              <a:ea typeface="Cambria Math" panose="02040503050406030204" pitchFamily="18" charset="0"/>
+                            </a:rPr>
+                            <m:t>0,1</m:t>
+                          </m:r>
+                        </m:e>
+                      </m:d>
+                      <m:r>
+                        <a:rPr lang="en-US" sz="2400" b="0" i="1" smtClean="0">
+                          <a:latin typeface="Cambria Math" panose="02040503050406030204" pitchFamily="18" charset="0"/>
+                          <a:ea typeface="Cambria Math" panose="02040503050406030204" pitchFamily="18" charset="0"/>
+                        </a:rPr>
+                        <m:t>, </m:t>
+                      </m:r>
+                      <m:r>
+                        <a:rPr lang="en-US" sz="2400" b="0" i="1" smtClean="0">
+                          <a:latin typeface="Cambria Math" panose="02040503050406030204" pitchFamily="18" charset="0"/>
+                          <a:ea typeface="Cambria Math" panose="02040503050406030204" pitchFamily="18" charset="0"/>
+                        </a:rPr>
+                        <m:t>𝑛</m:t>
+                      </m:r>
+                      <m:r>
+                        <a:rPr lang="en-US" sz="2400" b="0" i="1" smtClean="0">
+                          <a:latin typeface="Cambria Math" panose="02040503050406030204" pitchFamily="18" charset="0"/>
+                          <a:ea typeface="Cambria Math" panose="02040503050406030204" pitchFamily="18" charset="0"/>
+                        </a:rPr>
+                        <m:t> −количест</m:t>
+                      </m:r>
+                      <m:r>
+                        <a:rPr lang="ru-RU" sz="2400" b="0" i="1" smtClean="0">
+                          <a:latin typeface="Cambria Math" panose="02040503050406030204" pitchFamily="18" charset="0"/>
+                          <a:ea typeface="Cambria Math" panose="02040503050406030204" pitchFamily="18" charset="0"/>
+                        </a:rPr>
+                        <m:t>во вершин−условий</m:t>
+                      </m:r>
+                      <m:d>
+                        <m:dPr>
+                          <m:ctrlPr>
+                            <a:rPr lang="ru-RU" sz="2400" b="0" i="1" smtClean="0">
+                              <a:latin typeface="Cambria Math" panose="02040503050406030204" pitchFamily="18" charset="0"/>
+                              <a:ea typeface="Cambria Math" panose="02040503050406030204" pitchFamily="18" charset="0"/>
+                            </a:rPr>
+                          </m:ctrlPr>
+                        </m:dPr>
+                        <m:e>
+                          <m:r>
+                            <a:rPr lang="ru-RU" sz="2400" b="0" i="1" smtClean="0">
+                              <a:latin typeface="Cambria Math" panose="02040503050406030204" pitchFamily="18" charset="0"/>
+                              <a:ea typeface="Cambria Math" panose="02040503050406030204" pitchFamily="18" charset="0"/>
+                            </a:rPr>
+                            <m:t>овалов</m:t>
+                          </m:r>
+                        </m:e>
+                      </m:d>
+                    </m:oMath>
+                  </m:oMathPara>
+                </a14:m>
+                <a:endParaRPr lang="ru-RU" sz="2400" dirty="0"/>
+              </a:p>
+            </p:txBody>
+          </p:sp>
+        </mc:Choice>
+        <mc:Fallback xmlns="">
+          <p:sp>
+            <p:nvSpPr>
+              <p:cNvPr id="6" name="TextBox 5"/>
+              <p:cNvSpPr txBox="1">
+                <a:spLocks noRot="1" noChangeAspect="1" noMove="1" noResize="1" noEditPoints="1" noAdjustHandles="1" noChangeArrowheads="1" noChangeShapeType="1" noTextEdit="1"/>
+              </p:cNvSpPr>
+              <p:nvPr/>
+            </p:nvSpPr>
+            <p:spPr>
+              <a:xfrm>
+                <a:off x="1093550" y="2153034"/>
+                <a:ext cx="9848145" cy="369332"/>
+              </a:xfrm>
+              <a:prstGeom prst="rect">
+                <a:avLst/>
+              </a:prstGeom>
+              <a:blipFill>
+                <a:blip r:embed="rId3"/>
+                <a:stretch>
+                  <a:fillRect l="-248" b="-32787"/>
+                </a:stretch>
+              </a:blipFill>
+            </p:spPr>
+            <p:txBody>
+              <a:bodyPr/>
+              <a:lstStyle/>
+              <a:p>
+                <a:r>
+                  <a:rPr lang="ru-RU">
+                    <a:noFill/>
+                  </a:rPr>
+                  <a:t> </a:t>
+                </a:r>
+              </a:p>
+            </p:txBody>
+          </p:sp>
+        </mc:Fallback>
+      </mc:AlternateContent>
     </p:spTree>
     <p:extLst>
       <p:ext uri="{BB962C8B-B14F-4D97-AF65-F5344CB8AC3E}">
@@ -4488,8 +4742,8 @@
         </p:nvSpPr>
         <p:spPr>
           <a:xfrm>
-            <a:off x="4256394" y="110721"/>
-            <a:ext cx="3679212" cy="707886"/>
+            <a:off x="5039461" y="0"/>
+            <a:ext cx="2113079" cy="707886"/>
           </a:xfrm>
           <a:prstGeom prst="rect">
             <a:avLst/>
@@ -4506,7 +4760,7 @@
               <a:rPr lang="ru-RU" sz="4000" dirty="0" smtClean="0">
                 <a:latin typeface="+mj-lt"/>
               </a:rPr>
-              <a:t>Форма решения</a:t>
+              <a:t>Решение</a:t>
             </a:r>
             <a:endParaRPr lang="ru-RU" sz="4000" dirty="0">
               <a:latin typeface="+mj-lt"/>
@@ -4522,8 +4776,8 @@
         </p:nvSpPr>
         <p:spPr>
           <a:xfrm>
-            <a:off x="901412" y="2736503"/>
-            <a:ext cx="10389176" cy="1384995"/>
+            <a:off x="901412" y="4203172"/>
+            <a:ext cx="10389176" cy="830997"/>
           </a:xfrm>
           <a:prstGeom prst="rect">
             <a:avLst/>
@@ -4537,65 +4791,288 @@
           <a:lstStyle/>
           <a:p>
             <a:r>
-              <a:rPr lang="en-US" sz="2800" dirty="0"/>
-              <a:t>R</a:t>
-            </a:r>
-            <a:r>
-              <a:rPr lang="en-US" sz="2800" dirty="0" smtClean="0"/>
-              <a:t>=(r1..r</a:t>
-            </a:r>
-            <a:r>
-              <a:rPr lang="en-US" sz="2800" dirty="0"/>
-              <a:t>m</a:t>
-            </a:r>
-            <a:r>
-              <a:rPr lang="en-US" sz="2800" dirty="0" smtClean="0"/>
-              <a:t>), </a:t>
-            </a:r>
-            <a:r>
-              <a:rPr lang="ru-RU" sz="2800" dirty="0" smtClean="0"/>
-              <a:t>где </a:t>
-            </a:r>
-            <a:r>
-              <a:rPr lang="en-US" sz="2800" dirty="0" smtClean="0"/>
-              <a:t>r1..rm </a:t>
-            </a:r>
-            <a:r>
-              <a:rPr lang="ru-RU" sz="2800" dirty="0" smtClean="0"/>
-              <a:t>принадлежат </a:t>
-            </a:r>
-            <a:r>
-              <a:rPr lang="en-US" sz="2800" dirty="0" smtClean="0"/>
-              <a:t>[0,1],</a:t>
-            </a:r>
-            <a:r>
-              <a:rPr lang="ru-RU" sz="2800" dirty="0" smtClean="0"/>
-              <a:t> </a:t>
-            </a:r>
-            <a:r>
-              <a:rPr lang="en-US" sz="2800" dirty="0"/>
-              <a:t>m</a:t>
-            </a:r>
-            <a:r>
-              <a:rPr lang="en-US" sz="2800" dirty="0" smtClean="0"/>
-              <a:t> </a:t>
-            </a:r>
-            <a:r>
-              <a:rPr lang="ru-RU" sz="2800" dirty="0" smtClean="0"/>
-              <a:t>-</a:t>
-            </a:r>
-            <a:r>
-              <a:rPr lang="en-US" sz="2800" dirty="0" smtClean="0"/>
-              <a:t> </a:t>
-            </a:r>
-            <a:r>
-              <a:rPr lang="ru-RU" sz="2800" dirty="0" smtClean="0"/>
-              <a:t>количество вершин окончательных выводов в графе решений. Каждая составляющая вектора – коэффициент уверенности соответствующего вывода</a:t>
-            </a:r>
-            <a:endParaRPr lang="ru-RU" sz="2800" dirty="0"/>
-          </a:p>
-        </p:txBody>
-      </p:sp>
+              <a:rPr lang="ru-RU" sz="2400" dirty="0" smtClean="0"/>
+              <a:t>Каждая составляющая вектора – коэффициент уверенности соответствующего вывода</a:t>
+            </a:r>
+            <a:endParaRPr lang="ru-RU" sz="2400" dirty="0"/>
+          </a:p>
+        </p:txBody>
+      </p:sp>
+      <mc:AlternateContent xmlns:mc="http://schemas.openxmlformats.org/markup-compatibility/2006" xmlns:a14="http://schemas.microsoft.com/office/drawing/2010/main">
+        <mc:Choice Requires="a14">
+          <p:sp>
+            <p:nvSpPr>
+              <p:cNvPr id="4" name="TextBox 3"/>
+              <p:cNvSpPr txBox="1"/>
+              <p:nvPr/>
+            </p:nvSpPr>
+            <p:spPr>
+              <a:xfrm>
+                <a:off x="729018" y="2086197"/>
+                <a:ext cx="10733964" cy="369332"/>
+              </a:xfrm>
+              <a:prstGeom prst="rect">
+                <a:avLst/>
+              </a:prstGeom>
+              <a:noFill/>
+            </p:spPr>
+            <p:txBody>
+              <a:bodyPr wrap="none" lIns="0" tIns="0" rIns="0" bIns="0" rtlCol="0">
+                <a:spAutoFit/>
+              </a:bodyPr>
+              <a:lstStyle/>
+              <a:p>
+                <a:pPr/>
+                <a14:m>
+                  <m:oMathPara xmlns:m="http://schemas.openxmlformats.org/officeDocument/2006/math">
+                    <m:oMathParaPr>
+                      <m:jc m:val="centerGroup"/>
+                    </m:oMathParaPr>
+                    <m:oMath xmlns:m="http://schemas.openxmlformats.org/officeDocument/2006/math">
+                      <m:r>
+                        <a:rPr lang="en-US" sz="2400" b="0" i="1" smtClean="0">
+                          <a:latin typeface="Cambria Math" panose="02040503050406030204" pitchFamily="18" charset="0"/>
+                        </a:rPr>
+                        <m:t>𝑅</m:t>
+                      </m:r>
+                      <m:r>
+                        <a:rPr lang="en-US" sz="2400" b="0" i="1" smtClean="0">
+                          <a:latin typeface="Cambria Math" panose="02040503050406030204" pitchFamily="18" charset="0"/>
+                        </a:rPr>
+                        <m:t>=</m:t>
+                      </m:r>
+                      <m:d>
+                        <m:dPr>
+                          <m:ctrlPr>
+                            <a:rPr lang="en-US" sz="2400" b="0" i="1" smtClean="0">
+                              <a:latin typeface="Cambria Math" panose="02040503050406030204" pitchFamily="18" charset="0"/>
+                            </a:rPr>
+                          </m:ctrlPr>
+                        </m:dPr>
+                        <m:e>
+                          <m:sSub>
+                            <m:sSubPr>
+                              <m:ctrlPr>
+                                <a:rPr lang="en-US" sz="2400" b="0" i="1" smtClean="0">
+                                  <a:latin typeface="Cambria Math" panose="02040503050406030204" pitchFamily="18" charset="0"/>
+                                </a:rPr>
+                              </m:ctrlPr>
+                            </m:sSubPr>
+                            <m:e>
+                              <m:r>
+                                <a:rPr lang="en-US" sz="2400" b="0" i="1" smtClean="0">
+                                  <a:latin typeface="Cambria Math" panose="02040503050406030204" pitchFamily="18" charset="0"/>
+                                </a:rPr>
+                                <m:t>𝑟</m:t>
+                              </m:r>
+                            </m:e>
+                            <m:sub>
+                              <m:r>
+                                <a:rPr lang="en-US" sz="2400" b="0" i="1" smtClean="0">
+                                  <a:latin typeface="Cambria Math" panose="02040503050406030204" pitchFamily="18" charset="0"/>
+                                </a:rPr>
+                                <m:t>1</m:t>
+                              </m:r>
+                            </m:sub>
+                          </m:sSub>
+                          <m:r>
+                            <a:rPr lang="en-US" sz="2400" b="0" i="1" smtClean="0">
+                              <a:latin typeface="Cambria Math" panose="02040503050406030204" pitchFamily="18" charset="0"/>
+                            </a:rPr>
+                            <m:t>..</m:t>
+                          </m:r>
+                          <m:sSub>
+                            <m:sSubPr>
+                              <m:ctrlPr>
+                                <a:rPr lang="en-US" sz="2400" b="0" i="1" smtClean="0">
+                                  <a:latin typeface="Cambria Math" panose="02040503050406030204" pitchFamily="18" charset="0"/>
+                                </a:rPr>
+                              </m:ctrlPr>
+                            </m:sSubPr>
+                            <m:e>
+                              <m:r>
+                                <a:rPr lang="en-US" sz="2400" b="0" i="1" smtClean="0">
+                                  <a:latin typeface="Cambria Math" panose="02040503050406030204" pitchFamily="18" charset="0"/>
+                                </a:rPr>
+                                <m:t>𝑟</m:t>
+                              </m:r>
+                            </m:e>
+                            <m:sub>
+                              <m:r>
+                                <a:rPr lang="en-US" sz="2400" b="0" i="1" smtClean="0">
+                                  <a:latin typeface="Cambria Math" panose="02040503050406030204" pitchFamily="18" charset="0"/>
+                                </a:rPr>
+                                <m:t>𝑚</m:t>
+                              </m:r>
+                            </m:sub>
+                          </m:sSub>
+                        </m:e>
+                      </m:d>
+                      <m:r>
+                        <a:rPr lang="en-US" sz="2400" b="0" i="1" smtClean="0">
+                          <a:latin typeface="Cambria Math" panose="02040503050406030204" pitchFamily="18" charset="0"/>
+                        </a:rPr>
+                        <m:t>, </m:t>
+                      </m:r>
+                      <m:sSub>
+                        <m:sSubPr>
+                          <m:ctrlPr>
+                            <a:rPr lang="en-US" sz="2400" b="0" i="1" smtClean="0">
+                              <a:latin typeface="Cambria Math" panose="02040503050406030204" pitchFamily="18" charset="0"/>
+                            </a:rPr>
+                          </m:ctrlPr>
+                        </m:sSubPr>
+                        <m:e>
+                          <m:r>
+                            <a:rPr lang="en-US" sz="2400" b="0" i="1" smtClean="0">
+                              <a:latin typeface="Cambria Math" panose="02040503050406030204" pitchFamily="18" charset="0"/>
+                            </a:rPr>
+                            <m:t>𝑟</m:t>
+                          </m:r>
+                        </m:e>
+                        <m:sub>
+                          <m:r>
+                            <a:rPr lang="en-US" sz="2400" b="0" i="1" smtClean="0">
+                              <a:latin typeface="Cambria Math" panose="02040503050406030204" pitchFamily="18" charset="0"/>
+                            </a:rPr>
+                            <m:t>1</m:t>
+                          </m:r>
+                        </m:sub>
+                      </m:sSub>
+                      <m:r>
+                        <a:rPr lang="en-US" sz="2400" b="0" i="1" smtClean="0">
+                          <a:latin typeface="Cambria Math" panose="02040503050406030204" pitchFamily="18" charset="0"/>
+                        </a:rPr>
+                        <m:t>..</m:t>
+                      </m:r>
+                      <m:sSub>
+                        <m:sSubPr>
+                          <m:ctrlPr>
+                            <a:rPr lang="en-US" sz="2400" b="0" i="1" smtClean="0">
+                              <a:latin typeface="Cambria Math" panose="02040503050406030204" pitchFamily="18" charset="0"/>
+                            </a:rPr>
+                          </m:ctrlPr>
+                        </m:sSubPr>
+                        <m:e>
+                          <m:r>
+                            <a:rPr lang="en-US" sz="2400" b="0" i="1" smtClean="0">
+                              <a:latin typeface="Cambria Math" panose="02040503050406030204" pitchFamily="18" charset="0"/>
+                            </a:rPr>
+                            <m:t>𝑟</m:t>
+                          </m:r>
+                        </m:e>
+                        <m:sub>
+                          <m:r>
+                            <a:rPr lang="en-US" sz="2400" b="0" i="1" smtClean="0">
+                              <a:latin typeface="Cambria Math" panose="02040503050406030204" pitchFamily="18" charset="0"/>
+                            </a:rPr>
+                            <m:t>𝑚</m:t>
+                          </m:r>
+                        </m:sub>
+                      </m:sSub>
+                      <m:r>
+                        <a:rPr lang="en-US" sz="2400" b="0" i="1" smtClean="0">
+                          <a:latin typeface="Cambria Math" panose="02040503050406030204" pitchFamily="18" charset="0"/>
+                          <a:ea typeface="Cambria Math" panose="02040503050406030204" pitchFamily="18" charset="0"/>
+                        </a:rPr>
+                        <m:t>∈</m:t>
+                      </m:r>
+                      <m:d>
+                        <m:dPr>
+                          <m:begChr m:val="["/>
+                          <m:endChr m:val="]"/>
+                          <m:ctrlPr>
+                            <a:rPr lang="en-US" sz="2400" b="0" i="1" smtClean="0">
+                              <a:latin typeface="Cambria Math" panose="02040503050406030204" pitchFamily="18" charset="0"/>
+                              <a:ea typeface="Cambria Math" panose="02040503050406030204" pitchFamily="18" charset="0"/>
+                            </a:rPr>
+                          </m:ctrlPr>
+                        </m:dPr>
+                        <m:e>
+                          <m:r>
+                            <a:rPr lang="en-US" sz="2400" b="0" i="1" smtClean="0">
+                              <a:latin typeface="Cambria Math" panose="02040503050406030204" pitchFamily="18" charset="0"/>
+                              <a:ea typeface="Cambria Math" panose="02040503050406030204" pitchFamily="18" charset="0"/>
+                            </a:rPr>
+                            <m:t>0,1</m:t>
+                          </m:r>
+                        </m:e>
+                      </m:d>
+                      <m:r>
+                        <a:rPr lang="en-US" sz="2400" b="0" i="1" smtClean="0">
+                          <a:latin typeface="Cambria Math" panose="02040503050406030204" pitchFamily="18" charset="0"/>
+                          <a:ea typeface="Cambria Math" panose="02040503050406030204" pitchFamily="18" charset="0"/>
+                        </a:rPr>
+                        <m:t>, </m:t>
+                      </m:r>
+                      <m:r>
+                        <a:rPr lang="en-US" sz="2400" b="0" i="1" smtClean="0">
+                          <a:latin typeface="Cambria Math" panose="02040503050406030204" pitchFamily="18" charset="0"/>
+                          <a:ea typeface="Cambria Math" panose="02040503050406030204" pitchFamily="18" charset="0"/>
+                        </a:rPr>
+                        <m:t>𝑚</m:t>
+                      </m:r>
+                      <m:r>
+                        <a:rPr lang="en-US" sz="2400" b="0" i="1" smtClean="0">
+                          <a:latin typeface="Cambria Math" panose="02040503050406030204" pitchFamily="18" charset="0"/>
+                          <a:ea typeface="Cambria Math" panose="02040503050406030204" pitchFamily="18" charset="0"/>
+                        </a:rPr>
+                        <m:t> −количество верши</m:t>
+                      </m:r>
+                      <m:r>
+                        <a:rPr lang="ru-RU" sz="2400" b="0" i="1" smtClean="0">
+                          <a:latin typeface="Cambria Math" panose="02040503050406030204" pitchFamily="18" charset="0"/>
+                          <a:ea typeface="Cambria Math" panose="02040503050406030204" pitchFamily="18" charset="0"/>
+                        </a:rPr>
+                        <m:t>н окончательных выводов</m:t>
+                      </m:r>
+                    </m:oMath>
+                  </m:oMathPara>
+                </a14:m>
+                <a:endParaRPr lang="ru-RU" sz="2400" dirty="0"/>
+              </a:p>
+            </p:txBody>
+          </p:sp>
+        </mc:Choice>
+        <mc:Fallback xmlns="">
+          <p:sp>
+            <p:nvSpPr>
+              <p:cNvPr id="4" name="TextBox 3"/>
+              <p:cNvSpPr txBox="1">
+                <a:spLocks noRot="1" noChangeAspect="1" noMove="1" noResize="1" noEditPoints="1" noAdjustHandles="1" noChangeArrowheads="1" noChangeShapeType="1" noTextEdit="1"/>
+              </p:cNvSpPr>
+              <p:nvPr/>
+            </p:nvSpPr>
+            <p:spPr>
+              <a:xfrm>
+                <a:off x="729018" y="2086197"/>
+                <a:ext cx="10733964" cy="369332"/>
+              </a:xfrm>
+              <a:prstGeom prst="rect">
+                <a:avLst/>
+              </a:prstGeom>
+              <a:blipFill>
+                <a:blip r:embed="rId2"/>
+                <a:stretch>
+                  <a:fillRect l="-227" r="-170" b="-24590"/>
+                </a:stretch>
+              </a:blipFill>
+            </p:spPr>
+            <p:txBody>
+              <a:bodyPr/>
+              <a:lstStyle/>
+              <a:p>
+                <a:r>
+                  <a:rPr lang="ru-RU">
+                    <a:noFill/>
+                  </a:rPr>
+                  <a:t> </a:t>
+                </a:r>
+              </a:p>
+            </p:txBody>
+          </p:sp>
+        </mc:Fallback>
+      </mc:AlternateContent>
     </p:spTree>
     <p:extLst>
       <p:ext uri="{BB962C8B-B14F-4D97-AF65-F5344CB8AC3E}">
@@ -4670,7 +5147,7 @@
         </p:nvSpPr>
         <p:spPr>
           <a:xfrm>
-            <a:off x="1427504" y="187672"/>
+            <a:off x="1658632" y="0"/>
             <a:ext cx="8874736" cy="461665"/>
           </a:xfrm>
           <a:prstGeom prst="rect">
@@ -4845,7 +5322,7 @@
           <a:graphicData uri="http://schemas.openxmlformats.org/presentationml/2006/ole">
             <mc:AlternateContent xmlns:mc="http://schemas.openxmlformats.org/markup-compatibility/2006">
               <mc:Choice xmlns:v="urn:schemas-microsoft-com:vml" Requires="v">
-                <p:oleObj spid="_x0000_s1046" r:id="rId5" imgW="1790700" imgH="495300" progId="Equation.3">
+                <p:oleObj spid="_x0000_s1059" r:id="rId5" imgW="1790700" imgH="495300" progId="Equation.3">
                   <p:embed/>
                 </p:oleObj>
               </mc:Choice>
@@ -5017,7 +5494,7 @@
         </p:nvSpPr>
         <p:spPr>
           <a:xfrm>
-            <a:off x="304097" y="184542"/>
+            <a:off x="202849" y="131373"/>
             <a:ext cx="11887903" cy="646331"/>
           </a:xfrm>
           <a:prstGeom prst="rect">
@@ -5551,6 +6028,30 @@
           </a:p>
         </p:txBody>
       </p:sp>
+      <p:pic>
+        <p:nvPicPr>
+          <p:cNvPr id="3" name="Рисунок 2"/>
+          <p:cNvPicPr>
+            <a:picLocks noChangeAspect="1"/>
+          </p:cNvPicPr>
+          <p:nvPr/>
+        </p:nvPicPr>
+        <p:blipFill>
+          <a:blip r:embed="rId2"/>
+          <a:stretch>
+            <a:fillRect/>
+          </a:stretch>
+        </p:blipFill>
+        <p:spPr>
+          <a:xfrm>
+            <a:off x="354842" y="818607"/>
+            <a:ext cx="4069734" cy="2723414"/>
+          </a:xfrm>
+          <a:prstGeom prst="rect">
+            <a:avLst/>
+          </a:prstGeom>
+        </p:spPr>
+      </p:pic>
     </p:spTree>
     <p:extLst>
       <p:ext uri="{BB962C8B-B14F-4D97-AF65-F5344CB8AC3E}">
@@ -5854,7 +6355,7 @@
         </p:nvSpPr>
         <p:spPr>
           <a:xfrm>
-            <a:off x="1008429" y="2037807"/>
+            <a:off x="856381" y="2037807"/>
             <a:ext cx="10479238" cy="1938992"/>
           </a:xfrm>
           <a:prstGeom prst="rect">
@@ -5901,7 +6402,7 @@
         </p:nvSpPr>
         <p:spPr>
           <a:xfrm>
-            <a:off x="304097" y="184542"/>
+            <a:off x="152049" y="0"/>
             <a:ext cx="11887903" cy="1200329"/>
           </a:xfrm>
           <a:prstGeom prst="rect">
@@ -5977,7 +6478,7 @@
         </p:nvSpPr>
         <p:spPr>
           <a:xfrm>
-            <a:off x="304097" y="184542"/>
+            <a:off x="152049" y="0"/>
             <a:ext cx="11887903" cy="646331"/>
           </a:xfrm>
           <a:prstGeom prst="rect">
@@ -6011,7 +6512,7 @@
         </p:nvSpPr>
         <p:spPr>
           <a:xfrm>
-            <a:off x="1008429" y="1515293"/>
+            <a:off x="856381" y="1515293"/>
             <a:ext cx="10479238" cy="1569660"/>
           </a:xfrm>
           <a:prstGeom prst="rect">
@@ -6102,7 +6603,7 @@
         </p:nvSpPr>
         <p:spPr>
           <a:xfrm>
-            <a:off x="351655" y="1741713"/>
+            <a:off x="228079" y="2144485"/>
             <a:ext cx="11735842" cy="2569030"/>
           </a:xfrm>
           <a:prstGeom prst="rect">
@@ -6186,10 +6687,8 @@
       </p:grpSpPr>
       <p:pic>
         <p:nvPicPr>
-          <p:cNvPr id="3" name="Picture 2"/>
-          <p:cNvPicPr>
-            <a:picLocks noChangeAspect="1"/>
-          </p:cNvPicPr>
+          <p:cNvPr id="4" name="Рисунок 3"/>
+          <p:cNvPicPr/>
           <p:nvPr/>
         </p:nvPicPr>
         <p:blipFill>
@@ -6200,14 +6699,48 @@
         </p:blipFill>
         <p:spPr>
           <a:xfrm>
-            <a:off x="948368" y="-304800"/>
-            <a:ext cx="10532432" cy="7862711"/>
+            <a:off x="1339755" y="521436"/>
+            <a:ext cx="9512490" cy="6336564"/>
           </a:xfrm>
           <a:prstGeom prst="rect">
             <a:avLst/>
           </a:prstGeom>
         </p:spPr>
       </p:pic>
+      <p:sp>
+        <p:nvSpPr>
+          <p:cNvPr id="5" name="Прямоугольник 4"/>
+          <p:cNvSpPr/>
+          <p:nvPr/>
+        </p:nvSpPr>
+        <p:spPr>
+          <a:xfrm>
+            <a:off x="152049" y="0"/>
+            <a:ext cx="11887903" cy="523220"/>
+          </a:xfrm>
+          <a:prstGeom prst="rect">
+            <a:avLst/>
+          </a:prstGeom>
+        </p:spPr>
+        <p:txBody>
+          <a:bodyPr wrap="square">
+            <a:spAutoFit/>
+          </a:bodyPr>
+          <a:lstStyle/>
+          <a:p>
+            <a:pPr algn="ctr"/>
+            <a:r>
+              <a:rPr lang="ru-RU" sz="2800" dirty="0" smtClean="0">
+                <a:latin typeface="+mj-lt"/>
+              </a:rPr>
+              <a:t>Высокоуровневая архитектура основных компонентов гибридной системы</a:t>
+            </a:r>
+            <a:endParaRPr lang="ru-RU" sz="2800" dirty="0">
+              <a:latin typeface="+mj-lt"/>
+            </a:endParaRPr>
+          </a:p>
+        </p:txBody>
+      </p:sp>
     </p:spTree>
     <p:extLst>
       <p:ext uri="{BB962C8B-B14F-4D97-AF65-F5344CB8AC3E}">
@@ -6250,161 +6783,68 @@
           <a:chExt cx="0" cy="0"/>
         </a:xfrm>
       </p:grpSpPr>
-      <p:pic>
-        <p:nvPicPr>
-          <p:cNvPr id="2" name="Picture 156"/>
-          <p:cNvPicPr/>
+      <p:sp>
+        <p:nvSpPr>
+          <p:cNvPr id="3" name="Прямоугольник 2"/>
+          <p:cNvSpPr/>
           <p:nvPr/>
-        </p:nvPicPr>
-        <p:blipFill>
-          <a:blip r:embed="rId2"/>
-          <a:stretch>
-            <a:fillRect/>
-          </a:stretch>
-        </p:blipFill>
-        <p:spPr>
-          <a:xfrm>
-            <a:off x="5773555" y="187053"/>
-            <a:ext cx="5661025" cy="6570980"/>
+        </p:nvSpPr>
+        <p:spPr>
+          <a:xfrm>
+            <a:off x="1268397" y="0"/>
+            <a:ext cx="9655207" cy="646331"/>
           </a:xfrm>
           <a:prstGeom prst="rect">
             <a:avLst/>
           </a:prstGeom>
         </p:spPr>
-      </p:pic>
-      <p:sp>
-        <p:nvSpPr>
-          <p:cNvPr id="3" name="Прямоугольник 2"/>
-          <p:cNvSpPr/>
+        <p:txBody>
+          <a:bodyPr wrap="none">
+            <a:spAutoFit/>
+          </a:bodyPr>
+          <a:lstStyle/>
+          <a:p>
+            <a:r>
+              <a:rPr lang="ru-RU" sz="3600" dirty="0" smtClean="0">
+                <a:latin typeface="+mj-lt"/>
+              </a:rPr>
+              <a:t>Диаграмма классов компонента нейронной сети</a:t>
+            </a:r>
+            <a:endParaRPr lang="ru-RU" sz="3600" dirty="0">
+              <a:latin typeface="+mj-lt"/>
+            </a:endParaRPr>
+          </a:p>
+        </p:txBody>
+      </p:sp>
+      <p:pic>
+        <p:nvPicPr>
+          <p:cNvPr id="5" name="Рисунок 4"/>
+          <p:cNvPicPr>
+            <a:picLocks noChangeAspect="1"/>
+          </p:cNvPicPr>
           <p:nvPr/>
-        </p:nvSpPr>
-        <p:spPr>
-          <a:xfrm>
-            <a:off x="428278" y="448883"/>
-            <a:ext cx="5518242" cy="400110"/>
+        </p:nvPicPr>
+        <p:blipFill rotWithShape="1">
+          <a:blip r:embed="rId2">
+            <a:extLst>
+              <a:ext uri="{28A0092B-C50C-407E-A947-70E740481C1C}">
+                <a14:useLocalDpi xmlns:a14="http://schemas.microsoft.com/office/drawing/2010/main" val="0"/>
+              </a:ext>
+            </a:extLst>
+          </a:blip>
+          <a:srcRect t="18100" b="14161"/>
+          <a:stretch/>
+        </p:blipFill>
+        <p:spPr>
+          <a:xfrm>
+            <a:off x="0" y="1676401"/>
+            <a:ext cx="12192000" cy="4368800"/>
           </a:xfrm>
           <a:prstGeom prst="rect">
             <a:avLst/>
           </a:prstGeom>
         </p:spPr>
-        <p:txBody>
-          <a:bodyPr wrap="none">
-            <a:spAutoFit/>
-          </a:bodyPr>
-          <a:lstStyle/>
-          <a:p>
-            <a:r>
-              <a:rPr lang="ru-RU" sz="2000" dirty="0" smtClean="0"/>
-              <a:t>Диаграмма классов компонента нейронной сети</a:t>
-            </a:r>
-            <a:endParaRPr lang="ru-RU" sz="2000" dirty="0"/>
-          </a:p>
-        </p:txBody>
-      </p:sp>
-      <p:sp>
-        <p:nvSpPr>
-          <p:cNvPr id="4" name="Прямоугольник 3"/>
-          <p:cNvSpPr/>
-          <p:nvPr/>
-        </p:nvSpPr>
-        <p:spPr>
-          <a:xfrm>
-            <a:off x="-322445" y="4771275"/>
-            <a:ext cx="6096000" cy="2086725"/>
-          </a:xfrm>
-          <a:prstGeom prst="rect">
-            <a:avLst/>
-          </a:prstGeom>
-        </p:spPr>
-        <p:txBody>
-          <a:bodyPr>
-            <a:spAutoFit/>
-          </a:bodyPr>
-          <a:lstStyle/>
-          <a:p>
-            <a:pPr marL="457200" algn="just">
-              <a:lnSpc>
-                <a:spcPct val="130000"/>
-              </a:lnSpc>
-              <a:spcAft>
-                <a:spcPts val="0"/>
-              </a:spcAft>
-              <a:tabLst>
-                <a:tab pos="180340" algn="l"/>
-                <a:tab pos="449580" algn="l"/>
-              </a:tabLst>
-            </a:pPr>
-            <a:r>
-              <a:rPr lang="ru-RU" dirty="0">
-                <a:ea typeface="Times New Roman" panose="02020603050405020304" pitchFamily="18" charset="0"/>
-              </a:rPr>
-              <a:t>Основные компоненты: </a:t>
-            </a:r>
-            <a:r>
-              <a:rPr lang="en-US" dirty="0">
-                <a:ea typeface="Times New Roman" panose="02020603050405020304" pitchFamily="18" charset="0"/>
-              </a:rPr>
-              <a:t>NeuralNet</a:t>
-            </a:r>
-            <a:r>
-              <a:rPr lang="ru-RU" dirty="0">
-                <a:ea typeface="Times New Roman" panose="02020603050405020304" pitchFamily="18" charset="0"/>
-              </a:rPr>
-              <a:t> – класс нейронной сети, агрегирует класс </a:t>
-            </a:r>
-            <a:r>
-              <a:rPr lang="en-US" dirty="0">
-                <a:ea typeface="Times New Roman" panose="02020603050405020304" pitchFamily="18" charset="0"/>
-              </a:rPr>
-              <a:t>NeuralLevel </a:t>
-            </a:r>
-            <a:r>
-              <a:rPr lang="ru-RU" dirty="0">
-                <a:ea typeface="Times New Roman" panose="02020603050405020304" pitchFamily="18" charset="0"/>
-              </a:rPr>
-              <a:t>– класс слоя нейронной сети -  агрегирует </a:t>
-            </a:r>
-            <a:r>
-              <a:rPr lang="en-US" dirty="0">
-                <a:ea typeface="Times New Roman" panose="02020603050405020304" pitchFamily="18" charset="0"/>
-              </a:rPr>
-              <a:t>Neuron </a:t>
-            </a:r>
-            <a:r>
-              <a:rPr lang="ru-RU" dirty="0">
-                <a:ea typeface="Times New Roman" panose="02020603050405020304" pitchFamily="18" charset="0"/>
-              </a:rPr>
-              <a:t>– класс нейрона – агрегирует </a:t>
-            </a:r>
-            <a:r>
-              <a:rPr lang="en-US" dirty="0">
-                <a:ea typeface="Times New Roman" panose="02020603050405020304" pitchFamily="18" charset="0"/>
-              </a:rPr>
-              <a:t>Link </a:t>
-            </a:r>
-            <a:r>
-              <a:rPr lang="ru-RU" dirty="0">
-                <a:ea typeface="Times New Roman" panose="02020603050405020304" pitchFamily="18" charset="0"/>
-              </a:rPr>
-              <a:t>– класс связи нейронной сети</a:t>
-            </a:r>
-          </a:p>
-          <a:p>
-            <a:r>
-              <a:rPr lang="ru-RU" dirty="0">
-                <a:ea typeface="Times New Roman" panose="02020603050405020304" pitchFamily="18" charset="0"/>
-              </a:rPr>
-              <a:t/>
-            </a:r>
-            <a:br>
-              <a:rPr lang="ru-RU" dirty="0">
-                <a:ea typeface="Times New Roman" panose="02020603050405020304" pitchFamily="18" charset="0"/>
-              </a:rPr>
-            </a:br>
-            <a:endParaRPr lang="ru-RU" dirty="0"/>
-          </a:p>
-        </p:txBody>
-      </p:sp>
+      </p:pic>
     </p:spTree>
     <p:extLst>
       <p:ext uri="{BB962C8B-B14F-4D97-AF65-F5344CB8AC3E}">
@@ -6449,14 +6889,14 @@
       </p:grpSpPr>
       <p:sp>
         <p:nvSpPr>
-          <p:cNvPr id="4" name="Прямоугольник 3"/>
+          <p:cNvPr id="3" name="Прямоугольник 2"/>
           <p:cNvSpPr/>
           <p:nvPr/>
         </p:nvSpPr>
         <p:spPr>
           <a:xfrm>
-            <a:off x="428278" y="448883"/>
-            <a:ext cx="6548844" cy="400110"/>
+            <a:off x="4236" y="0"/>
+            <a:ext cx="12183528" cy="646331"/>
           </a:xfrm>
           <a:prstGeom prst="rect">
             <a:avLst/>
@@ -6469,118 +6909,51 @@
           <a:lstStyle/>
           <a:p>
             <a:r>
-              <a:rPr lang="ru-RU" sz="2000" dirty="0" smtClean="0"/>
-              <a:t>Диаграмма классов компонента обучения нейронной сети</a:t>
-            </a:r>
-            <a:endParaRPr lang="ru-RU" sz="2000" dirty="0"/>
+              <a:rPr lang="ru-RU" sz="3600" dirty="0" smtClean="0">
+                <a:latin typeface="+mj-lt"/>
+              </a:rPr>
+              <a:t>Диаграмма классов компонента построения нейронной сети</a:t>
+            </a:r>
+            <a:endParaRPr lang="ru-RU" sz="3600" dirty="0">
+              <a:latin typeface="+mj-lt"/>
+            </a:endParaRPr>
           </a:p>
         </p:txBody>
       </p:sp>
       <p:pic>
         <p:nvPicPr>
-          <p:cNvPr id="5" name="Picture 158"/>
-          <p:cNvPicPr/>
+          <p:cNvPr id="5" name="Рисунок 4"/>
+          <p:cNvPicPr>
+            <a:picLocks noChangeAspect="1"/>
+          </p:cNvPicPr>
           <p:nvPr/>
         </p:nvPicPr>
         <p:blipFill>
-          <a:blip r:embed="rId2"/>
+          <a:blip r:embed="rId2">
+            <a:extLst>
+              <a:ext uri="{28A0092B-C50C-407E-A947-70E740481C1C}">
+                <a14:useLocalDpi xmlns:a14="http://schemas.microsoft.com/office/drawing/2010/main" val="0"/>
+              </a:ext>
+            </a:extLst>
+          </a:blip>
           <a:stretch>
             <a:fillRect/>
           </a:stretch>
         </p:blipFill>
         <p:spPr>
           <a:xfrm>
-            <a:off x="5817098" y="848993"/>
-            <a:ext cx="6250724" cy="4795451"/>
+            <a:off x="288474" y="1055687"/>
+            <a:ext cx="11615051" cy="4748213"/>
           </a:xfrm>
           <a:prstGeom prst="rect">
             <a:avLst/>
           </a:prstGeom>
         </p:spPr>
       </p:pic>
-      <p:sp>
-        <p:nvSpPr>
-          <p:cNvPr id="6" name="Прямоугольник 5"/>
-          <p:cNvSpPr/>
-          <p:nvPr/>
-        </p:nvSpPr>
-        <p:spPr>
-          <a:xfrm>
-            <a:off x="-278902" y="4061229"/>
-            <a:ext cx="6096000" cy="2583912"/>
-          </a:xfrm>
-          <a:prstGeom prst="rect">
-            <a:avLst/>
-          </a:prstGeom>
-        </p:spPr>
-        <p:txBody>
-          <a:bodyPr>
-            <a:spAutoFit/>
-          </a:bodyPr>
-          <a:lstStyle/>
-          <a:p>
-            <a:pPr marL="457200" algn="just">
-              <a:lnSpc>
-                <a:spcPct val="130000"/>
-              </a:lnSpc>
-              <a:spcAft>
-                <a:spcPts val="0"/>
-              </a:spcAft>
-              <a:tabLst>
-                <a:tab pos="180340" algn="l"/>
-                <a:tab pos="449580" algn="l"/>
-              </a:tabLst>
-            </a:pPr>
-            <a:r>
-              <a:rPr lang="ru-RU" dirty="0" smtClean="0">
-                <a:ea typeface="Times New Roman" panose="02020603050405020304" pitchFamily="18" charset="0"/>
-              </a:rPr>
-              <a:t>Основные компоненты: </a:t>
-            </a:r>
-            <a:r>
-              <a:rPr lang="en-US" dirty="0" smtClean="0">
-                <a:ea typeface="Times New Roman" panose="02020603050405020304" pitchFamily="18" charset="0"/>
-              </a:rPr>
-              <a:t>Teacher – </a:t>
-            </a:r>
-            <a:r>
-              <a:rPr lang="ru-RU" dirty="0" smtClean="0">
-                <a:ea typeface="Times New Roman" panose="02020603050405020304" pitchFamily="18" charset="0"/>
-              </a:rPr>
-              <a:t>модуль обучения нейронной сети, с помощью паттерна стратегия позволяет настраивать стратегию обучения(</a:t>
-            </a:r>
-            <a:r>
-              <a:rPr lang="en-US" dirty="0" smtClean="0">
-                <a:ea typeface="Times New Roman" panose="02020603050405020304" pitchFamily="18" charset="0"/>
-              </a:rPr>
-              <a:t>ITeachingStrategy) – GeneticTeaching – </a:t>
-            </a:r>
-            <a:r>
-              <a:rPr lang="ru-RU" dirty="0" smtClean="0">
-                <a:ea typeface="Times New Roman" panose="02020603050405020304" pitchFamily="18" charset="0"/>
-              </a:rPr>
-              <a:t>класс обучения с помощью генетического алгоритма, или </a:t>
-            </a:r>
-            <a:r>
-              <a:rPr lang="en-US" dirty="0" smtClean="0">
-                <a:ea typeface="Times New Roman" panose="02020603050405020304" pitchFamily="18" charset="0"/>
-              </a:rPr>
-              <a:t>BackPropagationTeaching – </a:t>
-            </a:r>
-            <a:r>
-              <a:rPr lang="ru-RU" dirty="0" smtClean="0">
-                <a:ea typeface="Times New Roman" panose="02020603050405020304" pitchFamily="18" charset="0"/>
-              </a:rPr>
-              <a:t>класс обучения с помощью алгоритма обратного распространения ошибки</a:t>
-            </a:r>
-            <a:endParaRPr lang="ru-RU" dirty="0"/>
-          </a:p>
-        </p:txBody>
-      </p:sp>
     </p:spTree>
     <p:extLst>
       <p:ext uri="{BB962C8B-B14F-4D97-AF65-F5344CB8AC3E}">
-        <p14:creationId xmlns:p14="http://schemas.microsoft.com/office/powerpoint/2010/main" val="4157549777"/>
+        <p14:creationId xmlns:p14="http://schemas.microsoft.com/office/powerpoint/2010/main" val="1996999891"/>
       </p:ext>
     </p:extLst>
   </p:cSld>
@@ -6619,162 +6992,73 @@
           <a:chExt cx="0" cy="0"/>
         </a:xfrm>
       </p:grpSpPr>
+      <p:sp>
+        <p:nvSpPr>
+          <p:cNvPr id="4" name="Прямоугольник 3"/>
+          <p:cNvSpPr/>
+          <p:nvPr/>
+        </p:nvSpPr>
+        <p:spPr>
+          <a:xfrm>
+            <a:off x="300183" y="0"/>
+            <a:ext cx="11591635" cy="646331"/>
+          </a:xfrm>
+          <a:prstGeom prst="rect">
+            <a:avLst/>
+          </a:prstGeom>
+        </p:spPr>
+        <p:txBody>
+          <a:bodyPr wrap="none">
+            <a:spAutoFit/>
+          </a:bodyPr>
+          <a:lstStyle/>
+          <a:p>
+            <a:r>
+              <a:rPr lang="ru-RU" sz="3600" dirty="0" smtClean="0">
+                <a:latin typeface="+mj-lt"/>
+              </a:rPr>
+              <a:t>Диаграмма классов компонента обучения нейронной сети</a:t>
+            </a:r>
+            <a:endParaRPr lang="ru-RU" sz="3600" dirty="0">
+              <a:latin typeface="+mj-lt"/>
+            </a:endParaRPr>
+          </a:p>
+        </p:txBody>
+      </p:sp>
       <p:pic>
         <p:nvPicPr>
-          <p:cNvPr id="2" name="Picture 160"/>
-          <p:cNvPicPr/>
+          <p:cNvPr id="2" name="Рисунок 1"/>
+          <p:cNvPicPr>
+            <a:picLocks noChangeAspect="1"/>
+          </p:cNvPicPr>
           <p:nvPr/>
         </p:nvPicPr>
         <p:blipFill>
-          <a:blip r:embed="rId2"/>
+          <a:blip r:embed="rId2">
+            <a:extLst>
+              <a:ext uri="{28A0092B-C50C-407E-A947-70E740481C1C}">
+                <a14:useLocalDpi xmlns:a14="http://schemas.microsoft.com/office/drawing/2010/main" val="0"/>
+              </a:ext>
+            </a:extLst>
+          </a:blip>
           <a:stretch>
             <a:fillRect/>
           </a:stretch>
         </p:blipFill>
         <p:spPr>
           <a:xfrm>
-            <a:off x="5703524" y="1058589"/>
-            <a:ext cx="5940425" cy="4340225"/>
+            <a:off x="0" y="998537"/>
+            <a:ext cx="11967578" cy="4449763"/>
           </a:xfrm>
           <a:prstGeom prst="rect">
             <a:avLst/>
           </a:prstGeom>
         </p:spPr>
       </p:pic>
-      <p:sp>
-        <p:nvSpPr>
-          <p:cNvPr id="3" name="Прямоугольник 2"/>
-          <p:cNvSpPr/>
-          <p:nvPr/>
-        </p:nvSpPr>
-        <p:spPr>
-          <a:xfrm>
-            <a:off x="428278" y="448883"/>
-            <a:ext cx="6665992" cy="400110"/>
-          </a:xfrm>
-          <a:prstGeom prst="rect">
-            <a:avLst/>
-          </a:prstGeom>
-        </p:spPr>
-        <p:txBody>
-          <a:bodyPr wrap="none">
-            <a:spAutoFit/>
-          </a:bodyPr>
-          <a:lstStyle/>
-          <a:p>
-            <a:r>
-              <a:rPr lang="ru-RU" sz="2000" dirty="0" smtClean="0"/>
-              <a:t>Диаграмма классов компонент построения нейронной сети</a:t>
-            </a:r>
-            <a:endParaRPr lang="ru-RU" sz="2000" dirty="0"/>
-          </a:p>
-        </p:txBody>
-      </p:sp>
-      <p:sp>
-        <p:nvSpPr>
-          <p:cNvPr id="4" name="Прямоугольник 3"/>
-          <p:cNvSpPr/>
-          <p:nvPr/>
-        </p:nvSpPr>
-        <p:spPr>
-          <a:xfrm>
-            <a:off x="428278" y="3881844"/>
-            <a:ext cx="8062579" cy="2613023"/>
-          </a:xfrm>
-          <a:prstGeom prst="rect">
-            <a:avLst/>
-          </a:prstGeom>
-        </p:spPr>
-        <p:txBody>
-          <a:bodyPr wrap="square">
-            <a:spAutoFit/>
-          </a:bodyPr>
-          <a:lstStyle/>
-          <a:p>
-            <a:pPr algn="just">
-              <a:lnSpc>
-                <a:spcPct val="130000"/>
-              </a:lnSpc>
-              <a:spcAft>
-                <a:spcPts val="0"/>
-              </a:spcAft>
-              <a:tabLst>
-                <a:tab pos="180340" algn="l"/>
-              </a:tabLst>
-            </a:pPr>
-            <a:r>
-              <a:rPr lang="ru-RU" dirty="0">
-                <a:ea typeface="Times New Roman" panose="02020603050405020304" pitchFamily="18" charset="0"/>
-              </a:rPr>
-              <a:t>Основные компоненты: </a:t>
-            </a:r>
-            <a:r>
-              <a:rPr lang="en-US" dirty="0">
-                <a:ea typeface="Times New Roman" panose="02020603050405020304" pitchFamily="18" charset="0"/>
-              </a:rPr>
-              <a:t>Builder</a:t>
-            </a:r>
-            <a:r>
-              <a:rPr lang="ru-RU" dirty="0">
-                <a:ea typeface="Times New Roman" panose="02020603050405020304" pitchFamily="18" charset="0"/>
-              </a:rPr>
-              <a:t> – модуль </a:t>
-            </a:r>
-            <a:r>
-              <a:rPr lang="ru-RU" dirty="0" smtClean="0">
-                <a:ea typeface="Times New Roman" panose="02020603050405020304" pitchFamily="18" charset="0"/>
-              </a:rPr>
-              <a:t>построения </a:t>
-            </a:r>
-            <a:r>
-              <a:rPr lang="ru-RU" dirty="0">
-                <a:ea typeface="Times New Roman" panose="02020603050405020304" pitchFamily="18" charset="0"/>
-              </a:rPr>
-              <a:t>нейронной сети, с помощью паттерна стратегия позволяет настраивать стратегию построения нейронной сети(</a:t>
-            </a:r>
-            <a:r>
-              <a:rPr lang="en-US" dirty="0">
-                <a:ea typeface="Times New Roman" panose="02020603050405020304" pitchFamily="18" charset="0"/>
-              </a:rPr>
-              <a:t>IBuildingStrategy</a:t>
-            </a:r>
-            <a:r>
-              <a:rPr lang="ru-RU" dirty="0">
-                <a:ea typeface="Times New Roman" panose="02020603050405020304" pitchFamily="18" charset="0"/>
-              </a:rPr>
-              <a:t>) – </a:t>
-            </a:r>
-            <a:r>
-              <a:rPr lang="en-US" dirty="0">
-                <a:ea typeface="Times New Roman" panose="02020603050405020304" pitchFamily="18" charset="0"/>
-              </a:rPr>
-              <a:t>CoefsToThreshholdsBuilder</a:t>
-            </a:r>
-            <a:r>
-              <a:rPr lang="ru-RU" dirty="0">
-                <a:ea typeface="Times New Roman" panose="02020603050405020304" pitchFamily="18" charset="0"/>
-              </a:rPr>
-              <a:t>– класс построения с помощью перевода коэффициентов уверенности в пороги активационных функций, или </a:t>
-            </a:r>
-            <a:r>
-              <a:rPr lang="en-US" dirty="0">
-                <a:ea typeface="Times New Roman" panose="02020603050405020304" pitchFamily="18" charset="0"/>
-              </a:rPr>
-              <a:t>CoefsToValuesBuilding </a:t>
-            </a:r>
-            <a:r>
-              <a:rPr lang="ru-RU" dirty="0">
-                <a:ea typeface="Times New Roman" panose="02020603050405020304" pitchFamily="18" charset="0"/>
-              </a:rPr>
-              <a:t>– класс построения нейронной сети с помощью перевода коэффициентов уверенности в синаптические веса нейронов.</a:t>
-            </a:r>
-          </a:p>
-        </p:txBody>
-      </p:sp>
     </p:spTree>
     <p:extLst>
       <p:ext uri="{BB962C8B-B14F-4D97-AF65-F5344CB8AC3E}">
-        <p14:creationId xmlns:p14="http://schemas.microsoft.com/office/powerpoint/2010/main" val="1996999891"/>
+        <p14:creationId xmlns:p14="http://schemas.microsoft.com/office/powerpoint/2010/main" val="4157549777"/>
       </p:ext>
     </p:extLst>
   </p:cSld>
@@ -6821,53 +7105,62 @@
         </p:nvSpPr>
         <p:spPr>
           <a:xfrm>
-            <a:off x="3275036" y="448883"/>
-            <a:ext cx="5641929" cy="400110"/>
+            <a:off x="1244601" y="0"/>
+            <a:ext cx="9702798" cy="1200329"/>
           </a:xfrm>
           <a:prstGeom prst="rect">
             <a:avLst/>
           </a:prstGeom>
         </p:spPr>
         <p:txBody>
-          <a:bodyPr wrap="none">
+          <a:bodyPr wrap="square">
             <a:spAutoFit/>
           </a:bodyPr>
           <a:lstStyle/>
           <a:p>
-            <a:r>
-              <a:rPr lang="ru-RU" sz="2000" dirty="0" smtClean="0"/>
-              <a:t>Общая диаграмма классов </a:t>
-            </a:r>
-            <a:r>
-              <a:rPr lang="ru-RU" sz="2000" dirty="0" err="1" smtClean="0"/>
-              <a:t>нейросетевого</a:t>
-            </a:r>
-            <a:r>
-              <a:rPr lang="ru-RU" sz="2000" dirty="0" smtClean="0"/>
-              <a:t> модуля</a:t>
-            </a:r>
-            <a:endParaRPr lang="ru-RU" sz="2000" dirty="0"/>
+            <a:pPr algn="ctr"/>
+            <a:r>
+              <a:rPr lang="ru-RU" sz="3600" dirty="0">
+                <a:latin typeface="+mj-lt"/>
+              </a:rPr>
+              <a:t>Д</a:t>
+            </a:r>
+            <a:r>
+              <a:rPr lang="ru-RU" sz="3600" dirty="0" smtClean="0">
+                <a:latin typeface="+mj-lt"/>
+              </a:rPr>
+              <a:t>иаграмма классов основных компонентов нейросетевого модуля</a:t>
+            </a:r>
+            <a:endParaRPr lang="ru-RU" sz="3600" dirty="0">
+              <a:latin typeface="+mj-lt"/>
+            </a:endParaRPr>
           </a:p>
         </p:txBody>
       </p:sp>
       <p:pic>
         <p:nvPicPr>
-          <p:cNvPr id="5" name="Рисунок 4"/>
+          <p:cNvPr id="2" name="Рисунок 1"/>
           <p:cNvPicPr>
             <a:picLocks noChangeAspect="1"/>
           </p:cNvPicPr>
           <p:nvPr/>
         </p:nvPicPr>
         <p:blipFill>
-          <a:blip r:embed="rId2"/>
+          <a:blip r:embed="rId2">
+            <a:extLst>
+              <a:ext uri="{28A0092B-C50C-407E-A947-70E740481C1C}">
+                <a14:useLocalDpi xmlns:a14="http://schemas.microsoft.com/office/drawing/2010/main" val="0"/>
+              </a:ext>
+            </a:extLst>
+          </a:blip>
           <a:stretch>
             <a:fillRect/>
           </a:stretch>
         </p:blipFill>
         <p:spPr>
           <a:xfrm>
-            <a:off x="0" y="848992"/>
-            <a:ext cx="12462992" cy="5856607"/>
+            <a:off x="1346200" y="1079450"/>
+            <a:ext cx="8973006" cy="5892849"/>
           </a:xfrm>
           <a:prstGeom prst="rect">
             <a:avLst/>
@@ -7057,8 +7350,8 @@
         </p:blipFill>
         <p:spPr>
           <a:xfrm>
-            <a:off x="9644409" y="768251"/>
-            <a:ext cx="2456102" cy="5739356"/>
+            <a:off x="8351520" y="768251"/>
+            <a:ext cx="2532380" cy="5917600"/>
           </a:xfrm>
           <a:prstGeom prst="rect">
             <a:avLst/>
@@ -7073,8 +7366,8 @@
         </p:nvSpPr>
         <p:spPr>
           <a:xfrm>
-            <a:off x="515364" y="1008016"/>
-            <a:ext cx="4108887" cy="1532727"/>
+            <a:off x="187846" y="837480"/>
+            <a:ext cx="2291336" cy="2860783"/>
           </a:xfrm>
           <a:prstGeom prst="rect">
             <a:avLst/>
@@ -7098,42 +7391,42 @@
               </a:tabLst>
             </a:pPr>
             <a:r>
-              <a:rPr lang="en-US" dirty="0" smtClean="0">
+              <a:rPr lang="en-US" sz="2000" dirty="0" smtClean="0">
                 <a:ea typeface="Times New Roman" panose="02020603050405020304" pitchFamily="18" charset="0"/>
               </a:rPr>
               <a:t>JSON</a:t>
             </a:r>
             <a:r>
-              <a:rPr lang="ru-RU" dirty="0" smtClean="0">
+              <a:rPr lang="ru-RU" sz="2000" dirty="0" smtClean="0">
                 <a:ea typeface="Times New Roman" panose="02020603050405020304" pitchFamily="18" charset="0"/>
               </a:rPr>
               <a:t>, содержащий массив </a:t>
             </a:r>
             <a:r>
-              <a:rPr lang="en-US" dirty="0" smtClean="0">
+              <a:rPr lang="en-US" sz="2000" dirty="0" smtClean="0">
                 <a:ea typeface="Times New Roman" panose="02020603050405020304" pitchFamily="18" charset="0"/>
               </a:rPr>
               <a:t>nodes – </a:t>
             </a:r>
             <a:r>
-              <a:rPr lang="ru-RU" dirty="0" smtClean="0">
+              <a:rPr lang="ru-RU" sz="2000" dirty="0" smtClean="0">
                 <a:ea typeface="Times New Roman" panose="02020603050405020304" pitchFamily="18" charset="0"/>
               </a:rPr>
               <a:t>объекты-узлы с различными аттрибутами и массив </a:t>
             </a:r>
             <a:r>
-              <a:rPr lang="en-US" dirty="0" smtClean="0">
+              <a:rPr lang="en-US" sz="2000" dirty="0" smtClean="0">
                 <a:ea typeface="Times New Roman" panose="02020603050405020304" pitchFamily="18" charset="0"/>
               </a:rPr>
               <a:t>links – </a:t>
             </a:r>
             <a:r>
-              <a:rPr lang="ru-RU" dirty="0" smtClean="0">
+              <a:rPr lang="ru-RU" sz="2000" dirty="0" smtClean="0">
                 <a:ea typeface="Times New Roman" panose="02020603050405020304" pitchFamily="18" charset="0"/>
               </a:rPr>
               <a:t>объекты-связи</a:t>
             </a:r>
-            <a:endParaRPr lang="ru-RU" dirty="0">
+            <a:endParaRPr lang="ru-RU" sz="2000" dirty="0">
               <a:ea typeface="Times New Roman" panose="02020603050405020304" pitchFamily="18" charset="0"/>
             </a:endParaRPr>
           </a:p>
@@ -7155,8 +7448,8 @@
         </p:blipFill>
         <p:spPr>
           <a:xfrm>
-            <a:off x="5334093" y="768251"/>
-            <a:ext cx="4088297" cy="4741817"/>
+            <a:off x="2578193" y="768251"/>
+            <a:ext cx="5079907" cy="5891937"/>
           </a:xfrm>
           <a:prstGeom prst="rect">
             <a:avLst/>
@@ -7363,9 +7656,151 @@
           <a:chExt cx="0" cy="0"/>
         </a:xfrm>
       </p:grpSpPr>
+      <p:sp>
+        <p:nvSpPr>
+          <p:cNvPr id="3" name="Прямоугольник 2"/>
+          <p:cNvSpPr/>
+          <p:nvPr/>
+        </p:nvSpPr>
+        <p:spPr>
+          <a:xfrm>
+            <a:off x="3840480" y="0"/>
+            <a:ext cx="4511040" cy="646331"/>
+          </a:xfrm>
+          <a:prstGeom prst="rect">
+            <a:avLst/>
+          </a:prstGeom>
+        </p:spPr>
+        <p:txBody>
+          <a:bodyPr wrap="square">
+            <a:spAutoFit/>
+          </a:bodyPr>
+          <a:lstStyle/>
+          <a:p>
+            <a:pPr algn="ctr"/>
+            <a:r>
+              <a:rPr lang="ru-RU" sz="3600" dirty="0" smtClean="0">
+                <a:latin typeface="+mj-lt"/>
+              </a:rPr>
+              <a:t>Интерфейс эксперта</a:t>
+            </a:r>
+            <a:endParaRPr lang="ru-RU" sz="3600" dirty="0">
+              <a:latin typeface="+mj-lt"/>
+            </a:endParaRPr>
+          </a:p>
+        </p:txBody>
+      </p:sp>
+      <p:sp>
+        <p:nvSpPr>
+          <p:cNvPr id="4" name="Прямоугольник 3"/>
+          <p:cNvSpPr/>
+          <p:nvPr/>
+        </p:nvSpPr>
+        <p:spPr>
+          <a:xfrm>
+            <a:off x="50544" y="708462"/>
+            <a:ext cx="3789936" cy="3661002"/>
+          </a:xfrm>
+          <a:prstGeom prst="rect">
+            <a:avLst/>
+          </a:prstGeom>
+        </p:spPr>
+        <p:txBody>
+          <a:bodyPr wrap="square">
+            <a:spAutoFit/>
+          </a:bodyPr>
+          <a:lstStyle/>
+          <a:p>
+            <a:pPr algn="just">
+              <a:lnSpc>
+                <a:spcPct val="130000"/>
+              </a:lnSpc>
+              <a:spcAft>
+                <a:spcPts val="0"/>
+              </a:spcAft>
+              <a:tabLst>
+                <a:tab pos="180340" algn="l"/>
+              </a:tabLst>
+            </a:pPr>
+            <a:r>
+              <a:rPr lang="ru-RU" sz="2000" dirty="0" smtClean="0">
+                <a:ea typeface="Times New Roman" panose="02020603050405020304" pitchFamily="18" charset="0"/>
+              </a:rPr>
+              <a:t>Генерируется </a:t>
+            </a:r>
+            <a:r>
+              <a:rPr lang="en-US" sz="2000" dirty="0" smtClean="0">
+                <a:ea typeface="Times New Roman" panose="02020603050405020304" pitchFamily="18" charset="0"/>
+              </a:rPr>
+              <a:t>XML </a:t>
+            </a:r>
+            <a:r>
+              <a:rPr lang="ru-RU" sz="2000" dirty="0" smtClean="0">
+                <a:ea typeface="Times New Roman" panose="02020603050405020304" pitchFamily="18" charset="0"/>
+              </a:rPr>
+              <a:t>любым средством рисования графа. При разработке использовался бесплатный сервис </a:t>
+            </a:r>
+            <a:r>
+              <a:rPr lang="en-US" sz="2000" dirty="0" smtClean="0">
+                <a:ea typeface="Times New Roman" panose="02020603050405020304" pitchFamily="18" charset="0"/>
+              </a:rPr>
+              <a:t>draw.io</a:t>
+            </a:r>
+            <a:r>
+              <a:rPr lang="ru-RU" sz="2000" dirty="0" smtClean="0">
+                <a:ea typeface="Times New Roman" panose="02020603050405020304" pitchFamily="18" charset="0"/>
+              </a:rPr>
+              <a:t/>
+            </a:r>
+            <a:br>
+              <a:rPr lang="ru-RU" sz="2000" dirty="0" smtClean="0">
+                <a:ea typeface="Times New Roman" panose="02020603050405020304" pitchFamily="18" charset="0"/>
+              </a:rPr>
+            </a:br>
+            <a:r>
+              <a:rPr lang="en-US" sz="2000" dirty="0" smtClean="0">
+                <a:ea typeface="Times New Roman" panose="02020603050405020304" pitchFamily="18" charset="0"/>
+              </a:rPr>
+              <a:t/>
+            </a:r>
+            <a:br>
+              <a:rPr lang="en-US" sz="2000" dirty="0" smtClean="0">
+                <a:ea typeface="Times New Roman" panose="02020603050405020304" pitchFamily="18" charset="0"/>
+              </a:rPr>
+            </a:br>
+            <a:r>
+              <a:rPr lang="en-US" sz="2000" dirty="0" smtClean="0">
+                <a:ea typeface="Times New Roman" panose="02020603050405020304" pitchFamily="18" charset="0"/>
+              </a:rPr>
+              <a:t>XML </a:t>
+            </a:r>
+            <a:r>
+              <a:rPr lang="ru-RU" sz="2000" dirty="0" smtClean="0">
+                <a:ea typeface="Times New Roman" panose="02020603050405020304" pitchFamily="18" charset="0"/>
+              </a:rPr>
+              <a:t>преобразуется в </a:t>
+            </a:r>
+            <a:r>
+              <a:rPr lang="en-US" sz="2000" dirty="0" smtClean="0">
+                <a:ea typeface="Times New Roman" panose="02020603050405020304" pitchFamily="18" charset="0"/>
+              </a:rPr>
+              <a:t>json, </a:t>
+            </a:r>
+            <a:r>
+              <a:rPr lang="ru-RU" sz="2000" dirty="0" smtClean="0">
+                <a:ea typeface="Times New Roman" panose="02020603050405020304" pitchFamily="18" charset="0"/>
+              </a:rPr>
+              <a:t>соответствующий входному формату для построения нейронной сети</a:t>
+            </a:r>
+            <a:endParaRPr lang="ru-RU" sz="2000" dirty="0">
+              <a:ea typeface="Times New Roman" panose="02020603050405020304" pitchFamily="18" charset="0"/>
+            </a:endParaRPr>
+          </a:p>
+        </p:txBody>
+      </p:sp>
       <p:pic>
         <p:nvPicPr>
-          <p:cNvPr id="2" name="Рисунок 1"/>
+          <p:cNvPr id="5" name="Рисунок 4"/>
           <p:cNvPicPr>
             <a:picLocks noChangeAspect="1"/>
           </p:cNvPicPr>
@@ -7379,156 +7814,14 @@
         </p:blipFill>
         <p:spPr>
           <a:xfrm>
-            <a:off x="4658758" y="818604"/>
-            <a:ext cx="6919557" cy="5865223"/>
+            <a:off x="4267949" y="646330"/>
+            <a:ext cx="7987735" cy="4979769"/>
           </a:xfrm>
           <a:prstGeom prst="rect">
             <a:avLst/>
           </a:prstGeom>
         </p:spPr>
       </p:pic>
-      <p:sp>
-        <p:nvSpPr>
-          <p:cNvPr id="3" name="Прямоугольник 2"/>
-          <p:cNvSpPr/>
-          <p:nvPr/>
-        </p:nvSpPr>
-        <p:spPr>
-          <a:xfrm>
-            <a:off x="3840480" y="0"/>
-            <a:ext cx="4511040" cy="646331"/>
-          </a:xfrm>
-          <a:prstGeom prst="rect">
-            <a:avLst/>
-          </a:prstGeom>
-        </p:spPr>
-        <p:txBody>
-          <a:bodyPr wrap="square">
-            <a:spAutoFit/>
-          </a:bodyPr>
-          <a:lstStyle/>
-          <a:p>
-            <a:pPr algn="ctr"/>
-            <a:r>
-              <a:rPr lang="ru-RU" sz="3600" dirty="0" smtClean="0">
-                <a:latin typeface="+mj-lt"/>
-              </a:rPr>
-              <a:t>Интерфейс эксперта</a:t>
-            </a:r>
-            <a:endParaRPr lang="ru-RU" sz="3600" dirty="0">
-              <a:latin typeface="+mj-lt"/>
-            </a:endParaRPr>
-          </a:p>
-        </p:txBody>
-      </p:sp>
-      <p:sp>
-        <p:nvSpPr>
-          <p:cNvPr id="4" name="Прямоугольник 3"/>
-          <p:cNvSpPr/>
-          <p:nvPr/>
-        </p:nvSpPr>
-        <p:spPr>
-          <a:xfrm>
-            <a:off x="515364" y="1008016"/>
-            <a:ext cx="3124819" cy="3693319"/>
-          </a:xfrm>
-          <a:prstGeom prst="rect">
-            <a:avLst/>
-          </a:prstGeom>
-        </p:spPr>
-        <p:txBody>
-          <a:bodyPr wrap="square">
-            <a:spAutoFit/>
-          </a:bodyPr>
-          <a:lstStyle/>
-          <a:p>
-            <a:pPr algn="just">
-              <a:lnSpc>
-                <a:spcPct val="130000"/>
-              </a:lnSpc>
-              <a:spcAft>
-                <a:spcPts val="0"/>
-              </a:spcAft>
-              <a:tabLst>
-                <a:tab pos="180340" algn="l"/>
-              </a:tabLst>
-            </a:pPr>
-            <a:r>
-              <a:rPr lang="ru-RU" dirty="0" smtClean="0">
-                <a:ea typeface="Times New Roman" panose="02020603050405020304" pitchFamily="18" charset="0"/>
-              </a:rPr>
-              <a:t>Генерируется </a:t>
-            </a:r>
-            <a:r>
-              <a:rPr lang="en-US" dirty="0" smtClean="0">
-                <a:ea typeface="Times New Roman" panose="02020603050405020304" pitchFamily="18" charset="0"/>
-              </a:rPr>
-              <a:t>XML </a:t>
-            </a:r>
-            <a:r>
-              <a:rPr lang="ru-RU" dirty="0" smtClean="0">
-                <a:ea typeface="Times New Roman" panose="02020603050405020304" pitchFamily="18" charset="0"/>
-              </a:rPr>
-              <a:t>любым средством рисования графа. При разработке использовался бесплатный сервис </a:t>
-            </a:r>
-            <a:r>
-              <a:rPr lang="en-US" dirty="0" smtClean="0">
-                <a:ea typeface="Times New Roman" panose="02020603050405020304" pitchFamily="18" charset="0"/>
-              </a:rPr>
-              <a:t>draw.io</a:t>
-            </a:r>
-            <a:r>
-              <a:rPr lang="ru-RU" dirty="0" smtClean="0">
-                <a:ea typeface="Times New Roman" panose="02020603050405020304" pitchFamily="18" charset="0"/>
-              </a:rPr>
-              <a:t/>
-            </a:r>
-            <a:br>
-              <a:rPr lang="ru-RU" dirty="0" smtClean="0">
-                <a:ea typeface="Times New Roman" panose="02020603050405020304" pitchFamily="18" charset="0"/>
-              </a:rPr>
-            </a:br>
-            <a:r>
-              <a:rPr lang="en-US" dirty="0" smtClean="0">
-                <a:ea typeface="Times New Roman" panose="02020603050405020304" pitchFamily="18" charset="0"/>
-              </a:rPr>
-              <a:t/>
-            </a:r>
-            <a:br>
-              <a:rPr lang="en-US" dirty="0" smtClean="0">
-                <a:ea typeface="Times New Roman" panose="02020603050405020304" pitchFamily="18" charset="0"/>
-              </a:rPr>
-            </a:br>
-            <a:r>
-              <a:rPr lang="en-US" dirty="0" smtClean="0">
-                <a:ea typeface="Times New Roman" panose="02020603050405020304" pitchFamily="18" charset="0"/>
-              </a:rPr>
-              <a:t>XML </a:t>
-            </a:r>
-            <a:r>
-              <a:rPr lang="ru-RU" dirty="0" smtClean="0">
-                <a:ea typeface="Times New Roman" panose="02020603050405020304" pitchFamily="18" charset="0"/>
-              </a:rPr>
-              <a:t>преобразуется в </a:t>
-            </a:r>
-            <a:r>
-              <a:rPr lang="en-US" dirty="0" smtClean="0">
-                <a:ea typeface="Times New Roman" panose="02020603050405020304" pitchFamily="18" charset="0"/>
-              </a:rPr>
-              <a:t>json, </a:t>
-            </a:r>
-            <a:r>
-              <a:rPr lang="ru-RU" dirty="0" smtClean="0">
-                <a:ea typeface="Times New Roman" panose="02020603050405020304" pitchFamily="18" charset="0"/>
-              </a:rPr>
-              <a:t>соответствующий входному формату для построения нейронной сети</a:t>
-            </a:r>
-            <a:endParaRPr lang="ru-RU" dirty="0">
-              <a:ea typeface="Times New Roman" panose="02020603050405020304" pitchFamily="18" charset="0"/>
-            </a:endParaRPr>
-          </a:p>
-        </p:txBody>
-      </p:sp>
     </p:spTree>
     <p:extLst>
       <p:ext uri="{BB962C8B-B14F-4D97-AF65-F5344CB8AC3E}">
@@ -7613,7 +7906,7 @@
         </p:nvSpPr>
         <p:spPr>
           <a:xfrm>
-            <a:off x="279133" y="2743200"/>
+            <a:off x="342633" y="2984500"/>
             <a:ext cx="2371162" cy="369332"/>
           </a:xfrm>
           <a:prstGeom prst="rect">
@@ -7647,7 +7940,7 @@
         </p:nvSpPr>
         <p:spPr>
           <a:xfrm>
-            <a:off x="7929612" y="2743200"/>
+            <a:off x="7993112" y="2984500"/>
             <a:ext cx="3309624" cy="369332"/>
           </a:xfrm>
           <a:prstGeom prst="rect">
@@ -7681,7 +7974,7 @@
         </p:nvSpPr>
         <p:spPr>
           <a:xfrm>
-            <a:off x="2650295" y="2748906"/>
+            <a:off x="2713795" y="2984500"/>
             <a:ext cx="1800784" cy="357920"/>
           </a:xfrm>
           <a:prstGeom prst="notchedRightArrow">
@@ -7721,7 +8014,7 @@
         </p:nvSpPr>
         <p:spPr>
           <a:xfrm>
-            <a:off x="4451079" y="2743200"/>
+            <a:off x="4514579" y="2984500"/>
             <a:ext cx="1669303" cy="369332"/>
           </a:xfrm>
           <a:prstGeom prst="rect">
@@ -7755,7 +8048,7 @@
         </p:nvSpPr>
         <p:spPr>
           <a:xfrm>
-            <a:off x="6120382" y="2748906"/>
+            <a:off x="6183882" y="2984500"/>
             <a:ext cx="1800784" cy="357920"/>
           </a:xfrm>
           <a:prstGeom prst="notchedRightArrow">
@@ -8303,15 +8596,7 @@
             </a:pPr>
             <a:r>
               <a:rPr lang="ru-RU" sz="2800" dirty="0" smtClean="0"/>
-              <a:t>Разработать подход к созданию </a:t>
-            </a:r>
-            <a:r>
-              <a:rPr lang="ru-RU" sz="2800" dirty="0" err="1" smtClean="0"/>
-              <a:t>нейросетевого</a:t>
-            </a:r>
-            <a:r>
-              <a:rPr lang="ru-RU" sz="2800" dirty="0" smtClean="0"/>
-              <a:t> модуля гибридной системы интеллектуальной поддержки</a:t>
+              <a:t>Разработана концепция нейросетевого модуля гибридной системы интеллектуальной поддержки</a:t>
             </a:r>
           </a:p>
           <a:p>
@@ -8323,15 +8608,7 @@
             </a:pPr>
             <a:r>
               <a:rPr lang="ru-RU" sz="2800" dirty="0" smtClean="0"/>
-              <a:t>Разработать архитектуру </a:t>
-            </a:r>
-            <a:r>
-              <a:rPr lang="ru-RU" sz="2800" dirty="0" err="1" smtClean="0"/>
-              <a:t>нейросетевого</a:t>
-            </a:r>
-            <a:r>
-              <a:rPr lang="ru-RU" sz="2800" dirty="0" smtClean="0"/>
-              <a:t> модуля</a:t>
+              <a:t>Разработана архитектура нейросетевого модуля</a:t>
             </a:r>
           </a:p>
           <a:p>
@@ -8343,7 +8620,7 @@
             </a:pPr>
             <a:r>
               <a:rPr lang="ru-RU" sz="2800" dirty="0" smtClean="0"/>
-              <a:t>Создать программную реализацию</a:t>
+              <a:t>Написана программная реализация в достаточном объеме</a:t>
             </a:r>
           </a:p>
           <a:p>
@@ -8355,15 +8632,7 @@
             </a:pPr>
             <a:r>
               <a:rPr lang="ru-RU" sz="2800" dirty="0" smtClean="0"/>
-              <a:t>Сравнить результаты работы </a:t>
-            </a:r>
-            <a:r>
-              <a:rPr lang="ru-RU" sz="2800" dirty="0" err="1" smtClean="0"/>
-              <a:t>нейросетевого</a:t>
-            </a:r>
-            <a:r>
-              <a:rPr lang="ru-RU" sz="2800" dirty="0" smtClean="0"/>
-              <a:t> и аналитического модулей гибридной системы</a:t>
+              <a:t>Выполнено сравнение результатов работы нейросетевого и аналитического модуля</a:t>
             </a:r>
             <a:endParaRPr lang="ru-RU" sz="2800" dirty="0"/>
           </a:p>
@@ -9534,15 +9803,35 @@
             </a:pPr>
             <a:r>
               <a:rPr lang="ru-RU" sz="2800" dirty="0" smtClean="0"/>
-              <a:t>Разработать подход к созданию </a:t>
-            </a:r>
-            <a:r>
-              <a:rPr lang="ru-RU" sz="2800" dirty="0" err="1" smtClean="0"/>
+              <a:t>Разработать </a:t>
+            </a:r>
+            <a:r>
+              <a:rPr lang="ru-RU" sz="2800" dirty="0" smtClean="0">
+                <a:solidFill>
+                  <a:srgbClr val="0070C0"/>
+                </a:solidFill>
+              </a:rPr>
+              <a:t>подход к созданию </a:t>
+            </a:r>
+            <a:r>
+              <a:rPr lang="ru-RU" sz="2800" dirty="0" err="1" smtClean="0">
+                <a:solidFill>
+                  <a:srgbClr val="0070C0"/>
+                </a:solidFill>
+              </a:rPr>
               <a:t>нейросетевого</a:t>
             </a:r>
             <a:r>
+              <a:rPr lang="ru-RU" sz="2800" dirty="0" smtClean="0">
+                <a:solidFill>
+                  <a:srgbClr val="0070C0"/>
+                </a:solidFill>
+              </a:rPr>
+              <a:t> модуля </a:t>
+            </a:r>
+            <a:r>
               <a:rPr lang="ru-RU" sz="2800" dirty="0" smtClean="0"/>
-              <a:t> модуля гибридной системы интеллектуальной поддержки</a:t>
+              <a:t>гибридной системы интеллектуальной поддержки</a:t>
             </a:r>
           </a:p>
           <a:p>
@@ -9554,14 +9843,30 @@
             </a:pPr>
             <a:r>
               <a:rPr lang="ru-RU" sz="2800" dirty="0" smtClean="0"/>
-              <a:t>Разработать архитектуру </a:t>
-            </a:r>
-            <a:r>
-              <a:rPr lang="ru-RU" sz="2800" dirty="0" err="1" smtClean="0"/>
+              <a:t>Разработать </a:t>
+            </a:r>
+            <a:r>
+              <a:rPr lang="ru-RU" sz="2800" dirty="0" smtClean="0">
+                <a:solidFill>
+                  <a:srgbClr val="0070C0"/>
+                </a:solidFill>
+              </a:rPr>
+              <a:t>архитектуру </a:t>
+            </a:r>
+            <a:r>
+              <a:rPr lang="ru-RU" sz="2800" dirty="0" err="1" smtClean="0">
+                <a:solidFill>
+                  <a:srgbClr val="0070C0"/>
+                </a:solidFill>
+              </a:rPr>
               <a:t>нейросетевого</a:t>
             </a:r>
             <a:r>
-              <a:rPr lang="ru-RU" sz="2800" dirty="0" smtClean="0"/>
+              <a:rPr lang="ru-RU" sz="2800" dirty="0" smtClean="0">
+                <a:solidFill>
+                  <a:srgbClr val="0070C0"/>
+                </a:solidFill>
+              </a:rPr>
               <a:t> модуля</a:t>
             </a:r>
           </a:p>
@@ -9574,7 +9879,15 @@
             </a:pPr>
             <a:r>
               <a:rPr lang="ru-RU" sz="2800" dirty="0" smtClean="0"/>
-              <a:t>Создать программную реализацию</a:t>
+              <a:t>Создать программную </a:t>
+            </a:r>
+            <a:r>
+              <a:rPr lang="ru-RU" sz="2800" dirty="0" smtClean="0">
+                <a:solidFill>
+                  <a:srgbClr val="0070C0"/>
+                </a:solidFill>
+              </a:rPr>
+              <a:t>реализацию</a:t>
             </a:r>
           </a:p>
           <a:p>
@@ -9585,8 +9898,16 @@
               <a:buAutoNum type="arabicPeriod"/>
             </a:pPr>
             <a:r>
+              <a:rPr lang="ru-RU" sz="2800" dirty="0" smtClean="0">
+                <a:solidFill>
+                  <a:srgbClr val="0070C0"/>
+                </a:solidFill>
+              </a:rPr>
+              <a:t>Сравнить результаты </a:t>
+            </a:r>
+            <a:r>
               <a:rPr lang="ru-RU" sz="2800" dirty="0" smtClean="0"/>
-              <a:t>Сравнить результаты работы </a:t>
+              <a:t>работы </a:t>
             </a:r>
             <a:r>
               <a:rPr lang="ru-RU" sz="2800" dirty="0" err="1" smtClean="0"/>

--- a/docs/Синтетическая Презентация.pptx
+++ b/docs/Синтетическая Презентация.pptx
@@ -3765,7 +3765,7 @@
         </p:nvSpPr>
         <p:spPr>
           <a:xfrm>
-            <a:off x="1628172" y="1295983"/>
+            <a:off x="1524000" y="1522320"/>
             <a:ext cx="9144000" cy="2387600"/>
           </a:xfrm>
         </p:spPr>
@@ -3776,12 +3776,16 @@
           <a:lstStyle/>
           <a:p>
             <a:r>
-              <a:rPr lang="ru-RU" dirty="0" err="1" smtClean="0"/>
-              <a:t>Нейросетевой</a:t>
-            </a:r>
-            <a:r>
               <a:rPr lang="ru-RU" dirty="0" smtClean="0"/>
-              <a:t> модуль гибридной интеллектуальной системы</a:t>
+              <a:t>«Нейросетевой </a:t>
+            </a:r>
+            <a:r>
+              <a:rPr lang="ru-RU" dirty="0" smtClean="0"/>
+              <a:t>модуль гибридной интеллектуальной </a:t>
+            </a:r>
+            <a:r>
+              <a:rPr lang="ru-RU" dirty="0" smtClean="0"/>
+              <a:t>системы»</a:t>
             </a:r>
             <a:endParaRPr lang="ru-RU" dirty="0"/>
           </a:p>
@@ -3795,7 +3799,7 @@
         </p:nvSpPr>
         <p:spPr>
           <a:xfrm>
-            <a:off x="4459246" y="4612899"/>
+            <a:off x="4355075" y="4612899"/>
             <a:ext cx="3481851" cy="369332"/>
           </a:xfrm>
           <a:prstGeom prst="rect">
@@ -3825,7 +3829,7 @@
         </p:nvSpPr>
         <p:spPr>
           <a:xfrm>
-            <a:off x="3632224" y="5509553"/>
+            <a:off x="3528054" y="5509553"/>
             <a:ext cx="5135893" cy="646331"/>
           </a:xfrm>
           <a:prstGeom prst="rect">
@@ -3858,6 +3862,55 @@
           </a:p>
           <a:p>
             <a:endParaRPr lang="ru-RU" dirty="0"/>
+          </a:p>
+        </p:txBody>
+      </p:sp>
+      <p:sp>
+        <p:nvSpPr>
+          <p:cNvPr id="5" name="Заголовок 1"/>
+          <p:cNvSpPr txBox="1">
+            <a:spLocks/>
+          </p:cNvSpPr>
+          <p:nvPr/>
+        </p:nvSpPr>
+        <p:spPr>
+          <a:xfrm>
+            <a:off x="3419220" y="688063"/>
+            <a:ext cx="5353561" cy="570596"/>
+          </a:xfrm>
+          <a:prstGeom prst="rect">
+            <a:avLst/>
+          </a:prstGeom>
+        </p:spPr>
+        <p:txBody>
+          <a:bodyPr vert="horz" lIns="91440" tIns="45720" rIns="91440" bIns="45720" rtlCol="0" anchor="b">
+            <a:normAutofit fontScale="97500" lnSpcReduction="10000"/>
+          </a:bodyPr>
+          <a:lstStyle>
+            <a:lvl1pPr algn="ctr" defTabSz="914400" rtl="0" eaLnBrk="1" latinLnBrk="0" hangingPunct="1">
+              <a:lnSpc>
+                <a:spcPct val="90000"/>
+              </a:lnSpc>
+              <a:spcBef>
+                <a:spcPct val="0"/>
+              </a:spcBef>
+              <a:buNone/>
+              <a:defRPr sz="6000" kern="1200">
+                <a:solidFill>
+                  <a:schemeClr val="tx1"/>
+                </a:solidFill>
+                <a:latin typeface="+mj-lt"/>
+                <a:ea typeface="+mj-ea"/>
+                <a:cs typeface="+mj-cs"/>
+              </a:defRPr>
+            </a:lvl1pPr>
+          </a:lstStyle>
+          <a:p>
+            <a:r>
+              <a:rPr lang="ru-RU" sz="3600" dirty="0" smtClean="0"/>
+              <a:t>Магистерская диссертация</a:t>
+            </a:r>
+            <a:endParaRPr lang="ru-RU" sz="3600" dirty="0"/>
           </a:p>
         </p:txBody>
       </p:sp>
@@ -4617,14 +4670,14 @@
                           <a:latin typeface="Cambria Math" panose="02040503050406030204" pitchFamily="18" charset="0"/>
                           <a:ea typeface="Cambria Math" panose="02040503050406030204" pitchFamily="18" charset="0"/>
                         </a:rPr>
-                        <m:t> −количест</m:t>
+                        <m:t> −количество верши</m:t>
                       </m:r>
                       <m:r>
                         <a:rPr lang="ru-RU" sz="2400" b="0" i="1" smtClean="0">
                           <a:latin typeface="Cambria Math" panose="02040503050406030204" pitchFamily="18" charset="0"/>
                           <a:ea typeface="Cambria Math" panose="02040503050406030204" pitchFamily="18" charset="0"/>
                         </a:rPr>
-                        <m:t>во вершин−условий</m:t>
+                        <m:t>н−условий</m:t>
                       </m:r>
                       <m:d>
                         <m:dPr>
@@ -5017,14 +5070,14 @@
                           <a:latin typeface="Cambria Math" panose="02040503050406030204" pitchFamily="18" charset="0"/>
                           <a:ea typeface="Cambria Math" panose="02040503050406030204" pitchFamily="18" charset="0"/>
                         </a:rPr>
-                        <m:t> −количество верши</m:t>
+                        <m:t> −количество вершин оконча</m:t>
                       </m:r>
                       <m:r>
                         <a:rPr lang="ru-RU" sz="2400" b="0" i="1" smtClean="0">
                           <a:latin typeface="Cambria Math" panose="02040503050406030204" pitchFamily="18" charset="0"/>
                           <a:ea typeface="Cambria Math" panose="02040503050406030204" pitchFamily="18" charset="0"/>
                         </a:rPr>
-                        <m:t>н окончательных выводов</m:t>
+                        <m:t>тельных выводов</m:t>
                       </m:r>
                     </m:oMath>
                   </m:oMathPara>
@@ -5322,7 +5375,7 @@
           <a:graphicData uri="http://schemas.openxmlformats.org/presentationml/2006/ole">
             <mc:AlternateContent xmlns:mc="http://schemas.openxmlformats.org/markup-compatibility/2006">
               <mc:Choice xmlns:v="urn:schemas-microsoft-com:vml" Requires="v">
-                <p:oleObj spid="_x0000_s1059" r:id="rId5" imgW="1790700" imgH="495300" progId="Equation.3">
+                <p:oleObj spid="_x0000_s1061" r:id="rId5" imgW="1790700" imgH="495300" progId="Equation.3">
                   <p:embed/>
                 </p:oleObj>
               </mc:Choice>
@@ -6052,6 +6105,325 @@
           </a:prstGeom>
         </p:spPr>
       </p:pic>
+      <mc:AlternateContent xmlns:mc="http://schemas.openxmlformats.org/markup-compatibility/2006">
+        <mc:Choice xmlns:a14="http://schemas.microsoft.com/office/drawing/2010/main" Requires="a14">
+          <p:sp>
+            <p:nvSpPr>
+              <p:cNvPr id="4" name="Прямоугольник 3"/>
+              <p:cNvSpPr/>
+              <p:nvPr/>
+            </p:nvSpPr>
+            <p:spPr>
+              <a:xfrm>
+                <a:off x="2954447" y="3763891"/>
+                <a:ext cx="6096000" cy="2295565"/>
+              </a:xfrm>
+              <a:prstGeom prst="rect">
+                <a:avLst/>
+              </a:prstGeom>
+            </p:spPr>
+            <p:txBody>
+              <a:bodyPr>
+                <a:spAutoFit/>
+              </a:bodyPr>
+              <a:lstStyle/>
+              <a:p>
+                <a:pPr indent="450215" algn="just">
+                  <a:lnSpc>
+                    <a:spcPct val="150000"/>
+                  </a:lnSpc>
+                  <a:spcAft>
+                    <a:spcPts val="0"/>
+                  </a:spcAft>
+                </a:pPr>
+                <a14:m>
+                  <m:oMath xmlns:m="http://schemas.openxmlformats.org/officeDocument/2006/math">
+                    <m:r>
+                      <a:rPr lang="ru-RU" sz="2400" i="1">
+                        <a:latin typeface="Cambria Math" panose="02040503050406030204" pitchFamily="18" charset="0"/>
+                        <a:ea typeface="Times New Roman" panose="02020603050405020304" pitchFamily="18" charset="0"/>
+                      </a:rPr>
+                      <m:t>𝑓</m:t>
+                    </m:r>
+                    <m:d>
+                      <m:dPr>
+                        <m:ctrlPr>
+                          <a:rPr lang="ru-RU" sz="2400" i="1">
+                            <a:effectLst/>
+                            <a:latin typeface="Cambria Math" panose="02040503050406030204" pitchFamily="18" charset="0"/>
+                            <a:ea typeface="Times New Roman" panose="02020603050405020304" pitchFamily="18" charset="0"/>
+                          </a:rPr>
+                        </m:ctrlPr>
+                      </m:dPr>
+                      <m:e>
+                        <m:r>
+                          <a:rPr lang="ru-RU" sz="2400" i="1">
+                            <a:effectLst/>
+                            <a:latin typeface="Cambria Math" panose="02040503050406030204" pitchFamily="18" charset="0"/>
+                            <a:ea typeface="Times New Roman" panose="02020603050405020304" pitchFamily="18" charset="0"/>
+                          </a:rPr>
+                          <m:t>𝑠</m:t>
+                        </m:r>
+                      </m:e>
+                    </m:d>
+                    <m:r>
+                      <a:rPr lang="ru-RU" sz="2400" i="1">
+                        <a:effectLst/>
+                        <a:latin typeface="Cambria Math" panose="02040503050406030204" pitchFamily="18" charset="0"/>
+                        <a:ea typeface="Times New Roman" panose="02020603050405020304" pitchFamily="18" charset="0"/>
+                      </a:rPr>
+                      <m:t>=1−</m:t>
+                    </m:r>
+                    <m:r>
+                      <a:rPr lang="en-US" sz="2400" i="1">
+                        <a:effectLst/>
+                        <a:latin typeface="Cambria Math" panose="02040503050406030204" pitchFamily="18" charset="0"/>
+                        <a:ea typeface="Times New Roman" panose="02020603050405020304" pitchFamily="18" charset="0"/>
+                      </a:rPr>
+                      <m:t>|</m:t>
+                    </m:r>
+                    <m:r>
+                      <a:rPr lang="en-US" sz="2400" i="1">
+                        <a:effectLst/>
+                        <a:latin typeface="Cambria Math" panose="02040503050406030204" pitchFamily="18" charset="0"/>
+                        <a:ea typeface="Times New Roman" panose="02020603050405020304" pitchFamily="18" charset="0"/>
+                      </a:rPr>
+                      <m:t>𝑠</m:t>
+                    </m:r>
+                    <m:r>
+                      <a:rPr lang="en-US" sz="2400" i="1">
+                        <a:effectLst/>
+                        <a:latin typeface="Cambria Math" panose="02040503050406030204" pitchFamily="18" charset="0"/>
+                        <a:ea typeface="Times New Roman" panose="02020603050405020304" pitchFamily="18" charset="0"/>
+                      </a:rPr>
+                      <m:t>−</m:t>
+                    </m:r>
+                    <m:sSub>
+                      <m:sSubPr>
+                        <m:ctrlPr>
+                          <a:rPr lang="ru-RU" sz="2400" i="1">
+                            <a:effectLst/>
+                            <a:latin typeface="Cambria Math" panose="02040503050406030204" pitchFamily="18" charset="0"/>
+                            <a:ea typeface="Times New Roman" panose="02020603050405020304" pitchFamily="18" charset="0"/>
+                          </a:rPr>
+                        </m:ctrlPr>
+                      </m:sSubPr>
+                      <m:e>
+                        <m:r>
+                          <a:rPr lang="en-US" sz="2400" i="1">
+                            <a:effectLst/>
+                            <a:latin typeface="Cambria Math" panose="02040503050406030204" pitchFamily="18" charset="0"/>
+                            <a:ea typeface="Times New Roman" panose="02020603050405020304" pitchFamily="18" charset="0"/>
+                          </a:rPr>
+                          <m:t>𝑠</m:t>
+                        </m:r>
+                      </m:e>
+                      <m:sub>
+                        <m:r>
+                          <a:rPr lang="en-US" sz="2400" i="1">
+                            <a:effectLst/>
+                            <a:latin typeface="Cambria Math" panose="02040503050406030204" pitchFamily="18" charset="0"/>
+                            <a:ea typeface="Times New Roman" panose="02020603050405020304" pitchFamily="18" charset="0"/>
+                          </a:rPr>
+                          <m:t>0</m:t>
+                        </m:r>
+                      </m:sub>
+                    </m:sSub>
+                    <m:r>
+                      <a:rPr lang="en-US" sz="2400" i="1">
+                        <a:effectLst/>
+                        <a:latin typeface="Cambria Math" panose="02040503050406030204" pitchFamily="18" charset="0"/>
+                        <a:ea typeface="Times New Roman" panose="02020603050405020304" pitchFamily="18" charset="0"/>
+                      </a:rPr>
+                      <m:t>|</m:t>
+                    </m:r>
+                  </m:oMath>
+                </a14:m>
+                <a:r>
+                  <a:rPr lang="en-US" i="1" dirty="0">
+                    <a:latin typeface="Times New Roman" panose="02020603050405020304" pitchFamily="18" charset="0"/>
+                    <a:ea typeface="Times New Roman" panose="02020603050405020304" pitchFamily="18" charset="0"/>
+                  </a:rPr>
+                  <a:t>, </a:t>
+                </a:r>
+                <a:r>
+                  <a:rPr lang="ru-RU" dirty="0">
+                    <a:ea typeface="Times New Roman" panose="02020603050405020304" pitchFamily="18" charset="0"/>
+                  </a:rPr>
+                  <a:t>где</a:t>
+                </a:r>
+                <a:r>
+                  <a:rPr lang="ru-RU" i="1" dirty="0">
+                    <a:ea typeface="Times New Roman" panose="02020603050405020304" pitchFamily="18" charset="0"/>
+                  </a:rPr>
+                  <a:t> </a:t>
+                </a:r>
+                <a14:m>
+                  <m:oMath xmlns:m="http://schemas.openxmlformats.org/officeDocument/2006/math">
+                    <m:sSub>
+                      <m:sSubPr>
+                        <m:ctrlPr>
+                          <a:rPr lang="ru-RU" i="1">
+                            <a:ea typeface="Times New Roman" panose="02020603050405020304" pitchFamily="18" charset="0"/>
+                          </a:rPr>
+                        </m:ctrlPr>
+                      </m:sSubPr>
+                      <m:e>
+                        <m:r>
+                          <a:rPr lang="en-US" i="1">
+                            <a:ea typeface="Times New Roman" panose="02020603050405020304" pitchFamily="18" charset="0"/>
+                          </a:rPr>
+                          <m:t>𝑠</m:t>
+                        </m:r>
+                      </m:e>
+                      <m:sub>
+                        <m:r>
+                          <a:rPr lang="en-US" i="1">
+                            <a:ea typeface="Times New Roman" panose="02020603050405020304" pitchFamily="18" charset="0"/>
+                          </a:rPr>
+                          <m:t>0</m:t>
+                        </m:r>
+                      </m:sub>
+                    </m:sSub>
+                  </m:oMath>
+                </a14:m>
+                <a:r>
+                  <a:rPr lang="en-US" i="1" dirty="0">
+                    <a:ea typeface="Times New Roman" panose="02020603050405020304" pitchFamily="18" charset="0"/>
+                  </a:rPr>
+                  <a:t> – </a:t>
+                </a:r>
+                <a:r>
+                  <a:rPr lang="ru-RU" dirty="0">
+                    <a:ea typeface="Times New Roman" panose="02020603050405020304" pitchFamily="18" charset="0"/>
+                  </a:rPr>
+                  <a:t>порог активационной функции, равный коэффициенту уверенности эксперта на соответствующей исходящей связи вершины-условия</a:t>
+                </a:r>
+                <a:r>
+                  <a:rPr lang="ru-RU" i="1" dirty="0">
+                    <a:ea typeface="Times New Roman" panose="02020603050405020304" pitchFamily="18" charset="0"/>
+                  </a:rPr>
+                  <a:t>, </a:t>
+                </a:r>
+                <a:r>
+                  <a:rPr lang="en-US" i="1" dirty="0">
+                    <a:ea typeface="Times New Roman" panose="02020603050405020304" pitchFamily="18" charset="0"/>
+                  </a:rPr>
+                  <a:t>s – </a:t>
+                </a:r>
+                <a:r>
+                  <a:rPr lang="ru-RU" dirty="0">
+                    <a:ea typeface="Times New Roman" panose="02020603050405020304" pitchFamily="18" charset="0"/>
+                  </a:rPr>
+                  <a:t>коэффициент уверенности факта, который задает пользователь</a:t>
+                </a:r>
+              </a:p>
+            </p:txBody>
+          </p:sp>
+        </mc:Choice>
+        <mc:Fallback>
+          <p:sp>
+            <p:nvSpPr>
+              <p:cNvPr id="4" name="Прямоугольник 3"/>
+              <p:cNvSpPr>
+                <a:spLocks noRot="1" noChangeAspect="1" noMove="1" noResize="1" noEditPoints="1" noAdjustHandles="1" noChangeArrowheads="1" noChangeShapeType="1" noTextEdit="1"/>
+              </p:cNvSpPr>
+              <p:nvPr/>
+            </p:nvSpPr>
+            <p:spPr>
+              <a:xfrm>
+                <a:off x="2954447" y="3763891"/>
+                <a:ext cx="6096000" cy="2295565"/>
+              </a:xfrm>
+              <a:prstGeom prst="rect">
+                <a:avLst/>
+              </a:prstGeom>
+              <a:blipFill>
+                <a:blip r:embed="rId3"/>
+                <a:stretch>
+                  <a:fillRect l="-900" r="-800" b="-1326"/>
+                </a:stretch>
+              </a:blipFill>
+            </p:spPr>
+            <p:txBody>
+              <a:bodyPr/>
+              <a:lstStyle/>
+              <a:p>
+                <a:r>
+                  <a:rPr lang="ru-RU">
+                    <a:noFill/>
+                  </a:rPr>
+                  <a:t> </a:t>
+                </a:r>
+              </a:p>
+            </p:txBody>
+          </p:sp>
+        </mc:Fallback>
+      </mc:AlternateContent>
+      <p:pic>
+        <p:nvPicPr>
+          <p:cNvPr id="5" name="Рисунок 4"/>
+          <p:cNvPicPr>
+            <a:picLocks noChangeAspect="1"/>
+          </p:cNvPicPr>
+          <p:nvPr/>
+        </p:nvPicPr>
+        <p:blipFill>
+          <a:blip r:embed="rId4"/>
+          <a:stretch>
+            <a:fillRect/>
+          </a:stretch>
+        </p:blipFill>
+        <p:spPr>
+          <a:xfrm>
+            <a:off x="7794703" y="1065521"/>
+            <a:ext cx="3609975" cy="2476500"/>
+          </a:xfrm>
+          <a:prstGeom prst="rect">
+            <a:avLst/>
+          </a:prstGeom>
+        </p:spPr>
+      </p:pic>
+      <p:sp>
+        <p:nvSpPr>
+          <p:cNvPr id="6" name="Стрелка вправо 5"/>
+          <p:cNvSpPr/>
+          <p:nvPr/>
+        </p:nvSpPr>
+        <p:spPr>
+          <a:xfrm>
+            <a:off x="4771176" y="1591839"/>
+            <a:ext cx="2462543" cy="1176950"/>
+          </a:xfrm>
+          <a:prstGeom prst="rightArrow">
+            <a:avLst/>
+          </a:prstGeom>
+        </p:spPr>
+        <p:style>
+          <a:lnRef idx="2">
+            <a:schemeClr val="accent3">
+              <a:shade val="50000"/>
+            </a:schemeClr>
+          </a:lnRef>
+          <a:fillRef idx="1">
+            <a:schemeClr val="accent3"/>
+          </a:fillRef>
+          <a:effectRef idx="0">
+            <a:schemeClr val="accent3"/>
+          </a:effectRef>
+          <a:fontRef idx="minor">
+            <a:schemeClr val="lt1"/>
+          </a:fontRef>
+        </p:style>
+        <p:txBody>
+          <a:bodyPr rtlCol="0" anchor="ctr"/>
+          <a:lstStyle/>
+          <a:p>
+            <a:pPr algn="ctr"/>
+            <a:endParaRPr lang="ru-RU"/>
+          </a:p>
+        </p:txBody>
+      </p:sp>
     </p:spTree>
     <p:extLst>
       <p:ext uri="{BB962C8B-B14F-4D97-AF65-F5344CB8AC3E}">
@@ -6128,6 +6500,337 @@
           </a:p>
         </p:txBody>
       </p:sp>
+      <p:pic>
+        <p:nvPicPr>
+          <p:cNvPr id="4" name="Рисунок 3"/>
+          <p:cNvPicPr>
+            <a:picLocks noChangeAspect="1"/>
+          </p:cNvPicPr>
+          <p:nvPr/>
+        </p:nvPicPr>
+        <p:blipFill>
+          <a:blip r:embed="rId2"/>
+          <a:stretch>
+            <a:fillRect/>
+          </a:stretch>
+        </p:blipFill>
+        <p:spPr>
+          <a:xfrm>
+            <a:off x="1136928" y="887286"/>
+            <a:ext cx="3362325" cy="3381375"/>
+          </a:xfrm>
+          <a:prstGeom prst="rect">
+            <a:avLst/>
+          </a:prstGeom>
+        </p:spPr>
+      </p:pic>
+      <p:pic>
+        <p:nvPicPr>
+          <p:cNvPr id="5" name="Рисунок 4"/>
+          <p:cNvPicPr>
+            <a:picLocks noChangeAspect="1"/>
+          </p:cNvPicPr>
+          <p:nvPr/>
+        </p:nvPicPr>
+        <p:blipFill>
+          <a:blip r:embed="rId3"/>
+          <a:stretch>
+            <a:fillRect/>
+          </a:stretch>
+        </p:blipFill>
+        <p:spPr>
+          <a:xfrm>
+            <a:off x="8514076" y="1506411"/>
+            <a:ext cx="1247775" cy="2762250"/>
+          </a:xfrm>
+          <a:prstGeom prst="rect">
+            <a:avLst/>
+          </a:prstGeom>
+        </p:spPr>
+      </p:pic>
+      <p:sp>
+        <p:nvSpPr>
+          <p:cNvPr id="6" name="Стрелка вправо 5"/>
+          <p:cNvSpPr/>
+          <p:nvPr/>
+        </p:nvSpPr>
+        <p:spPr>
+          <a:xfrm>
+            <a:off x="4771176" y="1591839"/>
+            <a:ext cx="2462543" cy="1176950"/>
+          </a:xfrm>
+          <a:prstGeom prst="rightArrow">
+            <a:avLst/>
+          </a:prstGeom>
+        </p:spPr>
+        <p:style>
+          <a:lnRef idx="2">
+            <a:schemeClr val="accent3">
+              <a:shade val="50000"/>
+            </a:schemeClr>
+          </a:lnRef>
+          <a:fillRef idx="1">
+            <a:schemeClr val="accent3"/>
+          </a:fillRef>
+          <a:effectRef idx="0">
+            <a:schemeClr val="accent3"/>
+          </a:effectRef>
+          <a:fontRef idx="minor">
+            <a:schemeClr val="lt1"/>
+          </a:fontRef>
+        </p:style>
+        <p:txBody>
+          <a:bodyPr rtlCol="0" anchor="ctr"/>
+          <a:lstStyle/>
+          <a:p>
+            <a:pPr algn="ctr"/>
+            <a:endParaRPr lang="ru-RU"/>
+          </a:p>
+        </p:txBody>
+      </p:sp>
+      <mc:AlternateContent xmlns:mc="http://schemas.openxmlformats.org/markup-compatibility/2006">
+        <mc:Choice xmlns:a14="http://schemas.microsoft.com/office/drawing/2010/main" Requires="a14">
+          <p:sp>
+            <p:nvSpPr>
+              <p:cNvPr id="7" name="Прямоугольник 6"/>
+              <p:cNvSpPr/>
+              <p:nvPr/>
+            </p:nvSpPr>
+            <p:spPr>
+              <a:xfrm>
+                <a:off x="2818090" y="4395305"/>
+                <a:ext cx="6096000" cy="1293175"/>
+              </a:xfrm>
+              <a:prstGeom prst="rect">
+                <a:avLst/>
+              </a:prstGeom>
+            </p:spPr>
+            <p:txBody>
+              <a:bodyPr>
+                <a:spAutoFit/>
+              </a:bodyPr>
+              <a:lstStyle/>
+              <a:p>
+                <a:pPr indent="450215" algn="just">
+                  <a:lnSpc>
+                    <a:spcPct val="150000"/>
+                  </a:lnSpc>
+                  <a:spcAft>
+                    <a:spcPts val="0"/>
+                  </a:spcAft>
+                </a:pPr>
+                <a14:m>
+                  <m:oMath xmlns:m="http://schemas.openxmlformats.org/officeDocument/2006/math">
+                    <m:r>
+                      <a:rPr lang="ru-RU" sz="2400" i="1">
+                        <a:latin typeface="Cambria Math" panose="02040503050406030204" pitchFamily="18" charset="0"/>
+                        <a:ea typeface="Times New Roman" panose="02020603050405020304" pitchFamily="18" charset="0"/>
+                      </a:rPr>
+                      <m:t>𝑓</m:t>
+                    </m:r>
+                    <m:d>
+                      <m:dPr>
+                        <m:ctrlPr>
+                          <a:rPr lang="ru-RU" sz="2400" i="1">
+                            <a:effectLst/>
+                            <a:latin typeface="Cambria Math" panose="02040503050406030204" pitchFamily="18" charset="0"/>
+                            <a:ea typeface="Times New Roman" panose="02020603050405020304" pitchFamily="18" charset="0"/>
+                          </a:rPr>
+                        </m:ctrlPr>
+                      </m:dPr>
+                      <m:e>
+                        <m:r>
+                          <a:rPr lang="ru-RU" sz="2400" i="1">
+                            <a:effectLst/>
+                            <a:latin typeface="Cambria Math" panose="02040503050406030204" pitchFamily="18" charset="0"/>
+                            <a:ea typeface="Times New Roman" panose="02020603050405020304" pitchFamily="18" charset="0"/>
+                          </a:rPr>
+                          <m:t>𝑠</m:t>
+                        </m:r>
+                      </m:e>
+                    </m:d>
+                    <m:r>
+                      <a:rPr lang="ru-RU" sz="2400" i="1">
+                        <a:effectLst/>
+                        <a:latin typeface="Cambria Math" panose="02040503050406030204" pitchFamily="18" charset="0"/>
+                        <a:ea typeface="Times New Roman" panose="02020603050405020304" pitchFamily="18" charset="0"/>
+                      </a:rPr>
+                      <m:t>=</m:t>
+                    </m:r>
+                    <m:f>
+                      <m:fPr>
+                        <m:ctrlPr>
+                          <a:rPr lang="ru-RU" sz="2400" i="1">
+                            <a:effectLst/>
+                            <a:latin typeface="Cambria Math" panose="02040503050406030204" pitchFamily="18" charset="0"/>
+                            <a:ea typeface="Times New Roman" panose="02020603050405020304" pitchFamily="18" charset="0"/>
+                          </a:rPr>
+                        </m:ctrlPr>
+                      </m:fPr>
+                      <m:num>
+                        <m:r>
+                          <a:rPr lang="ru-RU" sz="2400" i="1">
+                            <a:effectLst/>
+                            <a:latin typeface="Cambria Math" panose="02040503050406030204" pitchFamily="18" charset="0"/>
+                            <a:ea typeface="Times New Roman" panose="02020603050405020304" pitchFamily="18" charset="0"/>
+                          </a:rPr>
+                          <m:t>1</m:t>
+                        </m:r>
+                      </m:num>
+                      <m:den>
+                        <m:r>
+                          <a:rPr lang="ru-RU" sz="2400" i="1">
+                            <a:effectLst/>
+                            <a:latin typeface="Cambria Math" panose="02040503050406030204" pitchFamily="18" charset="0"/>
+                            <a:ea typeface="Times New Roman" panose="02020603050405020304" pitchFamily="18" charset="0"/>
+                          </a:rPr>
+                          <m:t>1+</m:t>
+                        </m:r>
+                        <m:sSup>
+                          <m:sSupPr>
+                            <m:ctrlPr>
+                              <a:rPr lang="ru-RU" sz="2400" i="1">
+                                <a:effectLst/>
+                                <a:latin typeface="Cambria Math" panose="02040503050406030204" pitchFamily="18" charset="0"/>
+                                <a:ea typeface="Times New Roman" panose="02020603050405020304" pitchFamily="18" charset="0"/>
+                              </a:rPr>
+                            </m:ctrlPr>
+                          </m:sSupPr>
+                          <m:e>
+                            <m:r>
+                              <a:rPr lang="ru-RU" sz="2400" i="1">
+                                <a:effectLst/>
+                                <a:latin typeface="Cambria Math" panose="02040503050406030204" pitchFamily="18" charset="0"/>
+                                <a:ea typeface="Times New Roman" panose="02020603050405020304" pitchFamily="18" charset="0"/>
+                              </a:rPr>
+                              <m:t>𝑒</m:t>
+                            </m:r>
+                          </m:e>
+                          <m:sup>
+                            <m:r>
+                              <a:rPr lang="ru-RU" sz="2400" i="1">
+                                <a:effectLst/>
+                                <a:latin typeface="Cambria Math" panose="02040503050406030204" pitchFamily="18" charset="0"/>
+                                <a:ea typeface="Times New Roman" panose="02020603050405020304" pitchFamily="18" charset="0"/>
+                              </a:rPr>
+                              <m:t>−</m:t>
+                            </m:r>
+                            <m:r>
+                              <a:rPr lang="ru-RU" sz="2400" i="1">
+                                <a:effectLst/>
+                                <a:latin typeface="Cambria Math" panose="02040503050406030204" pitchFamily="18" charset="0"/>
+                                <a:ea typeface="Times New Roman" panose="02020603050405020304" pitchFamily="18" charset="0"/>
+                              </a:rPr>
+                              <m:t>𝑎</m:t>
+                            </m:r>
+                            <m:r>
+                              <a:rPr lang="ru-RU" sz="2400" i="1">
+                                <a:effectLst/>
+                                <a:latin typeface="Cambria Math" panose="02040503050406030204" pitchFamily="18" charset="0"/>
+                                <a:ea typeface="Times New Roman" panose="02020603050405020304" pitchFamily="18" charset="0"/>
+                              </a:rPr>
+                              <m:t>(</m:t>
+                            </m:r>
+                            <m:r>
+                              <a:rPr lang="ru-RU" sz="2400" i="1">
+                                <a:effectLst/>
+                                <a:latin typeface="Cambria Math" panose="02040503050406030204" pitchFamily="18" charset="0"/>
+                                <a:ea typeface="Times New Roman" panose="02020603050405020304" pitchFamily="18" charset="0"/>
+                              </a:rPr>
+                              <m:t>𝑠</m:t>
+                            </m:r>
+                            <m:r>
+                              <a:rPr lang="ru-RU" sz="2400" i="1">
+                                <a:effectLst/>
+                                <a:latin typeface="Cambria Math" panose="02040503050406030204" pitchFamily="18" charset="0"/>
+                                <a:ea typeface="Times New Roman" panose="02020603050405020304" pitchFamily="18" charset="0"/>
+                              </a:rPr>
+                              <m:t>−0.5)</m:t>
+                            </m:r>
+                          </m:sup>
+                        </m:sSup>
+                      </m:den>
+                    </m:f>
+                  </m:oMath>
+                </a14:m>
+                <a:r>
+                  <a:rPr lang="en-US" sz="2400" i="1" dirty="0">
+                    <a:effectLst/>
+                    <a:latin typeface="Times New Roman" panose="02020603050405020304" pitchFamily="18" charset="0"/>
+                    <a:ea typeface="Times New Roman" panose="02020603050405020304" pitchFamily="18" charset="0"/>
+                  </a:rPr>
+                  <a:t>, </a:t>
+                </a:r>
+                <a:r>
+                  <a:rPr lang="ru-RU" dirty="0">
+                    <a:latin typeface="Times New Roman" panose="02020603050405020304" pitchFamily="18" charset="0"/>
+                    <a:ea typeface="Times New Roman" panose="02020603050405020304" pitchFamily="18" charset="0"/>
+                  </a:rPr>
+                  <a:t>где </a:t>
+                </a:r>
+                <a:r>
+                  <a:rPr lang="ru-RU" i="1" dirty="0">
+                    <a:latin typeface="Times New Roman" panose="02020603050405020304" pitchFamily="18" charset="0"/>
+                    <a:ea typeface="Times New Roman" panose="02020603050405020304" pitchFamily="18" charset="0"/>
+                  </a:rPr>
+                  <a:t>a</a:t>
+                </a:r>
+                <a:r>
+                  <a:rPr lang="ru-RU" dirty="0">
+                    <a:latin typeface="Times New Roman" panose="02020603050405020304" pitchFamily="18" charset="0"/>
+                    <a:ea typeface="Times New Roman" panose="02020603050405020304" pitchFamily="18" charset="0"/>
+                  </a:rPr>
+                  <a:t> – </a:t>
+                </a:r>
+                <a:r>
+                  <a:rPr lang="ru-RU" dirty="0">
+                    <a:ea typeface="Times New Roman" panose="02020603050405020304" pitchFamily="18" charset="0"/>
+                  </a:rPr>
+                  <a:t>настроечный параметр функции</a:t>
+                </a:r>
+              </a:p>
+            </p:txBody>
+          </p:sp>
+        </mc:Choice>
+        <mc:Fallback>
+          <p:sp>
+            <p:nvSpPr>
+              <p:cNvPr id="7" name="Прямоугольник 6"/>
+              <p:cNvSpPr>
+                <a:spLocks noRot="1" noChangeAspect="1" noMove="1" noResize="1" noEditPoints="1" noAdjustHandles="1" noChangeArrowheads="1" noChangeShapeType="1" noTextEdit="1"/>
+              </p:cNvSpPr>
+              <p:nvPr/>
+            </p:nvSpPr>
+            <p:spPr>
+              <a:xfrm>
+                <a:off x="2818090" y="4395305"/>
+                <a:ext cx="6096000" cy="1293175"/>
+              </a:xfrm>
+              <a:prstGeom prst="rect">
+                <a:avLst/>
+              </a:prstGeom>
+              <a:blipFill>
+                <a:blip r:embed="rId4"/>
+                <a:stretch>
+                  <a:fillRect l="-800" r="-900" b="-3302"/>
+                </a:stretch>
+              </a:blipFill>
+            </p:spPr>
+            <p:txBody>
+              <a:bodyPr/>
+              <a:lstStyle/>
+              <a:p>
+                <a:r>
+                  <a:rPr lang="ru-RU">
+                    <a:noFill/>
+                  </a:rPr>
+                  <a:t> </a:t>
+                </a:r>
+              </a:p>
+            </p:txBody>
+          </p:sp>
+        </mc:Fallback>
+      </mc:AlternateContent>
     </p:spTree>
     <p:extLst>
       <p:ext uri="{BB962C8B-B14F-4D97-AF65-F5344CB8AC3E}">
@@ -6201,6 +6904,108 @@
             <a:endParaRPr lang="ru-RU" sz="4000" dirty="0">
               <a:latin typeface="+mj-lt"/>
             </a:endParaRPr>
+          </a:p>
+        </p:txBody>
+      </p:sp>
+      <p:sp>
+        <p:nvSpPr>
+          <p:cNvPr id="3" name="Прямоугольник 2"/>
+          <p:cNvSpPr/>
+          <p:nvPr/>
+        </p:nvSpPr>
+        <p:spPr>
+          <a:xfrm>
+            <a:off x="1086415" y="1684146"/>
+            <a:ext cx="10583501" cy="3416320"/>
+          </a:xfrm>
+          <a:prstGeom prst="rect">
+            <a:avLst/>
+          </a:prstGeom>
+        </p:spPr>
+        <p:txBody>
+          <a:bodyPr wrap="square">
+            <a:spAutoFit/>
+          </a:bodyPr>
+          <a:lstStyle/>
+          <a:p>
+            <a:pPr indent="450215" algn="just">
+              <a:lnSpc>
+                <a:spcPct val="150000"/>
+              </a:lnSpc>
+              <a:spcAft>
+                <a:spcPts val="0"/>
+              </a:spcAft>
+            </a:pPr>
+            <a:r>
+              <a:rPr lang="ru-RU" dirty="0">
+                <a:ea typeface="Times New Roman" panose="02020603050405020304" pitchFamily="18" charset="0"/>
+              </a:rPr>
+              <a:t>Выходной слой сети является ретранслирующим, то есть активационная функция каждого нейрона – линейная с параметром 1. </a:t>
+            </a:r>
+            <a:endParaRPr lang="en-US" dirty="0" smtClean="0">
+              <a:ea typeface="Times New Roman" panose="02020603050405020304" pitchFamily="18" charset="0"/>
+            </a:endParaRPr>
+          </a:p>
+          <a:p>
+            <a:pPr indent="450215" algn="just">
+              <a:lnSpc>
+                <a:spcPct val="150000"/>
+              </a:lnSpc>
+              <a:spcAft>
+                <a:spcPts val="0"/>
+              </a:spcAft>
+            </a:pPr>
+            <a:endParaRPr lang="en-US" dirty="0">
+              <a:ea typeface="Times New Roman" panose="02020603050405020304" pitchFamily="18" charset="0"/>
+            </a:endParaRPr>
+          </a:p>
+          <a:p>
+            <a:pPr indent="450215" algn="just">
+              <a:lnSpc>
+                <a:spcPct val="150000"/>
+              </a:lnSpc>
+              <a:spcAft>
+                <a:spcPts val="0"/>
+              </a:spcAft>
+            </a:pPr>
+            <a:endParaRPr lang="en-US" dirty="0" smtClean="0">
+              <a:ea typeface="Times New Roman" panose="02020603050405020304" pitchFamily="18" charset="0"/>
+            </a:endParaRPr>
+          </a:p>
+          <a:p>
+            <a:pPr indent="450215" algn="just">
+              <a:lnSpc>
+                <a:spcPct val="150000"/>
+              </a:lnSpc>
+              <a:spcAft>
+                <a:spcPts val="0"/>
+              </a:spcAft>
+            </a:pPr>
+            <a:endParaRPr lang="en-US" dirty="0">
+              <a:ea typeface="Times New Roman" panose="02020603050405020304" pitchFamily="18" charset="0"/>
+            </a:endParaRPr>
+          </a:p>
+          <a:p>
+            <a:pPr indent="450215" algn="just">
+              <a:lnSpc>
+                <a:spcPct val="150000"/>
+              </a:lnSpc>
+              <a:spcAft>
+                <a:spcPts val="0"/>
+              </a:spcAft>
+            </a:pPr>
+            <a:r>
+              <a:rPr lang="ru-RU" dirty="0" smtClean="0">
+                <a:ea typeface="Times New Roman" panose="02020603050405020304" pitchFamily="18" charset="0"/>
+              </a:rPr>
+              <a:t>Каждый </a:t>
+            </a:r>
+            <a:r>
+              <a:rPr lang="ru-RU" dirty="0">
+                <a:ea typeface="Times New Roman" panose="02020603050405020304" pitchFamily="18" charset="0"/>
+              </a:rPr>
+              <a:t>нейрон моторного слоя должен соответствовать каждой вершине окончательного вывода в исходном графе решений. Значения, полученные в результате работы сети – это и есть решение, проанализировав его, пользователь может сделать выбор.</a:t>
+            </a:r>
           </a:p>
         </p:txBody>
       </p:sp>

--- a/docs/Синтетическая Презентация.pptx
+++ b/docs/Синтетическая Презентация.pptx
@@ -5,7 +5,7 @@
     <p:sldMasterId id="2147483648" r:id="rId1"/>
   </p:sldMasterIdLst>
   <p:notesMasterIdLst>
-    <p:notesMasterId r:id="rId40"/>
+    <p:notesMasterId r:id="rId39"/>
   </p:notesMasterIdLst>
   <p:sldIdLst>
     <p:sldId id="256" r:id="rId2"/>
@@ -23,29 +23,28 @@
     <p:sldId id="273" r:id="rId14"/>
     <p:sldId id="296" r:id="rId15"/>
     <p:sldId id="277" r:id="rId16"/>
-    <p:sldId id="274" r:id="rId17"/>
-    <p:sldId id="298" r:id="rId18"/>
-    <p:sldId id="299" r:id="rId19"/>
-    <p:sldId id="300" r:id="rId20"/>
-    <p:sldId id="283" r:id="rId21"/>
-    <p:sldId id="278" r:id="rId22"/>
-    <p:sldId id="279" r:id="rId23"/>
-    <p:sldId id="289" r:id="rId24"/>
-    <p:sldId id="280" r:id="rId25"/>
-    <p:sldId id="282" r:id="rId26"/>
-    <p:sldId id="281" r:id="rId27"/>
-    <p:sldId id="284" r:id="rId28"/>
-    <p:sldId id="285" r:id="rId29"/>
-    <p:sldId id="288" r:id="rId30"/>
-    <p:sldId id="287" r:id="rId31"/>
-    <p:sldId id="290" r:id="rId32"/>
-    <p:sldId id="275" r:id="rId33"/>
-    <p:sldId id="291" r:id="rId34"/>
-    <p:sldId id="286" r:id="rId35"/>
-    <p:sldId id="292" r:id="rId36"/>
-    <p:sldId id="294" r:id="rId37"/>
-    <p:sldId id="295" r:id="rId38"/>
-    <p:sldId id="293" r:id="rId39"/>
+    <p:sldId id="298" r:id="rId17"/>
+    <p:sldId id="299" r:id="rId18"/>
+    <p:sldId id="300" r:id="rId19"/>
+    <p:sldId id="283" r:id="rId20"/>
+    <p:sldId id="278" r:id="rId21"/>
+    <p:sldId id="279" r:id="rId22"/>
+    <p:sldId id="289" r:id="rId23"/>
+    <p:sldId id="280" r:id="rId24"/>
+    <p:sldId id="282" r:id="rId25"/>
+    <p:sldId id="281" r:id="rId26"/>
+    <p:sldId id="284" r:id="rId27"/>
+    <p:sldId id="285" r:id="rId28"/>
+    <p:sldId id="288" r:id="rId29"/>
+    <p:sldId id="287" r:id="rId30"/>
+    <p:sldId id="290" r:id="rId31"/>
+    <p:sldId id="275" r:id="rId32"/>
+    <p:sldId id="286" r:id="rId33"/>
+    <p:sldId id="292" r:id="rId34"/>
+    <p:sldId id="302" r:id="rId35"/>
+    <p:sldId id="295" r:id="rId36"/>
+    <p:sldId id="301" r:id="rId37"/>
+    <p:sldId id="293" r:id="rId38"/>
   </p:sldIdLst>
   <p:sldSz cx="12192000" cy="6858000"/>
   <p:notesSz cx="6858000" cy="9144000"/>
@@ -234,7 +233,7 @@
           <a:p>
             <a:fld id="{C42DCE4C-8FCE-4E80-9217-3D837E526778}" type="datetimeFigureOut">
               <a:rPr lang="ru-RU" smtClean="0"/>
-              <a:t>31.05.2018</a:t>
+              <a:t>05.06.2018</a:t>
             </a:fld>
             <a:endParaRPr lang="ru-RU"/>
           </a:p>
@@ -693,94 +692,6 @@
       </p:grpSpPr>
       <p:sp>
         <p:nvSpPr>
-          <p:cNvPr id="2" name="Образ слайда 1"/>
-          <p:cNvSpPr>
-            <a:spLocks noGrp="1" noRot="1" noChangeAspect="1"/>
-          </p:cNvSpPr>
-          <p:nvPr>
-            <p:ph type="sldImg"/>
-          </p:nvPr>
-        </p:nvSpPr>
-        <p:spPr/>
-      </p:sp>
-      <p:sp>
-        <p:nvSpPr>
-          <p:cNvPr id="3" name="Заметки 2"/>
-          <p:cNvSpPr>
-            <a:spLocks noGrp="1"/>
-          </p:cNvSpPr>
-          <p:nvPr>
-            <p:ph type="body" idx="1"/>
-          </p:nvPr>
-        </p:nvSpPr>
-        <p:spPr/>
-        <p:txBody>
-          <a:bodyPr/>
-          <a:lstStyle/>
-          <a:p>
-            <a:r>
-              <a:rPr lang="ru-RU" dirty="0" smtClean="0"/>
-              <a:t>Поправить формулы</a:t>
-            </a:r>
-            <a:endParaRPr lang="ru-RU" dirty="0"/>
-          </a:p>
-        </p:txBody>
-      </p:sp>
-      <p:sp>
-        <p:nvSpPr>
-          <p:cNvPr id="4" name="Номер слайда 3"/>
-          <p:cNvSpPr>
-            <a:spLocks noGrp="1"/>
-          </p:cNvSpPr>
-          <p:nvPr>
-            <p:ph type="sldNum" sz="quarter" idx="10"/>
-          </p:nvPr>
-        </p:nvSpPr>
-        <p:spPr/>
-        <p:txBody>
-          <a:bodyPr/>
-          <a:lstStyle/>
-          <a:p>
-            <a:fld id="{2C7D4A87-0084-4BF3-9A89-93A1FE43938D}" type="slidenum">
-              <a:rPr lang="ru-RU" smtClean="0"/>
-              <a:t>16</a:t>
-            </a:fld>
-            <a:endParaRPr lang="ru-RU"/>
-          </a:p>
-        </p:txBody>
-      </p:sp>
-    </p:spTree>
-    <p:extLst>
-      <p:ext uri="{BB962C8B-B14F-4D97-AF65-F5344CB8AC3E}">
-        <p14:creationId xmlns:p14="http://schemas.microsoft.com/office/powerpoint/2010/main" val="1342726019"/>
-      </p:ext>
-    </p:extLst>
-  </p:cSld>
-  <p:clrMapOvr>
-    <a:masterClrMapping/>
-  </p:clrMapOvr>
-</p:notes>
-</file>
-
-<file path=ppt/notesSlides/notesSlide4.xml><?xml version="1.0" encoding="utf-8"?>
-<p:notes xmlns:a="http://schemas.openxmlformats.org/drawingml/2006/main" xmlns:r="http://schemas.openxmlformats.org/officeDocument/2006/relationships" xmlns:p="http://schemas.openxmlformats.org/presentationml/2006/main">
-  <p:cSld>
-    <p:spTree>
-      <p:nvGrpSpPr>
-        <p:cNvPr id="1" name=""/>
-        <p:cNvGrpSpPr/>
-        <p:nvPr/>
-      </p:nvGrpSpPr>
-      <p:grpSpPr>
-        <a:xfrm>
-          <a:off x="0" y="0"/>
-          <a:ext cx="0" cy="0"/>
-          <a:chOff x="0" y="0"/>
-          <a:chExt cx="0" cy="0"/>
-        </a:xfrm>
-      </p:grpSpPr>
-      <p:sp>
-        <p:nvSpPr>
           <p:cNvPr id="2" name="Slide Image Placeholder 1"/>
           <p:cNvSpPr>
             <a:spLocks noGrp="1" noRot="1" noChangeAspect="1"/>
@@ -827,7 +738,7 @@
           <a:p>
             <a:fld id="{2C7D4A87-0084-4BF3-9A89-93A1FE43938D}" type="slidenum">
               <a:rPr lang="ru-RU" smtClean="0"/>
-              <a:t>21</a:t>
+              <a:t>20</a:t>
             </a:fld>
             <a:endParaRPr lang="ru-RU"/>
           </a:p>
@@ -977,7 +888,7 @@
           <a:p>
             <a:fld id="{D3BF58BB-47B0-4CCF-A7AE-B44675AC9136}" type="datetimeFigureOut">
               <a:rPr lang="ru-RU" smtClean="0"/>
-              <a:t>31.05.2018</a:t>
+              <a:t>05.06.2018</a:t>
             </a:fld>
             <a:endParaRPr lang="ru-RU"/>
           </a:p>
@@ -1147,7 +1058,7 @@
           <a:p>
             <a:fld id="{D3BF58BB-47B0-4CCF-A7AE-B44675AC9136}" type="datetimeFigureOut">
               <a:rPr lang="ru-RU" smtClean="0"/>
-              <a:t>31.05.2018</a:t>
+              <a:t>05.06.2018</a:t>
             </a:fld>
             <a:endParaRPr lang="ru-RU"/>
           </a:p>
@@ -1327,7 +1238,7 @@
           <a:p>
             <a:fld id="{D3BF58BB-47B0-4CCF-A7AE-B44675AC9136}" type="datetimeFigureOut">
               <a:rPr lang="ru-RU" smtClean="0"/>
-              <a:t>31.05.2018</a:t>
+              <a:t>05.06.2018</a:t>
             </a:fld>
             <a:endParaRPr lang="ru-RU"/>
           </a:p>
@@ -1546,7 +1457,7 @@
           <a:p>
             <a:fld id="{D3BF58BB-47B0-4CCF-A7AE-B44675AC9136}" type="datetimeFigureOut">
               <a:rPr lang="ru-RU" smtClean="0"/>
-              <a:t>31.05.2018</a:t>
+              <a:t>05.06.2018</a:t>
             </a:fld>
             <a:endParaRPr lang="ru-RU"/>
           </a:p>
@@ -1792,7 +1703,7 @@
           <a:p>
             <a:fld id="{D3BF58BB-47B0-4CCF-A7AE-B44675AC9136}" type="datetimeFigureOut">
               <a:rPr lang="ru-RU" smtClean="0"/>
-              <a:t>31.05.2018</a:t>
+              <a:t>05.06.2018</a:t>
             </a:fld>
             <a:endParaRPr lang="ru-RU"/>
           </a:p>
@@ -2024,7 +1935,7 @@
           <a:p>
             <a:fld id="{D3BF58BB-47B0-4CCF-A7AE-B44675AC9136}" type="datetimeFigureOut">
               <a:rPr lang="ru-RU" smtClean="0"/>
-              <a:t>31.05.2018</a:t>
+              <a:t>05.06.2018</a:t>
             </a:fld>
             <a:endParaRPr lang="ru-RU"/>
           </a:p>
@@ -2391,7 +2302,7 @@
           <a:p>
             <a:fld id="{D3BF58BB-47B0-4CCF-A7AE-B44675AC9136}" type="datetimeFigureOut">
               <a:rPr lang="ru-RU" smtClean="0"/>
-              <a:t>31.05.2018</a:t>
+              <a:t>05.06.2018</a:t>
             </a:fld>
             <a:endParaRPr lang="ru-RU"/>
           </a:p>
@@ -2509,7 +2420,7 @@
           <a:p>
             <a:fld id="{D3BF58BB-47B0-4CCF-A7AE-B44675AC9136}" type="datetimeFigureOut">
               <a:rPr lang="ru-RU" smtClean="0"/>
-              <a:t>31.05.2018</a:t>
+              <a:t>05.06.2018</a:t>
             </a:fld>
             <a:endParaRPr lang="ru-RU"/>
           </a:p>
@@ -2604,7 +2515,7 @@
           <a:p>
             <a:fld id="{D3BF58BB-47B0-4CCF-A7AE-B44675AC9136}" type="datetimeFigureOut">
               <a:rPr lang="ru-RU" smtClean="0"/>
-              <a:t>31.05.2018</a:t>
+              <a:t>05.06.2018</a:t>
             </a:fld>
             <a:endParaRPr lang="ru-RU"/>
           </a:p>
@@ -2881,7 +2792,7 @@
           <a:p>
             <a:fld id="{D3BF58BB-47B0-4CCF-A7AE-B44675AC9136}" type="datetimeFigureOut">
               <a:rPr lang="ru-RU" smtClean="0"/>
-              <a:t>31.05.2018</a:t>
+              <a:t>05.06.2018</a:t>
             </a:fld>
             <a:endParaRPr lang="ru-RU"/>
           </a:p>
@@ -3134,7 +3045,7 @@
           <a:p>
             <a:fld id="{D3BF58BB-47B0-4CCF-A7AE-B44675AC9136}" type="datetimeFigureOut">
               <a:rPr lang="ru-RU" smtClean="0"/>
-              <a:t>31.05.2018</a:t>
+              <a:t>05.06.2018</a:t>
             </a:fld>
             <a:endParaRPr lang="ru-RU"/>
           </a:p>
@@ -3347,7 +3258,7 @@
           <a:p>
             <a:fld id="{D3BF58BB-47B0-4CCF-A7AE-B44675AC9136}" type="datetimeFigureOut">
               <a:rPr lang="ru-RU" smtClean="0"/>
-              <a:t>31.05.2018</a:t>
+              <a:t>05.06.2018</a:t>
             </a:fld>
             <a:endParaRPr lang="ru-RU"/>
           </a:p>
@@ -3777,15 +3688,7 @@
           <a:p>
             <a:r>
               <a:rPr lang="ru-RU" dirty="0" smtClean="0"/>
-              <a:t>«Нейросетевой </a:t>
-            </a:r>
-            <a:r>
-              <a:rPr lang="ru-RU" dirty="0" smtClean="0"/>
-              <a:t>модуль гибридной интеллектуальной </a:t>
-            </a:r>
-            <a:r>
-              <a:rPr lang="ru-RU" dirty="0" smtClean="0"/>
-              <a:t>системы»</a:t>
+              <a:t>«Нейросетевой модуль гибридной интеллектуальной системы»</a:t>
             </a:r>
             <a:endParaRPr lang="ru-RU" dirty="0"/>
           </a:p>
@@ -4670,14 +4573,14 @@
                           <a:latin typeface="Cambria Math" panose="02040503050406030204" pitchFamily="18" charset="0"/>
                           <a:ea typeface="Cambria Math" panose="02040503050406030204" pitchFamily="18" charset="0"/>
                         </a:rPr>
-                        <m:t> −количество верши</m:t>
+                        <m:t> −количество вершин−услови</m:t>
                       </m:r>
                       <m:r>
                         <a:rPr lang="ru-RU" sz="2400" b="0" i="1" smtClean="0">
                           <a:latin typeface="Cambria Math" panose="02040503050406030204" pitchFamily="18" charset="0"/>
                           <a:ea typeface="Cambria Math" panose="02040503050406030204" pitchFamily="18" charset="0"/>
                         </a:rPr>
-                        <m:t>н−условий</m:t>
+                        <m:t>й</m:t>
                       </m:r>
                       <m:d>
                         <m:dPr>
@@ -5070,14 +4973,14 @@
                           <a:latin typeface="Cambria Math" panose="02040503050406030204" pitchFamily="18" charset="0"/>
                           <a:ea typeface="Cambria Math" panose="02040503050406030204" pitchFamily="18" charset="0"/>
                         </a:rPr>
-                        <m:t> −количество вершин оконча</m:t>
+                        <m:t> −количество вершин окончательных </m:t>
                       </m:r>
                       <m:r>
                         <a:rPr lang="ru-RU" sz="2400" b="0" i="1" smtClean="0">
                           <a:latin typeface="Cambria Math" panose="02040503050406030204" pitchFamily="18" charset="0"/>
                           <a:ea typeface="Cambria Math" panose="02040503050406030204" pitchFamily="18" charset="0"/>
                         </a:rPr>
-                        <m:t>тельных выводов</m:t>
+                        <m:t>выводов</m:t>
                       </m:r>
                     </m:oMath>
                   </m:oMathPara>
@@ -5177,15 +5080,15 @@
           <p:nvPr/>
         </p:nvPicPr>
         <p:blipFill>
-          <a:blip r:embed="rId3"/>
+          <a:blip r:embed="rId2"/>
           <a:stretch>
             <a:fillRect/>
           </a:stretch>
         </p:blipFill>
         <p:spPr>
           <a:xfrm>
-            <a:off x="5397463" y="743565"/>
-            <a:ext cx="6640991" cy="4117192"/>
+            <a:off x="1936130" y="625324"/>
+            <a:ext cx="8319740" cy="5157960"/>
           </a:xfrm>
           <a:prstGeom prst="rect">
             <a:avLst/>
@@ -5240,7 +5143,7 @@
         </p:nvSpPr>
         <p:spPr>
           <a:xfrm>
-            <a:off x="5835659" y="5369821"/>
+            <a:off x="3048000" y="5997894"/>
             <a:ext cx="6096000" cy="707886"/>
           </a:xfrm>
           <a:prstGeom prst="rect">
@@ -5266,30 +5169,6 @@
           </a:p>
         </p:txBody>
       </p:sp>
-      <p:pic>
-        <p:nvPicPr>
-          <p:cNvPr id="5" name="Picture 4"/>
-          <p:cNvPicPr>
-            <a:picLocks noChangeAspect="1"/>
-          </p:cNvPicPr>
-          <p:nvPr/>
-        </p:nvPicPr>
-        <p:blipFill>
-          <a:blip r:embed="rId4"/>
-          <a:stretch>
-            <a:fillRect/>
-          </a:stretch>
-        </p:blipFill>
-        <p:spPr>
-          <a:xfrm>
-            <a:off x="96253" y="743566"/>
-            <a:ext cx="5158288" cy="2276475"/>
-          </a:xfrm>
-          <a:prstGeom prst="rect">
-            <a:avLst/>
-          </a:prstGeom>
-        </p:spPr>
-      </p:pic>
       <p:sp>
         <p:nvSpPr>
           <p:cNvPr id="9" name="Rectangle 5"/>
@@ -5350,150 +5229,6 @@
           <a:lstStyle/>
           <a:p>
             <a:endParaRPr lang="ru-RU"/>
-          </a:p>
-        </p:txBody>
-      </p:sp>
-      <p:graphicFrame>
-        <p:nvGraphicFramePr>
-          <p:cNvPr id="10" name="Object 9"/>
-          <p:cNvGraphicFramePr>
-            <a:graphicFrameLocks noChangeAspect="1"/>
-          </p:cNvGraphicFramePr>
-          <p:nvPr>
-            <p:extLst>
-              <p:ext uri="{D42A27DB-BD31-4B8C-83A1-F6EECF244321}">
-                <p14:modId xmlns:p14="http://schemas.microsoft.com/office/powerpoint/2010/main" val="1169081507"/>
-              </p:ext>
-            </p:extLst>
-          </p:nvPr>
-        </p:nvGraphicFramePr>
-        <p:xfrm>
-          <a:off x="1080995" y="3020041"/>
-          <a:ext cx="3062318" cy="847024"/>
-        </p:xfrm>
-        <a:graphic>
-          <a:graphicData uri="http://schemas.openxmlformats.org/presentationml/2006/ole">
-            <mc:AlternateContent xmlns:mc="http://schemas.openxmlformats.org/markup-compatibility/2006">
-              <mc:Choice xmlns:v="urn:schemas-microsoft-com:vml" Requires="v">
-                <p:oleObj spid="_x0000_s1061" r:id="rId5" imgW="1790700" imgH="495300" progId="Equation.3">
-                  <p:embed/>
-                </p:oleObj>
-              </mc:Choice>
-              <mc:Fallback>
-                <p:oleObj r:id="rId5" imgW="1790700" imgH="495300" progId="Equation.3">
-                  <p:embed/>
-                  <p:pic>
-                    <p:nvPicPr>
-                      <p:cNvPr id="0" name="Object 4"/>
-                      <p:cNvPicPr>
-                        <a:picLocks noChangeAspect="1" noChangeArrowheads="1"/>
-                      </p:cNvPicPr>
-                      <p:nvPr/>
-                    </p:nvPicPr>
-                    <p:blipFill>
-                      <a:blip r:embed="rId6">
-                        <a:extLst>
-                          <a:ext uri="{28A0092B-C50C-407E-A947-70E740481C1C}">
-                            <a14:useLocalDpi xmlns:a14="http://schemas.microsoft.com/office/drawing/2010/main" val="0"/>
-                          </a:ext>
-                        </a:extLst>
-                      </a:blip>
-                      <a:srcRect/>
-                      <a:stretch>
-                        <a:fillRect/>
-                      </a:stretch>
-                    </p:blipFill>
-                    <p:spPr bwMode="auto">
-                      <a:xfrm>
-                        <a:off x="1080995" y="3020041"/>
-                        <a:ext cx="3062318" cy="847024"/>
-                      </a:xfrm>
-                      <a:prstGeom prst="rect">
-                        <a:avLst/>
-                      </a:prstGeom>
-                      <a:noFill/>
-                    </p:spPr>
-                  </p:pic>
-                </p:oleObj>
-              </mc:Fallback>
-            </mc:AlternateContent>
-          </a:graphicData>
-        </a:graphic>
-      </p:graphicFrame>
-      <p:sp>
-        <p:nvSpPr>
-          <p:cNvPr id="11" name="TextBox 10"/>
-          <p:cNvSpPr txBox="1"/>
-          <p:nvPr/>
-        </p:nvSpPr>
-        <p:spPr>
-          <a:xfrm>
-            <a:off x="693019" y="743565"/>
-            <a:ext cx="4156715" cy="369332"/>
-          </a:xfrm>
-          <a:prstGeom prst="rect">
-            <a:avLst/>
-          </a:prstGeom>
-          <a:noFill/>
-        </p:spPr>
-        <p:txBody>
-          <a:bodyPr wrap="none" rtlCol="0">
-            <a:spAutoFit/>
-          </a:bodyPr>
-          <a:lstStyle/>
-          <a:p>
-            <a:r>
-              <a:rPr lang="ru-RU" dirty="0" smtClean="0"/>
-              <a:t>Сигмоидальная активационная функция</a:t>
-            </a:r>
-            <a:endParaRPr lang="ru-RU" dirty="0"/>
-          </a:p>
-        </p:txBody>
-      </p:sp>
-      <p:sp>
-        <p:nvSpPr>
-          <p:cNvPr id="12" name="TextBox 11"/>
-          <p:cNvSpPr txBox="1"/>
-          <p:nvPr/>
-        </p:nvSpPr>
-        <p:spPr>
-          <a:xfrm>
-            <a:off x="239175" y="4157742"/>
-            <a:ext cx="5158288" cy="1138773"/>
-          </a:xfrm>
-          <a:prstGeom prst="rect">
-            <a:avLst/>
-          </a:prstGeom>
-          <a:noFill/>
-        </p:spPr>
-        <p:txBody>
-          <a:bodyPr wrap="square" rtlCol="0">
-            <a:spAutoFit/>
-          </a:bodyPr>
-          <a:lstStyle/>
-          <a:p>
-            <a:r>
-              <a:rPr lang="en-US" dirty="0" smtClean="0"/>
-              <a:t>a – </a:t>
-            </a:r>
-            <a:r>
-              <a:rPr lang="ru-RU" dirty="0" smtClean="0"/>
-              <a:t>настроечный параметр</a:t>
-            </a:r>
-          </a:p>
-          <a:p>
-            <a:r>
-              <a:rPr lang="ru-RU" sz="1600" i="1" dirty="0" smtClean="0"/>
-              <a:t>При </a:t>
-            </a:r>
-            <a:r>
-              <a:rPr lang="ru-RU" sz="1600" i="1" dirty="0"/>
-              <a:t>малых значениях настроечного параметра   функция является более пологой, нежели при больших, приближающих ее к единичной ступеньке.</a:t>
-            </a:r>
-            <a:r>
-              <a:rPr lang="ru-RU" i="1" dirty="0"/>
-              <a:t> </a:t>
-            </a:r>
           </a:p>
         </p:txBody>
       </p:sp>
@@ -5547,514 +5282,6 @@
         </p:nvSpPr>
         <p:spPr>
           <a:xfrm>
-            <a:off x="202849" y="131373"/>
-            <a:ext cx="11887903" cy="646331"/>
-          </a:xfrm>
-          <a:prstGeom prst="rect">
-            <a:avLst/>
-          </a:prstGeom>
-        </p:spPr>
-        <p:txBody>
-          <a:bodyPr wrap="square">
-            <a:spAutoFit/>
-          </a:bodyPr>
-          <a:lstStyle/>
-          <a:p>
-            <a:pPr algn="ctr"/>
-            <a:r>
-              <a:rPr lang="ru-RU" sz="3600" dirty="0" smtClean="0">
-                <a:latin typeface="+mj-lt"/>
-              </a:rPr>
-              <a:t>Построение нейронной сети по графу решений</a:t>
-            </a:r>
-            <a:endParaRPr lang="ru-RU" sz="3600" dirty="0">
-              <a:latin typeface="+mj-lt"/>
-            </a:endParaRPr>
-          </a:p>
-        </p:txBody>
-      </p:sp>
-      <p:sp>
-        <p:nvSpPr>
-          <p:cNvPr id="3" name="TextBox 2"/>
-          <p:cNvSpPr txBox="1"/>
-          <p:nvPr/>
-        </p:nvSpPr>
-        <p:spPr>
-          <a:xfrm>
-            <a:off x="304098" y="1567793"/>
-            <a:ext cx="4959451" cy="400110"/>
-          </a:xfrm>
-          <a:prstGeom prst="rect">
-            <a:avLst/>
-          </a:prstGeom>
-          <a:noFill/>
-        </p:spPr>
-        <p:txBody>
-          <a:bodyPr wrap="square" rtlCol="0">
-            <a:spAutoFit/>
-          </a:bodyPr>
-          <a:lstStyle/>
-          <a:p>
-            <a:r>
-              <a:rPr lang="ru-RU" sz="2000" dirty="0" smtClean="0"/>
-              <a:t>Исходящая связь из вершины-овала</a:t>
-            </a:r>
-            <a:endParaRPr lang="ru-RU" sz="2000" dirty="0"/>
-          </a:p>
-        </p:txBody>
-      </p:sp>
-      <p:sp>
-        <p:nvSpPr>
-          <p:cNvPr id="4" name="Стрелка вправо 3"/>
-          <p:cNvSpPr/>
-          <p:nvPr/>
-        </p:nvSpPr>
-        <p:spPr>
-          <a:xfrm>
-            <a:off x="5899275" y="1650399"/>
-            <a:ext cx="748937" cy="234898"/>
-          </a:xfrm>
-          <a:prstGeom prst="rightArrow">
-            <a:avLst/>
-          </a:prstGeom>
-        </p:spPr>
-        <p:style>
-          <a:lnRef idx="2">
-            <a:schemeClr val="dk1">
-              <a:shade val="50000"/>
-            </a:schemeClr>
-          </a:lnRef>
-          <a:fillRef idx="1">
-            <a:schemeClr val="dk1"/>
-          </a:fillRef>
-          <a:effectRef idx="0">
-            <a:schemeClr val="dk1"/>
-          </a:effectRef>
-          <a:fontRef idx="minor">
-            <a:schemeClr val="lt1"/>
-          </a:fontRef>
-        </p:style>
-        <p:txBody>
-          <a:bodyPr rtlCol="0" anchor="ctr"/>
-          <a:lstStyle/>
-          <a:p>
-            <a:pPr algn="ctr"/>
-            <a:endParaRPr lang="ru-RU"/>
-          </a:p>
-        </p:txBody>
-      </p:sp>
-      <p:sp>
-        <p:nvSpPr>
-          <p:cNvPr id="5" name="TextBox 4"/>
-          <p:cNvSpPr txBox="1"/>
-          <p:nvPr/>
-        </p:nvSpPr>
-        <p:spPr>
-          <a:xfrm>
-            <a:off x="7640990" y="1567793"/>
-            <a:ext cx="2873828" cy="400110"/>
-          </a:xfrm>
-          <a:prstGeom prst="rect">
-            <a:avLst/>
-          </a:prstGeom>
-          <a:noFill/>
-        </p:spPr>
-        <p:txBody>
-          <a:bodyPr wrap="square" rtlCol="0">
-            <a:spAutoFit/>
-          </a:bodyPr>
-          <a:lstStyle/>
-          <a:p>
-            <a:r>
-              <a:rPr lang="ru-RU" sz="2000" dirty="0" smtClean="0"/>
-              <a:t>Нейрон сенсорного слоя</a:t>
-            </a:r>
-            <a:endParaRPr lang="ru-RU" sz="2000" dirty="0"/>
-          </a:p>
-        </p:txBody>
-      </p:sp>
-      <p:sp>
-        <p:nvSpPr>
-          <p:cNvPr id="6" name="TextBox 5"/>
-          <p:cNvSpPr txBox="1"/>
-          <p:nvPr/>
-        </p:nvSpPr>
-        <p:spPr>
-          <a:xfrm>
-            <a:off x="304097" y="2229769"/>
-            <a:ext cx="4959451" cy="400110"/>
-          </a:xfrm>
-          <a:prstGeom prst="rect">
-            <a:avLst/>
-          </a:prstGeom>
-          <a:noFill/>
-        </p:spPr>
-        <p:txBody>
-          <a:bodyPr wrap="square" rtlCol="0">
-            <a:spAutoFit/>
-          </a:bodyPr>
-          <a:lstStyle/>
-          <a:p>
-            <a:r>
-              <a:rPr lang="ru-RU" sz="2000" dirty="0" smtClean="0"/>
-              <a:t>Коэффициент уверенности факта</a:t>
-            </a:r>
-            <a:endParaRPr lang="ru-RU" sz="2000" dirty="0"/>
-          </a:p>
-        </p:txBody>
-      </p:sp>
-      <p:sp>
-        <p:nvSpPr>
-          <p:cNvPr id="7" name="Стрелка вправо 6"/>
-          <p:cNvSpPr/>
-          <p:nvPr/>
-        </p:nvSpPr>
-        <p:spPr>
-          <a:xfrm>
-            <a:off x="5899275" y="2312375"/>
-            <a:ext cx="748937" cy="234898"/>
-          </a:xfrm>
-          <a:prstGeom prst="rightArrow">
-            <a:avLst/>
-          </a:prstGeom>
-        </p:spPr>
-        <p:style>
-          <a:lnRef idx="2">
-            <a:schemeClr val="dk1">
-              <a:shade val="50000"/>
-            </a:schemeClr>
-          </a:lnRef>
-          <a:fillRef idx="1">
-            <a:schemeClr val="dk1"/>
-          </a:fillRef>
-          <a:effectRef idx="0">
-            <a:schemeClr val="dk1"/>
-          </a:effectRef>
-          <a:fontRef idx="minor">
-            <a:schemeClr val="lt1"/>
-          </a:fontRef>
-        </p:style>
-        <p:txBody>
-          <a:bodyPr rtlCol="0" anchor="ctr"/>
-          <a:lstStyle/>
-          <a:p>
-            <a:pPr algn="ctr"/>
-            <a:endParaRPr lang="ru-RU"/>
-          </a:p>
-        </p:txBody>
-      </p:sp>
-      <p:sp>
-        <p:nvSpPr>
-          <p:cNvPr id="8" name="TextBox 7"/>
-          <p:cNvSpPr txBox="1"/>
-          <p:nvPr/>
-        </p:nvSpPr>
-        <p:spPr>
-          <a:xfrm>
-            <a:off x="7640989" y="2229769"/>
-            <a:ext cx="3352799" cy="400110"/>
-          </a:xfrm>
-          <a:prstGeom prst="rect">
-            <a:avLst/>
-          </a:prstGeom>
-          <a:noFill/>
-        </p:spPr>
-        <p:txBody>
-          <a:bodyPr wrap="square" rtlCol="0">
-            <a:spAutoFit/>
-          </a:bodyPr>
-          <a:lstStyle/>
-          <a:p>
-            <a:r>
-              <a:rPr lang="ru-RU" sz="2000" dirty="0" smtClean="0"/>
-              <a:t>Синаптический вес связи</a:t>
-            </a:r>
-            <a:endParaRPr lang="ru-RU" sz="2000" dirty="0"/>
-          </a:p>
-        </p:txBody>
-      </p:sp>
-      <p:sp>
-        <p:nvSpPr>
-          <p:cNvPr id="9" name="TextBox 8"/>
-          <p:cNvSpPr txBox="1"/>
-          <p:nvPr/>
-        </p:nvSpPr>
-        <p:spPr>
-          <a:xfrm>
-            <a:off x="304097" y="3351154"/>
-            <a:ext cx="4959451" cy="707886"/>
-          </a:xfrm>
-          <a:prstGeom prst="rect">
-            <a:avLst/>
-          </a:prstGeom>
-          <a:noFill/>
-        </p:spPr>
-        <p:txBody>
-          <a:bodyPr wrap="square" rtlCol="0">
-            <a:spAutoFit/>
-          </a:bodyPr>
-          <a:lstStyle/>
-          <a:p>
-            <a:r>
-              <a:rPr lang="ru-RU" sz="2000" dirty="0" smtClean="0"/>
-              <a:t>Вершина-прямоугольник без исходящих связей(окончательный вывод)</a:t>
-            </a:r>
-            <a:endParaRPr lang="ru-RU" sz="2000" dirty="0"/>
-          </a:p>
-        </p:txBody>
-      </p:sp>
-      <p:sp>
-        <p:nvSpPr>
-          <p:cNvPr id="10" name="Стрелка вправо 9"/>
-          <p:cNvSpPr/>
-          <p:nvPr/>
-        </p:nvSpPr>
-        <p:spPr>
-          <a:xfrm>
-            <a:off x="5899275" y="3433760"/>
-            <a:ext cx="748937" cy="234898"/>
-          </a:xfrm>
-          <a:prstGeom prst="rightArrow">
-            <a:avLst/>
-          </a:prstGeom>
-        </p:spPr>
-        <p:style>
-          <a:lnRef idx="2">
-            <a:schemeClr val="dk1">
-              <a:shade val="50000"/>
-            </a:schemeClr>
-          </a:lnRef>
-          <a:fillRef idx="1">
-            <a:schemeClr val="dk1"/>
-          </a:fillRef>
-          <a:effectRef idx="0">
-            <a:schemeClr val="dk1"/>
-          </a:effectRef>
-          <a:fontRef idx="minor">
-            <a:schemeClr val="lt1"/>
-          </a:fontRef>
-        </p:style>
-        <p:txBody>
-          <a:bodyPr rtlCol="0" anchor="ctr"/>
-          <a:lstStyle/>
-          <a:p>
-            <a:pPr algn="ctr"/>
-            <a:endParaRPr lang="ru-RU"/>
-          </a:p>
-        </p:txBody>
-      </p:sp>
-      <p:sp>
-        <p:nvSpPr>
-          <p:cNvPr id="11" name="TextBox 10"/>
-          <p:cNvSpPr txBox="1"/>
-          <p:nvPr/>
-        </p:nvSpPr>
-        <p:spPr>
-          <a:xfrm>
-            <a:off x="7640989" y="2889490"/>
-            <a:ext cx="4685211" cy="1323439"/>
-          </a:xfrm>
-          <a:prstGeom prst="rect">
-            <a:avLst/>
-          </a:prstGeom>
-          <a:noFill/>
-        </p:spPr>
-        <p:txBody>
-          <a:bodyPr wrap="square" rtlCol="0">
-            <a:spAutoFit/>
-          </a:bodyPr>
-          <a:lstStyle/>
-          <a:p>
-            <a:r>
-              <a:rPr lang="ru-RU" sz="2000" dirty="0" smtClean="0"/>
-              <a:t>Нейрон скрытого слоя, нейрон моторного слоя и связь между ними, с </a:t>
-            </a:r>
-            <a:r>
-              <a:rPr lang="ru-RU" sz="2000" dirty="0" err="1" smtClean="0"/>
-              <a:t>синаптическим</a:t>
-            </a:r>
-            <a:r>
-              <a:rPr lang="ru-RU" sz="2000" dirty="0" smtClean="0"/>
-              <a:t> весом, равным коэф. </a:t>
-            </a:r>
-            <a:r>
-              <a:rPr lang="ru-RU" sz="2000" dirty="0"/>
-              <a:t>у</a:t>
-            </a:r>
-            <a:r>
-              <a:rPr lang="ru-RU" sz="2000" dirty="0" smtClean="0"/>
-              <a:t>веренности вывода</a:t>
-            </a:r>
-            <a:endParaRPr lang="ru-RU" sz="2000" dirty="0"/>
-          </a:p>
-        </p:txBody>
-      </p:sp>
-      <p:sp>
-        <p:nvSpPr>
-          <p:cNvPr id="15" name="TextBox 14"/>
-          <p:cNvSpPr txBox="1"/>
-          <p:nvPr/>
-        </p:nvSpPr>
-        <p:spPr>
-          <a:xfrm>
-            <a:off x="304097" y="4781912"/>
-            <a:ext cx="4959451" cy="707886"/>
-          </a:xfrm>
-          <a:prstGeom prst="rect">
-            <a:avLst/>
-          </a:prstGeom>
-          <a:noFill/>
-        </p:spPr>
-        <p:txBody>
-          <a:bodyPr wrap="square" rtlCol="0">
-            <a:spAutoFit/>
-          </a:bodyPr>
-          <a:lstStyle/>
-          <a:p>
-            <a:r>
-              <a:rPr lang="ru-RU" sz="2000" dirty="0" smtClean="0"/>
-              <a:t>Вершина-прямоугольник с исходящими связями(промежуточный вывод)</a:t>
-            </a:r>
-            <a:endParaRPr lang="ru-RU" sz="2000" dirty="0"/>
-          </a:p>
-        </p:txBody>
-      </p:sp>
-      <p:sp>
-        <p:nvSpPr>
-          <p:cNvPr id="16" name="Стрелка вправо 15"/>
-          <p:cNvSpPr/>
-          <p:nvPr/>
-        </p:nvSpPr>
-        <p:spPr>
-          <a:xfrm>
-            <a:off x="5899275" y="4864518"/>
-            <a:ext cx="748937" cy="234898"/>
-          </a:xfrm>
-          <a:prstGeom prst="rightArrow">
-            <a:avLst/>
-          </a:prstGeom>
-        </p:spPr>
-        <p:style>
-          <a:lnRef idx="2">
-            <a:schemeClr val="dk1">
-              <a:shade val="50000"/>
-            </a:schemeClr>
-          </a:lnRef>
-          <a:fillRef idx="1">
-            <a:schemeClr val="dk1"/>
-          </a:fillRef>
-          <a:effectRef idx="0">
-            <a:schemeClr val="dk1"/>
-          </a:effectRef>
-          <a:fontRef idx="minor">
-            <a:schemeClr val="lt1"/>
-          </a:fontRef>
-        </p:style>
-        <p:txBody>
-          <a:bodyPr rtlCol="0" anchor="ctr"/>
-          <a:lstStyle/>
-          <a:p>
-            <a:pPr algn="ctr"/>
-            <a:endParaRPr lang="ru-RU"/>
-          </a:p>
-        </p:txBody>
-      </p:sp>
-      <p:sp>
-        <p:nvSpPr>
-          <p:cNvPr id="17" name="TextBox 16"/>
-          <p:cNvSpPr txBox="1"/>
-          <p:nvPr/>
-        </p:nvSpPr>
-        <p:spPr>
-          <a:xfrm>
-            <a:off x="7640989" y="4735745"/>
-            <a:ext cx="4685211" cy="1015663"/>
-          </a:xfrm>
-          <a:prstGeom prst="rect">
-            <a:avLst/>
-          </a:prstGeom>
-          <a:noFill/>
-        </p:spPr>
-        <p:txBody>
-          <a:bodyPr wrap="square" rtlCol="0">
-            <a:spAutoFit/>
-          </a:bodyPr>
-          <a:lstStyle/>
-          <a:p>
-            <a:r>
-              <a:rPr lang="ru-RU" sz="2000" dirty="0" smtClean="0"/>
-              <a:t>Нейрон скрытого слоя и связь с </a:t>
-            </a:r>
-            <a:r>
-              <a:rPr lang="ru-RU" sz="2000" dirty="0" err="1" smtClean="0"/>
-              <a:t>синаптическим</a:t>
-            </a:r>
-            <a:r>
-              <a:rPr lang="ru-RU" sz="2000" dirty="0" smtClean="0"/>
-              <a:t> весом </a:t>
-            </a:r>
-            <a:r>
-              <a:rPr lang="ru-RU" sz="2000" dirty="0" err="1" smtClean="0"/>
-              <a:t>коэф</a:t>
-            </a:r>
-            <a:r>
-              <a:rPr lang="ru-RU" sz="2000" dirty="0" smtClean="0"/>
-              <a:t>. уверенности вывода</a:t>
-            </a:r>
-            <a:endParaRPr lang="ru-RU" sz="2000" dirty="0"/>
-          </a:p>
-        </p:txBody>
-      </p:sp>
-    </p:spTree>
-    <p:extLst>
-      <p:ext uri="{BB962C8B-B14F-4D97-AF65-F5344CB8AC3E}">
-        <p14:creationId xmlns:p14="http://schemas.microsoft.com/office/powerpoint/2010/main" val="264802985"/>
-      </p:ext>
-    </p:extLst>
-  </p:cSld>
-  <p:clrMapOvr>
-    <a:masterClrMapping/>
-  </p:clrMapOvr>
-  <mc:AlternateContent xmlns:mc="http://schemas.openxmlformats.org/markup-compatibility/2006" xmlns:p14="http://schemas.microsoft.com/office/powerpoint/2010/main">
-    <mc:Choice Requires="p14">
-      <p:transition spd="med" p14:dur="700">
-        <p:fade/>
-      </p:transition>
-    </mc:Choice>
-    <mc:Fallback xmlns="">
-      <p:transition spd="med">
-        <p:fade/>
-      </p:transition>
-    </mc:Fallback>
-  </mc:AlternateContent>
-</p:sld>
-</file>
-
-<file path=ppt/slides/slide17.xml><?xml version="1.0" encoding="utf-8"?>
-<p:sld xmlns:a="http://schemas.openxmlformats.org/drawingml/2006/main" xmlns:r="http://schemas.openxmlformats.org/officeDocument/2006/relationships" xmlns:p="http://schemas.openxmlformats.org/presentationml/2006/main">
-  <p:cSld>
-    <p:spTree>
-      <p:nvGrpSpPr>
-        <p:cNvPr id="1" name=""/>
-        <p:cNvGrpSpPr/>
-        <p:nvPr/>
-      </p:nvGrpSpPr>
-      <p:grpSpPr>
-        <a:xfrm>
-          <a:off x="0" y="0"/>
-          <a:ext cx="0" cy="0"/>
-          <a:chOff x="0" y="0"/>
-          <a:chExt cx="0" cy="0"/>
-        </a:xfrm>
-      </p:grpSpPr>
-      <p:sp>
-        <p:nvSpPr>
-          <p:cNvPr id="2" name="Прямоугольник 1"/>
-          <p:cNvSpPr/>
-          <p:nvPr/>
-        </p:nvSpPr>
-        <p:spPr>
-          <a:xfrm>
             <a:off x="4227543" y="110721"/>
             <a:ext cx="3736920" cy="707886"/>
           </a:xfrm>
@@ -6105,8 +5332,8 @@
           </a:prstGeom>
         </p:spPr>
       </p:pic>
-      <mc:AlternateContent xmlns:mc="http://schemas.openxmlformats.org/markup-compatibility/2006">
-        <mc:Choice xmlns:a14="http://schemas.microsoft.com/office/drawing/2010/main" Requires="a14">
+      <mc:AlternateContent xmlns:mc="http://schemas.openxmlformats.org/markup-compatibility/2006" xmlns:a14="http://schemas.microsoft.com/office/drawing/2010/main">
+        <mc:Choice Requires="a14">
           <p:sp>
             <p:nvSpPr>
               <p:cNvPr id="4" name="Прямоугольник 3"/>
@@ -6264,6 +5491,7 @@
                       <m:sSubPr>
                         <m:ctrlPr>
                           <a:rPr lang="ru-RU" i="1">
+                            <a:latin typeface="Cambria Math" panose="02040503050406030204" pitchFamily="18" charset="0"/>
                             <a:ea typeface="Times New Roman" panose="02020603050405020304" pitchFamily="18" charset="0"/>
                           </a:rPr>
                         </m:ctrlPr>
@@ -6271,6 +5499,7 @@
                       <m:e>
                         <m:r>
                           <a:rPr lang="en-US" i="1">
+                            <a:latin typeface="Cambria Math" panose="02040503050406030204" pitchFamily="18" charset="0"/>
                             <a:ea typeface="Times New Roman" panose="02020603050405020304" pitchFamily="18" charset="0"/>
                           </a:rPr>
                           <m:t>𝑠</m:t>
@@ -6279,6 +5508,7 @@
                       <m:sub>
                         <m:r>
                           <a:rPr lang="en-US" i="1">
+                            <a:latin typeface="Cambria Math" panose="02040503050406030204" pitchFamily="18" charset="0"/>
                             <a:ea typeface="Times New Roman" panose="02020603050405020304" pitchFamily="18" charset="0"/>
                           </a:rPr>
                           <m:t>0</m:t>
@@ -6321,7 +5551,7 @@
             </p:txBody>
           </p:sp>
         </mc:Choice>
-        <mc:Fallback>
+        <mc:Fallback xmlns="">
           <p:sp>
             <p:nvSpPr>
               <p:cNvPr id="4" name="Прямоугольник 3"/>
@@ -6449,7 +5679,7 @@
 </p:sld>
 </file>
 
-<file path=ppt/slides/slide18.xml><?xml version="1.0" encoding="utf-8"?>
+<file path=ppt/slides/slide17.xml><?xml version="1.0" encoding="utf-8"?>
 <p:sld xmlns:a="http://schemas.openxmlformats.org/drawingml/2006/main" xmlns:r="http://schemas.openxmlformats.org/officeDocument/2006/relationships" xmlns:p="http://schemas.openxmlformats.org/presentationml/2006/main">
   <p:cSld>
     <p:spTree>
@@ -6599,7 +5829,7 @@
             <p:spPr>
               <a:xfrm>
                 <a:off x="2818090" y="4395305"/>
-                <a:ext cx="6096000" cy="1293175"/>
+                <a:ext cx="6096000" cy="2124171"/>
               </a:xfrm>
               <a:prstGeom prst="rect">
                 <a:avLst/>
@@ -6786,7 +6016,31 @@
                   <a:rPr lang="ru-RU" dirty="0">
                     <a:ea typeface="Times New Roman" panose="02020603050405020304" pitchFamily="18" charset="0"/>
                   </a:rPr>
-                  <a:t>настроечный параметр функции</a:t>
+                  <a:t>настроечный параметр </a:t>
+                </a:r>
+                <a:r>
+                  <a:rPr lang="ru-RU" dirty="0" smtClean="0">
+                    <a:ea typeface="Times New Roman" panose="02020603050405020304" pitchFamily="18" charset="0"/>
+                  </a:rPr>
+                  <a:t>функции</a:t>
+                </a:r>
+                <a:r>
+                  <a:rPr lang="en-US" dirty="0" smtClean="0">
+                    <a:ea typeface="Times New Roman" panose="02020603050405020304" pitchFamily="18" charset="0"/>
+                  </a:rPr>
+                  <a:t>. </a:t>
+                </a:r>
+                <a:r>
+                  <a:rPr lang="ru-RU" dirty="0" smtClean="0">
+                    <a:ea typeface="Times New Roman" panose="02020603050405020304" pitchFamily="18" charset="0"/>
+                  </a:rPr>
+                  <a:t>При </a:t>
+                </a:r>
+                <a:r>
+                  <a:rPr lang="ru-RU" dirty="0">
+                    <a:ea typeface="Times New Roman" panose="02020603050405020304" pitchFamily="18" charset="0"/>
+                  </a:rPr>
+                  <a:t>малых значениях настроечного параметра   функция является более пологой, нежели при больших, приближающих ее к единичной ступеньке. </a:t>
                 </a:r>
               </a:p>
             </p:txBody>
@@ -6804,7 +6058,7 @@
             <p:spPr>
               <a:xfrm>
                 <a:off x="2818090" y="4395305"/>
-                <a:ext cx="6096000" cy="1293175"/>
+                <a:ext cx="6096000" cy="2124171"/>
               </a:xfrm>
               <a:prstGeom prst="rect">
                 <a:avLst/>
@@ -6812,7 +6066,7 @@
               <a:blipFill>
                 <a:blip r:embed="rId4"/>
                 <a:stretch>
-                  <a:fillRect l="-800" r="-900" b="-3302"/>
+                  <a:fillRect l="-800" r="-900" b="-1724"/>
                 </a:stretch>
               </a:blipFill>
             </p:spPr>
@@ -6856,6 +6110,184 @@
 </p:sld>
 </file>
 
+<file path=ppt/slides/slide18.xml><?xml version="1.0" encoding="utf-8"?>
+<p:sld xmlns:a="http://schemas.openxmlformats.org/drawingml/2006/main" xmlns:r="http://schemas.openxmlformats.org/officeDocument/2006/relationships" xmlns:p="http://schemas.openxmlformats.org/presentationml/2006/main">
+  <p:cSld>
+    <p:spTree>
+      <p:nvGrpSpPr>
+        <p:cNvPr id="1" name=""/>
+        <p:cNvGrpSpPr/>
+        <p:nvPr/>
+      </p:nvGrpSpPr>
+      <p:grpSpPr>
+        <a:xfrm>
+          <a:off x="0" y="0"/>
+          <a:ext cx="0" cy="0"/>
+          <a:chOff x="0" y="0"/>
+          <a:chExt cx="0" cy="0"/>
+        </a:xfrm>
+      </p:grpSpPr>
+      <p:sp>
+        <p:nvSpPr>
+          <p:cNvPr id="2" name="Прямоугольник 1"/>
+          <p:cNvSpPr/>
+          <p:nvPr/>
+        </p:nvSpPr>
+        <p:spPr>
+          <a:xfrm>
+            <a:off x="4286055" y="110721"/>
+            <a:ext cx="3619902" cy="707886"/>
+          </a:xfrm>
+          <a:prstGeom prst="rect">
+            <a:avLst/>
+          </a:prstGeom>
+        </p:spPr>
+        <p:txBody>
+          <a:bodyPr wrap="none">
+            <a:spAutoFit/>
+          </a:bodyPr>
+          <a:lstStyle/>
+          <a:p>
+            <a:pPr algn="ctr"/>
+            <a:r>
+              <a:rPr lang="ru-RU" sz="4000" dirty="0" smtClean="0">
+                <a:latin typeface="+mj-lt"/>
+              </a:rPr>
+              <a:t>Моторный слой</a:t>
+            </a:r>
+            <a:endParaRPr lang="ru-RU" sz="4000" dirty="0">
+              <a:latin typeface="+mj-lt"/>
+            </a:endParaRPr>
+          </a:p>
+        </p:txBody>
+      </p:sp>
+      <p:sp>
+        <p:nvSpPr>
+          <p:cNvPr id="3" name="Прямоугольник 2"/>
+          <p:cNvSpPr/>
+          <p:nvPr/>
+        </p:nvSpPr>
+        <p:spPr>
+          <a:xfrm>
+            <a:off x="1086415" y="1684146"/>
+            <a:ext cx="10583501" cy="3416320"/>
+          </a:xfrm>
+          <a:prstGeom prst="rect">
+            <a:avLst/>
+          </a:prstGeom>
+        </p:spPr>
+        <p:txBody>
+          <a:bodyPr wrap="square">
+            <a:spAutoFit/>
+          </a:bodyPr>
+          <a:lstStyle/>
+          <a:p>
+            <a:pPr indent="450215" algn="just">
+              <a:lnSpc>
+                <a:spcPct val="150000"/>
+              </a:lnSpc>
+              <a:spcAft>
+                <a:spcPts val="0"/>
+              </a:spcAft>
+            </a:pPr>
+            <a:r>
+              <a:rPr lang="ru-RU" dirty="0">
+                <a:ea typeface="Times New Roman" panose="02020603050405020304" pitchFamily="18" charset="0"/>
+              </a:rPr>
+              <a:t>Выходной слой сети является ретранслирующим, то есть активационная функция каждого нейрона – линейная с параметром 1. </a:t>
+            </a:r>
+            <a:endParaRPr lang="en-US" dirty="0" smtClean="0">
+              <a:ea typeface="Times New Roman" panose="02020603050405020304" pitchFamily="18" charset="0"/>
+            </a:endParaRPr>
+          </a:p>
+          <a:p>
+            <a:pPr indent="450215" algn="just">
+              <a:lnSpc>
+                <a:spcPct val="150000"/>
+              </a:lnSpc>
+              <a:spcAft>
+                <a:spcPts val="0"/>
+              </a:spcAft>
+            </a:pPr>
+            <a:endParaRPr lang="en-US" dirty="0">
+              <a:ea typeface="Times New Roman" panose="02020603050405020304" pitchFamily="18" charset="0"/>
+            </a:endParaRPr>
+          </a:p>
+          <a:p>
+            <a:pPr indent="450215" algn="just">
+              <a:lnSpc>
+                <a:spcPct val="150000"/>
+              </a:lnSpc>
+              <a:spcAft>
+                <a:spcPts val="0"/>
+              </a:spcAft>
+            </a:pPr>
+            <a:endParaRPr lang="en-US" dirty="0" smtClean="0">
+              <a:ea typeface="Times New Roman" panose="02020603050405020304" pitchFamily="18" charset="0"/>
+            </a:endParaRPr>
+          </a:p>
+          <a:p>
+            <a:pPr indent="450215" algn="just">
+              <a:lnSpc>
+                <a:spcPct val="150000"/>
+              </a:lnSpc>
+              <a:spcAft>
+                <a:spcPts val="0"/>
+              </a:spcAft>
+            </a:pPr>
+            <a:endParaRPr lang="en-US" dirty="0">
+              <a:ea typeface="Times New Roman" panose="02020603050405020304" pitchFamily="18" charset="0"/>
+            </a:endParaRPr>
+          </a:p>
+          <a:p>
+            <a:pPr indent="450215" algn="just">
+              <a:lnSpc>
+                <a:spcPct val="150000"/>
+              </a:lnSpc>
+              <a:spcAft>
+                <a:spcPts val="0"/>
+              </a:spcAft>
+            </a:pPr>
+            <a:r>
+              <a:rPr lang="ru-RU" dirty="0" smtClean="0">
+                <a:ea typeface="Times New Roman" panose="02020603050405020304" pitchFamily="18" charset="0"/>
+              </a:rPr>
+              <a:t>Каждый </a:t>
+            </a:r>
+            <a:r>
+              <a:rPr lang="ru-RU" dirty="0">
+                <a:ea typeface="Times New Roman" panose="02020603050405020304" pitchFamily="18" charset="0"/>
+              </a:rPr>
+              <a:t>нейрон моторного слоя должен соответствовать каждой вершине окончательного вывода в исходном графе решений. Значения, полученные в результате работы сети – это и есть решение, проанализировав его, пользователь может сделать выбор.</a:t>
+            </a:r>
+          </a:p>
+        </p:txBody>
+      </p:sp>
+    </p:spTree>
+    <p:extLst>
+      <p:ext uri="{BB962C8B-B14F-4D97-AF65-F5344CB8AC3E}">
+        <p14:creationId xmlns:p14="http://schemas.microsoft.com/office/powerpoint/2010/main" val="2521649399"/>
+      </p:ext>
+    </p:extLst>
+  </p:cSld>
+  <p:clrMapOvr>
+    <a:masterClrMapping/>
+  </p:clrMapOvr>
+  <mc:AlternateContent xmlns:mc="http://schemas.openxmlformats.org/markup-compatibility/2006" xmlns:p14="http://schemas.microsoft.com/office/powerpoint/2010/main">
+    <mc:Choice Requires="p14">
+      <p:transition spd="med" p14:dur="700">
+        <p:fade/>
+      </p:transition>
+    </mc:Choice>
+    <mc:Fallback xmlns="">
+      <p:transition spd="med">
+        <p:fade/>
+      </p:transition>
+    </mc:Fallback>
+  </mc:AlternateContent>
+</p:sld>
+</file>
+
 <file path=ppt/slides/slide19.xml><?xml version="1.0" encoding="utf-8"?>
 <p:sld xmlns:a="http://schemas.openxmlformats.org/drawingml/2006/main" xmlns:r="http://schemas.openxmlformats.org/officeDocument/2006/relationships" xmlns:p="http://schemas.openxmlformats.org/presentationml/2006/main">
   <p:cSld>
@@ -6875,35 +6307,48 @@
       </p:grpSpPr>
       <p:sp>
         <p:nvSpPr>
-          <p:cNvPr id="2" name="Прямоугольник 1"/>
-          <p:cNvSpPr/>
+          <p:cNvPr id="2" name="TextBox 1"/>
+          <p:cNvSpPr txBox="1"/>
           <p:nvPr/>
         </p:nvSpPr>
         <p:spPr>
           <a:xfrm>
-            <a:off x="4286055" y="110721"/>
-            <a:ext cx="3619902" cy="707886"/>
+            <a:off x="856381" y="2037807"/>
+            <a:ext cx="10479238" cy="1938992"/>
           </a:xfrm>
           <a:prstGeom prst="rect">
             <a:avLst/>
           </a:prstGeom>
-        </p:spPr>
-        <p:txBody>
-          <a:bodyPr wrap="none">
+          <a:noFill/>
+        </p:spPr>
+        <p:txBody>
+          <a:bodyPr wrap="square" rtlCol="0">
             <a:spAutoFit/>
           </a:bodyPr>
           <a:lstStyle/>
           <a:p>
-            <a:pPr algn="ctr"/>
-            <a:r>
-              <a:rPr lang="ru-RU" sz="4000" dirty="0" smtClean="0">
-                <a:latin typeface="+mj-lt"/>
-              </a:rPr>
-              <a:t>Моторный слой</a:t>
-            </a:r>
-            <a:endParaRPr lang="ru-RU" sz="4000" dirty="0">
-              <a:latin typeface="+mj-lt"/>
-            </a:endParaRPr>
+            <a:pPr marL="514350" indent="-514350">
+              <a:buAutoNum type="arabicPeriod"/>
+            </a:pPr>
+            <a:r>
+              <a:rPr lang="ru-RU" sz="2400" dirty="0" smtClean="0"/>
+              <a:t>Поставить в соответствие коэффициентам уверенности пороги активационных функций</a:t>
+            </a:r>
+          </a:p>
+          <a:p>
+            <a:pPr marL="514350" indent="-514350">
+              <a:buAutoNum type="arabicPeriod"/>
+            </a:pPr>
+            <a:endParaRPr lang="ru-RU" sz="2400" dirty="0"/>
+          </a:p>
+          <a:p>
+            <a:pPr marL="514350" indent="-514350">
+              <a:buAutoNum type="arabicPeriod"/>
+            </a:pPr>
+            <a:r>
+              <a:rPr lang="ru-RU" sz="2400" dirty="0" smtClean="0"/>
+              <a:t>Поставить в соответствие коэффициентам уверенности настроечные параметры функций</a:t>
+            </a:r>
           </a:p>
         </p:txBody>
       </p:sp>
@@ -6915,8 +6360,8 @@
         </p:nvSpPr>
         <p:spPr>
           <a:xfrm>
-            <a:off x="1086415" y="1684146"/>
-            <a:ext cx="10583501" cy="3416320"/>
+            <a:off x="152049" y="0"/>
+            <a:ext cx="11887903" cy="1200329"/>
           </a:xfrm>
           <a:prstGeom prst="rect">
             <a:avLst/>
@@ -6928,91 +6373,23 @@
           </a:bodyPr>
           <a:lstStyle/>
           <a:p>
-            <a:pPr indent="450215" algn="just">
-              <a:lnSpc>
-                <a:spcPct val="150000"/>
-              </a:lnSpc>
-              <a:spcAft>
-                <a:spcPts val="0"/>
-              </a:spcAft>
-            </a:pPr>
-            <a:r>
-              <a:rPr lang="ru-RU" dirty="0">
-                <a:ea typeface="Times New Roman" panose="02020603050405020304" pitchFamily="18" charset="0"/>
+            <a:pPr algn="ctr"/>
+            <a:r>
+              <a:rPr lang="ru-RU" sz="3600" dirty="0" smtClean="0">
+                <a:latin typeface="+mj-lt"/>
               </a:rPr>
-              <a:t>Выходной слой сети является ретранслирующим, то есть активационная функция каждого нейрона – линейная с параметром 1. </a:t>
-            </a:r>
-            <a:endParaRPr lang="en-US" dirty="0" smtClean="0">
-              <a:ea typeface="Times New Roman" panose="02020603050405020304" pitchFamily="18" charset="0"/>
+              <a:t>Альтернативные варианты механизма построения нейронной сети по графу решений</a:t>
+            </a:r>
+            <a:endParaRPr lang="ru-RU" sz="3600" dirty="0">
+              <a:latin typeface="+mj-lt"/>
             </a:endParaRPr>
-          </a:p>
-          <a:p>
-            <a:pPr indent="450215" algn="just">
-              <a:lnSpc>
-                <a:spcPct val="150000"/>
-              </a:lnSpc>
-              <a:spcAft>
-                <a:spcPts val="0"/>
-              </a:spcAft>
-            </a:pPr>
-            <a:endParaRPr lang="en-US" dirty="0">
-              <a:ea typeface="Times New Roman" panose="02020603050405020304" pitchFamily="18" charset="0"/>
-            </a:endParaRPr>
-          </a:p>
-          <a:p>
-            <a:pPr indent="450215" algn="just">
-              <a:lnSpc>
-                <a:spcPct val="150000"/>
-              </a:lnSpc>
-              <a:spcAft>
-                <a:spcPts val="0"/>
-              </a:spcAft>
-            </a:pPr>
-            <a:endParaRPr lang="en-US" dirty="0" smtClean="0">
-              <a:ea typeface="Times New Roman" panose="02020603050405020304" pitchFamily="18" charset="0"/>
-            </a:endParaRPr>
-          </a:p>
-          <a:p>
-            <a:pPr indent="450215" algn="just">
-              <a:lnSpc>
-                <a:spcPct val="150000"/>
-              </a:lnSpc>
-              <a:spcAft>
-                <a:spcPts val="0"/>
-              </a:spcAft>
-            </a:pPr>
-            <a:endParaRPr lang="en-US" dirty="0">
-              <a:ea typeface="Times New Roman" panose="02020603050405020304" pitchFamily="18" charset="0"/>
-            </a:endParaRPr>
-          </a:p>
-          <a:p>
-            <a:pPr indent="450215" algn="just">
-              <a:lnSpc>
-                <a:spcPct val="150000"/>
-              </a:lnSpc>
-              <a:spcAft>
-                <a:spcPts val="0"/>
-              </a:spcAft>
-            </a:pPr>
-            <a:r>
-              <a:rPr lang="ru-RU" dirty="0" smtClean="0">
-                <a:ea typeface="Times New Roman" panose="02020603050405020304" pitchFamily="18" charset="0"/>
-              </a:rPr>
-              <a:t>Каждый </a:t>
-            </a:r>
-            <a:r>
-              <a:rPr lang="ru-RU" dirty="0">
-                <a:ea typeface="Times New Roman" panose="02020603050405020304" pitchFamily="18" charset="0"/>
-              </a:rPr>
-              <a:t>нейрон моторного слоя должен соответствовать каждой вершине окончательного вывода в исходном графе решений. Значения, полученные в результате работы сети – это и есть решение, проанализировав его, пользователь может сделать выбор.</a:t>
-            </a:r>
           </a:p>
         </p:txBody>
       </p:sp>
     </p:spTree>
     <p:extLst>
       <p:ext uri="{BB962C8B-B14F-4D97-AF65-F5344CB8AC3E}">
-        <p14:creationId xmlns:p14="http://schemas.microsoft.com/office/powerpoint/2010/main" val="2521649399"/>
+        <p14:creationId xmlns:p14="http://schemas.microsoft.com/office/powerpoint/2010/main" val="617455400"/>
       </p:ext>
     </p:extLst>
   </p:cSld>
@@ -7154,14 +6531,48 @@
       </p:grpSpPr>
       <p:sp>
         <p:nvSpPr>
-          <p:cNvPr id="2" name="TextBox 1"/>
+          <p:cNvPr id="2" name="Прямоугольник 1"/>
+          <p:cNvSpPr/>
+          <p:nvPr/>
+        </p:nvSpPr>
+        <p:spPr>
+          <a:xfrm>
+            <a:off x="152049" y="0"/>
+            <a:ext cx="11887903" cy="646331"/>
+          </a:xfrm>
+          <a:prstGeom prst="rect">
+            <a:avLst/>
+          </a:prstGeom>
+        </p:spPr>
+        <p:txBody>
+          <a:bodyPr wrap="square">
+            <a:spAutoFit/>
+          </a:bodyPr>
+          <a:lstStyle/>
+          <a:p>
+            <a:pPr algn="ctr"/>
+            <a:r>
+              <a:rPr lang="ru-RU" sz="3600" dirty="0" smtClean="0">
+                <a:latin typeface="+mj-lt"/>
+              </a:rPr>
+              <a:t>Дообучение нейронной сети</a:t>
+            </a:r>
+            <a:endParaRPr lang="ru-RU" sz="3600" dirty="0">
+              <a:latin typeface="+mj-lt"/>
+            </a:endParaRPr>
+          </a:p>
+        </p:txBody>
+      </p:sp>
+      <p:sp>
+        <p:nvSpPr>
+          <p:cNvPr id="3" name="TextBox 2"/>
           <p:cNvSpPr txBox="1"/>
           <p:nvPr/>
         </p:nvSpPr>
         <p:spPr>
           <a:xfrm>
-            <a:off x="856381" y="2037807"/>
-            <a:ext cx="10479238" cy="1938992"/>
+            <a:off x="856381" y="1515293"/>
+            <a:ext cx="10479238" cy="1569660"/>
           </a:xfrm>
           <a:prstGeom prst="rect">
             <a:avLst/>
@@ -7179,7 +6590,7 @@
             </a:pPr>
             <a:r>
               <a:rPr lang="ru-RU" sz="2400" dirty="0" smtClean="0"/>
-              <a:t>Поставить в соответствие коэффициентам уверенности пороги активационных функций</a:t>
+              <a:t>Генетический алгоритм для непрерывного случая. Значения синаптических весов – особи. Матрица синаптических весов – популяция.</a:t>
             </a:r>
           </a:p>
           <a:p>
@@ -7194,49 +6605,15 @@
             </a:pPr>
             <a:r>
               <a:rPr lang="ru-RU" sz="2400" dirty="0" smtClean="0"/>
-              <a:t>Поставить в соответствие коэффициентам уверенности настроечные параметры функций</a:t>
-            </a:r>
-          </a:p>
-        </p:txBody>
-      </p:sp>
-      <p:sp>
-        <p:nvSpPr>
-          <p:cNvPr id="3" name="Прямоугольник 2"/>
-          <p:cNvSpPr/>
-          <p:nvPr/>
-        </p:nvSpPr>
-        <p:spPr>
-          <a:xfrm>
-            <a:off x="152049" y="0"/>
-            <a:ext cx="11887903" cy="1200329"/>
-          </a:xfrm>
-          <a:prstGeom prst="rect">
-            <a:avLst/>
-          </a:prstGeom>
-        </p:spPr>
-        <p:txBody>
-          <a:bodyPr wrap="square">
-            <a:spAutoFit/>
-          </a:bodyPr>
-          <a:lstStyle/>
-          <a:p>
-            <a:pPr algn="ctr"/>
-            <a:r>
-              <a:rPr lang="ru-RU" sz="3600" dirty="0" smtClean="0">
-                <a:latin typeface="+mj-lt"/>
-              </a:rPr>
-              <a:t>Альтернативные варианты механизма построения нейронной сети по графу решений</a:t>
-            </a:r>
-            <a:endParaRPr lang="ru-RU" sz="3600" dirty="0">
-              <a:latin typeface="+mj-lt"/>
-            </a:endParaRPr>
+              <a:t>Модификация алгоритма обратного распространения ошибки</a:t>
+            </a:r>
           </a:p>
         </p:txBody>
       </p:sp>
     </p:spTree>
     <p:extLst>
       <p:ext uri="{BB962C8B-B14F-4D97-AF65-F5344CB8AC3E}">
-        <p14:creationId xmlns:p14="http://schemas.microsoft.com/office/powerpoint/2010/main" val="617455400"/>
+        <p14:creationId xmlns:p14="http://schemas.microsoft.com/office/powerpoint/2010/main" val="501895532"/>
       </p:ext>
     </p:extLst>
   </p:cSld>
@@ -7277,89 +6654,58 @@
       </p:grpSpPr>
       <p:sp>
         <p:nvSpPr>
-          <p:cNvPr id="2" name="Прямоугольник 1"/>
-          <p:cNvSpPr/>
+          <p:cNvPr id="2" name="Заголовок 1"/>
+          <p:cNvSpPr txBox="1">
+            <a:spLocks/>
+          </p:cNvSpPr>
           <p:nvPr/>
         </p:nvSpPr>
         <p:spPr>
           <a:xfrm>
-            <a:off x="152049" y="0"/>
-            <a:ext cx="11887903" cy="646331"/>
+            <a:off x="228079" y="2144485"/>
+            <a:ext cx="11735842" cy="2569030"/>
           </a:xfrm>
           <a:prstGeom prst="rect">
             <a:avLst/>
           </a:prstGeom>
         </p:spPr>
         <p:txBody>
-          <a:bodyPr wrap="square">
-            <a:spAutoFit/>
+          <a:bodyPr vert="horz" lIns="91440" tIns="45720" rIns="91440" bIns="45720" rtlCol="0" anchor="ctr">
+            <a:noAutofit/>
           </a:bodyPr>
-          <a:lstStyle/>
+          <a:lstStyle>
+            <a:lvl1pPr algn="l" defTabSz="914400" rtl="0" eaLnBrk="1" latinLnBrk="0" hangingPunct="1">
+              <a:lnSpc>
+                <a:spcPct val="90000"/>
+              </a:lnSpc>
+              <a:spcBef>
+                <a:spcPct val="0"/>
+              </a:spcBef>
+              <a:buNone/>
+              <a:defRPr sz="4400" kern="1200">
+                <a:solidFill>
+                  <a:schemeClr val="tx1"/>
+                </a:solidFill>
+                <a:latin typeface="+mj-lt"/>
+                <a:ea typeface="+mj-ea"/>
+                <a:cs typeface="+mj-cs"/>
+              </a:defRPr>
+            </a:lvl1pPr>
+          </a:lstStyle>
           <a:p>
             <a:pPr algn="ctr"/>
             <a:r>
-              <a:rPr lang="ru-RU" sz="3600" dirty="0" smtClean="0">
-                <a:latin typeface="+mj-lt"/>
-              </a:rPr>
-              <a:t>Дообучение нейронной сети</a:t>
-            </a:r>
-            <a:endParaRPr lang="ru-RU" sz="3600" dirty="0">
-              <a:latin typeface="+mj-lt"/>
-            </a:endParaRPr>
-          </a:p>
-        </p:txBody>
-      </p:sp>
-      <p:sp>
-        <p:nvSpPr>
-          <p:cNvPr id="3" name="TextBox 2"/>
-          <p:cNvSpPr txBox="1"/>
-          <p:nvPr/>
-        </p:nvSpPr>
-        <p:spPr>
-          <a:xfrm>
-            <a:off x="856381" y="1515293"/>
-            <a:ext cx="10479238" cy="1569660"/>
-          </a:xfrm>
-          <a:prstGeom prst="rect">
-            <a:avLst/>
-          </a:prstGeom>
-          <a:noFill/>
-        </p:spPr>
-        <p:txBody>
-          <a:bodyPr wrap="square" rtlCol="0">
-            <a:spAutoFit/>
-          </a:bodyPr>
-          <a:lstStyle/>
-          <a:p>
-            <a:pPr marL="514350" indent="-514350">
-              <a:buAutoNum type="arabicPeriod"/>
-            </a:pPr>
-            <a:r>
-              <a:rPr lang="ru-RU" sz="2400" dirty="0" smtClean="0"/>
-              <a:t>Генетический алгоритм для непрерывного случая. Значения синаптических весов – особи. Матрица синаптических весов – популяция.</a:t>
-            </a:r>
-          </a:p>
-          <a:p>
-            <a:pPr marL="514350" indent="-514350">
-              <a:buAutoNum type="arabicPeriod"/>
-            </a:pPr>
-            <a:endParaRPr lang="ru-RU" sz="2400" dirty="0"/>
-          </a:p>
-          <a:p>
-            <a:pPr marL="514350" indent="-514350">
-              <a:buAutoNum type="arabicPeriod"/>
-            </a:pPr>
-            <a:r>
-              <a:rPr lang="ru-RU" sz="2400" dirty="0" smtClean="0"/>
-              <a:t>Модификация алгоритма обратного распространения ошибки</a:t>
-            </a:r>
+              <a:rPr lang="ru-RU" sz="8000" dirty="0" smtClean="0"/>
+              <a:t>Архитектура программной системы</a:t>
+            </a:r>
+            <a:endParaRPr lang="ru-RU" sz="8000" dirty="0"/>
           </a:p>
         </p:txBody>
       </p:sp>
     </p:spTree>
     <p:extLst>
       <p:ext uri="{BB962C8B-B14F-4D97-AF65-F5344CB8AC3E}">
-        <p14:creationId xmlns:p14="http://schemas.microsoft.com/office/powerpoint/2010/main" val="501895532"/>
+        <p14:creationId xmlns:p14="http://schemas.microsoft.com/office/powerpoint/2010/main" val="1519161513"/>
       </p:ext>
     </p:extLst>
   </p:cSld>
@@ -7398,60 +6744,66 @@
           <a:chExt cx="0" cy="0"/>
         </a:xfrm>
       </p:grpSpPr>
-      <p:sp>
-        <p:nvSpPr>
-          <p:cNvPr id="2" name="Заголовок 1"/>
-          <p:cNvSpPr txBox="1">
-            <a:spLocks/>
-          </p:cNvSpPr>
+      <p:pic>
+        <p:nvPicPr>
+          <p:cNvPr id="4" name="Рисунок 3"/>
+          <p:cNvPicPr/>
           <p:nvPr/>
-        </p:nvSpPr>
-        <p:spPr>
-          <a:xfrm>
-            <a:off x="228079" y="2144485"/>
-            <a:ext cx="11735842" cy="2569030"/>
+        </p:nvPicPr>
+        <p:blipFill>
+          <a:blip r:embed="rId2"/>
+          <a:stretch>
+            <a:fillRect/>
+          </a:stretch>
+        </p:blipFill>
+        <p:spPr>
+          <a:xfrm>
+            <a:off x="1339755" y="521436"/>
+            <a:ext cx="9512490" cy="6336564"/>
           </a:xfrm>
           <a:prstGeom prst="rect">
             <a:avLst/>
           </a:prstGeom>
         </p:spPr>
-        <p:txBody>
-          <a:bodyPr vert="horz" lIns="91440" tIns="45720" rIns="91440" bIns="45720" rtlCol="0" anchor="ctr">
-            <a:noAutofit/>
+      </p:pic>
+      <p:sp>
+        <p:nvSpPr>
+          <p:cNvPr id="5" name="Прямоугольник 4"/>
+          <p:cNvSpPr/>
+          <p:nvPr/>
+        </p:nvSpPr>
+        <p:spPr>
+          <a:xfrm>
+            <a:off x="152049" y="0"/>
+            <a:ext cx="11887903" cy="523220"/>
+          </a:xfrm>
+          <a:prstGeom prst="rect">
+            <a:avLst/>
+          </a:prstGeom>
+        </p:spPr>
+        <p:txBody>
+          <a:bodyPr wrap="square">
+            <a:spAutoFit/>
           </a:bodyPr>
-          <a:lstStyle>
-            <a:lvl1pPr algn="l" defTabSz="914400" rtl="0" eaLnBrk="1" latinLnBrk="0" hangingPunct="1">
-              <a:lnSpc>
-                <a:spcPct val="90000"/>
-              </a:lnSpc>
-              <a:spcBef>
-                <a:spcPct val="0"/>
-              </a:spcBef>
-              <a:buNone/>
-              <a:defRPr sz="4400" kern="1200">
-                <a:solidFill>
-                  <a:schemeClr val="tx1"/>
-                </a:solidFill>
+          <a:lstStyle/>
+          <a:p>
+            <a:pPr algn="ctr"/>
+            <a:r>
+              <a:rPr lang="ru-RU" sz="2800" dirty="0" smtClean="0">
                 <a:latin typeface="+mj-lt"/>
-                <a:ea typeface="+mj-ea"/>
-                <a:cs typeface="+mj-cs"/>
-              </a:defRPr>
-            </a:lvl1pPr>
-          </a:lstStyle>
-          <a:p>
-            <a:pPr algn="ctr"/>
-            <a:r>
-              <a:rPr lang="ru-RU" sz="8000" dirty="0" smtClean="0"/>
-              <a:t>Архитектура программной системы</a:t>
-            </a:r>
-            <a:endParaRPr lang="ru-RU" sz="8000" dirty="0"/>
+              </a:rPr>
+              <a:t>Высокоуровневая архитектура основных компонентов гибридной системы</a:t>
+            </a:r>
+            <a:endParaRPr lang="ru-RU" sz="2800" dirty="0">
+              <a:latin typeface="+mj-lt"/>
+            </a:endParaRPr>
           </a:p>
         </p:txBody>
       </p:sp>
     </p:spTree>
     <p:extLst>
       <p:ext uri="{BB962C8B-B14F-4D97-AF65-F5344CB8AC3E}">
-        <p14:creationId xmlns:p14="http://schemas.microsoft.com/office/powerpoint/2010/main" val="1519161513"/>
+        <p14:creationId xmlns:p14="http://schemas.microsoft.com/office/powerpoint/2010/main" val="3746434453"/>
       </p:ext>
     </p:extLst>
   </p:cSld>
@@ -7490,66 +6842,72 @@
           <a:chExt cx="0" cy="0"/>
         </a:xfrm>
       </p:grpSpPr>
-      <p:pic>
-        <p:nvPicPr>
-          <p:cNvPr id="4" name="Рисунок 3"/>
-          <p:cNvPicPr/>
+      <p:sp>
+        <p:nvSpPr>
+          <p:cNvPr id="3" name="Прямоугольник 2"/>
+          <p:cNvSpPr/>
           <p:nvPr/>
-        </p:nvPicPr>
-        <p:blipFill>
-          <a:blip r:embed="rId2"/>
-          <a:stretch>
-            <a:fillRect/>
-          </a:stretch>
-        </p:blipFill>
-        <p:spPr>
-          <a:xfrm>
-            <a:off x="1339755" y="521436"/>
-            <a:ext cx="9512490" cy="6336564"/>
+        </p:nvSpPr>
+        <p:spPr>
+          <a:xfrm>
+            <a:off x="1268397" y="0"/>
+            <a:ext cx="9655207" cy="646331"/>
           </a:xfrm>
           <a:prstGeom prst="rect">
             <a:avLst/>
           </a:prstGeom>
         </p:spPr>
-      </p:pic>
-      <p:sp>
-        <p:nvSpPr>
-          <p:cNvPr id="5" name="Прямоугольник 4"/>
-          <p:cNvSpPr/>
+        <p:txBody>
+          <a:bodyPr wrap="none">
+            <a:spAutoFit/>
+          </a:bodyPr>
+          <a:lstStyle/>
+          <a:p>
+            <a:r>
+              <a:rPr lang="ru-RU" sz="3600" dirty="0" smtClean="0">
+                <a:latin typeface="+mj-lt"/>
+              </a:rPr>
+              <a:t>Диаграмма классов компонента нейронной сети</a:t>
+            </a:r>
+            <a:endParaRPr lang="ru-RU" sz="3600" dirty="0">
+              <a:latin typeface="+mj-lt"/>
+            </a:endParaRPr>
+          </a:p>
+        </p:txBody>
+      </p:sp>
+      <p:pic>
+        <p:nvPicPr>
+          <p:cNvPr id="5" name="Рисунок 4"/>
+          <p:cNvPicPr>
+            <a:picLocks noChangeAspect="1"/>
+          </p:cNvPicPr>
           <p:nvPr/>
-        </p:nvSpPr>
-        <p:spPr>
-          <a:xfrm>
-            <a:off x="152049" y="0"/>
-            <a:ext cx="11887903" cy="523220"/>
+        </p:nvPicPr>
+        <p:blipFill rotWithShape="1">
+          <a:blip r:embed="rId2">
+            <a:extLst>
+              <a:ext uri="{28A0092B-C50C-407E-A947-70E740481C1C}">
+                <a14:useLocalDpi xmlns:a14="http://schemas.microsoft.com/office/drawing/2010/main" val="0"/>
+              </a:ext>
+            </a:extLst>
+          </a:blip>
+          <a:srcRect t="18100" b="14161"/>
+          <a:stretch/>
+        </p:blipFill>
+        <p:spPr>
+          <a:xfrm>
+            <a:off x="0" y="1676401"/>
+            <a:ext cx="12192000" cy="4368800"/>
           </a:xfrm>
           <a:prstGeom prst="rect">
             <a:avLst/>
           </a:prstGeom>
         </p:spPr>
-        <p:txBody>
-          <a:bodyPr wrap="square">
-            <a:spAutoFit/>
-          </a:bodyPr>
-          <a:lstStyle/>
-          <a:p>
-            <a:pPr algn="ctr"/>
-            <a:r>
-              <a:rPr lang="ru-RU" sz="2800" dirty="0" smtClean="0">
-                <a:latin typeface="+mj-lt"/>
-              </a:rPr>
-              <a:t>Высокоуровневая архитектура основных компонентов гибридной системы</a:t>
-            </a:r>
-            <a:endParaRPr lang="ru-RU" sz="2800" dirty="0">
-              <a:latin typeface="+mj-lt"/>
-            </a:endParaRPr>
-          </a:p>
-        </p:txBody>
-      </p:sp>
+      </p:pic>
     </p:spTree>
     <p:extLst>
       <p:ext uri="{BB962C8B-B14F-4D97-AF65-F5344CB8AC3E}">
-        <p14:creationId xmlns:p14="http://schemas.microsoft.com/office/powerpoint/2010/main" val="3746434453"/>
+        <p14:creationId xmlns:p14="http://schemas.microsoft.com/office/powerpoint/2010/main" val="1605308272"/>
       </p:ext>
     </p:extLst>
   </p:cSld>
@@ -7596,8 +6954,8 @@
         </p:nvSpPr>
         <p:spPr>
           <a:xfrm>
-            <a:off x="1268397" y="0"/>
-            <a:ext cx="9655207" cy="646331"/>
+            <a:off x="4236" y="0"/>
+            <a:ext cx="12183528" cy="646331"/>
           </a:xfrm>
           <a:prstGeom prst="rect">
             <a:avLst/>
@@ -7613,7 +6971,7 @@
               <a:rPr lang="ru-RU" sz="3600" dirty="0" smtClean="0">
                 <a:latin typeface="+mj-lt"/>
               </a:rPr>
-              <a:t>Диаграмма классов компонента нейронной сети</a:t>
+              <a:t>Диаграмма классов компонента построения нейронной сети</a:t>
             </a:r>
             <a:endParaRPr lang="ru-RU" sz="3600" dirty="0">
               <a:latin typeface="+mj-lt"/>
@@ -7629,7 +6987,7 @@
           </p:cNvPicPr>
           <p:nvPr/>
         </p:nvPicPr>
-        <p:blipFill rotWithShape="1">
+        <p:blipFill>
           <a:blip r:embed="rId2">
             <a:extLst>
               <a:ext uri="{28A0092B-C50C-407E-A947-70E740481C1C}">
@@ -7637,13 +6995,14 @@
               </a:ext>
             </a:extLst>
           </a:blip>
-          <a:srcRect t="18100" b="14161"/>
-          <a:stretch/>
+          <a:stretch>
+            <a:fillRect/>
+          </a:stretch>
         </p:blipFill>
         <p:spPr>
           <a:xfrm>
-            <a:off x="0" y="1676401"/>
-            <a:ext cx="12192000" cy="4368800"/>
+            <a:off x="288474" y="1055687"/>
+            <a:ext cx="11615051" cy="4748213"/>
           </a:xfrm>
           <a:prstGeom prst="rect">
             <a:avLst/>
@@ -7653,7 +7012,7 @@
     </p:spTree>
     <p:extLst>
       <p:ext uri="{BB962C8B-B14F-4D97-AF65-F5344CB8AC3E}">
-        <p14:creationId xmlns:p14="http://schemas.microsoft.com/office/powerpoint/2010/main" val="1605308272"/>
+        <p14:creationId xmlns:p14="http://schemas.microsoft.com/office/powerpoint/2010/main" val="1996999891"/>
       </p:ext>
     </p:extLst>
   </p:cSld>
@@ -7694,14 +7053,14 @@
       </p:grpSpPr>
       <p:sp>
         <p:nvSpPr>
-          <p:cNvPr id="3" name="Прямоугольник 2"/>
+          <p:cNvPr id="4" name="Прямоугольник 3"/>
           <p:cNvSpPr/>
           <p:nvPr/>
         </p:nvSpPr>
         <p:spPr>
           <a:xfrm>
-            <a:off x="4236" y="0"/>
-            <a:ext cx="12183528" cy="646331"/>
+            <a:off x="300183" y="0"/>
+            <a:ext cx="11591635" cy="646331"/>
           </a:xfrm>
           <a:prstGeom prst="rect">
             <a:avLst/>
@@ -7717,7 +7076,7 @@
               <a:rPr lang="ru-RU" sz="3600" dirty="0" smtClean="0">
                 <a:latin typeface="+mj-lt"/>
               </a:rPr>
-              <a:t>Диаграмма классов компонента построения нейронной сети</a:t>
+              <a:t>Диаграмма классов компонента обучения нейронной сети</a:t>
             </a:r>
             <a:endParaRPr lang="ru-RU" sz="3600" dirty="0">
               <a:latin typeface="+mj-lt"/>
@@ -7727,7 +7086,7 @@
       </p:sp>
       <p:pic>
         <p:nvPicPr>
-          <p:cNvPr id="5" name="Рисунок 4"/>
+          <p:cNvPr id="2" name="Рисунок 1"/>
           <p:cNvPicPr>
             <a:picLocks noChangeAspect="1"/>
           </p:cNvPicPr>
@@ -7747,8 +7106,8 @@
         </p:blipFill>
         <p:spPr>
           <a:xfrm>
-            <a:off x="288474" y="1055687"/>
-            <a:ext cx="11615051" cy="4748213"/>
+            <a:off x="0" y="998537"/>
+            <a:ext cx="11967578" cy="4449763"/>
           </a:xfrm>
           <a:prstGeom prst="rect">
             <a:avLst/>
@@ -7758,7 +7117,7 @@
     </p:spTree>
     <p:extLst>
       <p:ext uri="{BB962C8B-B14F-4D97-AF65-F5344CB8AC3E}">
-        <p14:creationId xmlns:p14="http://schemas.microsoft.com/office/powerpoint/2010/main" val="1996999891"/>
+        <p14:creationId xmlns:p14="http://schemas.microsoft.com/office/powerpoint/2010/main" val="4157549777"/>
       </p:ext>
     </p:extLst>
   </p:cSld>
@@ -7799,30 +7158,37 @@
       </p:grpSpPr>
       <p:sp>
         <p:nvSpPr>
-          <p:cNvPr id="4" name="Прямоугольник 3"/>
+          <p:cNvPr id="3" name="Прямоугольник 2"/>
           <p:cNvSpPr/>
           <p:nvPr/>
         </p:nvSpPr>
         <p:spPr>
           <a:xfrm>
-            <a:off x="300183" y="0"/>
-            <a:ext cx="11591635" cy="646331"/>
+            <a:off x="1244601" y="0"/>
+            <a:ext cx="9702798" cy="1200329"/>
           </a:xfrm>
           <a:prstGeom prst="rect">
             <a:avLst/>
           </a:prstGeom>
         </p:spPr>
         <p:txBody>
-          <a:bodyPr wrap="none">
+          <a:bodyPr wrap="square">
             <a:spAutoFit/>
           </a:bodyPr>
           <a:lstStyle/>
           <a:p>
+            <a:pPr algn="ctr"/>
+            <a:r>
+              <a:rPr lang="ru-RU" sz="3600" dirty="0">
+                <a:latin typeface="+mj-lt"/>
+              </a:rPr>
+              <a:t>Д</a:t>
+            </a:r>
             <a:r>
               <a:rPr lang="ru-RU" sz="3600" dirty="0" smtClean="0">
                 <a:latin typeface="+mj-lt"/>
               </a:rPr>
-              <a:t>Диаграмма классов компонента обучения нейронной сети</a:t>
+              <a:t>иаграмма классов основных компонентов нейросетевого модуля</a:t>
             </a:r>
             <a:endParaRPr lang="ru-RU" sz="3600" dirty="0">
               <a:latin typeface="+mj-lt"/>
@@ -7852,8 +7218,8 @@
         </p:blipFill>
         <p:spPr>
           <a:xfrm>
-            <a:off x="0" y="998537"/>
-            <a:ext cx="11967578" cy="4449763"/>
+            <a:off x="1346200" y="1079450"/>
+            <a:ext cx="8973006" cy="5892849"/>
           </a:xfrm>
           <a:prstGeom prst="rect">
             <a:avLst/>
@@ -7863,7 +7229,7 @@
     </p:spTree>
     <p:extLst>
       <p:ext uri="{BB962C8B-B14F-4D97-AF65-F5344CB8AC3E}">
-        <p14:creationId xmlns:p14="http://schemas.microsoft.com/office/powerpoint/2010/main" val="4157549777"/>
+        <p14:creationId xmlns:p14="http://schemas.microsoft.com/office/powerpoint/2010/main" val="2585158333"/>
       </p:ext>
     </p:extLst>
   </p:cSld>
@@ -7904,78 +7270,58 @@
       </p:grpSpPr>
       <p:sp>
         <p:nvSpPr>
-          <p:cNvPr id="3" name="Прямоугольник 2"/>
-          <p:cNvSpPr/>
+          <p:cNvPr id="2" name="Заголовок 1"/>
+          <p:cNvSpPr txBox="1">
+            <a:spLocks/>
+          </p:cNvSpPr>
           <p:nvPr/>
         </p:nvSpPr>
         <p:spPr>
           <a:xfrm>
-            <a:off x="1244601" y="0"/>
-            <a:ext cx="9702798" cy="1200329"/>
+            <a:off x="228079" y="2886605"/>
+            <a:ext cx="11735842" cy="1084791"/>
           </a:xfrm>
           <a:prstGeom prst="rect">
             <a:avLst/>
           </a:prstGeom>
         </p:spPr>
         <p:txBody>
-          <a:bodyPr wrap="square">
-            <a:spAutoFit/>
+          <a:bodyPr vert="horz" lIns="91440" tIns="45720" rIns="91440" bIns="45720" rtlCol="0" anchor="ctr">
+            <a:noAutofit/>
           </a:bodyPr>
-          <a:lstStyle/>
+          <a:lstStyle>
+            <a:lvl1pPr algn="l" defTabSz="914400" rtl="0" eaLnBrk="1" latinLnBrk="0" hangingPunct="1">
+              <a:lnSpc>
+                <a:spcPct val="90000"/>
+              </a:lnSpc>
+              <a:spcBef>
+                <a:spcPct val="0"/>
+              </a:spcBef>
+              <a:buNone/>
+              <a:defRPr sz="4400" kern="1200">
+                <a:solidFill>
+                  <a:schemeClr val="tx1"/>
+                </a:solidFill>
+                <a:latin typeface="+mj-lt"/>
+                <a:ea typeface="+mj-ea"/>
+                <a:cs typeface="+mj-cs"/>
+              </a:defRPr>
+            </a:lvl1pPr>
+          </a:lstStyle>
           <a:p>
             <a:pPr algn="ctr"/>
             <a:r>
-              <a:rPr lang="ru-RU" sz="3600" dirty="0">
-                <a:latin typeface="+mj-lt"/>
-              </a:rPr>
-              <a:t>Д</a:t>
-            </a:r>
-            <a:r>
-              <a:rPr lang="ru-RU" sz="3600" dirty="0" smtClean="0">
-                <a:latin typeface="+mj-lt"/>
-              </a:rPr>
-              <a:t>иаграмма классов основных компонентов нейросетевого модуля</a:t>
-            </a:r>
-            <a:endParaRPr lang="ru-RU" sz="3600" dirty="0">
-              <a:latin typeface="+mj-lt"/>
-            </a:endParaRPr>
-          </a:p>
-        </p:txBody>
-      </p:sp>
-      <p:pic>
-        <p:nvPicPr>
-          <p:cNvPr id="2" name="Рисунок 1"/>
-          <p:cNvPicPr>
-            <a:picLocks noChangeAspect="1"/>
-          </p:cNvPicPr>
-          <p:nvPr/>
-        </p:nvPicPr>
-        <p:blipFill>
-          <a:blip r:embed="rId2">
-            <a:extLst>
-              <a:ext uri="{28A0092B-C50C-407E-A947-70E740481C1C}">
-                <a14:useLocalDpi xmlns:a14="http://schemas.microsoft.com/office/drawing/2010/main" val="0"/>
-              </a:ext>
-            </a:extLst>
-          </a:blip>
-          <a:stretch>
-            <a:fillRect/>
-          </a:stretch>
-        </p:blipFill>
-        <p:spPr>
-          <a:xfrm>
-            <a:off x="1346200" y="1079450"/>
-            <a:ext cx="8973006" cy="5892849"/>
-          </a:xfrm>
-          <a:prstGeom prst="rect">
-            <a:avLst/>
-          </a:prstGeom>
-        </p:spPr>
-      </p:pic>
+              <a:rPr lang="ru-RU" sz="8000" dirty="0" smtClean="0"/>
+              <a:t>Реализация</a:t>
+            </a:r>
+            <a:endParaRPr lang="ru-RU" sz="8000" dirty="0"/>
+          </a:p>
+        </p:txBody>
+      </p:sp>
     </p:spTree>
     <p:extLst>
       <p:ext uri="{BB962C8B-B14F-4D97-AF65-F5344CB8AC3E}">
-        <p14:creationId xmlns:p14="http://schemas.microsoft.com/office/powerpoint/2010/main" val="2585158333"/>
+        <p14:creationId xmlns:p14="http://schemas.microsoft.com/office/powerpoint/2010/main" val="1068945722"/>
       </p:ext>
     </p:extLst>
   </p:cSld>
@@ -8016,58 +7362,163 @@
       </p:grpSpPr>
       <p:sp>
         <p:nvSpPr>
-          <p:cNvPr id="2" name="Заголовок 1"/>
-          <p:cNvSpPr txBox="1">
-            <a:spLocks/>
-          </p:cNvSpPr>
+          <p:cNvPr id="2" name="Прямоугольник 1"/>
+          <p:cNvSpPr/>
           <p:nvPr/>
         </p:nvSpPr>
         <p:spPr>
           <a:xfrm>
-            <a:off x="228079" y="2886605"/>
-            <a:ext cx="11735842" cy="1084791"/>
+            <a:off x="3840480" y="0"/>
+            <a:ext cx="4511040" cy="646331"/>
           </a:xfrm>
           <a:prstGeom prst="rect">
             <a:avLst/>
           </a:prstGeom>
         </p:spPr>
         <p:txBody>
-          <a:bodyPr vert="horz" lIns="91440" tIns="45720" rIns="91440" bIns="45720" rtlCol="0" anchor="ctr">
-            <a:noAutofit/>
+          <a:bodyPr wrap="square">
+            <a:spAutoFit/>
           </a:bodyPr>
-          <a:lstStyle>
-            <a:lvl1pPr algn="l" defTabSz="914400" rtl="0" eaLnBrk="1" latinLnBrk="0" hangingPunct="1">
+          <a:lstStyle/>
+          <a:p>
+            <a:pPr algn="ctr"/>
+            <a:r>
+              <a:rPr lang="ru-RU" sz="3600" dirty="0" smtClean="0">
+                <a:latin typeface="+mj-lt"/>
+              </a:rPr>
+              <a:t>Входной формат</a:t>
+            </a:r>
+            <a:endParaRPr lang="ru-RU" sz="3600" dirty="0">
+              <a:latin typeface="+mj-lt"/>
+            </a:endParaRPr>
+          </a:p>
+        </p:txBody>
+      </p:sp>
+      <p:pic>
+        <p:nvPicPr>
+          <p:cNvPr id="3" name="Рисунок 2"/>
+          <p:cNvPicPr>
+            <a:picLocks noChangeAspect="1"/>
+          </p:cNvPicPr>
+          <p:nvPr/>
+        </p:nvPicPr>
+        <p:blipFill rotWithShape="1">
+          <a:blip r:embed="rId2"/>
+          <a:srcRect r="43993"/>
+          <a:stretch/>
+        </p:blipFill>
+        <p:spPr>
+          <a:xfrm>
+            <a:off x="8351520" y="768251"/>
+            <a:ext cx="2532380" cy="5917600"/>
+          </a:xfrm>
+          <a:prstGeom prst="rect">
+            <a:avLst/>
+          </a:prstGeom>
+        </p:spPr>
+      </p:pic>
+      <p:sp>
+        <p:nvSpPr>
+          <p:cNvPr id="4" name="Прямоугольник 3"/>
+          <p:cNvSpPr/>
+          <p:nvPr/>
+        </p:nvSpPr>
+        <p:spPr>
+          <a:xfrm>
+            <a:off x="187846" y="837480"/>
+            <a:ext cx="2291336" cy="2860783"/>
+          </a:xfrm>
+          <a:prstGeom prst="rect">
+            <a:avLst/>
+          </a:prstGeom>
+        </p:spPr>
+        <p:txBody>
+          <a:bodyPr wrap="square">
+            <a:spAutoFit/>
+          </a:bodyPr>
+          <a:lstStyle/>
+          <a:p>
+            <a:pPr algn="just">
               <a:lnSpc>
-                <a:spcPct val="90000"/>
+                <a:spcPct val="130000"/>
               </a:lnSpc>
-              <a:spcBef>
-                <a:spcPct val="0"/>
-              </a:spcBef>
-              <a:buNone/>
-              <a:defRPr sz="4400" kern="1200">
-                <a:solidFill>
-                  <a:schemeClr val="tx1"/>
-                </a:solidFill>
-                <a:latin typeface="+mj-lt"/>
-                <a:ea typeface="+mj-ea"/>
-                <a:cs typeface="+mj-cs"/>
-              </a:defRPr>
-            </a:lvl1pPr>
-          </a:lstStyle>
-          <a:p>
-            <a:pPr algn="ctr"/>
-            <a:r>
-              <a:rPr lang="ru-RU" sz="8000" dirty="0" smtClean="0"/>
-              <a:t>Реализация</a:t>
-            </a:r>
-            <a:endParaRPr lang="ru-RU" sz="8000" dirty="0"/>
-          </a:p>
-        </p:txBody>
-      </p:sp>
+              <a:spcAft>
+                <a:spcPts val="0"/>
+              </a:spcAft>
+              <a:tabLst>
+                <a:tab pos="180340" algn="l"/>
+              </a:tabLst>
+            </a:pPr>
+            <a:r>
+              <a:rPr lang="en-US" sz="2000" dirty="0" smtClean="0">
+                <a:ea typeface="Times New Roman" panose="02020603050405020304" pitchFamily="18" charset="0"/>
+              </a:rPr>
+              <a:t>JSON</a:t>
+            </a:r>
+            <a:r>
+              <a:rPr lang="ru-RU" sz="2000" dirty="0" smtClean="0">
+                <a:ea typeface="Times New Roman" panose="02020603050405020304" pitchFamily="18" charset="0"/>
+              </a:rPr>
+              <a:t>, содержащий массив </a:t>
+            </a:r>
+            <a:r>
+              <a:rPr lang="en-US" sz="2000" dirty="0" smtClean="0">
+                <a:ea typeface="Times New Roman" panose="02020603050405020304" pitchFamily="18" charset="0"/>
+              </a:rPr>
+              <a:t>nodes – </a:t>
+            </a:r>
+            <a:r>
+              <a:rPr lang="ru-RU" sz="2000" dirty="0" smtClean="0">
+                <a:ea typeface="Times New Roman" panose="02020603050405020304" pitchFamily="18" charset="0"/>
+              </a:rPr>
+              <a:t>объекты-узлы с различными аттрибутами и массив </a:t>
+            </a:r>
+            <a:r>
+              <a:rPr lang="en-US" sz="2000" dirty="0" smtClean="0">
+                <a:ea typeface="Times New Roman" panose="02020603050405020304" pitchFamily="18" charset="0"/>
+              </a:rPr>
+              <a:t>links – </a:t>
+            </a:r>
+            <a:r>
+              <a:rPr lang="ru-RU" sz="2000" dirty="0" smtClean="0">
+                <a:ea typeface="Times New Roman" panose="02020603050405020304" pitchFamily="18" charset="0"/>
+              </a:rPr>
+              <a:t>объекты-связи</a:t>
+            </a:r>
+            <a:endParaRPr lang="ru-RU" sz="2000" dirty="0">
+              <a:ea typeface="Times New Roman" panose="02020603050405020304" pitchFamily="18" charset="0"/>
+            </a:endParaRPr>
+          </a:p>
+        </p:txBody>
+      </p:sp>
+      <p:pic>
+        <p:nvPicPr>
+          <p:cNvPr id="5" name="Рисунок 4"/>
+          <p:cNvPicPr>
+            <a:picLocks noChangeAspect="1"/>
+          </p:cNvPicPr>
+          <p:nvPr/>
+        </p:nvPicPr>
+        <p:blipFill>
+          <a:blip r:embed="rId3"/>
+          <a:stretch>
+            <a:fillRect/>
+          </a:stretch>
+        </p:blipFill>
+        <p:spPr>
+          <a:xfrm>
+            <a:off x="2578193" y="768251"/>
+            <a:ext cx="5079907" cy="5891937"/>
+          </a:xfrm>
+          <a:prstGeom prst="rect">
+            <a:avLst/>
+          </a:prstGeom>
+        </p:spPr>
+      </p:pic>
     </p:spTree>
     <p:extLst>
       <p:ext uri="{BB962C8B-B14F-4D97-AF65-F5344CB8AC3E}">
-        <p14:creationId xmlns:p14="http://schemas.microsoft.com/office/powerpoint/2010/main" val="1068945722"/>
+        <p14:creationId xmlns:p14="http://schemas.microsoft.com/office/powerpoint/2010/main" val="3559241344"/>
       </p:ext>
     </p:extLst>
   </p:cSld>
@@ -8108,7 +7559,7 @@
       </p:grpSpPr>
       <p:sp>
         <p:nvSpPr>
-          <p:cNvPr id="2" name="Прямоугольник 1"/>
+          <p:cNvPr id="3" name="Прямоугольник 2"/>
           <p:cNvSpPr/>
           <p:nvPr/>
         </p:nvSpPr>
@@ -8132,7 +7583,7 @@
               <a:rPr lang="ru-RU" sz="3600" dirty="0" smtClean="0">
                 <a:latin typeface="+mj-lt"/>
               </a:rPr>
-              <a:t>Входной формат</a:t>
+              <a:t>Интерфейс эксперта</a:t>
             </a:r>
             <a:endParaRPr lang="ru-RU" sz="3600" dirty="0">
               <a:latin typeface="+mj-lt"/>
@@ -8140,29 +7591,6 @@
           </a:p>
         </p:txBody>
       </p:sp>
-      <p:pic>
-        <p:nvPicPr>
-          <p:cNvPr id="3" name="Рисунок 2"/>
-          <p:cNvPicPr>
-            <a:picLocks noChangeAspect="1"/>
-          </p:cNvPicPr>
-          <p:nvPr/>
-        </p:nvPicPr>
-        <p:blipFill rotWithShape="1">
-          <a:blip r:embed="rId2"/>
-          <a:srcRect r="43993"/>
-          <a:stretch/>
-        </p:blipFill>
-        <p:spPr>
-          <a:xfrm>
-            <a:off x="8351520" y="768251"/>
-            <a:ext cx="2532380" cy="5917600"/>
-          </a:xfrm>
-          <a:prstGeom prst="rect">
-            <a:avLst/>
-          </a:prstGeom>
-        </p:spPr>
-      </p:pic>
       <p:sp>
         <p:nvSpPr>
           <p:cNvPr id="4" name="Прямоугольник 3"/>
@@ -8171,8 +7599,8 @@
         </p:nvSpPr>
         <p:spPr>
           <a:xfrm>
-            <a:off x="187846" y="837480"/>
-            <a:ext cx="2291336" cy="2860783"/>
+            <a:off x="50544" y="708462"/>
+            <a:ext cx="3789936" cy="3661002"/>
           </a:xfrm>
           <a:prstGeom prst="rect">
             <a:avLst/>
@@ -8196,40 +7624,74 @@
               </a:tabLst>
             </a:pPr>
             <a:r>
+              <a:rPr lang="ru-RU" sz="2000" dirty="0" smtClean="0">
+                <a:ea typeface="Times New Roman" panose="02020603050405020304" pitchFamily="18" charset="0"/>
+              </a:rPr>
+              <a:t>Генерируется </a:t>
+            </a:r>
+            <a:r>
               <a:rPr lang="en-US" sz="2000" dirty="0" smtClean="0">
                 <a:ea typeface="Times New Roman" panose="02020603050405020304" pitchFamily="18" charset="0"/>
               </a:rPr>
-              <a:t>JSON</a:t>
+              <a:t>XML </a:t>
             </a:r>
             <a:r>
               <a:rPr lang="ru-RU" sz="2000" dirty="0" smtClean="0">
                 <a:ea typeface="Times New Roman" panose="02020603050405020304" pitchFamily="18" charset="0"/>
               </a:rPr>
-              <a:t>, содержащий массив </a:t>
+              <a:t>любым средством рисования графа. При разработке использовался бесплатный сервис </a:t>
             </a:r>
             <a:r>
               <a:rPr lang="en-US" sz="2000" dirty="0" smtClean="0">
                 <a:ea typeface="Times New Roman" panose="02020603050405020304" pitchFamily="18" charset="0"/>
               </a:rPr>
-              <a:t>nodes – </a:t>
+              <a:t>draw.io</a:t>
             </a:r>
             <a:r>
               <a:rPr lang="ru-RU" sz="2000" dirty="0" smtClean="0">
                 <a:ea typeface="Times New Roman" panose="02020603050405020304" pitchFamily="18" charset="0"/>
               </a:rPr>
-              <a:t>объекты-узлы с различными аттрибутами и массив </a:t>
-            </a:r>
+              <a:t/>
+            </a:r>
+            <a:br>
+              <a:rPr lang="ru-RU" sz="2000" dirty="0" smtClean="0">
+                <a:ea typeface="Times New Roman" panose="02020603050405020304" pitchFamily="18" charset="0"/>
+              </a:rPr>
+            </a:br>
             <a:r>
               <a:rPr lang="en-US" sz="2000" dirty="0" smtClean="0">
                 <a:ea typeface="Times New Roman" panose="02020603050405020304" pitchFamily="18" charset="0"/>
               </a:rPr>
-              <a:t>links – </a:t>
+              <a:t/>
+            </a:r>
+            <a:br>
+              <a:rPr lang="en-US" sz="2000" dirty="0" smtClean="0">
+                <a:ea typeface="Times New Roman" panose="02020603050405020304" pitchFamily="18" charset="0"/>
+              </a:rPr>
+            </a:br>
+            <a:r>
+              <a:rPr lang="en-US" sz="2000" dirty="0" smtClean="0">
+                <a:ea typeface="Times New Roman" panose="02020603050405020304" pitchFamily="18" charset="0"/>
+              </a:rPr>
+              <a:t>XML </a:t>
             </a:r>
             <a:r>
               <a:rPr lang="ru-RU" sz="2000" dirty="0" smtClean="0">
                 <a:ea typeface="Times New Roman" panose="02020603050405020304" pitchFamily="18" charset="0"/>
               </a:rPr>
-              <a:t>объекты-связи</a:t>
+              <a:t>преобразуется в </a:t>
+            </a:r>
+            <a:r>
+              <a:rPr lang="en-US" sz="2000" dirty="0" smtClean="0">
+                <a:ea typeface="Times New Roman" panose="02020603050405020304" pitchFamily="18" charset="0"/>
+              </a:rPr>
+              <a:t>json, </a:t>
+            </a:r>
+            <a:r>
+              <a:rPr lang="ru-RU" sz="2000" dirty="0" smtClean="0">
+                <a:ea typeface="Times New Roman" panose="02020603050405020304" pitchFamily="18" charset="0"/>
+              </a:rPr>
+              <a:t>соответствующий входному формату для построения нейронной сети</a:t>
             </a:r>
             <a:endParaRPr lang="ru-RU" sz="2000" dirty="0">
               <a:ea typeface="Times New Roman" panose="02020603050405020304" pitchFamily="18" charset="0"/>
@@ -8246,15 +7708,15 @@
           <p:nvPr/>
         </p:nvPicPr>
         <p:blipFill>
-          <a:blip r:embed="rId3"/>
+          <a:blip r:embed="rId2"/>
           <a:stretch>
             <a:fillRect/>
           </a:stretch>
         </p:blipFill>
         <p:spPr>
           <a:xfrm>
-            <a:off x="2578193" y="768251"/>
-            <a:ext cx="5079907" cy="5891937"/>
+            <a:off x="4267949" y="646330"/>
+            <a:ext cx="7987735" cy="4979769"/>
           </a:xfrm>
           <a:prstGeom prst="rect">
             <a:avLst/>
@@ -8264,7 +7726,7 @@
     </p:spTree>
     <p:extLst>
       <p:ext uri="{BB962C8B-B14F-4D97-AF65-F5344CB8AC3E}">
-        <p14:creationId xmlns:p14="http://schemas.microsoft.com/office/powerpoint/2010/main" val="3559241344"/>
+        <p14:creationId xmlns:p14="http://schemas.microsoft.com/office/powerpoint/2010/main" val="1394593205"/>
       </p:ext>
     </p:extLst>
   </p:cSld>
@@ -8463,14 +7925,14 @@
       </p:grpSpPr>
       <p:sp>
         <p:nvSpPr>
-          <p:cNvPr id="3" name="Прямоугольник 2"/>
+          <p:cNvPr id="2" name="Прямоугольник 2"/>
           <p:cNvSpPr/>
           <p:nvPr/>
         </p:nvSpPr>
         <p:spPr>
           <a:xfrm>
-            <a:off x="3840480" y="0"/>
-            <a:ext cx="4511040" cy="646331"/>
+            <a:off x="2847591" y="0"/>
+            <a:ext cx="6496818" cy="646331"/>
           </a:xfrm>
           <a:prstGeom prst="rect">
             <a:avLst/>
@@ -8487,7 +7949,7 @@
               <a:rPr lang="ru-RU" sz="3600" dirty="0" smtClean="0">
                 <a:latin typeface="+mj-lt"/>
               </a:rPr>
-              <a:t>Интерфейс эксперта</a:t>
+              <a:t>Построение нейронной сети</a:t>
             </a:r>
             <a:endParaRPr lang="ru-RU" sz="3600" dirty="0">
               <a:latin typeface="+mj-lt"/>
@@ -8497,140 +7959,190 @@
       </p:sp>
       <p:sp>
         <p:nvSpPr>
-          <p:cNvPr id="4" name="Прямоугольник 3"/>
-          <p:cNvSpPr/>
+          <p:cNvPr id="3" name="TextBox 2"/>
+          <p:cNvSpPr txBox="1"/>
           <p:nvPr/>
         </p:nvSpPr>
         <p:spPr>
           <a:xfrm>
-            <a:off x="50544" y="708462"/>
-            <a:ext cx="3789936" cy="3661002"/>
+            <a:off x="342633" y="2984500"/>
+            <a:ext cx="2371162" cy="369332"/>
           </a:xfrm>
           <a:prstGeom prst="rect">
             <a:avLst/>
           </a:prstGeom>
-        </p:spPr>
-        <p:txBody>
-          <a:bodyPr wrap="square">
+          <a:noFill/>
+        </p:spPr>
+        <p:txBody>
+          <a:bodyPr wrap="none" rtlCol="0">
             <a:spAutoFit/>
           </a:bodyPr>
           <a:lstStyle/>
           <a:p>
-            <a:pPr algn="just">
-              <a:lnSpc>
-                <a:spcPct val="130000"/>
-              </a:lnSpc>
-              <a:spcAft>
-                <a:spcPts val="0"/>
-              </a:spcAft>
-              <a:tabLst>
-                <a:tab pos="180340" algn="l"/>
-              </a:tabLst>
-            </a:pPr>
-            <a:r>
-              <a:rPr lang="ru-RU" sz="2000" dirty="0" smtClean="0">
-                <a:ea typeface="Times New Roman" panose="02020603050405020304" pitchFamily="18" charset="0"/>
-              </a:rPr>
-              <a:t>Генерируется </a:t>
-            </a:r>
-            <a:r>
-              <a:rPr lang="en-US" sz="2000" dirty="0" smtClean="0">
-                <a:ea typeface="Times New Roman" panose="02020603050405020304" pitchFamily="18" charset="0"/>
-              </a:rPr>
-              <a:t>XML </a:t>
-            </a:r>
-            <a:r>
-              <a:rPr lang="ru-RU" sz="2000" dirty="0" smtClean="0">
-                <a:ea typeface="Times New Roman" panose="02020603050405020304" pitchFamily="18" charset="0"/>
-              </a:rPr>
-              <a:t>любым средством рисования графа. При разработке использовался бесплатный сервис </a:t>
-            </a:r>
-            <a:r>
-              <a:rPr lang="en-US" sz="2000" dirty="0" smtClean="0">
-                <a:ea typeface="Times New Roman" panose="02020603050405020304" pitchFamily="18" charset="0"/>
-              </a:rPr>
-              <a:t>draw.io</a:t>
-            </a:r>
-            <a:r>
-              <a:rPr lang="ru-RU" sz="2000" dirty="0" smtClean="0">
-                <a:ea typeface="Times New Roman" panose="02020603050405020304" pitchFamily="18" charset="0"/>
-              </a:rPr>
-              <a:t/>
-            </a:r>
-            <a:br>
-              <a:rPr lang="ru-RU" sz="2000" dirty="0" smtClean="0">
-                <a:ea typeface="Times New Roman" panose="02020603050405020304" pitchFamily="18" charset="0"/>
-              </a:rPr>
-            </a:br>
-            <a:r>
-              <a:rPr lang="en-US" sz="2000" dirty="0" smtClean="0">
-                <a:ea typeface="Times New Roman" panose="02020603050405020304" pitchFamily="18" charset="0"/>
-              </a:rPr>
-              <a:t/>
-            </a:r>
-            <a:br>
-              <a:rPr lang="en-US" sz="2000" dirty="0" smtClean="0">
-                <a:ea typeface="Times New Roman" panose="02020603050405020304" pitchFamily="18" charset="0"/>
-              </a:rPr>
-            </a:br>
-            <a:r>
-              <a:rPr lang="en-US" sz="2000" dirty="0" smtClean="0">
-                <a:ea typeface="Times New Roman" panose="02020603050405020304" pitchFamily="18" charset="0"/>
-              </a:rPr>
-              <a:t>XML </a:t>
-            </a:r>
-            <a:r>
-              <a:rPr lang="ru-RU" sz="2000" dirty="0" smtClean="0">
-                <a:ea typeface="Times New Roman" panose="02020603050405020304" pitchFamily="18" charset="0"/>
-              </a:rPr>
-              <a:t>преобразуется в </a:t>
-            </a:r>
-            <a:r>
-              <a:rPr lang="en-US" sz="2000" dirty="0" smtClean="0">
-                <a:ea typeface="Times New Roman" panose="02020603050405020304" pitchFamily="18" charset="0"/>
-              </a:rPr>
-              <a:t>json, </a:t>
-            </a:r>
-            <a:r>
-              <a:rPr lang="ru-RU" sz="2000" dirty="0" smtClean="0">
-                <a:ea typeface="Times New Roman" panose="02020603050405020304" pitchFamily="18" charset="0"/>
-              </a:rPr>
-              <a:t>соответствующий входному формату для построения нейронной сети</a:t>
-            </a:r>
-            <a:endParaRPr lang="ru-RU" sz="2000" dirty="0">
-              <a:ea typeface="Times New Roman" panose="02020603050405020304" pitchFamily="18" charset="0"/>
-            </a:endParaRPr>
-          </a:p>
-        </p:txBody>
-      </p:sp>
-      <p:pic>
-        <p:nvPicPr>
-          <p:cNvPr id="5" name="Рисунок 4"/>
-          <p:cNvPicPr>
-            <a:picLocks noChangeAspect="1"/>
-          </p:cNvPicPr>
+            <a:r>
+              <a:rPr lang="en-US" dirty="0" smtClean="0"/>
+              <a:t>JSON: </a:t>
+            </a:r>
+            <a:r>
+              <a:rPr lang="ru-RU" dirty="0" smtClean="0"/>
+              <a:t>Описание графа</a:t>
+            </a:r>
+            <a:endParaRPr lang="ru-RU" dirty="0"/>
+          </a:p>
+        </p:txBody>
+      </p:sp>
+      <p:sp>
+        <p:nvSpPr>
+          <p:cNvPr id="4" name="TextBox 3"/>
+          <p:cNvSpPr txBox="1"/>
           <p:nvPr/>
-        </p:nvPicPr>
-        <p:blipFill>
-          <a:blip r:embed="rId2"/>
-          <a:stretch>
-            <a:fillRect/>
-          </a:stretch>
-        </p:blipFill>
-        <p:spPr>
-          <a:xfrm>
-            <a:off x="4267949" y="646330"/>
-            <a:ext cx="7987735" cy="4979769"/>
+        </p:nvSpPr>
+        <p:spPr>
+          <a:xfrm>
+            <a:off x="7993112" y="2984500"/>
+            <a:ext cx="3309624" cy="369332"/>
           </a:xfrm>
           <a:prstGeom prst="rect">
             <a:avLst/>
           </a:prstGeom>
-        </p:spPr>
-      </p:pic>
+          <a:noFill/>
+        </p:spPr>
+        <p:txBody>
+          <a:bodyPr wrap="none" rtlCol="0">
+            <a:spAutoFit/>
+          </a:bodyPr>
+          <a:lstStyle/>
+          <a:p>
+            <a:r>
+              <a:rPr lang="en-US" dirty="0" smtClean="0"/>
+              <a:t>JSON-</a:t>
+            </a:r>
+            <a:r>
+              <a:rPr lang="ru-RU" dirty="0" smtClean="0"/>
+              <a:t>описание нейронной сети</a:t>
+            </a:r>
+            <a:endParaRPr lang="ru-RU" dirty="0"/>
+          </a:p>
+        </p:txBody>
+      </p:sp>
+      <p:sp>
+        <p:nvSpPr>
+          <p:cNvPr id="5" name="Notched Right Arrow 4"/>
+          <p:cNvSpPr/>
+          <p:nvPr/>
+        </p:nvSpPr>
+        <p:spPr>
+          <a:xfrm>
+            <a:off x="2713795" y="2984500"/>
+            <a:ext cx="1800784" cy="357920"/>
+          </a:xfrm>
+          <a:prstGeom prst="notchedRightArrow">
+            <a:avLst/>
+          </a:prstGeom>
+        </p:spPr>
+        <p:style>
+          <a:lnRef idx="2">
+            <a:schemeClr val="accent3">
+              <a:shade val="50000"/>
+            </a:schemeClr>
+          </a:lnRef>
+          <a:fillRef idx="1">
+            <a:schemeClr val="accent3"/>
+          </a:fillRef>
+          <a:effectRef idx="0">
+            <a:schemeClr val="accent3"/>
+          </a:effectRef>
+          <a:fontRef idx="minor">
+            <a:schemeClr val="lt1"/>
+          </a:fontRef>
+        </p:style>
+        <p:txBody>
+          <a:bodyPr rtlCol="0" anchor="ctr"/>
+          <a:lstStyle/>
+          <a:p>
+            <a:pPr algn="ctr"/>
+            <a:endParaRPr lang="ru-RU"/>
+          </a:p>
+        </p:txBody>
+      </p:sp>
+      <p:sp>
+        <p:nvSpPr>
+          <p:cNvPr id="6" name="TextBox 5"/>
+          <p:cNvSpPr txBox="1"/>
+          <p:nvPr/>
+        </p:nvSpPr>
+        <p:spPr>
+          <a:xfrm>
+            <a:off x="4514579" y="2984500"/>
+            <a:ext cx="1669303" cy="369332"/>
+          </a:xfrm>
+          <a:prstGeom prst="rect">
+            <a:avLst/>
+          </a:prstGeom>
+          <a:noFill/>
+        </p:spPr>
+        <p:txBody>
+          <a:bodyPr wrap="none" rtlCol="0">
+            <a:spAutoFit/>
+          </a:bodyPr>
+          <a:lstStyle/>
+          <a:p>
+            <a:r>
+              <a:rPr lang="ru-RU" dirty="0" smtClean="0"/>
+              <a:t>Модуль </a:t>
+            </a:r>
+            <a:r>
+              <a:rPr lang="en-US" dirty="0" smtClean="0"/>
+              <a:t>Builder</a:t>
+            </a:r>
+            <a:endParaRPr lang="ru-RU" dirty="0"/>
+          </a:p>
+        </p:txBody>
+      </p:sp>
+      <p:sp>
+        <p:nvSpPr>
+          <p:cNvPr id="7" name="Notched Right Arrow 6"/>
+          <p:cNvSpPr/>
+          <p:nvPr/>
+        </p:nvSpPr>
+        <p:spPr>
+          <a:xfrm>
+            <a:off x="6183882" y="2984500"/>
+            <a:ext cx="1800784" cy="357920"/>
+          </a:xfrm>
+          <a:prstGeom prst="notchedRightArrow">
+            <a:avLst/>
+          </a:prstGeom>
+        </p:spPr>
+        <p:style>
+          <a:lnRef idx="2">
+            <a:schemeClr val="accent3">
+              <a:shade val="50000"/>
+            </a:schemeClr>
+          </a:lnRef>
+          <a:fillRef idx="1">
+            <a:schemeClr val="accent3"/>
+          </a:fillRef>
+          <a:effectRef idx="0">
+            <a:schemeClr val="accent3"/>
+          </a:effectRef>
+          <a:fontRef idx="minor">
+            <a:schemeClr val="lt1"/>
+          </a:fontRef>
+        </p:style>
+        <p:txBody>
+          <a:bodyPr rtlCol="0" anchor="ctr"/>
+          <a:lstStyle/>
+          <a:p>
+            <a:pPr algn="ctr"/>
+            <a:endParaRPr lang="ru-RU"/>
+          </a:p>
+        </p:txBody>
+      </p:sp>
     </p:spTree>
     <p:extLst>
       <p:ext uri="{BB962C8B-B14F-4D97-AF65-F5344CB8AC3E}">
-        <p14:creationId xmlns:p14="http://schemas.microsoft.com/office/powerpoint/2010/main" val="1394593205"/>
+        <p14:creationId xmlns:p14="http://schemas.microsoft.com/office/powerpoint/2010/main" val="1438482140"/>
       </p:ext>
     </p:extLst>
   </p:cSld>
@@ -8669,226 +8181,68 @@
           <a:chExt cx="0" cy="0"/>
         </a:xfrm>
       </p:grpSpPr>
-      <p:sp>
-        <p:nvSpPr>
-          <p:cNvPr id="2" name="Прямоугольник 2"/>
-          <p:cNvSpPr/>
+      <p:pic>
+        <p:nvPicPr>
+          <p:cNvPr id="2" name="Рисунок 1"/>
+          <p:cNvPicPr>
+            <a:picLocks noChangeAspect="1"/>
+          </p:cNvPicPr>
           <p:nvPr/>
-        </p:nvSpPr>
-        <p:spPr>
-          <a:xfrm>
-            <a:off x="2847591" y="0"/>
-            <a:ext cx="6496818" cy="646331"/>
+        </p:nvPicPr>
+        <p:blipFill>
+          <a:blip r:embed="rId2"/>
+          <a:stretch>
+            <a:fillRect/>
+          </a:stretch>
+        </p:blipFill>
+        <p:spPr>
+          <a:xfrm>
+            <a:off x="1584959" y="909029"/>
+            <a:ext cx="9151619" cy="5673697"/>
           </a:xfrm>
           <a:prstGeom prst="rect">
             <a:avLst/>
           </a:prstGeom>
         </p:spPr>
-        <p:txBody>
-          <a:bodyPr wrap="square">
-            <a:spAutoFit/>
-          </a:bodyPr>
-          <a:lstStyle/>
-          <a:p>
-            <a:pPr algn="ctr"/>
-            <a:r>
-              <a:rPr lang="ru-RU" sz="3600" dirty="0" smtClean="0">
-                <a:latin typeface="+mj-lt"/>
-              </a:rPr>
-              <a:t>Построение нейронной сети</a:t>
-            </a:r>
-            <a:endParaRPr lang="ru-RU" sz="3600" dirty="0">
-              <a:latin typeface="+mj-lt"/>
-            </a:endParaRPr>
-          </a:p>
-        </p:txBody>
-      </p:sp>
-      <p:sp>
-        <p:nvSpPr>
-          <p:cNvPr id="3" name="TextBox 2"/>
-          <p:cNvSpPr txBox="1"/>
+      </p:pic>
+      <p:sp>
+        <p:nvSpPr>
+          <p:cNvPr id="3" name="Прямоугольник 2"/>
+          <p:cNvSpPr/>
           <p:nvPr/>
         </p:nvSpPr>
         <p:spPr>
           <a:xfrm>
-            <a:off x="342633" y="2984500"/>
-            <a:ext cx="2371162" cy="369332"/>
+            <a:off x="1425337" y="0"/>
+            <a:ext cx="9470862" cy="707886"/>
           </a:xfrm>
           <a:prstGeom prst="rect">
             <a:avLst/>
           </a:prstGeom>
-          <a:noFill/>
-        </p:spPr>
-        <p:txBody>
-          <a:bodyPr wrap="none" rtlCol="0">
+        </p:spPr>
+        <p:txBody>
+          <a:bodyPr wrap="none">
             <a:spAutoFit/>
           </a:bodyPr>
           <a:lstStyle/>
           <a:p>
-            <a:r>
-              <a:rPr lang="en-US" dirty="0" smtClean="0"/>
-              <a:t>JSON: </a:t>
-            </a:r>
-            <a:r>
-              <a:rPr lang="ru-RU" dirty="0" smtClean="0"/>
-              <a:t>Описание графа</a:t>
-            </a:r>
-            <a:endParaRPr lang="ru-RU" dirty="0"/>
-          </a:p>
-        </p:txBody>
-      </p:sp>
-      <p:sp>
-        <p:nvSpPr>
-          <p:cNvPr id="4" name="TextBox 3"/>
-          <p:cNvSpPr txBox="1"/>
-          <p:nvPr/>
-        </p:nvSpPr>
-        <p:spPr>
-          <a:xfrm>
-            <a:off x="7993112" y="2984500"/>
-            <a:ext cx="3309624" cy="369332"/>
-          </a:xfrm>
-          <a:prstGeom prst="rect">
-            <a:avLst/>
-          </a:prstGeom>
-          <a:noFill/>
-        </p:spPr>
-        <p:txBody>
-          <a:bodyPr wrap="none" rtlCol="0">
-            <a:spAutoFit/>
-          </a:bodyPr>
-          <a:lstStyle/>
-          <a:p>
-            <a:r>
-              <a:rPr lang="en-US" dirty="0" smtClean="0"/>
-              <a:t>JSON-</a:t>
-            </a:r>
-            <a:r>
-              <a:rPr lang="ru-RU" dirty="0" smtClean="0"/>
-              <a:t>описание нейронной сети</a:t>
-            </a:r>
-            <a:endParaRPr lang="ru-RU" dirty="0"/>
-          </a:p>
-        </p:txBody>
-      </p:sp>
-      <p:sp>
-        <p:nvSpPr>
-          <p:cNvPr id="5" name="Notched Right Arrow 4"/>
-          <p:cNvSpPr/>
-          <p:nvPr/>
-        </p:nvSpPr>
-        <p:spPr>
-          <a:xfrm>
-            <a:off x="2713795" y="2984500"/>
-            <a:ext cx="1800784" cy="357920"/>
-          </a:xfrm>
-          <a:prstGeom prst="notchedRightArrow">
-            <a:avLst/>
-          </a:prstGeom>
-        </p:spPr>
-        <p:style>
-          <a:lnRef idx="2">
-            <a:schemeClr val="accent3">
-              <a:shade val="50000"/>
-            </a:schemeClr>
-          </a:lnRef>
-          <a:fillRef idx="1">
-            <a:schemeClr val="accent3"/>
-          </a:fillRef>
-          <a:effectRef idx="0">
-            <a:schemeClr val="accent3"/>
-          </a:effectRef>
-          <a:fontRef idx="minor">
-            <a:schemeClr val="lt1"/>
-          </a:fontRef>
-        </p:style>
-        <p:txBody>
-          <a:bodyPr rtlCol="0" anchor="ctr"/>
-          <a:lstStyle/>
-          <a:p>
             <a:pPr algn="ctr"/>
-            <a:endParaRPr lang="ru-RU"/>
-          </a:p>
-        </p:txBody>
-      </p:sp>
-      <p:sp>
-        <p:nvSpPr>
-          <p:cNvPr id="6" name="TextBox 5"/>
-          <p:cNvSpPr txBox="1"/>
-          <p:nvPr/>
-        </p:nvSpPr>
-        <p:spPr>
-          <a:xfrm>
-            <a:off x="4514579" y="2984500"/>
-            <a:ext cx="1669303" cy="369332"/>
-          </a:xfrm>
-          <a:prstGeom prst="rect">
-            <a:avLst/>
-          </a:prstGeom>
-          <a:noFill/>
-        </p:spPr>
-        <p:txBody>
-          <a:bodyPr wrap="none" rtlCol="0">
-            <a:spAutoFit/>
-          </a:bodyPr>
-          <a:lstStyle/>
-          <a:p>
-            <a:r>
-              <a:rPr lang="ru-RU" dirty="0" smtClean="0"/>
-              <a:t>Модуль </a:t>
-            </a:r>
-            <a:r>
-              <a:rPr lang="en-US" dirty="0" smtClean="0"/>
-              <a:t>Builder</a:t>
-            </a:r>
-            <a:endParaRPr lang="ru-RU" dirty="0"/>
-          </a:p>
-        </p:txBody>
-      </p:sp>
-      <p:sp>
-        <p:nvSpPr>
-          <p:cNvPr id="7" name="Notched Right Arrow 6"/>
-          <p:cNvSpPr/>
-          <p:nvPr/>
-        </p:nvSpPr>
-        <p:spPr>
-          <a:xfrm>
-            <a:off x="6183882" y="2984500"/>
-            <a:ext cx="1800784" cy="357920"/>
-          </a:xfrm>
-          <a:prstGeom prst="notchedRightArrow">
-            <a:avLst/>
-          </a:prstGeom>
-        </p:spPr>
-        <p:style>
-          <a:lnRef idx="2">
-            <a:schemeClr val="accent3">
-              <a:shade val="50000"/>
-            </a:schemeClr>
-          </a:lnRef>
-          <a:fillRef idx="1">
-            <a:schemeClr val="accent3"/>
-          </a:fillRef>
-          <a:effectRef idx="0">
-            <a:schemeClr val="accent3"/>
-          </a:effectRef>
-          <a:fontRef idx="minor">
-            <a:schemeClr val="lt1"/>
-          </a:fontRef>
-        </p:style>
-        <p:txBody>
-          <a:bodyPr rtlCol="0" anchor="ctr"/>
-          <a:lstStyle/>
-          <a:p>
-            <a:pPr algn="ctr"/>
-            <a:endParaRPr lang="ru-RU"/>
+            <a:r>
+              <a:rPr lang="ru-RU" sz="4000" dirty="0" smtClean="0">
+                <a:latin typeface="+mj-lt"/>
+              </a:rPr>
+              <a:t>Визуализация полученной нейронной сети</a:t>
+            </a:r>
+            <a:endParaRPr lang="ru-RU" sz="4000" dirty="0">
+              <a:latin typeface="+mj-lt"/>
+            </a:endParaRPr>
           </a:p>
         </p:txBody>
       </p:sp>
     </p:spTree>
     <p:extLst>
       <p:ext uri="{BB962C8B-B14F-4D97-AF65-F5344CB8AC3E}">
-        <p14:creationId xmlns:p14="http://schemas.microsoft.com/office/powerpoint/2010/main" val="1438482140"/>
+        <p14:creationId xmlns:p14="http://schemas.microsoft.com/office/powerpoint/2010/main" val="2237764988"/>
       </p:ext>
     </p:extLst>
   </p:cSld>
@@ -8927,68 +8281,60 @@
           <a:chExt cx="0" cy="0"/>
         </a:xfrm>
       </p:grpSpPr>
-      <p:pic>
-        <p:nvPicPr>
-          <p:cNvPr id="2" name="Рисунок 1"/>
-          <p:cNvPicPr>
-            <a:picLocks noChangeAspect="1"/>
-          </p:cNvPicPr>
+      <p:sp>
+        <p:nvSpPr>
+          <p:cNvPr id="2" name="Заголовок 1"/>
+          <p:cNvSpPr txBox="1">
+            <a:spLocks/>
+          </p:cNvSpPr>
           <p:nvPr/>
-        </p:nvPicPr>
-        <p:blipFill>
-          <a:blip r:embed="rId2"/>
-          <a:stretch>
-            <a:fillRect/>
-          </a:stretch>
-        </p:blipFill>
-        <p:spPr>
-          <a:xfrm>
-            <a:off x="1584959" y="909029"/>
-            <a:ext cx="9151619" cy="5673697"/>
+        </p:nvSpPr>
+        <p:spPr>
+          <a:xfrm>
+            <a:off x="3591148" y="2828836"/>
+            <a:ext cx="5009705" cy="1200329"/>
           </a:xfrm>
           <a:prstGeom prst="rect">
             <a:avLst/>
           </a:prstGeom>
         </p:spPr>
-      </p:pic>
-      <p:sp>
-        <p:nvSpPr>
-          <p:cNvPr id="3" name="Прямоугольник 2"/>
-          <p:cNvSpPr/>
-          <p:nvPr/>
-        </p:nvSpPr>
-        <p:spPr>
-          <a:xfrm>
-            <a:off x="1425337" y="0"/>
-            <a:ext cx="9470862" cy="707886"/>
-          </a:xfrm>
-          <a:prstGeom prst="rect">
-            <a:avLst/>
-          </a:prstGeom>
-        </p:spPr>
-        <p:txBody>
-          <a:bodyPr wrap="none">
+        <p:txBody>
+          <a:bodyPr vert="horz" wrap="square" lIns="91440" tIns="45720" rIns="91440" bIns="45720" rtlCol="0" anchor="ctr">
             <a:spAutoFit/>
           </a:bodyPr>
-          <a:lstStyle/>
+          <a:lstStyle>
+            <a:lvl1pPr algn="l" defTabSz="914400" rtl="0" eaLnBrk="1" latinLnBrk="0" hangingPunct="1">
+              <a:lnSpc>
+                <a:spcPct val="90000"/>
+              </a:lnSpc>
+              <a:spcBef>
+                <a:spcPct val="0"/>
+              </a:spcBef>
+              <a:buNone/>
+              <a:defRPr sz="4400" kern="1200">
+                <a:solidFill>
+                  <a:schemeClr val="tx1"/>
+                </a:solidFill>
+                <a:latin typeface="+mj-lt"/>
+                <a:ea typeface="+mj-ea"/>
+                <a:cs typeface="+mj-cs"/>
+              </a:defRPr>
+            </a:lvl1pPr>
+          </a:lstStyle>
           <a:p>
             <a:pPr algn="ctr"/>
             <a:r>
-              <a:rPr lang="ru-RU" sz="4000" dirty="0" smtClean="0">
-                <a:latin typeface="+mj-lt"/>
-              </a:rPr>
-              <a:t>Визуализация полученной нейронной сети</a:t>
-            </a:r>
-            <a:endParaRPr lang="ru-RU" sz="4000" dirty="0">
-              <a:latin typeface="+mj-lt"/>
-            </a:endParaRPr>
+              <a:rPr lang="ru-RU" sz="8000" dirty="0" smtClean="0"/>
+              <a:t>Результаты</a:t>
+            </a:r>
+            <a:endParaRPr lang="ru-RU" sz="8000" dirty="0"/>
           </a:p>
         </p:txBody>
       </p:sp>
     </p:spTree>
     <p:extLst>
       <p:ext uri="{BB962C8B-B14F-4D97-AF65-F5344CB8AC3E}">
-        <p14:creationId xmlns:p14="http://schemas.microsoft.com/office/powerpoint/2010/main" val="2237764988"/>
+        <p14:creationId xmlns:p14="http://schemas.microsoft.com/office/powerpoint/2010/main" val="3704957239"/>
       </p:ext>
     </p:extLst>
   </p:cSld>
@@ -9035,15 +8381,15 @@
         </p:nvSpPr>
         <p:spPr>
           <a:xfrm>
-            <a:off x="3360165" y="0"/>
-            <a:ext cx="5601213" cy="707886"/>
+            <a:off x="252939" y="0"/>
+            <a:ext cx="3277772" cy="1323439"/>
           </a:xfrm>
           <a:prstGeom prst="rect">
             <a:avLst/>
           </a:prstGeom>
         </p:spPr>
         <p:txBody>
-          <a:bodyPr wrap="none">
+          <a:bodyPr wrap="square">
             <a:spAutoFit/>
           </a:bodyPr>
           <a:lstStyle/>
@@ -9053,7 +8399,7 @@
               <a:rPr lang="ru-RU" sz="4000" dirty="0" smtClean="0">
                 <a:latin typeface="+mj-lt"/>
               </a:rPr>
-              <a:t>Интерфейс пользователя</a:t>
+              <a:t>Тестовый граф решений</a:t>
             </a:r>
             <a:endParaRPr lang="ru-RU" sz="4000" dirty="0">
               <a:latin typeface="+mj-lt"/>
@@ -9061,10 +8407,34 @@
           </a:p>
         </p:txBody>
       </p:sp>
+      <p:pic>
+        <p:nvPicPr>
+          <p:cNvPr id="3" name="Picture 2"/>
+          <p:cNvPicPr>
+            <a:picLocks noChangeAspect="1"/>
+          </p:cNvPicPr>
+          <p:nvPr/>
+        </p:nvPicPr>
+        <p:blipFill>
+          <a:blip r:embed="rId2"/>
+          <a:stretch>
+            <a:fillRect/>
+          </a:stretch>
+        </p:blipFill>
+        <p:spPr>
+          <a:xfrm>
+            <a:off x="3657320" y="0"/>
+            <a:ext cx="8534680" cy="6858000"/>
+          </a:xfrm>
+          <a:prstGeom prst="rect">
+            <a:avLst/>
+          </a:prstGeom>
+        </p:spPr>
+      </p:pic>
     </p:spTree>
     <p:extLst>
       <p:ext uri="{BB962C8B-B14F-4D97-AF65-F5344CB8AC3E}">
-        <p14:creationId xmlns:p14="http://schemas.microsoft.com/office/powerpoint/2010/main" val="334275058"/>
+        <p14:creationId xmlns:p14="http://schemas.microsoft.com/office/powerpoint/2010/main" val="2460533143"/>
       </p:ext>
     </p:extLst>
   </p:cSld>
@@ -9103,78 +8473,154 @@
           <a:chExt cx="0" cy="0"/>
         </a:xfrm>
       </p:grpSpPr>
-      <p:sp>
-        <p:nvSpPr>
-          <p:cNvPr id="2" name="Заголовок 1"/>
-          <p:cNvSpPr txBox="1">
-            <a:spLocks/>
-          </p:cNvSpPr>
+      <p:pic>
+        <p:nvPicPr>
+          <p:cNvPr id="5" name="Рисунок 4"/>
+          <p:cNvPicPr>
+            <a:picLocks noChangeAspect="1"/>
+          </p:cNvPicPr>
           <p:nvPr/>
-        </p:nvSpPr>
-        <p:spPr>
-          <a:xfrm>
-            <a:off x="3591148" y="2828836"/>
-            <a:ext cx="5009705" cy="1200329"/>
+        </p:nvPicPr>
+        <p:blipFill>
+          <a:blip r:embed="rId2"/>
+          <a:stretch>
+            <a:fillRect/>
+          </a:stretch>
+        </p:blipFill>
+        <p:spPr>
+          <a:xfrm>
+            <a:off x="525878" y="99589"/>
+            <a:ext cx="5069164" cy="6645293"/>
           </a:xfrm>
           <a:prstGeom prst="rect">
             <a:avLst/>
           </a:prstGeom>
         </p:spPr>
-        <p:txBody>
-          <a:bodyPr vert="horz" wrap="square" lIns="91440" tIns="45720" rIns="91440" bIns="45720" rtlCol="0" anchor="ctr">
+      </p:pic>
+      <p:pic>
+        <p:nvPicPr>
+          <p:cNvPr id="6" name="Рисунок 5"/>
+          <p:cNvPicPr>
+            <a:picLocks noChangeAspect="1"/>
+          </p:cNvPicPr>
+          <p:nvPr/>
+        </p:nvPicPr>
+        <p:blipFill rotWithShape="1">
+          <a:blip r:embed="rId3"/>
+          <a:srcRect b="38158"/>
+          <a:stretch/>
+        </p:blipFill>
+        <p:spPr>
+          <a:xfrm>
+            <a:off x="5471783" y="77664"/>
+            <a:ext cx="5089405" cy="4123144"/>
+          </a:xfrm>
+          <a:prstGeom prst="rect">
+            <a:avLst/>
+          </a:prstGeom>
+        </p:spPr>
+      </p:pic>
+      <p:sp>
+        <p:nvSpPr>
+          <p:cNvPr id="7" name="Прямоугольник 6"/>
+          <p:cNvSpPr/>
+          <p:nvPr/>
+        </p:nvSpPr>
+        <p:spPr>
+          <a:xfrm>
+            <a:off x="5595042" y="4872680"/>
+            <a:ext cx="2555912" cy="1200329"/>
+          </a:xfrm>
+          <a:prstGeom prst="rect">
+            <a:avLst/>
+          </a:prstGeom>
+        </p:spPr>
+        <p:txBody>
+          <a:bodyPr wrap="square">
             <a:spAutoFit/>
           </a:bodyPr>
-          <a:lstStyle>
-            <a:lvl1pPr algn="l" defTabSz="914400" rtl="0" eaLnBrk="1" latinLnBrk="0" hangingPunct="1">
-              <a:lnSpc>
-                <a:spcPct val="90000"/>
-              </a:lnSpc>
-              <a:spcBef>
-                <a:spcPct val="0"/>
-              </a:spcBef>
-              <a:buNone/>
-              <a:defRPr sz="4400" kern="1200">
+          <a:lstStyle/>
+          <a:p>
+            <a:r>
+              <a:rPr lang="ru-RU" dirty="0" smtClean="0">
                 <a:solidFill>
-                  <a:schemeClr val="tx1"/>
+                  <a:schemeClr val="accent5">
+                    <a:lumMod val="50000"/>
+                  </a:schemeClr>
                 </a:solidFill>
-                <a:latin typeface="+mj-lt"/>
-                <a:ea typeface="+mj-ea"/>
-                <a:cs typeface="+mj-cs"/>
-              </a:defRPr>
-            </a:lvl1pPr>
-          </a:lstStyle>
-          <a:p>
-            <a:pPr algn="ctr"/>
-            <a:r>
-              <a:rPr lang="ru-RU" sz="8000" dirty="0" smtClean="0"/>
-              <a:t>Результаты</a:t>
-            </a:r>
-            <a:endParaRPr lang="ru-RU" sz="8000" dirty="0"/>
+              </a:rPr>
+              <a:t>NEURAL TIME: </a:t>
+            </a:r>
+            <a:endParaRPr lang="en-US" dirty="0" smtClean="0">
+              <a:solidFill>
+                <a:schemeClr val="accent5">
+                  <a:lumMod val="50000"/>
+                </a:schemeClr>
+              </a:solidFill>
+            </a:endParaRPr>
+          </a:p>
+          <a:p>
+            <a:r>
+              <a:rPr lang="ru-RU" dirty="0" smtClean="0">
+                <a:solidFill>
+                  <a:schemeClr val="accent5">
+                    <a:lumMod val="50000"/>
+                  </a:schemeClr>
+                </a:solidFill>
+              </a:rPr>
+              <a:t>0.018987655639648438</a:t>
+            </a:r>
+          </a:p>
+          <a:p>
+            <a:r>
+              <a:rPr lang="ru-RU" dirty="0" smtClean="0">
+                <a:solidFill>
+                  <a:schemeClr val="accent5">
+                    <a:lumMod val="50000"/>
+                  </a:schemeClr>
+                </a:solidFill>
+              </a:rPr>
+              <a:t>ANALYTIC TIME: </a:t>
+            </a:r>
+            <a:endParaRPr lang="en-US" dirty="0" smtClean="0">
+              <a:solidFill>
+                <a:schemeClr val="accent5">
+                  <a:lumMod val="50000"/>
+                </a:schemeClr>
+              </a:solidFill>
+            </a:endParaRPr>
+          </a:p>
+          <a:p>
+            <a:r>
+              <a:rPr lang="ru-RU" dirty="0" smtClean="0">
+                <a:solidFill>
+                  <a:schemeClr val="accent5">
+                    <a:lumMod val="50000"/>
+                  </a:schemeClr>
+                </a:solidFill>
+              </a:rPr>
+              <a:t>9.46300220489502</a:t>
+            </a:r>
+            <a:endParaRPr lang="ru-RU" dirty="0">
+              <a:solidFill>
+                <a:schemeClr val="accent5">
+                  <a:lumMod val="50000"/>
+                </a:schemeClr>
+              </a:solidFill>
+            </a:endParaRPr>
           </a:p>
         </p:txBody>
       </p:sp>
     </p:spTree>
     <p:extLst>
       <p:ext uri="{BB962C8B-B14F-4D97-AF65-F5344CB8AC3E}">
-        <p14:creationId xmlns:p14="http://schemas.microsoft.com/office/powerpoint/2010/main" val="3704957239"/>
+        <p14:creationId xmlns:p14="http://schemas.microsoft.com/office/powerpoint/2010/main" val="2411889774"/>
       </p:ext>
     </p:extLst>
   </p:cSld>
   <p:clrMapOvr>
     <a:masterClrMapping/>
   </p:clrMapOvr>
-  <mc:AlternateContent xmlns:mc="http://schemas.openxmlformats.org/markup-compatibility/2006" xmlns:p14="http://schemas.microsoft.com/office/powerpoint/2010/main">
-    <mc:Choice Requires="p14">
-      <p:transition spd="med" p14:dur="700">
-        <p:fade/>
-      </p:transition>
-    </mc:Choice>
-    <mc:Fallback xmlns="">
-      <p:transition spd="med">
-        <p:fade/>
-      </p:transition>
-    </mc:Fallback>
-  </mc:AlternateContent>
 </p:sld>
 </file>
 
@@ -9197,66 +8643,80 @@
       </p:grpSpPr>
       <p:sp>
         <p:nvSpPr>
-          <p:cNvPr id="2" name="Прямоугольник 2"/>
-          <p:cNvSpPr/>
+          <p:cNvPr id="3" name="TextBox 2"/>
+          <p:cNvSpPr txBox="1"/>
           <p:nvPr/>
         </p:nvSpPr>
         <p:spPr>
           <a:xfrm>
-            <a:off x="252939" y="0"/>
-            <a:ext cx="3277772" cy="1323439"/>
+            <a:off x="648950" y="1105175"/>
+            <a:ext cx="10781211" cy="3970318"/>
           </a:xfrm>
           <a:prstGeom prst="rect">
             <a:avLst/>
           </a:prstGeom>
-        </p:spPr>
-        <p:txBody>
-          <a:bodyPr wrap="square">
+          <a:noFill/>
+        </p:spPr>
+        <p:txBody>
+          <a:bodyPr wrap="square" rtlCol="0">
             <a:spAutoFit/>
           </a:bodyPr>
           <a:lstStyle/>
           <a:p>
-            <a:pPr algn="ctr"/>
-            <a:r>
-              <a:rPr lang="ru-RU" sz="4000" dirty="0" smtClean="0">
-                <a:latin typeface="+mj-lt"/>
-              </a:rPr>
-              <a:t>Тестовый граф решений</a:t>
-            </a:r>
-            <a:endParaRPr lang="ru-RU" sz="4000" dirty="0">
-              <a:latin typeface="+mj-lt"/>
-            </a:endParaRPr>
-          </a:p>
-        </p:txBody>
-      </p:sp>
-      <p:pic>
-        <p:nvPicPr>
-          <p:cNvPr id="3" name="Picture 2"/>
-          <p:cNvPicPr>
-            <a:picLocks noChangeAspect="1"/>
-          </p:cNvPicPr>
-          <p:nvPr/>
-        </p:nvPicPr>
-        <p:blipFill>
-          <a:blip r:embed="rId2"/>
-          <a:stretch>
-            <a:fillRect/>
-          </a:stretch>
-        </p:blipFill>
-        <p:spPr>
-          <a:xfrm>
-            <a:off x="3657320" y="0"/>
-            <a:ext cx="8534680" cy="6858000"/>
-          </a:xfrm>
-          <a:prstGeom prst="rect">
-            <a:avLst/>
-          </a:prstGeom>
-        </p:spPr>
-      </p:pic>
+            <a:pPr marL="342900" indent="-342900">
+              <a:lnSpc>
+                <a:spcPct val="150000"/>
+              </a:lnSpc>
+              <a:buAutoNum type="arabicPeriod"/>
+            </a:pPr>
+            <a:r>
+              <a:rPr lang="ru-RU" sz="2800" dirty="0" smtClean="0"/>
+              <a:t>Разработана концепция нейросетевого модуля гибридной системы интеллектуальной поддержки</a:t>
+            </a:r>
+          </a:p>
+          <a:p>
+            <a:pPr marL="342900" indent="-342900">
+              <a:lnSpc>
+                <a:spcPct val="150000"/>
+              </a:lnSpc>
+              <a:buAutoNum type="arabicPeriod"/>
+            </a:pPr>
+            <a:r>
+              <a:rPr lang="ru-RU" sz="2800" dirty="0" smtClean="0"/>
+              <a:t>Разработана архитектура нейросетевого модуля</a:t>
+            </a:r>
+          </a:p>
+          <a:p>
+            <a:pPr marL="342900" indent="-342900">
+              <a:lnSpc>
+                <a:spcPct val="150000"/>
+              </a:lnSpc>
+              <a:buAutoNum type="arabicPeriod"/>
+            </a:pPr>
+            <a:r>
+              <a:rPr lang="ru-RU" sz="2800" dirty="0" smtClean="0"/>
+              <a:t>Написана программная реализация в достаточном объеме</a:t>
+            </a:r>
+          </a:p>
+          <a:p>
+            <a:pPr marL="342900" indent="-342900">
+              <a:lnSpc>
+                <a:spcPct val="150000"/>
+              </a:lnSpc>
+              <a:buAutoNum type="arabicPeriod"/>
+            </a:pPr>
+            <a:r>
+              <a:rPr lang="ru-RU" sz="2800" dirty="0" smtClean="0"/>
+              <a:t>Выполнено сравнение результатов работы нейросетевого и аналитического модуля</a:t>
+            </a:r>
+            <a:endParaRPr lang="ru-RU" sz="2800" dirty="0"/>
+          </a:p>
+        </p:txBody>
+      </p:sp>
     </p:spTree>
     <p:extLst>
       <p:ext uri="{BB962C8B-B14F-4D97-AF65-F5344CB8AC3E}">
-        <p14:creationId xmlns:p14="http://schemas.microsoft.com/office/powerpoint/2010/main" val="2460533143"/>
+        <p14:creationId xmlns:p14="http://schemas.microsoft.com/office/powerpoint/2010/main" val="1976054824"/>
       </p:ext>
     </p:extLst>
   </p:cSld>
@@ -9303,8 +8763,8 @@
         </p:nvSpPr>
         <p:spPr>
           <a:xfrm>
-            <a:off x="3805809" y="0"/>
-            <a:ext cx="4709944" cy="707886"/>
+            <a:off x="4703632" y="0"/>
+            <a:ext cx="2784737" cy="707886"/>
           </a:xfrm>
           <a:prstGeom prst="rect">
             <a:avLst/>
@@ -9321,7 +8781,7 @@
               <a:rPr lang="ru-RU" sz="4000" dirty="0" smtClean="0">
                 <a:latin typeface="+mj-lt"/>
               </a:rPr>
-              <a:t>Таблица результатов</a:t>
+              <a:t>Публикация</a:t>
             </a:r>
             <a:endParaRPr lang="ru-RU" sz="4000" dirty="0">
               <a:latin typeface="+mj-lt"/>
@@ -9329,10 +8789,51 @@
           </a:p>
         </p:txBody>
       </p:sp>
+      <p:sp>
+        <p:nvSpPr>
+          <p:cNvPr id="3" name="Прямоугольник 2"/>
+          <p:cNvSpPr/>
+          <p:nvPr/>
+        </p:nvSpPr>
+        <p:spPr>
+          <a:xfrm>
+            <a:off x="934016" y="2988816"/>
+            <a:ext cx="10323969" cy="880369"/>
+          </a:xfrm>
+          <a:prstGeom prst="rect">
+            <a:avLst/>
+          </a:prstGeom>
+        </p:spPr>
+        <p:txBody>
+          <a:bodyPr wrap="square">
+            <a:spAutoFit/>
+          </a:bodyPr>
+          <a:lstStyle/>
+          <a:p>
+            <a:pPr lvl="0" algn="ctr">
+              <a:lnSpc>
+                <a:spcPct val="150000"/>
+              </a:lnSpc>
+              <a:spcAft>
+                <a:spcPts val="0"/>
+              </a:spcAft>
+            </a:pPr>
+            <a:r>
+              <a:rPr lang="en-US" dirty="0">
+                <a:ea typeface="Times New Roman" panose="02020603050405020304" pitchFamily="18" charset="0"/>
+              </a:rPr>
+              <a:t>Тимофеев А.Е., Алявдин А.В., Полунин Д.С. Реализация гибридной интеллектуальной обучающей среды продукционного типа // 23-я Нижегородская сессия молодых ученых. – 2018.</a:t>
+            </a:r>
+            <a:endParaRPr lang="ru-RU" dirty="0">
+              <a:ea typeface="Times New Roman" panose="02020603050405020304" pitchFamily="18" charset="0"/>
+            </a:endParaRPr>
+          </a:p>
+        </p:txBody>
+      </p:sp>
     </p:spTree>
     <p:extLst>
       <p:ext uri="{BB962C8B-B14F-4D97-AF65-F5344CB8AC3E}">
-        <p14:creationId xmlns:p14="http://schemas.microsoft.com/office/powerpoint/2010/main" val="3623344428"/>
+        <p14:creationId xmlns:p14="http://schemas.microsoft.com/office/powerpoint/2010/main" val="2097780678"/>
       </p:ext>
     </p:extLst>
   </p:cSld>
@@ -9355,120 +8856,6 @@
 </file>
 
 <file path=ppt/slides/slide37.xml><?xml version="1.0" encoding="utf-8"?>
-<p:sld xmlns:a="http://schemas.openxmlformats.org/drawingml/2006/main" xmlns:r="http://schemas.openxmlformats.org/officeDocument/2006/relationships" xmlns:p="http://schemas.openxmlformats.org/presentationml/2006/main">
-  <p:cSld>
-    <p:spTree>
-      <p:nvGrpSpPr>
-        <p:cNvPr id="1" name=""/>
-        <p:cNvGrpSpPr/>
-        <p:nvPr/>
-      </p:nvGrpSpPr>
-      <p:grpSpPr>
-        <a:xfrm>
-          <a:off x="0" y="0"/>
-          <a:ext cx="0" cy="0"/>
-          <a:chOff x="0" y="0"/>
-          <a:chExt cx="0" cy="0"/>
-        </a:xfrm>
-      </p:grpSpPr>
-      <p:sp>
-        <p:nvSpPr>
-          <p:cNvPr id="3" name="TextBox 2"/>
-          <p:cNvSpPr txBox="1"/>
-          <p:nvPr/>
-        </p:nvSpPr>
-        <p:spPr>
-          <a:xfrm>
-            <a:off x="648950" y="1105175"/>
-            <a:ext cx="10781211" cy="3970318"/>
-          </a:xfrm>
-          <a:prstGeom prst="rect">
-            <a:avLst/>
-          </a:prstGeom>
-          <a:noFill/>
-        </p:spPr>
-        <p:txBody>
-          <a:bodyPr wrap="square" rtlCol="0">
-            <a:spAutoFit/>
-          </a:bodyPr>
-          <a:lstStyle/>
-          <a:p>
-            <a:pPr marL="342900" indent="-342900">
-              <a:lnSpc>
-                <a:spcPct val="150000"/>
-              </a:lnSpc>
-              <a:buAutoNum type="arabicPeriod"/>
-            </a:pPr>
-            <a:r>
-              <a:rPr lang="ru-RU" sz="2800" dirty="0" smtClean="0"/>
-              <a:t>Разработана концепция нейросетевого модуля гибридной системы интеллектуальной поддержки</a:t>
-            </a:r>
-          </a:p>
-          <a:p>
-            <a:pPr marL="342900" indent="-342900">
-              <a:lnSpc>
-                <a:spcPct val="150000"/>
-              </a:lnSpc>
-              <a:buAutoNum type="arabicPeriod"/>
-            </a:pPr>
-            <a:r>
-              <a:rPr lang="ru-RU" sz="2800" dirty="0" smtClean="0"/>
-              <a:t>Разработана архитектура нейросетевого модуля</a:t>
-            </a:r>
-          </a:p>
-          <a:p>
-            <a:pPr marL="342900" indent="-342900">
-              <a:lnSpc>
-                <a:spcPct val="150000"/>
-              </a:lnSpc>
-              <a:buAutoNum type="arabicPeriod"/>
-            </a:pPr>
-            <a:r>
-              <a:rPr lang="ru-RU" sz="2800" dirty="0" smtClean="0"/>
-              <a:t>Написана программная реализация в достаточном объеме</a:t>
-            </a:r>
-          </a:p>
-          <a:p>
-            <a:pPr marL="342900" indent="-342900">
-              <a:lnSpc>
-                <a:spcPct val="150000"/>
-              </a:lnSpc>
-              <a:buAutoNum type="arabicPeriod"/>
-            </a:pPr>
-            <a:r>
-              <a:rPr lang="ru-RU" sz="2800" dirty="0" smtClean="0"/>
-              <a:t>Выполнено сравнение результатов работы нейросетевого и аналитического модуля</a:t>
-            </a:r>
-            <a:endParaRPr lang="ru-RU" sz="2800" dirty="0"/>
-          </a:p>
-        </p:txBody>
-      </p:sp>
-    </p:spTree>
-    <p:extLst>
-      <p:ext uri="{BB962C8B-B14F-4D97-AF65-F5344CB8AC3E}">
-        <p14:creationId xmlns:p14="http://schemas.microsoft.com/office/powerpoint/2010/main" val="1976054824"/>
-      </p:ext>
-    </p:extLst>
-  </p:cSld>
-  <p:clrMapOvr>
-    <a:masterClrMapping/>
-  </p:clrMapOvr>
-  <mc:AlternateContent xmlns:mc="http://schemas.openxmlformats.org/markup-compatibility/2006" xmlns:p14="http://schemas.microsoft.com/office/powerpoint/2010/main">
-    <mc:Choice Requires="p14">
-      <p:transition spd="med" p14:dur="700">
-        <p:fade/>
-      </p:transition>
-    </mc:Choice>
-    <mc:Fallback xmlns="">
-      <p:transition spd="med">
-        <p:fade/>
-      </p:transition>
-    </mc:Fallback>
-  </mc:AlternateContent>
-</p:sld>
-</file>
-
-<file path=ppt/slides/slide38.xml><?xml version="1.0" encoding="utf-8"?>
 <p:sld xmlns:a="http://schemas.openxmlformats.org/drawingml/2006/main" xmlns:r="http://schemas.openxmlformats.org/officeDocument/2006/relationships" xmlns:p="http://schemas.openxmlformats.org/presentationml/2006/main">
   <p:cSld>
     <p:spTree>
